--- a/CHOUETTE AGENCE.pptx
+++ b/CHOUETTE AGENCE.pptx
@@ -10,21 +10,20 @@
     <p:sldId id="257" r:id="rId4"/>
     <p:sldId id="263" r:id="rId5"/>
     <p:sldId id="262" r:id="rId6"/>
-    <p:sldId id="275" r:id="rId7"/>
-    <p:sldId id="258" r:id="rId8"/>
-    <p:sldId id="261" r:id="rId9"/>
-    <p:sldId id="267" r:id="rId10"/>
-    <p:sldId id="276" r:id="rId11"/>
+    <p:sldId id="273" r:id="rId7"/>
+    <p:sldId id="275" r:id="rId8"/>
+    <p:sldId id="258" r:id="rId9"/>
+    <p:sldId id="261" r:id="rId10"/>
+    <p:sldId id="267" r:id="rId11"/>
     <p:sldId id="277" r:id="rId12"/>
     <p:sldId id="266" r:id="rId13"/>
     <p:sldId id="268" r:id="rId14"/>
-    <p:sldId id="271" r:id="rId15"/>
-    <p:sldId id="265" r:id="rId16"/>
-    <p:sldId id="272" r:id="rId17"/>
-    <p:sldId id="259" r:id="rId18"/>
-    <p:sldId id="273" r:id="rId19"/>
-    <p:sldId id="270" r:id="rId20"/>
-    <p:sldId id="260" r:id="rId21"/>
+    <p:sldId id="259" r:id="rId15"/>
+    <p:sldId id="271" r:id="rId16"/>
+    <p:sldId id="265" r:id="rId17"/>
+    <p:sldId id="272" r:id="rId18"/>
+    <p:sldId id="270" r:id="rId19"/>
+    <p:sldId id="260" r:id="rId20"/>
   </p:sldIdLst>
   <p:sldSz cx="12192000" cy="6858000"/>
   <p:notesSz cx="6858000" cy="9144000"/>
@@ -262,7 +261,7 @@
           <a:p>
             <a:fld id="{79049A12-6D64-4FC5-8C45-D8F5AEFED95C}" type="datetimeFigureOut">
               <a:rPr lang="fr-FR" smtClean="0"/>
-              <a:t>11/02/2022</a:t>
+              <a:t>12/02/2022</a:t>
             </a:fld>
             <a:endParaRPr lang="fr-FR"/>
           </a:p>
@@ -432,7 +431,7 @@
           <a:p>
             <a:fld id="{79049A12-6D64-4FC5-8C45-D8F5AEFED95C}" type="datetimeFigureOut">
               <a:rPr lang="fr-FR" smtClean="0"/>
-              <a:t>11/02/2022</a:t>
+              <a:t>12/02/2022</a:t>
             </a:fld>
             <a:endParaRPr lang="fr-FR"/>
           </a:p>
@@ -612,7 +611,7 @@
           <a:p>
             <a:fld id="{79049A12-6D64-4FC5-8C45-D8F5AEFED95C}" type="datetimeFigureOut">
               <a:rPr lang="fr-FR" smtClean="0"/>
-              <a:t>11/02/2022</a:t>
+              <a:t>12/02/2022</a:t>
             </a:fld>
             <a:endParaRPr lang="fr-FR"/>
           </a:p>
@@ -782,7 +781,7 @@
           <a:p>
             <a:fld id="{79049A12-6D64-4FC5-8C45-D8F5AEFED95C}" type="datetimeFigureOut">
               <a:rPr lang="fr-FR" smtClean="0"/>
-              <a:t>11/02/2022</a:t>
+              <a:t>12/02/2022</a:t>
             </a:fld>
             <a:endParaRPr lang="fr-FR"/>
           </a:p>
@@ -1028,7 +1027,7 @@
           <a:p>
             <a:fld id="{79049A12-6D64-4FC5-8C45-D8F5AEFED95C}" type="datetimeFigureOut">
               <a:rPr lang="fr-FR" smtClean="0"/>
-              <a:t>11/02/2022</a:t>
+              <a:t>12/02/2022</a:t>
             </a:fld>
             <a:endParaRPr lang="fr-FR"/>
           </a:p>
@@ -1260,7 +1259,7 @@
           <a:p>
             <a:fld id="{79049A12-6D64-4FC5-8C45-D8F5AEFED95C}" type="datetimeFigureOut">
               <a:rPr lang="fr-FR" smtClean="0"/>
-              <a:t>11/02/2022</a:t>
+              <a:t>12/02/2022</a:t>
             </a:fld>
             <a:endParaRPr lang="fr-FR"/>
           </a:p>
@@ -1627,7 +1626,7 @@
           <a:p>
             <a:fld id="{79049A12-6D64-4FC5-8C45-D8F5AEFED95C}" type="datetimeFigureOut">
               <a:rPr lang="fr-FR" smtClean="0"/>
-              <a:t>11/02/2022</a:t>
+              <a:t>12/02/2022</a:t>
             </a:fld>
             <a:endParaRPr lang="fr-FR"/>
           </a:p>
@@ -1745,7 +1744,7 @@
           <a:p>
             <a:fld id="{79049A12-6D64-4FC5-8C45-D8F5AEFED95C}" type="datetimeFigureOut">
               <a:rPr lang="fr-FR" smtClean="0"/>
-              <a:t>11/02/2022</a:t>
+              <a:t>12/02/2022</a:t>
             </a:fld>
             <a:endParaRPr lang="fr-FR"/>
           </a:p>
@@ -1840,7 +1839,7 @@
           <a:p>
             <a:fld id="{79049A12-6D64-4FC5-8C45-D8F5AEFED95C}" type="datetimeFigureOut">
               <a:rPr lang="fr-FR" smtClean="0"/>
-              <a:t>11/02/2022</a:t>
+              <a:t>12/02/2022</a:t>
             </a:fld>
             <a:endParaRPr lang="fr-FR"/>
           </a:p>
@@ -2117,7 +2116,7 @@
           <a:p>
             <a:fld id="{79049A12-6D64-4FC5-8C45-D8F5AEFED95C}" type="datetimeFigureOut">
               <a:rPr lang="fr-FR" smtClean="0"/>
-              <a:t>11/02/2022</a:t>
+              <a:t>12/02/2022</a:t>
             </a:fld>
             <a:endParaRPr lang="fr-FR"/>
           </a:p>
@@ -2370,7 +2369,7 @@
           <a:p>
             <a:fld id="{79049A12-6D64-4FC5-8C45-D8F5AEFED95C}" type="datetimeFigureOut">
               <a:rPr lang="fr-FR" smtClean="0"/>
-              <a:t>11/02/2022</a:t>
+              <a:t>12/02/2022</a:t>
             </a:fld>
             <a:endParaRPr lang="fr-FR"/>
           </a:p>
@@ -2583,7 +2582,7 @@
           <a:p>
             <a:fld id="{79049A12-6D64-4FC5-8C45-D8F5AEFED95C}" type="datetimeFigureOut">
               <a:rPr lang="fr-FR" smtClean="0"/>
-              <a:t>11/02/2022</a:t>
+              <a:t>12/02/2022</a:t>
             </a:fld>
             <a:endParaRPr lang="fr-FR"/>
           </a:p>
@@ -3332,6 +3331,49 @@
       </p:grpSpPr>
       <p:sp>
         <p:nvSpPr>
+          <p:cNvPr id="6" name="Rectangle à coins arrondis 5"/>
+          <p:cNvSpPr/>
+          <p:nvPr/>
+        </p:nvSpPr>
+        <p:spPr>
+          <a:xfrm>
+            <a:off x="2520315" y="410686"/>
+            <a:ext cx="7029450" cy="1234440"/>
+          </a:xfrm>
+          <a:prstGeom prst="roundRect">
+            <a:avLst/>
+          </a:prstGeom>
+          <a:solidFill>
+            <a:srgbClr val="CF384A"/>
+          </a:solidFill>
+        </p:spPr>
+        <p:style>
+          <a:lnRef idx="2">
+            <a:schemeClr val="accent1">
+              <a:shade val="50000"/>
+            </a:schemeClr>
+          </a:lnRef>
+          <a:fillRef idx="1">
+            <a:schemeClr val="accent1"/>
+          </a:fillRef>
+          <a:effectRef idx="0">
+            <a:schemeClr val="accent1"/>
+          </a:effectRef>
+          <a:fontRef idx="minor">
+            <a:schemeClr val="lt1"/>
+          </a:fontRef>
+        </p:style>
+        <p:txBody>
+          <a:bodyPr rtlCol="0" anchor="ctr"/>
+          <a:lstStyle/>
+          <a:p>
+            <a:pPr algn="ctr"/>
+            <a:endParaRPr lang="fr-FR"/>
+          </a:p>
+        </p:txBody>
+      </p:sp>
+      <p:sp>
+        <p:nvSpPr>
           <p:cNvPr id="2" name="Titre 1"/>
           <p:cNvSpPr>
             <a:spLocks noGrp="1"/>
@@ -3342,9 +3384,70 @@
         </p:nvSpPr>
         <p:spPr/>
         <p:txBody>
-          <a:bodyPr/>
-          <a:lstStyle/>
-          <a:p>
+          <a:bodyPr>
+            <a:normAutofit/>
+          </a:bodyPr>
+          <a:lstStyle/>
+          <a:p>
+            <a:pPr algn="ctr"/>
+            <a:r>
+              <a:rPr lang="fr-FR" sz="5400" b="1" dirty="0" smtClean="0">
+                <a:solidFill>
+                  <a:srgbClr val="FAC74E"/>
+                </a:solidFill>
+              </a:rPr>
+              <a:t>Format IMG</a:t>
+            </a:r>
+            <a:endParaRPr lang="fr-FR" sz="5400" b="1" dirty="0">
+              <a:solidFill>
+                <a:srgbClr val="FAC74E"/>
+              </a:solidFill>
+            </a:endParaRPr>
+          </a:p>
+        </p:txBody>
+      </p:sp>
+      <p:sp>
+        <p:nvSpPr>
+          <p:cNvPr id="5" name="Rectangle à coins arrondis 4"/>
+          <p:cNvSpPr/>
+          <p:nvPr/>
+        </p:nvSpPr>
+        <p:spPr>
+          <a:xfrm>
+            <a:off x="1165860" y="2046333"/>
+            <a:ext cx="9738360" cy="4423410"/>
+          </a:xfrm>
+          <a:prstGeom prst="roundRect">
+            <a:avLst/>
+          </a:prstGeom>
+          <a:solidFill>
+            <a:schemeClr val="tx1">
+              <a:lumMod val="85000"/>
+              <a:lumOff val="15000"/>
+            </a:schemeClr>
+          </a:solidFill>
+        </p:spPr>
+        <p:style>
+          <a:lnRef idx="2">
+            <a:schemeClr val="accent1">
+              <a:shade val="50000"/>
+            </a:schemeClr>
+          </a:lnRef>
+          <a:fillRef idx="1">
+            <a:schemeClr val="accent1"/>
+          </a:fillRef>
+          <a:effectRef idx="0">
+            <a:schemeClr val="accent1"/>
+          </a:effectRef>
+          <a:fontRef idx="minor">
+            <a:schemeClr val="lt1"/>
+          </a:fontRef>
+        </p:style>
+        <p:txBody>
+          <a:bodyPr rtlCol="0" anchor="ctr"/>
+          <a:lstStyle/>
+          <a:p>
+            <a:pPr algn="ctr"/>
             <a:endParaRPr lang="fr-FR"/>
           </a:p>
         </p:txBody>
@@ -3367,24 +3470,192 @@
         </p:blipFill>
         <p:spPr>
           <a:xfrm>
-            <a:off x="838200" y="3261051"/>
-            <a:ext cx="10515600" cy="1480486"/>
+            <a:off x="1694183" y="2673374"/>
+            <a:ext cx="4505954" cy="1924319"/>
           </a:xfrm>
           <a:prstGeom prst="rect">
             <a:avLst/>
           </a:prstGeom>
         </p:spPr>
       </p:pic>
+      <p:sp>
+        <p:nvSpPr>
+          <p:cNvPr id="3" name="Rectangle à coins arrondis 2"/>
+          <p:cNvSpPr/>
+          <p:nvPr/>
+        </p:nvSpPr>
+        <p:spPr>
+          <a:xfrm>
+            <a:off x="7300685" y="2673374"/>
+            <a:ext cx="3062515" cy="3033486"/>
+          </a:xfrm>
+          <a:prstGeom prst="roundRect">
+            <a:avLst/>
+          </a:prstGeom>
+          <a:solidFill>
+            <a:srgbClr val="FAC74E"/>
+          </a:solidFill>
+          <a:ln>
+            <a:solidFill>
+              <a:srgbClr val="FAC74E"/>
+            </a:solidFill>
+          </a:ln>
+        </p:spPr>
+        <p:style>
+          <a:lnRef idx="2">
+            <a:schemeClr val="accent1">
+              <a:shade val="50000"/>
+            </a:schemeClr>
+          </a:lnRef>
+          <a:fillRef idx="1">
+            <a:schemeClr val="accent1"/>
+          </a:fillRef>
+          <a:effectRef idx="0">
+            <a:schemeClr val="accent1"/>
+          </a:effectRef>
+          <a:fontRef idx="minor">
+            <a:schemeClr val="lt1"/>
+          </a:fontRef>
+        </p:style>
+        <p:txBody>
+          <a:bodyPr rtlCol="0" anchor="ctr"/>
+          <a:lstStyle/>
+          <a:p>
+            <a:pPr algn="ctr"/>
+            <a:r>
+              <a:rPr lang="fr-FR" sz="3200" dirty="0" smtClean="0">
+                <a:solidFill>
+                  <a:srgbClr val="CF384A"/>
+                </a:solidFill>
+              </a:rPr>
+              <a:t>Images au même</a:t>
+            </a:r>
+          </a:p>
+          <a:p>
+            <a:pPr algn="ctr"/>
+            <a:r>
+              <a:rPr lang="fr-FR" sz="3200" dirty="0" smtClean="0">
+                <a:solidFill>
+                  <a:srgbClr val="CF384A"/>
+                </a:solidFill>
+              </a:rPr>
+              <a:t>format</a:t>
+            </a:r>
+            <a:endParaRPr lang="fr-FR" sz="3200" dirty="0">
+              <a:solidFill>
+                <a:srgbClr val="CF384A"/>
+              </a:solidFill>
+            </a:endParaRPr>
+          </a:p>
+        </p:txBody>
+      </p:sp>
+      <p:sp>
+        <p:nvSpPr>
+          <p:cNvPr id="7" name="Rectangle à coins arrondis 6"/>
+          <p:cNvSpPr/>
+          <p:nvPr/>
+        </p:nvSpPr>
+        <p:spPr>
+          <a:xfrm>
+            <a:off x="304800" y="6469743"/>
+            <a:ext cx="1190171" cy="250371"/>
+          </a:xfrm>
+          <a:prstGeom prst="roundRect">
+            <a:avLst/>
+          </a:prstGeom>
+        </p:spPr>
+        <p:style>
+          <a:lnRef idx="2">
+            <a:schemeClr val="accent1">
+              <a:shade val="50000"/>
+            </a:schemeClr>
+          </a:lnRef>
+          <a:fillRef idx="1">
+            <a:schemeClr val="accent1"/>
+          </a:fillRef>
+          <a:effectRef idx="0">
+            <a:schemeClr val="accent1"/>
+          </a:effectRef>
+          <a:fontRef idx="minor">
+            <a:schemeClr val="lt1"/>
+          </a:fontRef>
+        </p:style>
+        <p:txBody>
+          <a:bodyPr rtlCol="0" anchor="ctr"/>
+          <a:lstStyle/>
+          <a:p>
+            <a:pPr algn="ctr"/>
+            <a:r>
+              <a:rPr lang="fr-FR" dirty="0" smtClean="0"/>
+              <a:t>Affichage</a:t>
+            </a:r>
+            <a:endParaRPr lang="fr-FR" dirty="0"/>
+          </a:p>
+        </p:txBody>
+      </p:sp>
+      <p:sp>
+        <p:nvSpPr>
+          <p:cNvPr id="8" name="Ellipse 7"/>
+          <p:cNvSpPr/>
+          <p:nvPr/>
+        </p:nvSpPr>
+        <p:spPr>
+          <a:xfrm>
+            <a:off x="3492347" y="3547431"/>
+            <a:ext cx="484742" cy="330506"/>
+          </a:xfrm>
+          <a:prstGeom prst="ellipse">
+            <a:avLst/>
+          </a:prstGeom>
+          <a:noFill/>
+          <a:ln>
+            <a:solidFill>
+              <a:srgbClr val="FF0000"/>
+            </a:solidFill>
+          </a:ln>
+        </p:spPr>
+        <p:style>
+          <a:lnRef idx="2">
+            <a:schemeClr val="accent1">
+              <a:shade val="50000"/>
+            </a:schemeClr>
+          </a:lnRef>
+          <a:fillRef idx="1">
+            <a:schemeClr val="accent1"/>
+          </a:fillRef>
+          <a:effectRef idx="0">
+            <a:schemeClr val="accent1"/>
+          </a:effectRef>
+          <a:fontRef idx="minor">
+            <a:schemeClr val="lt1"/>
+          </a:fontRef>
+        </p:style>
+        <p:txBody>
+          <a:bodyPr rtlCol="0" anchor="ctr"/>
+          <a:lstStyle/>
+          <a:p>
+            <a:pPr algn="ctr"/>
+            <a:endParaRPr lang="fr-FR"/>
+          </a:p>
+        </p:txBody>
+      </p:sp>
     </p:spTree>
     <p:extLst>
       <p:ext uri="{BB962C8B-B14F-4D97-AF65-F5344CB8AC3E}">
-        <p14:creationId xmlns:p14="http://schemas.microsoft.com/office/powerpoint/2010/main" val="3457258383"/>
+        <p14:creationId xmlns:p14="http://schemas.microsoft.com/office/powerpoint/2010/main" val="2021049939"/>
       </p:ext>
     </p:extLst>
   </p:cSld>
   <p:clrMapOvr>
     <a:masterClrMapping/>
   </p:clrMapOvr>
+  <p:timing>
+    <p:tnLst>
+      <p:par>
+        <p:cTn id="1" dur="indefinite" restart="never" nodeType="tmRoot"/>
+      </p:par>
+    </p:tnLst>
+  </p:timing>
 </p:sld>
 </file>
 
@@ -4252,7 +4523,7 @@
       </p:pic>
       <p:pic>
         <p:nvPicPr>
-          <p:cNvPr id="6" name="Image 5"/>
+          <p:cNvPr id="9" name="Image 8"/>
           <p:cNvPicPr>
             <a:picLocks noChangeAspect="1"/>
           </p:cNvPicPr>
@@ -4266,19 +4537,14 @@
         </p:blipFill>
         <p:spPr>
           <a:xfrm>
-            <a:off x="935138" y="4711276"/>
-            <a:ext cx="6830378" cy="1924319"/>
+            <a:off x="2398871" y="4389756"/>
+            <a:ext cx="4740401" cy="1938431"/>
           </a:xfrm>
           <a:prstGeom prst="rect">
             <a:avLst/>
           </a:prstGeom>
           <a:ln>
-            <a:solidFill>
-              <a:schemeClr val="tx1">
-                <a:lumMod val="75000"/>
-                <a:lumOff val="25000"/>
-              </a:schemeClr>
-            </a:solidFill>
+            <a:noFill/>
           </a:ln>
           <a:effectLst>
             <a:outerShdw blurRad="292100" dist="139700" dir="2700000" algn="tl" rotWithShape="0">
@@ -4289,9 +4555,53 @@
           </a:effectLst>
         </p:spPr>
       </p:pic>
+      <p:sp>
+        <p:nvSpPr>
+          <p:cNvPr id="8" name="Rectangle à coins arrondis 7"/>
+          <p:cNvSpPr/>
+          <p:nvPr/>
+        </p:nvSpPr>
+        <p:spPr>
+          <a:xfrm>
+            <a:off x="189701" y="6328187"/>
+            <a:ext cx="1801204" cy="338777"/>
+          </a:xfrm>
+          <a:prstGeom prst="roundRect">
+            <a:avLst/>
+          </a:prstGeom>
+        </p:spPr>
+        <p:style>
+          <a:lnRef idx="2">
+            <a:schemeClr val="accent1">
+              <a:shade val="50000"/>
+            </a:schemeClr>
+          </a:lnRef>
+          <a:fillRef idx="1">
+            <a:schemeClr val="accent1"/>
+          </a:fillRef>
+          <a:effectRef idx="0">
+            <a:schemeClr val="accent1"/>
+          </a:effectRef>
+          <a:fontRef idx="minor">
+            <a:schemeClr val="lt1"/>
+          </a:fontRef>
+        </p:style>
+        <p:txBody>
+          <a:bodyPr rtlCol="0" anchor="ctr"/>
+          <a:lstStyle/>
+          <a:p>
+            <a:pPr algn="ctr"/>
+            <a:r>
+              <a:rPr lang="fr-FR" dirty="0" smtClean="0"/>
+              <a:t>Affichage</a:t>
+            </a:r>
+            <a:endParaRPr lang="fr-FR" dirty="0"/>
+          </a:p>
+        </p:txBody>
+      </p:sp>
       <p:pic>
         <p:nvPicPr>
-          <p:cNvPr id="7" name="Image 6"/>
+          <p:cNvPr id="10" name="Image 9"/>
           <p:cNvPicPr>
             <a:picLocks noChangeAspect="1"/>
           </p:cNvPicPr>
@@ -4305,72 +4615,24 @@
         </p:blipFill>
         <p:spPr>
           <a:xfrm>
-            <a:off x="494983" y="3085517"/>
-            <a:ext cx="7064404" cy="1116902"/>
+            <a:off x="791043" y="3067695"/>
+            <a:ext cx="6739646" cy="935503"/>
           </a:xfrm>
           <a:prstGeom prst="rect">
             <a:avLst/>
           </a:prstGeom>
-          <a:ln w="38100" cap="sq">
-            <a:solidFill>
-              <a:srgbClr val="000000"/>
-            </a:solidFill>
-            <a:prstDash val="solid"/>
-            <a:miter lim="800000"/>
+          <a:ln>
+            <a:noFill/>
           </a:ln>
           <a:effectLst>
-            <a:outerShdw blurRad="50800" dist="38100" dir="2700000" algn="tl" rotWithShape="0">
-              <a:srgbClr val="000000">
-                <a:alpha val="43000"/>
+            <a:outerShdw blurRad="292100" dist="139700" dir="2700000" algn="tl" rotWithShape="0">
+              <a:srgbClr val="333333">
+                <a:alpha val="65000"/>
               </a:srgbClr>
             </a:outerShdw>
           </a:effectLst>
         </p:spPr>
       </p:pic>
-      <p:sp>
-        <p:nvSpPr>
-          <p:cNvPr id="8" name="Rectangle à coins arrondis 7"/>
-          <p:cNvSpPr/>
-          <p:nvPr/>
-        </p:nvSpPr>
-        <p:spPr>
-          <a:xfrm>
-            <a:off x="288853" y="6415314"/>
-            <a:ext cx="1801204" cy="338777"/>
-          </a:xfrm>
-          <a:prstGeom prst="roundRect">
-            <a:avLst/>
-          </a:prstGeom>
-        </p:spPr>
-        <p:style>
-          <a:lnRef idx="2">
-            <a:schemeClr val="accent1">
-              <a:shade val="50000"/>
-            </a:schemeClr>
-          </a:lnRef>
-          <a:fillRef idx="1">
-            <a:schemeClr val="accent1"/>
-          </a:fillRef>
-          <a:effectRef idx="0">
-            <a:schemeClr val="accent1"/>
-          </a:effectRef>
-          <a:fontRef idx="minor">
-            <a:schemeClr val="lt1"/>
-          </a:fontRef>
-        </p:style>
-        <p:txBody>
-          <a:bodyPr rtlCol="0" anchor="ctr"/>
-          <a:lstStyle/>
-          <a:p>
-            <a:pPr algn="ctr"/>
-            <a:r>
-              <a:rPr lang="fr-FR" dirty="0" smtClean="0"/>
-              <a:t>Affichage</a:t>
-            </a:r>
-            <a:endParaRPr lang="fr-FR" dirty="0"/>
-          </a:p>
-        </p:txBody>
-      </p:sp>
     </p:spTree>
     <p:extLst>
       <p:ext uri="{BB962C8B-B14F-4D97-AF65-F5344CB8AC3E}">
@@ -4392,296 +4654,6 @@
 </file>
 
 <file path=ppt/slides/slide14.xml><?xml version="1.0" encoding="utf-8"?>
-<p:sld xmlns:a="http://schemas.openxmlformats.org/drawingml/2006/main" xmlns:r="http://schemas.openxmlformats.org/officeDocument/2006/relationships" xmlns:p="http://schemas.openxmlformats.org/presentationml/2006/main">
-  <p:cSld>
-    <p:spTree>
-      <p:nvGrpSpPr>
-        <p:cNvPr id="1" name=""/>
-        <p:cNvGrpSpPr/>
-        <p:nvPr/>
-      </p:nvGrpSpPr>
-      <p:grpSpPr>
-        <a:xfrm>
-          <a:off x="0" y="0"/>
-          <a:ext cx="0" cy="0"/>
-          <a:chOff x="0" y="0"/>
-          <a:chExt cx="0" cy="0"/>
-        </a:xfrm>
-      </p:grpSpPr>
-      <p:sp>
-        <p:nvSpPr>
-          <p:cNvPr id="3" name="Rectangle à coins arrondis 2"/>
-          <p:cNvSpPr/>
-          <p:nvPr/>
-        </p:nvSpPr>
-        <p:spPr>
-          <a:xfrm>
-            <a:off x="955964" y="587086"/>
-            <a:ext cx="3419181" cy="1049481"/>
-          </a:xfrm>
-          <a:prstGeom prst="roundRect">
-            <a:avLst/>
-          </a:prstGeom>
-          <a:solidFill>
-            <a:srgbClr val="FAC74E"/>
-          </a:solidFill>
-        </p:spPr>
-        <p:style>
-          <a:lnRef idx="2">
-            <a:schemeClr val="accent1">
-              <a:shade val="50000"/>
-            </a:schemeClr>
-          </a:lnRef>
-          <a:fillRef idx="1">
-            <a:schemeClr val="accent1"/>
-          </a:fillRef>
-          <a:effectRef idx="0">
-            <a:schemeClr val="accent1"/>
-          </a:effectRef>
-          <a:fontRef idx="minor">
-            <a:schemeClr val="lt1"/>
-          </a:fontRef>
-        </p:style>
-        <p:txBody>
-          <a:bodyPr rtlCol="0" anchor="ctr"/>
-          <a:lstStyle/>
-          <a:p>
-            <a:pPr algn="ctr"/>
-            <a:endParaRPr lang="fr-FR"/>
-          </a:p>
-        </p:txBody>
-      </p:sp>
-      <p:sp>
-        <p:nvSpPr>
-          <p:cNvPr id="2" name="Titre 1"/>
-          <p:cNvSpPr>
-            <a:spLocks noGrp="1"/>
-          </p:cNvSpPr>
-          <p:nvPr>
-            <p:ph type="title"/>
-          </p:nvPr>
-        </p:nvSpPr>
-        <p:spPr>
-          <a:xfrm>
-            <a:off x="1191491" y="449044"/>
-            <a:ext cx="10515600" cy="1325563"/>
-          </a:xfrm>
-        </p:spPr>
-        <p:txBody>
-          <a:bodyPr/>
-          <a:lstStyle/>
-          <a:p>
-            <a:r>
-              <a:rPr lang="fr-FR" dirty="0" smtClean="0">
-                <a:solidFill>
-                  <a:srgbClr val="CF384A"/>
-                </a:solidFill>
-              </a:rPr>
-              <a:t>Liens page</a:t>
-            </a:r>
-            <a:endParaRPr lang="fr-FR" dirty="0">
-              <a:solidFill>
-                <a:srgbClr val="CF384A"/>
-              </a:solidFill>
-            </a:endParaRPr>
-          </a:p>
-        </p:txBody>
-      </p:sp>
-      <p:pic>
-        <p:nvPicPr>
-          <p:cNvPr id="4" name="Espace réservé du contenu 3"/>
-          <p:cNvPicPr>
-            <a:picLocks noGrp="1" noChangeAspect="1"/>
-          </p:cNvPicPr>
-          <p:nvPr>
-            <p:ph idx="1"/>
-          </p:nvPr>
-        </p:nvPicPr>
-        <p:blipFill>
-          <a:blip r:embed="rId2"/>
-          <a:stretch>
-            <a:fillRect/>
-          </a:stretch>
-        </p:blipFill>
-        <p:spPr>
-          <a:xfrm>
-            <a:off x="838200" y="2412883"/>
-            <a:ext cx="4210638" cy="2715004"/>
-          </a:xfrm>
-          <a:prstGeom prst="rect">
-            <a:avLst/>
-          </a:prstGeom>
-        </p:spPr>
-      </p:pic>
-      <p:sp>
-        <p:nvSpPr>
-          <p:cNvPr id="5" name="Rectangle à coins arrondis 4"/>
-          <p:cNvSpPr/>
-          <p:nvPr/>
-        </p:nvSpPr>
-        <p:spPr>
-          <a:xfrm>
-            <a:off x="7429500" y="1111827"/>
-            <a:ext cx="3844636" cy="4738255"/>
-          </a:xfrm>
-          <a:prstGeom prst="roundRect">
-            <a:avLst/>
-          </a:prstGeom>
-          <a:solidFill>
-            <a:srgbClr val="CF384A"/>
-          </a:solidFill>
-        </p:spPr>
-        <p:style>
-          <a:lnRef idx="2">
-            <a:schemeClr val="accent1">
-              <a:shade val="50000"/>
-            </a:schemeClr>
-          </a:lnRef>
-          <a:fillRef idx="1">
-            <a:schemeClr val="accent1"/>
-          </a:fillRef>
-          <a:effectRef idx="0">
-            <a:schemeClr val="accent1"/>
-          </a:effectRef>
-          <a:fontRef idx="minor">
-            <a:schemeClr val="lt1"/>
-          </a:fontRef>
-        </p:style>
-        <p:txBody>
-          <a:bodyPr rtlCol="0" anchor="ctr"/>
-          <a:lstStyle/>
-          <a:p>
-            <a:pPr algn="ctr"/>
-            <a:r>
-              <a:rPr lang="fr-FR" sz="2400" dirty="0" smtClean="0">
-                <a:solidFill>
-                  <a:srgbClr val="FAC74E"/>
-                </a:solidFill>
-              </a:rPr>
-              <a:t>Trop de liens envoi à la même page,</a:t>
-            </a:r>
-          </a:p>
-          <a:p>
-            <a:pPr algn="ctr"/>
-            <a:endParaRPr lang="fr-FR" sz="2400" dirty="0" smtClean="0">
-              <a:solidFill>
-                <a:srgbClr val="FAC74E"/>
-              </a:solidFill>
-            </a:endParaRPr>
-          </a:p>
-          <a:p>
-            <a:pPr algn="ctr"/>
-            <a:r>
-              <a:rPr lang="fr-FR" sz="2400" dirty="0" smtClean="0">
-                <a:solidFill>
-                  <a:srgbClr val="FAC74E"/>
-                </a:solidFill>
-              </a:rPr>
-              <a:t>Pour se faire</a:t>
-            </a:r>
-          </a:p>
-          <a:p>
-            <a:pPr algn="ctr"/>
-            <a:endParaRPr lang="fr-FR" sz="2400" dirty="0" smtClean="0">
-              <a:solidFill>
-                <a:srgbClr val="FAC74E"/>
-              </a:solidFill>
-            </a:endParaRPr>
-          </a:p>
-          <a:p>
-            <a:pPr algn="ctr"/>
-            <a:r>
-              <a:rPr lang="fr-FR" sz="2400" dirty="0" smtClean="0">
-                <a:solidFill>
-                  <a:srgbClr val="FAC74E"/>
-                </a:solidFill>
-              </a:rPr>
-              <a:t>Des liens on été supprimer </a:t>
-            </a:r>
-          </a:p>
-          <a:p>
-            <a:pPr algn="ctr"/>
-            <a:r>
-              <a:rPr lang="fr-FR" sz="2400" dirty="0" smtClean="0">
-                <a:solidFill>
-                  <a:srgbClr val="FAC74E"/>
-                </a:solidFill>
-              </a:rPr>
-              <a:t>Pour un meilleur SEO</a:t>
-            </a:r>
-            <a:endParaRPr lang="fr-FR" sz="2400" dirty="0">
-              <a:solidFill>
-                <a:srgbClr val="FAC74E"/>
-              </a:solidFill>
-            </a:endParaRPr>
-          </a:p>
-        </p:txBody>
-      </p:sp>
-      <p:sp>
-        <p:nvSpPr>
-          <p:cNvPr id="6" name="Rectangle à coins arrondis 5"/>
-          <p:cNvSpPr/>
-          <p:nvPr/>
-        </p:nvSpPr>
-        <p:spPr>
-          <a:xfrm>
-            <a:off x="342900" y="6286500"/>
-            <a:ext cx="1508760" cy="342900"/>
-          </a:xfrm>
-          <a:prstGeom prst="roundRect">
-            <a:avLst/>
-          </a:prstGeom>
-        </p:spPr>
-        <p:style>
-          <a:lnRef idx="2">
-            <a:schemeClr val="accent1">
-              <a:shade val="50000"/>
-            </a:schemeClr>
-          </a:lnRef>
-          <a:fillRef idx="1">
-            <a:schemeClr val="accent1"/>
-          </a:fillRef>
-          <a:effectRef idx="0">
-            <a:schemeClr val="accent1"/>
-          </a:effectRef>
-          <a:fontRef idx="minor">
-            <a:schemeClr val="lt1"/>
-          </a:fontRef>
-        </p:style>
-        <p:txBody>
-          <a:bodyPr rtlCol="0" anchor="ctr"/>
-          <a:lstStyle/>
-          <a:p>
-            <a:pPr algn="ctr"/>
-            <a:r>
-              <a:rPr lang="fr-FR" dirty="0" smtClean="0"/>
-              <a:t>Liens page</a:t>
-            </a:r>
-            <a:endParaRPr lang="fr-FR" dirty="0"/>
-          </a:p>
-        </p:txBody>
-      </p:sp>
-    </p:spTree>
-    <p:extLst>
-      <p:ext uri="{BB962C8B-B14F-4D97-AF65-F5344CB8AC3E}">
-        <p14:creationId xmlns:p14="http://schemas.microsoft.com/office/powerpoint/2010/main" val="832168080"/>
-      </p:ext>
-    </p:extLst>
-  </p:cSld>
-  <p:clrMapOvr>
-    <a:masterClrMapping/>
-  </p:clrMapOvr>
-  <p:timing>
-    <p:tnLst>
-      <p:par>
-        <p:cTn id="1" dur="indefinite" restart="never" nodeType="tmRoot"/>
-      </p:par>
-    </p:tnLst>
-  </p:timing>
-</p:sld>
-</file>
-
-<file path=ppt/slides/slide15.xml><?xml version="1.0" encoding="utf-8"?>
 <p:sld xmlns:a="http://schemas.openxmlformats.org/drawingml/2006/main" xmlns:r="http://schemas.openxmlformats.org/officeDocument/2006/relationships" xmlns:p="http://schemas.openxmlformats.org/presentationml/2006/main">
   <p:cSld>
     <p:bg>
@@ -4709,9 +4681,55 @@
           <a:chExt cx="0" cy="0"/>
         </a:xfrm>
       </p:grpSpPr>
+      <p:sp>
+        <p:nvSpPr>
+          <p:cNvPr id="8" name="Rectangle 7"/>
+          <p:cNvSpPr/>
+          <p:nvPr/>
+        </p:nvSpPr>
+        <p:spPr>
+          <a:xfrm>
+            <a:off x="67338" y="1614311"/>
+            <a:ext cx="6096395" cy="5384800"/>
+          </a:xfrm>
+          <a:prstGeom prst="rect">
+            <a:avLst/>
+          </a:prstGeom>
+          <a:solidFill>
+            <a:schemeClr val="tx1">
+              <a:lumMod val="75000"/>
+              <a:lumOff val="25000"/>
+            </a:schemeClr>
+          </a:solidFill>
+        </p:spPr>
+        <p:style>
+          <a:lnRef idx="2">
+            <a:schemeClr val="accent1">
+              <a:shade val="50000"/>
+            </a:schemeClr>
+          </a:lnRef>
+          <a:fillRef idx="1">
+            <a:schemeClr val="accent1"/>
+          </a:fillRef>
+          <a:effectRef idx="0">
+            <a:schemeClr val="accent1"/>
+          </a:effectRef>
+          <a:fontRef idx="minor">
+            <a:schemeClr val="lt1"/>
+          </a:fontRef>
+        </p:style>
+        <p:txBody>
+          <a:bodyPr rtlCol="0" anchor="ctr"/>
+          <a:lstStyle/>
+          <a:p>
+            <a:pPr algn="ctr"/>
+            <a:endParaRPr lang="fr-FR"/>
+          </a:p>
+        </p:txBody>
+      </p:sp>
       <p:pic>
         <p:nvPicPr>
-          <p:cNvPr id="3" name="Image 2"/>
+          <p:cNvPr id="6" name="Image 5"/>
           <p:cNvPicPr>
             <a:picLocks noChangeAspect="1"/>
           </p:cNvPicPr>
@@ -4725,17 +4743,24 @@
         </p:blipFill>
         <p:spPr>
           <a:xfrm>
-            <a:off x="865772" y="2011907"/>
-            <a:ext cx="9958092" cy="2176271"/>
+            <a:off x="178762" y="5317066"/>
+            <a:ext cx="5796981" cy="2138085"/>
           </a:xfrm>
           <a:prstGeom prst="rect">
             <a:avLst/>
           </a:prstGeom>
+          <a:effectLst>
+            <a:outerShdw blurRad="50800" dist="38100" dir="5400000" algn="t" rotWithShape="0">
+              <a:prstClr val="black">
+                <a:alpha val="40000"/>
+              </a:prstClr>
+            </a:outerShdw>
+          </a:effectLst>
         </p:spPr>
       </p:pic>
       <p:pic>
         <p:nvPicPr>
-          <p:cNvPr id="4" name="Image 3"/>
+          <p:cNvPr id="5" name="Image 4"/>
           <p:cNvPicPr>
             <a:picLocks noChangeAspect="1"/>
           </p:cNvPicPr>
@@ -4749,48 +4774,62 @@
         </p:blipFill>
         <p:spPr>
           <a:xfrm>
-            <a:off x="4381858" y="2246645"/>
-            <a:ext cx="3129120" cy="1706794"/>
-          </a:xfrm>
-          <a:prstGeom prst="ellipse">
+            <a:off x="177042" y="3598975"/>
+            <a:ext cx="5800423" cy="2176312"/>
+          </a:xfrm>
+          <a:prstGeom prst="rect">
             <a:avLst/>
           </a:prstGeom>
-          <a:ln w="63500" cap="rnd">
-            <a:solidFill>
-              <a:srgbClr val="333333"/>
-            </a:solidFill>
-          </a:ln>
           <a:effectLst>
-            <a:outerShdw blurRad="381000" dist="292100" dir="5400000" sx="-80000" sy="-18000" rotWithShape="0">
-              <a:srgbClr val="000000">
-                <a:alpha val="22000"/>
-              </a:srgbClr>
+            <a:outerShdw blurRad="50800" dist="38100" dir="5400000" algn="t" rotWithShape="0">
+              <a:prstClr val="black">
+                <a:alpha val="40000"/>
+              </a:prstClr>
             </a:outerShdw>
           </a:effectLst>
-          <a:scene3d>
-            <a:camera prst="orthographicFront"/>
-            <a:lightRig rig="contrasting" dir="t">
-              <a:rot lat="0" lon="0" rev="3000000"/>
-            </a:lightRig>
-          </a:scene3d>
-          <a:sp3d contourW="7620">
-            <a:bevelT w="95250" h="31750"/>
-            <a:contourClr>
-              <a:srgbClr val="333333"/>
-            </a:contourClr>
-          </a:sp3d>
         </p:spPr>
       </p:pic>
-      <p:sp>
-        <p:nvSpPr>
-          <p:cNvPr id="5" name="Rectangle à coins arrondis 4"/>
+      <p:pic>
+        <p:nvPicPr>
+          <p:cNvPr id="7" name="Image 6"/>
+          <p:cNvPicPr>
+            <a:picLocks noChangeAspect="1"/>
+          </p:cNvPicPr>
+          <p:nvPr/>
+        </p:nvPicPr>
+        <p:blipFill>
+          <a:blip r:embed="rId4"/>
+          <a:stretch>
+            <a:fillRect/>
+          </a:stretch>
+        </p:blipFill>
+        <p:spPr>
+          <a:xfrm>
+            <a:off x="177042" y="1377829"/>
+            <a:ext cx="5800423" cy="2431427"/>
+          </a:xfrm>
+          <a:prstGeom prst="rect">
+            <a:avLst/>
+          </a:prstGeom>
+          <a:effectLst>
+            <a:outerShdw blurRad="50800" dist="38100" dir="5400000" algn="t" rotWithShape="0">
+              <a:prstClr val="black">
+                <a:alpha val="40000"/>
+              </a:prstClr>
+            </a:outerShdw>
+          </a:effectLst>
+        </p:spPr>
+      </p:pic>
+      <p:sp>
+        <p:nvSpPr>
+          <p:cNvPr id="4" name="Rectangle à coins arrondis 3"/>
           <p:cNvSpPr/>
           <p:nvPr/>
         </p:nvSpPr>
         <p:spPr>
           <a:xfrm>
-            <a:off x="3221182" y="394855"/>
-            <a:ext cx="6390409" cy="1111827"/>
+            <a:off x="124177" y="293511"/>
+            <a:ext cx="11706577" cy="1625600"/>
           </a:xfrm>
           <a:prstGeom prst="roundRect">
             <a:avLst/>
@@ -4800,7 +4839,7 @@
           </a:solidFill>
           <a:ln>
             <a:solidFill>
-              <a:srgbClr val="FAC74E"/>
+              <a:srgbClr val="CF384A"/>
             </a:solidFill>
           </a:ln>
         </p:spPr>
@@ -4826,16 +4865,28 @@
           <a:p>
             <a:pPr algn="ctr"/>
             <a:r>
-              <a:rPr lang="fr-FR" sz="4000" dirty="0" smtClean="0">
+              <a:rPr lang="fr-FR" sz="6600" b="1" dirty="0" smtClean="0">
+                <a:ln w="22225">
+                  <a:solidFill>
+                    <a:schemeClr val="accent2"/>
+                  </a:solidFill>
+                  <a:prstDash val="solid"/>
+                </a:ln>
                 <a:solidFill>
-                  <a:srgbClr val="C00000"/>
+                  <a:srgbClr val="CF384A"/>
                 </a:solidFill>
               </a:rPr>
-              <a:t>Liens annuaires</a:t>
-            </a:r>
-            <a:endParaRPr lang="fr-FR" sz="4000" dirty="0">
+              <a:t>ACCESSIBILITE</a:t>
+            </a:r>
+            <a:endParaRPr lang="fr-FR" sz="6600" b="1" dirty="0">
+              <a:ln w="22225">
+                <a:solidFill>
+                  <a:schemeClr val="accent2"/>
+                </a:solidFill>
+                <a:prstDash val="solid"/>
+              </a:ln>
               <a:solidFill>
-                <a:srgbClr val="C00000"/>
+                <a:srgbClr val="CF384A"/>
               </a:solidFill>
             </a:endParaRPr>
           </a:p>
@@ -4849,12 +4900,15 @@
         </p:nvSpPr>
         <p:spPr>
           <a:xfrm>
-            <a:off x="377372" y="6241143"/>
-            <a:ext cx="2032000" cy="362857"/>
+            <a:off x="6604000" y="1954348"/>
+            <a:ext cx="5226754" cy="4704725"/>
           </a:xfrm>
           <a:prstGeom prst="roundRect">
             <a:avLst/>
           </a:prstGeom>
+          <a:solidFill>
+            <a:srgbClr val="CF384A"/>
+          </a:solidFill>
         </p:spPr>
         <p:style>
           <a:lnRef idx="2">
@@ -4878,8 +4932,71 @@
           <a:p>
             <a:pPr algn="ctr"/>
             <a:r>
+              <a:rPr lang="fr-FR" sz="4000" dirty="0" smtClean="0">
+                <a:solidFill>
+                  <a:srgbClr val="FAC74E"/>
+                </a:solidFill>
+              </a:rPr>
+              <a:t>Police d’écriture </a:t>
+            </a:r>
+          </a:p>
+          <a:p>
+            <a:pPr algn="ctr"/>
+            <a:r>
+              <a:rPr lang="fr-FR" sz="4000" dirty="0" smtClean="0">
+                <a:solidFill>
+                  <a:srgbClr val="FAC74E"/>
+                </a:solidFill>
+              </a:rPr>
+              <a:t> pas adapter au format</a:t>
+            </a:r>
+            <a:endParaRPr lang="fr-FR" sz="4000" dirty="0">
+              <a:solidFill>
+                <a:srgbClr val="FAC74E"/>
+              </a:solidFill>
+            </a:endParaRPr>
+          </a:p>
+        </p:txBody>
+      </p:sp>
+      <p:sp>
+        <p:nvSpPr>
+          <p:cNvPr id="3" name="Rectangle à coins arrondis 2"/>
+          <p:cNvSpPr/>
+          <p:nvPr/>
+        </p:nvSpPr>
+        <p:spPr>
+          <a:xfrm>
+            <a:off x="362857" y="6267278"/>
+            <a:ext cx="1843315" cy="355600"/>
+          </a:xfrm>
+          <a:prstGeom prst="roundRect">
+            <a:avLst/>
+          </a:prstGeom>
+        </p:spPr>
+        <p:style>
+          <a:lnRef idx="2">
+            <a:schemeClr val="accent1">
+              <a:shade val="50000"/>
+            </a:schemeClr>
+          </a:lnRef>
+          <a:fillRef idx="1">
+            <a:schemeClr val="accent1"/>
+          </a:fillRef>
+          <a:effectRef idx="0">
+            <a:schemeClr val="accent1"/>
+          </a:effectRef>
+          <a:fontRef idx="minor">
+            <a:schemeClr val="lt1"/>
+          </a:fontRef>
+        </p:style>
+        <p:txBody>
+          <a:bodyPr rtlCol="0" anchor="ctr"/>
+          <a:lstStyle/>
+          <a:p>
+            <a:pPr algn="ctr"/>
+            <a:r>
               <a:rPr lang="fr-FR" dirty="0" smtClean="0"/>
-              <a:t>Liens pages</a:t>
+              <a:t>Affichage</a:t>
             </a:r>
             <a:endParaRPr lang="fr-FR" dirty="0"/>
           </a:p>
@@ -4888,7 +5005,297 @@
     </p:spTree>
     <p:extLst>
       <p:ext uri="{BB962C8B-B14F-4D97-AF65-F5344CB8AC3E}">
-        <p14:creationId xmlns:p14="http://schemas.microsoft.com/office/powerpoint/2010/main" val="2476141840"/>
+        <p14:creationId xmlns:p14="http://schemas.microsoft.com/office/powerpoint/2010/main" val="1702769214"/>
+      </p:ext>
+    </p:extLst>
+  </p:cSld>
+  <p:clrMapOvr>
+    <a:masterClrMapping/>
+  </p:clrMapOvr>
+  <p:timing>
+    <p:tnLst>
+      <p:par>
+        <p:cTn id="1" dur="indefinite" restart="never" nodeType="tmRoot"/>
+      </p:par>
+    </p:tnLst>
+  </p:timing>
+</p:sld>
+</file>
+
+<file path=ppt/slides/slide15.xml><?xml version="1.0" encoding="utf-8"?>
+<p:sld xmlns:a="http://schemas.openxmlformats.org/drawingml/2006/main" xmlns:r="http://schemas.openxmlformats.org/officeDocument/2006/relationships" xmlns:p="http://schemas.openxmlformats.org/presentationml/2006/main">
+  <p:cSld>
+    <p:spTree>
+      <p:nvGrpSpPr>
+        <p:cNvPr id="1" name=""/>
+        <p:cNvGrpSpPr/>
+        <p:nvPr/>
+      </p:nvGrpSpPr>
+      <p:grpSpPr>
+        <a:xfrm>
+          <a:off x="0" y="0"/>
+          <a:ext cx="0" cy="0"/>
+          <a:chOff x="0" y="0"/>
+          <a:chExt cx="0" cy="0"/>
+        </a:xfrm>
+      </p:grpSpPr>
+      <p:sp>
+        <p:nvSpPr>
+          <p:cNvPr id="3" name="Rectangle à coins arrondis 2"/>
+          <p:cNvSpPr/>
+          <p:nvPr/>
+        </p:nvSpPr>
+        <p:spPr>
+          <a:xfrm>
+            <a:off x="955964" y="587086"/>
+            <a:ext cx="3419181" cy="1049481"/>
+          </a:xfrm>
+          <a:prstGeom prst="roundRect">
+            <a:avLst/>
+          </a:prstGeom>
+          <a:solidFill>
+            <a:srgbClr val="FAC74E"/>
+          </a:solidFill>
+        </p:spPr>
+        <p:style>
+          <a:lnRef idx="2">
+            <a:schemeClr val="accent1">
+              <a:shade val="50000"/>
+            </a:schemeClr>
+          </a:lnRef>
+          <a:fillRef idx="1">
+            <a:schemeClr val="accent1"/>
+          </a:fillRef>
+          <a:effectRef idx="0">
+            <a:schemeClr val="accent1"/>
+          </a:effectRef>
+          <a:fontRef idx="minor">
+            <a:schemeClr val="lt1"/>
+          </a:fontRef>
+        </p:style>
+        <p:txBody>
+          <a:bodyPr rtlCol="0" anchor="ctr"/>
+          <a:lstStyle/>
+          <a:p>
+            <a:pPr algn="ctr"/>
+            <a:endParaRPr lang="fr-FR"/>
+          </a:p>
+        </p:txBody>
+      </p:sp>
+      <p:sp>
+        <p:nvSpPr>
+          <p:cNvPr id="2" name="Titre 1"/>
+          <p:cNvSpPr>
+            <a:spLocks noGrp="1"/>
+          </p:cNvSpPr>
+          <p:nvPr>
+            <p:ph type="title"/>
+          </p:nvPr>
+        </p:nvSpPr>
+        <p:spPr>
+          <a:xfrm>
+            <a:off x="1191491" y="449044"/>
+            <a:ext cx="10515600" cy="1325563"/>
+          </a:xfrm>
+        </p:spPr>
+        <p:txBody>
+          <a:bodyPr/>
+          <a:lstStyle/>
+          <a:p>
+            <a:r>
+              <a:rPr lang="fr-FR" dirty="0" smtClean="0">
+                <a:solidFill>
+                  <a:srgbClr val="CF384A"/>
+                </a:solidFill>
+              </a:rPr>
+              <a:t>Liens page</a:t>
+            </a:r>
+            <a:endParaRPr lang="fr-FR" dirty="0">
+              <a:solidFill>
+                <a:srgbClr val="CF384A"/>
+              </a:solidFill>
+            </a:endParaRPr>
+          </a:p>
+        </p:txBody>
+      </p:sp>
+      <p:pic>
+        <p:nvPicPr>
+          <p:cNvPr id="4" name="Espace réservé du contenu 3"/>
+          <p:cNvPicPr>
+            <a:picLocks noGrp="1" noChangeAspect="1"/>
+          </p:cNvPicPr>
+          <p:nvPr>
+            <p:ph idx="1"/>
+          </p:nvPr>
+        </p:nvPicPr>
+        <p:blipFill>
+          <a:blip r:embed="rId2"/>
+          <a:stretch>
+            <a:fillRect/>
+          </a:stretch>
+        </p:blipFill>
+        <p:spPr>
+          <a:xfrm>
+            <a:off x="838200" y="2412883"/>
+            <a:ext cx="4210638" cy="2715004"/>
+          </a:xfrm>
+          <a:prstGeom prst="rect">
+            <a:avLst/>
+          </a:prstGeom>
+        </p:spPr>
+      </p:pic>
+      <p:sp>
+        <p:nvSpPr>
+          <p:cNvPr id="5" name="Rectangle à coins arrondis 4"/>
+          <p:cNvSpPr/>
+          <p:nvPr/>
+        </p:nvSpPr>
+        <p:spPr>
+          <a:xfrm>
+            <a:off x="7429500" y="1111827"/>
+            <a:ext cx="3844636" cy="4738255"/>
+          </a:xfrm>
+          <a:prstGeom prst="roundRect">
+            <a:avLst/>
+          </a:prstGeom>
+          <a:solidFill>
+            <a:srgbClr val="CF384A"/>
+          </a:solidFill>
+        </p:spPr>
+        <p:style>
+          <a:lnRef idx="2">
+            <a:schemeClr val="accent1">
+              <a:shade val="50000"/>
+            </a:schemeClr>
+          </a:lnRef>
+          <a:fillRef idx="1">
+            <a:schemeClr val="accent1"/>
+          </a:fillRef>
+          <a:effectRef idx="0">
+            <a:schemeClr val="accent1"/>
+          </a:effectRef>
+          <a:fontRef idx="minor">
+            <a:schemeClr val="lt1"/>
+          </a:fontRef>
+        </p:style>
+        <p:txBody>
+          <a:bodyPr rtlCol="0" anchor="ctr"/>
+          <a:lstStyle/>
+          <a:p>
+            <a:pPr algn="ctr"/>
+            <a:r>
+              <a:rPr lang="fr-FR" sz="2400" dirty="0" smtClean="0">
+                <a:solidFill>
+                  <a:srgbClr val="FAC74E"/>
+                </a:solidFill>
+              </a:rPr>
+              <a:t>Trop de liens envoi à la même page,</a:t>
+            </a:r>
+          </a:p>
+          <a:p>
+            <a:pPr algn="ctr"/>
+            <a:endParaRPr lang="fr-FR" sz="2400" dirty="0" smtClean="0">
+              <a:solidFill>
+                <a:srgbClr val="FAC74E"/>
+              </a:solidFill>
+            </a:endParaRPr>
+          </a:p>
+          <a:p>
+            <a:pPr algn="ctr"/>
+            <a:r>
+              <a:rPr lang="fr-FR" sz="2400" dirty="0" smtClean="0">
+                <a:solidFill>
+                  <a:srgbClr val="FAC74E"/>
+                </a:solidFill>
+              </a:rPr>
+              <a:t>Pour se faire</a:t>
+            </a:r>
+          </a:p>
+          <a:p>
+            <a:pPr algn="ctr"/>
+            <a:endParaRPr lang="fr-FR" sz="2400" dirty="0" smtClean="0">
+              <a:solidFill>
+                <a:srgbClr val="FAC74E"/>
+              </a:solidFill>
+            </a:endParaRPr>
+          </a:p>
+          <a:p>
+            <a:pPr algn="ctr"/>
+            <a:r>
+              <a:rPr lang="fr-FR" sz="2400" dirty="0" smtClean="0">
+                <a:solidFill>
+                  <a:srgbClr val="FAC74E"/>
+                </a:solidFill>
+              </a:rPr>
+              <a:t>Des liens on été supprimer </a:t>
+            </a:r>
+          </a:p>
+          <a:p>
+            <a:pPr algn="ctr"/>
+            <a:r>
+              <a:rPr lang="fr-FR" sz="2400" dirty="0" smtClean="0">
+                <a:solidFill>
+                  <a:srgbClr val="FAC74E"/>
+                </a:solidFill>
+              </a:rPr>
+              <a:t>Pour un meilleur SEO</a:t>
+            </a:r>
+            <a:endParaRPr lang="fr-FR" sz="2400" dirty="0">
+              <a:solidFill>
+                <a:srgbClr val="FAC74E"/>
+              </a:solidFill>
+            </a:endParaRPr>
+          </a:p>
+        </p:txBody>
+      </p:sp>
+      <p:sp>
+        <p:nvSpPr>
+          <p:cNvPr id="6" name="Rectangle à coins arrondis 5"/>
+          <p:cNvSpPr/>
+          <p:nvPr/>
+        </p:nvSpPr>
+        <p:spPr>
+          <a:xfrm>
+            <a:off x="342900" y="6286500"/>
+            <a:ext cx="1508760" cy="342900"/>
+          </a:xfrm>
+          <a:prstGeom prst="roundRect">
+            <a:avLst/>
+          </a:prstGeom>
+        </p:spPr>
+        <p:style>
+          <a:lnRef idx="2">
+            <a:schemeClr val="accent1">
+              <a:shade val="50000"/>
+            </a:schemeClr>
+          </a:lnRef>
+          <a:fillRef idx="1">
+            <a:schemeClr val="accent1"/>
+          </a:fillRef>
+          <a:effectRef idx="0">
+            <a:schemeClr val="accent1"/>
+          </a:effectRef>
+          <a:fontRef idx="minor">
+            <a:schemeClr val="lt1"/>
+          </a:fontRef>
+        </p:style>
+        <p:txBody>
+          <a:bodyPr rtlCol="0" anchor="ctr"/>
+          <a:lstStyle/>
+          <a:p>
+            <a:pPr algn="ctr"/>
+            <a:r>
+              <a:rPr lang="fr-FR" dirty="0" smtClean="0"/>
+              <a:t>Liens page</a:t>
+            </a:r>
+            <a:endParaRPr lang="fr-FR" dirty="0"/>
+          </a:p>
+        </p:txBody>
+      </p:sp>
+    </p:spTree>
+    <p:extLst>
+      <p:ext uri="{BB962C8B-B14F-4D97-AF65-F5344CB8AC3E}">
+        <p14:creationId xmlns:p14="http://schemas.microsoft.com/office/powerpoint/2010/main" val="832168080"/>
       </p:ext>
     </p:extLst>
   </p:cSld>
@@ -4935,7 +5342,7 @@
       </p:grpSpPr>
       <p:pic>
         <p:nvPicPr>
-          <p:cNvPr id="6" name="Image 5"/>
+          <p:cNvPr id="3" name="Image 2"/>
           <p:cNvPicPr>
             <a:picLocks noChangeAspect="1"/>
           </p:cNvPicPr>
@@ -4949,59 +5356,21 @@
         </p:blipFill>
         <p:spPr>
           <a:xfrm>
-            <a:off x="-644510" y="-231683"/>
-            <a:ext cx="12836510" cy="3615919"/>
+            <a:off x="865772" y="2011907"/>
+            <a:ext cx="9958092" cy="2176271"/>
           </a:xfrm>
           <a:prstGeom prst="rect">
             <a:avLst/>
           </a:prstGeom>
         </p:spPr>
       </p:pic>
-      <p:sp>
-        <p:nvSpPr>
-          <p:cNvPr id="2" name="Titre 1"/>
-          <p:cNvSpPr>
-            <a:spLocks noGrp="1"/>
-          </p:cNvSpPr>
-          <p:nvPr>
-            <p:ph type="title"/>
-          </p:nvPr>
-        </p:nvSpPr>
-        <p:spPr>
-          <a:xfrm>
-            <a:off x="292510" y="3742183"/>
-            <a:ext cx="10515600" cy="1325563"/>
-          </a:xfrm>
-        </p:spPr>
-        <p:txBody>
-          <a:bodyPr/>
-          <a:lstStyle/>
-          <a:p>
-            <a:r>
-              <a:rPr lang="fr-FR" dirty="0" smtClean="0">
-                <a:solidFill>
-                  <a:srgbClr val="FAC74E"/>
-                </a:solidFill>
-              </a:rPr>
-              <a:t>Liens réseaux sociaux</a:t>
-            </a:r>
-            <a:endParaRPr lang="fr-FR" dirty="0">
-              <a:solidFill>
-                <a:srgbClr val="FAC74E"/>
-              </a:solidFill>
-            </a:endParaRPr>
-          </a:p>
-        </p:txBody>
-      </p:sp>
       <p:pic>
         <p:nvPicPr>
-          <p:cNvPr id="4" name="Espace réservé du contenu 3"/>
+          <p:cNvPr id="4" name="Image 3"/>
           <p:cNvPicPr>
-            <a:picLocks noGrp="1" noChangeAspect="1"/>
+            <a:picLocks noChangeAspect="1"/>
           </p:cNvPicPr>
-          <p:nvPr>
-            <p:ph idx="1"/>
-          </p:nvPr>
+          <p:nvPr/>
         </p:nvPicPr>
         <p:blipFill>
           <a:blip r:embed="rId3"/>
@@ -5011,42 +5380,146 @@
         </p:blipFill>
         <p:spPr>
           <a:xfrm>
-            <a:off x="7448005" y="3981044"/>
-            <a:ext cx="3905795" cy="847843"/>
-          </a:xfrm>
-          <a:prstGeom prst="rect">
+            <a:off x="4381858" y="2246645"/>
+            <a:ext cx="3129120" cy="1706794"/>
+          </a:xfrm>
+          <a:prstGeom prst="ellipse">
             <a:avLst/>
           </a:prstGeom>
+          <a:ln w="63500" cap="rnd">
+            <a:solidFill>
+              <a:srgbClr val="333333"/>
+            </a:solidFill>
+          </a:ln>
+          <a:effectLst>
+            <a:outerShdw blurRad="381000" dist="292100" dir="5400000" sx="-80000" sy="-18000" rotWithShape="0">
+              <a:srgbClr val="000000">
+                <a:alpha val="22000"/>
+              </a:srgbClr>
+            </a:outerShdw>
+          </a:effectLst>
+          <a:scene3d>
+            <a:camera prst="orthographicFront"/>
+            <a:lightRig rig="contrasting" dir="t">
+              <a:rot lat="0" lon="0" rev="3000000"/>
+            </a:lightRig>
+          </a:scene3d>
+          <a:sp3d contourW="7620">
+            <a:bevelT w="95250" h="31750"/>
+            <a:contourClr>
+              <a:srgbClr val="333333"/>
+            </a:contourClr>
+          </a:sp3d>
         </p:spPr>
       </p:pic>
-      <p:pic>
-        <p:nvPicPr>
-          <p:cNvPr id="5" name="Image 4"/>
-          <p:cNvPicPr>
-            <a:picLocks noChangeAspect="1"/>
-          </p:cNvPicPr>
+      <p:sp>
+        <p:nvSpPr>
+          <p:cNvPr id="5" name="Rectangle à coins arrondis 4"/>
+          <p:cNvSpPr/>
           <p:nvPr/>
-        </p:nvPicPr>
-        <p:blipFill>
-          <a:blip r:embed="rId4"/>
-          <a:stretch>
-            <a:fillRect/>
-          </a:stretch>
-        </p:blipFill>
-        <p:spPr>
-          <a:xfrm>
-            <a:off x="-368711" y="5692879"/>
-            <a:ext cx="12706913" cy="4159044"/>
-          </a:xfrm>
-          <a:prstGeom prst="rect">
+        </p:nvSpPr>
+        <p:spPr>
+          <a:xfrm>
+            <a:off x="3221182" y="394855"/>
+            <a:ext cx="6390409" cy="1111827"/>
+          </a:xfrm>
+          <a:prstGeom prst="roundRect">
             <a:avLst/>
           </a:prstGeom>
-        </p:spPr>
-      </p:pic>
+          <a:solidFill>
+            <a:srgbClr val="FAC74E"/>
+          </a:solidFill>
+          <a:ln>
+            <a:solidFill>
+              <a:srgbClr val="FAC74E"/>
+            </a:solidFill>
+          </a:ln>
+        </p:spPr>
+        <p:style>
+          <a:lnRef idx="2">
+            <a:schemeClr val="accent1">
+              <a:shade val="50000"/>
+            </a:schemeClr>
+          </a:lnRef>
+          <a:fillRef idx="1">
+            <a:schemeClr val="accent1"/>
+          </a:fillRef>
+          <a:effectRef idx="0">
+            <a:schemeClr val="accent1"/>
+          </a:effectRef>
+          <a:fontRef idx="minor">
+            <a:schemeClr val="lt1"/>
+          </a:fontRef>
+        </p:style>
+        <p:txBody>
+          <a:bodyPr rtlCol="0" anchor="ctr"/>
+          <a:lstStyle/>
+          <a:p>
+            <a:pPr algn="ctr"/>
+            <a:r>
+              <a:rPr lang="fr-FR" sz="4000" dirty="0" smtClean="0">
+                <a:solidFill>
+                  <a:srgbClr val="C00000"/>
+                </a:solidFill>
+              </a:rPr>
+              <a:t>Liens annuaires</a:t>
+            </a:r>
+            <a:endParaRPr lang="fr-FR" sz="4000" dirty="0">
+              <a:solidFill>
+                <a:srgbClr val="C00000"/>
+              </a:solidFill>
+            </a:endParaRPr>
+          </a:p>
+        </p:txBody>
+      </p:sp>
+      <p:sp>
+        <p:nvSpPr>
+          <p:cNvPr id="2" name="Rectangle à coins arrondis 1"/>
+          <p:cNvSpPr/>
+          <p:nvPr/>
+        </p:nvSpPr>
+        <p:spPr>
+          <a:xfrm>
+            <a:off x="377372" y="6241143"/>
+            <a:ext cx="2032000" cy="362857"/>
+          </a:xfrm>
+          <a:prstGeom prst="roundRect">
+            <a:avLst/>
+          </a:prstGeom>
+        </p:spPr>
+        <p:style>
+          <a:lnRef idx="2">
+            <a:schemeClr val="accent1">
+              <a:shade val="50000"/>
+            </a:schemeClr>
+          </a:lnRef>
+          <a:fillRef idx="1">
+            <a:schemeClr val="accent1"/>
+          </a:fillRef>
+          <a:effectRef idx="0">
+            <a:schemeClr val="accent1"/>
+          </a:effectRef>
+          <a:fontRef idx="minor">
+            <a:schemeClr val="lt1"/>
+          </a:fontRef>
+        </p:style>
+        <p:txBody>
+          <a:bodyPr rtlCol="0" anchor="ctr"/>
+          <a:lstStyle/>
+          <a:p>
+            <a:pPr algn="ctr"/>
+            <a:r>
+              <a:rPr lang="fr-FR" dirty="0" smtClean="0"/>
+              <a:t>Liens pages</a:t>
+            </a:r>
+            <a:endParaRPr lang="fr-FR" dirty="0"/>
+          </a:p>
+        </p:txBody>
+      </p:sp>
     </p:spTree>
     <p:extLst>
       <p:ext uri="{BB962C8B-B14F-4D97-AF65-F5344CB8AC3E}">
-        <p14:creationId xmlns:p14="http://schemas.microsoft.com/office/powerpoint/2010/main" val="1800001616"/>
+        <p14:creationId xmlns:p14="http://schemas.microsoft.com/office/powerpoint/2010/main" val="2476141840"/>
       </p:ext>
     </p:extLst>
   </p:cSld>
@@ -5091,52 +5564,6 @@
           <a:chExt cx="0" cy="0"/>
         </a:xfrm>
       </p:grpSpPr>
-      <p:sp>
-        <p:nvSpPr>
-          <p:cNvPr id="8" name="Rectangle 7"/>
-          <p:cNvSpPr/>
-          <p:nvPr/>
-        </p:nvSpPr>
-        <p:spPr>
-          <a:xfrm>
-            <a:off x="67338" y="1614311"/>
-            <a:ext cx="6096395" cy="5384800"/>
-          </a:xfrm>
-          <a:prstGeom prst="rect">
-            <a:avLst/>
-          </a:prstGeom>
-          <a:solidFill>
-            <a:schemeClr val="tx1">
-              <a:lumMod val="75000"/>
-              <a:lumOff val="25000"/>
-            </a:schemeClr>
-          </a:solidFill>
-        </p:spPr>
-        <p:style>
-          <a:lnRef idx="2">
-            <a:schemeClr val="accent1">
-              <a:shade val="50000"/>
-            </a:schemeClr>
-          </a:lnRef>
-          <a:fillRef idx="1">
-            <a:schemeClr val="accent1"/>
-          </a:fillRef>
-          <a:effectRef idx="0">
-            <a:schemeClr val="accent1"/>
-          </a:effectRef>
-          <a:fontRef idx="minor">
-            <a:schemeClr val="lt1"/>
-          </a:fontRef>
-        </p:style>
-        <p:txBody>
-          <a:bodyPr rtlCol="0" anchor="ctr"/>
-          <a:lstStyle/>
-          <a:p>
-            <a:pPr algn="ctr"/>
-            <a:endParaRPr lang="fr-FR"/>
-          </a:p>
-        </p:txBody>
-      </p:sp>
       <p:pic>
         <p:nvPicPr>
           <p:cNvPr id="6" name="Image 5"/>
@@ -5153,28 +5580,59 @@
         </p:blipFill>
         <p:spPr>
           <a:xfrm>
-            <a:off x="178762" y="5317066"/>
-            <a:ext cx="5796981" cy="2138085"/>
+            <a:off x="-644510" y="-231683"/>
+            <a:ext cx="12836510" cy="3615919"/>
           </a:xfrm>
           <a:prstGeom prst="rect">
             <a:avLst/>
           </a:prstGeom>
-          <a:effectLst>
-            <a:outerShdw blurRad="50800" dist="38100" dir="5400000" algn="t" rotWithShape="0">
-              <a:prstClr val="black">
-                <a:alpha val="40000"/>
-              </a:prstClr>
-            </a:outerShdw>
-          </a:effectLst>
         </p:spPr>
       </p:pic>
+      <p:sp>
+        <p:nvSpPr>
+          <p:cNvPr id="2" name="Titre 1"/>
+          <p:cNvSpPr>
+            <a:spLocks noGrp="1"/>
+          </p:cNvSpPr>
+          <p:nvPr>
+            <p:ph type="title"/>
+          </p:nvPr>
+        </p:nvSpPr>
+        <p:spPr>
+          <a:xfrm>
+            <a:off x="292510" y="3742183"/>
+            <a:ext cx="10515600" cy="1325563"/>
+          </a:xfrm>
+        </p:spPr>
+        <p:txBody>
+          <a:bodyPr/>
+          <a:lstStyle/>
+          <a:p>
+            <a:r>
+              <a:rPr lang="fr-FR" dirty="0" smtClean="0">
+                <a:solidFill>
+                  <a:srgbClr val="FAC74E"/>
+                </a:solidFill>
+              </a:rPr>
+              <a:t>Liens réseaux sociaux</a:t>
+            </a:r>
+            <a:endParaRPr lang="fr-FR" dirty="0">
+              <a:solidFill>
+                <a:srgbClr val="FAC74E"/>
+              </a:solidFill>
+            </a:endParaRPr>
+          </a:p>
+        </p:txBody>
+      </p:sp>
       <p:pic>
         <p:nvPicPr>
-          <p:cNvPr id="5" name="Image 4"/>
+          <p:cNvPr id="4" name="Espace réservé du contenu 3"/>
           <p:cNvPicPr>
-            <a:picLocks noChangeAspect="1"/>
+            <a:picLocks noGrp="1" noChangeAspect="1"/>
           </p:cNvPicPr>
-          <p:nvPr/>
+          <p:nvPr>
+            <p:ph idx="1"/>
+          </p:nvPr>
         </p:nvPicPr>
         <p:blipFill>
           <a:blip r:embed="rId3"/>
@@ -5184,24 +5642,17 @@
         </p:blipFill>
         <p:spPr>
           <a:xfrm>
-            <a:off x="177042" y="3598975"/>
-            <a:ext cx="5800423" cy="2176312"/>
+            <a:off x="7448005" y="3981044"/>
+            <a:ext cx="3905795" cy="847843"/>
           </a:xfrm>
           <a:prstGeom prst="rect">
             <a:avLst/>
           </a:prstGeom>
-          <a:effectLst>
-            <a:outerShdw blurRad="50800" dist="38100" dir="5400000" algn="t" rotWithShape="0">
-              <a:prstClr val="black">
-                <a:alpha val="40000"/>
-              </a:prstClr>
-            </a:outerShdw>
-          </a:effectLst>
         </p:spPr>
       </p:pic>
       <p:pic>
         <p:nvPicPr>
-          <p:cNvPr id="7" name="Image 6"/>
+          <p:cNvPr id="5" name="Image 4"/>
           <p:cNvPicPr>
             <a:picLocks noChangeAspect="1"/>
           </p:cNvPicPr>
@@ -5215,207 +5666,18 @@
         </p:blipFill>
         <p:spPr>
           <a:xfrm>
-            <a:off x="177042" y="1377829"/>
-            <a:ext cx="5800423" cy="2431427"/>
+            <a:off x="-368711" y="5692879"/>
+            <a:ext cx="12706913" cy="4159044"/>
           </a:xfrm>
           <a:prstGeom prst="rect">
             <a:avLst/>
           </a:prstGeom>
-          <a:effectLst>
-            <a:outerShdw blurRad="50800" dist="38100" dir="5400000" algn="t" rotWithShape="0">
-              <a:prstClr val="black">
-                <a:alpha val="40000"/>
-              </a:prstClr>
-            </a:outerShdw>
-          </a:effectLst>
         </p:spPr>
       </p:pic>
-      <p:sp>
-        <p:nvSpPr>
-          <p:cNvPr id="4" name="Rectangle à coins arrondis 3"/>
-          <p:cNvSpPr/>
-          <p:nvPr/>
-        </p:nvSpPr>
-        <p:spPr>
-          <a:xfrm>
-            <a:off x="124177" y="293511"/>
-            <a:ext cx="11706577" cy="1625600"/>
-          </a:xfrm>
-          <a:prstGeom prst="roundRect">
-            <a:avLst/>
-          </a:prstGeom>
-          <a:solidFill>
-            <a:srgbClr val="FAC74E"/>
-          </a:solidFill>
-          <a:ln>
-            <a:solidFill>
-              <a:srgbClr val="CF384A"/>
-            </a:solidFill>
-          </a:ln>
-        </p:spPr>
-        <p:style>
-          <a:lnRef idx="2">
-            <a:schemeClr val="accent1">
-              <a:shade val="50000"/>
-            </a:schemeClr>
-          </a:lnRef>
-          <a:fillRef idx="1">
-            <a:schemeClr val="accent1"/>
-          </a:fillRef>
-          <a:effectRef idx="0">
-            <a:schemeClr val="accent1"/>
-          </a:effectRef>
-          <a:fontRef idx="minor">
-            <a:schemeClr val="lt1"/>
-          </a:fontRef>
-        </p:style>
-        <p:txBody>
-          <a:bodyPr rtlCol="0" anchor="ctr"/>
-          <a:lstStyle/>
-          <a:p>
-            <a:pPr algn="ctr"/>
-            <a:r>
-              <a:rPr lang="fr-FR" sz="6600" b="1" dirty="0" smtClean="0">
-                <a:ln w="22225">
-                  <a:solidFill>
-                    <a:schemeClr val="accent2"/>
-                  </a:solidFill>
-                  <a:prstDash val="solid"/>
-                </a:ln>
-                <a:solidFill>
-                  <a:srgbClr val="CF384A"/>
-                </a:solidFill>
-              </a:rPr>
-              <a:t>ACCESSIBILITE</a:t>
-            </a:r>
-            <a:endParaRPr lang="fr-FR" sz="6600" b="1" dirty="0">
-              <a:ln w="22225">
-                <a:solidFill>
-                  <a:schemeClr val="accent2"/>
-                </a:solidFill>
-                <a:prstDash val="solid"/>
-              </a:ln>
-              <a:solidFill>
-                <a:srgbClr val="CF384A"/>
-              </a:solidFill>
-            </a:endParaRPr>
-          </a:p>
-        </p:txBody>
-      </p:sp>
-      <p:sp>
-        <p:nvSpPr>
-          <p:cNvPr id="2" name="Rectangle à coins arrondis 1"/>
-          <p:cNvSpPr/>
-          <p:nvPr/>
-        </p:nvSpPr>
-        <p:spPr>
-          <a:xfrm>
-            <a:off x="6604000" y="1954348"/>
-            <a:ext cx="5226754" cy="4704725"/>
-          </a:xfrm>
-          <a:prstGeom prst="roundRect">
-            <a:avLst/>
-          </a:prstGeom>
-          <a:solidFill>
-            <a:srgbClr val="CF384A"/>
-          </a:solidFill>
-        </p:spPr>
-        <p:style>
-          <a:lnRef idx="2">
-            <a:schemeClr val="accent1">
-              <a:shade val="50000"/>
-            </a:schemeClr>
-          </a:lnRef>
-          <a:fillRef idx="1">
-            <a:schemeClr val="accent1"/>
-          </a:fillRef>
-          <a:effectRef idx="0">
-            <a:schemeClr val="accent1"/>
-          </a:effectRef>
-          <a:fontRef idx="minor">
-            <a:schemeClr val="lt1"/>
-          </a:fontRef>
-        </p:style>
-        <p:txBody>
-          <a:bodyPr rtlCol="0" anchor="ctr"/>
-          <a:lstStyle/>
-          <a:p>
-            <a:pPr algn="ctr"/>
-            <a:r>
-              <a:rPr lang="fr-FR" sz="4000" dirty="0" smtClean="0">
-                <a:solidFill>
-                  <a:srgbClr val="FAC74E"/>
-                </a:solidFill>
-              </a:rPr>
-              <a:t>Police d’écriture </a:t>
-            </a:r>
-          </a:p>
-          <a:p>
-            <a:pPr algn="ctr"/>
-            <a:r>
-              <a:rPr lang="fr-FR" sz="4000" dirty="0" smtClean="0">
-                <a:solidFill>
-                  <a:srgbClr val="FAC74E"/>
-                </a:solidFill>
-              </a:rPr>
-              <a:t> pas adapter au format</a:t>
-            </a:r>
-            <a:endParaRPr lang="fr-FR" sz="4000" dirty="0">
-              <a:solidFill>
-                <a:srgbClr val="FAC74E"/>
-              </a:solidFill>
-            </a:endParaRPr>
-          </a:p>
-        </p:txBody>
-      </p:sp>
-      <p:sp>
-        <p:nvSpPr>
-          <p:cNvPr id="3" name="Rectangle à coins arrondis 2"/>
-          <p:cNvSpPr/>
-          <p:nvPr/>
-        </p:nvSpPr>
-        <p:spPr>
-          <a:xfrm>
-            <a:off x="362857" y="6267278"/>
-            <a:ext cx="1843315" cy="355600"/>
-          </a:xfrm>
-          <a:prstGeom prst="roundRect">
-            <a:avLst/>
-          </a:prstGeom>
-        </p:spPr>
-        <p:style>
-          <a:lnRef idx="2">
-            <a:schemeClr val="accent1">
-              <a:shade val="50000"/>
-            </a:schemeClr>
-          </a:lnRef>
-          <a:fillRef idx="1">
-            <a:schemeClr val="accent1"/>
-          </a:fillRef>
-          <a:effectRef idx="0">
-            <a:schemeClr val="accent1"/>
-          </a:effectRef>
-          <a:fontRef idx="minor">
-            <a:schemeClr val="lt1"/>
-          </a:fontRef>
-        </p:style>
-        <p:txBody>
-          <a:bodyPr rtlCol="0" anchor="ctr"/>
-          <a:lstStyle/>
-          <a:p>
-            <a:pPr algn="ctr"/>
-            <a:r>
-              <a:rPr lang="fr-FR" dirty="0" smtClean="0"/>
-              <a:t>Affichage</a:t>
-            </a:r>
-            <a:endParaRPr lang="fr-FR" dirty="0"/>
-          </a:p>
-        </p:txBody>
-      </p:sp>
     </p:spTree>
     <p:extLst>
       <p:ext uri="{BB962C8B-B14F-4D97-AF65-F5344CB8AC3E}">
-        <p14:creationId xmlns:p14="http://schemas.microsoft.com/office/powerpoint/2010/main" val="1702769214"/>
+        <p14:creationId xmlns:p14="http://schemas.microsoft.com/office/powerpoint/2010/main" val="1800001616"/>
       </p:ext>
     </p:extLst>
   </p:cSld>
@@ -5435,6 +5697,17 @@
 <file path=ppt/slides/slide18.xml><?xml version="1.0" encoding="utf-8"?>
 <p:sld xmlns:a="http://schemas.openxmlformats.org/drawingml/2006/main" xmlns:r="http://schemas.openxmlformats.org/officeDocument/2006/relationships" xmlns:p="http://schemas.openxmlformats.org/presentationml/2006/main">
   <p:cSld>
+    <p:bg>
+      <p:bgPr>
+        <a:solidFill>
+          <a:schemeClr val="tx1">
+            <a:lumMod val="75000"/>
+            <a:lumOff val="25000"/>
+          </a:schemeClr>
+        </a:solidFill>
+        <a:effectLst/>
+      </p:bgPr>
+    </p:bg>
     <p:spTree>
       <p:nvGrpSpPr>
         <p:cNvPr id="1" name=""/>
@@ -5451,14 +5724,14 @@
       </p:grpSpPr>
       <p:sp>
         <p:nvSpPr>
-          <p:cNvPr id="5" name="Rectangle à coins arrondis 4"/>
+          <p:cNvPr id="2" name="Rectangle à coins arrondis 1"/>
           <p:cNvSpPr/>
           <p:nvPr/>
         </p:nvSpPr>
         <p:spPr>
           <a:xfrm>
-            <a:off x="633845" y="443779"/>
-            <a:ext cx="5840743" cy="1246909"/>
+            <a:off x="368710" y="575187"/>
+            <a:ext cx="11385755" cy="5958348"/>
           </a:xfrm>
           <a:prstGeom prst="roundRect">
             <a:avLst/>
@@ -5466,11 +5739,6 @@
           <a:solidFill>
             <a:srgbClr val="CF384A"/>
           </a:solidFill>
-          <a:ln>
-            <a:solidFill>
-              <a:srgbClr val="FAC74E"/>
-            </a:solidFill>
-          </a:ln>
         </p:spPr>
         <p:style>
           <a:lnRef idx="2">
@@ -5493,130 +5761,59 @@
           <a:lstStyle/>
           <a:p>
             <a:pPr algn="ctr"/>
-            <a:endParaRPr lang="fr-FR"/>
-          </a:p>
-        </p:txBody>
-      </p:sp>
-      <p:sp>
-        <p:nvSpPr>
-          <p:cNvPr id="2" name="Titre 1"/>
-          <p:cNvSpPr>
-            <a:spLocks noGrp="1"/>
-          </p:cNvSpPr>
-          <p:nvPr>
-            <p:ph type="title"/>
-          </p:nvPr>
-        </p:nvSpPr>
-        <p:spPr>
-          <a:xfrm>
-            <a:off x="1388918" y="365125"/>
-            <a:ext cx="10515600" cy="1325563"/>
-          </a:xfrm>
-        </p:spPr>
-        <p:txBody>
-          <a:bodyPr/>
-          <a:lstStyle/>
-          <a:p>
-            <a:r>
-              <a:rPr lang="fr-FR" dirty="0" smtClean="0">
+            <a:endParaRPr lang="fr-FR" sz="3600" b="1" u="sng" dirty="0" smtClean="0">
+              <a:solidFill>
+                <a:srgbClr val="FAC74E"/>
+              </a:solidFill>
+            </a:endParaRPr>
+          </a:p>
+          <a:p>
+            <a:pPr algn="ctr"/>
+            <a:endParaRPr lang="fr-FR" sz="3600" b="1" u="sng" dirty="0">
+              <a:solidFill>
+                <a:srgbClr val="FAC74E"/>
+              </a:solidFill>
+            </a:endParaRPr>
+          </a:p>
+          <a:p>
+            <a:pPr algn="ctr"/>
+            <a:endParaRPr lang="fr-FR" sz="3600" b="1" u="sng" dirty="0" smtClean="0">
+              <a:solidFill>
+                <a:srgbClr val="FAC74E"/>
+              </a:solidFill>
+            </a:endParaRPr>
+          </a:p>
+          <a:p>
+            <a:pPr algn="ctr"/>
+            <a:r>
+              <a:rPr lang="fr-FR" sz="3600" b="1" u="sng" dirty="0" smtClean="0">
                 <a:solidFill>
                   <a:srgbClr val="FAC74E"/>
                 </a:solidFill>
               </a:rPr>
-              <a:t>Site Responsive</a:t>
-            </a:r>
-            <a:endParaRPr lang="fr-FR" dirty="0">
+              <a:t>Résultat</a:t>
+            </a:r>
+          </a:p>
+          <a:p>
+            <a:pPr algn="ctr"/>
+            <a:endParaRPr lang="fr-FR" sz="3600" b="1" u="sng" dirty="0" smtClean="0">
               <a:solidFill>
                 <a:srgbClr val="FAC74E"/>
               </a:solidFill>
             </a:endParaRPr>
           </a:p>
-        </p:txBody>
-      </p:sp>
-      <p:pic>
-        <p:nvPicPr>
-          <p:cNvPr id="4" name="Image 3"/>
-          <p:cNvPicPr>
-            <a:picLocks noChangeAspect="1"/>
-          </p:cNvPicPr>
-          <p:nvPr/>
-        </p:nvPicPr>
-        <p:blipFill>
-          <a:blip r:embed="rId2"/>
-          <a:stretch>
-            <a:fillRect/>
-          </a:stretch>
-        </p:blipFill>
-        <p:spPr>
-          <a:xfrm>
-            <a:off x="710676" y="2086290"/>
-            <a:ext cx="5763912" cy="2849391"/>
-          </a:xfrm>
-          <a:prstGeom prst="rect">
-            <a:avLst/>
-          </a:prstGeom>
-        </p:spPr>
-      </p:pic>
-      <p:sp>
-        <p:nvSpPr>
-          <p:cNvPr id="6" name="Rectangle à coins arrondis 5"/>
-          <p:cNvSpPr/>
-          <p:nvPr/>
-        </p:nvSpPr>
-        <p:spPr>
-          <a:xfrm>
-            <a:off x="7626926" y="862446"/>
-            <a:ext cx="4094018" cy="4998027"/>
-          </a:xfrm>
-          <a:prstGeom prst="roundRect">
-            <a:avLst/>
-          </a:prstGeom>
-          <a:solidFill>
-            <a:schemeClr val="tx1">
-              <a:lumMod val="75000"/>
-              <a:lumOff val="25000"/>
-            </a:schemeClr>
-          </a:solidFill>
-          <a:ln>
-            <a:solidFill>
-              <a:schemeClr val="tx1">
-                <a:lumMod val="75000"/>
-                <a:lumOff val="25000"/>
-              </a:schemeClr>
-            </a:solidFill>
-          </a:ln>
-        </p:spPr>
-        <p:style>
-          <a:lnRef idx="2">
-            <a:schemeClr val="accent1">
-              <a:shade val="50000"/>
-            </a:schemeClr>
-          </a:lnRef>
-          <a:fillRef idx="1">
-            <a:schemeClr val="accent1"/>
-          </a:fillRef>
-          <a:effectRef idx="0">
-            <a:schemeClr val="accent1"/>
-          </a:effectRef>
-          <a:fontRef idx="minor">
-            <a:schemeClr val="lt1"/>
-          </a:fontRef>
-        </p:style>
-        <p:txBody>
-          <a:bodyPr rtlCol="0" anchor="ctr"/>
-          <a:lstStyle/>
           <a:p>
             <a:pPr marL="571500" indent="-571500">
               <a:buFont typeface="Arial" panose="020B0604020202020204" pitchFamily="34" charset="0"/>
               <a:buChar char="•"/>
             </a:pPr>
             <a:r>
-              <a:rPr lang="fr-FR" sz="4000" dirty="0" smtClean="0">
+              <a:rPr lang="fr-FR" sz="3600" dirty="0" smtClean="0">
                 <a:solidFill>
                   <a:srgbClr val="FAC74E"/>
                 </a:solidFill>
               </a:rPr>
-              <a:t>Ordinateur</a:t>
+              <a:t>Chargement plus rapide des pages</a:t>
             </a:r>
           </a:p>
           <a:p>
@@ -5625,12 +5822,22 @@
               <a:buChar char="•"/>
             </a:pPr>
             <a:r>
-              <a:rPr lang="fr-FR" sz="4000" dirty="0" smtClean="0">
+              <a:rPr lang="fr-FR" sz="3600" dirty="0" smtClean="0">
                 <a:solidFill>
                   <a:srgbClr val="FAC74E"/>
                 </a:solidFill>
               </a:rPr>
-              <a:t>Tablette</a:t>
+              <a:t>Meilleur classement dans les moteurs de recherches</a:t>
+            </a:r>
+          </a:p>
+          <a:p>
+            <a:r>
+              <a:rPr lang="fr-FR" sz="3600" dirty="0" smtClean="0">
+                <a:solidFill>
+                  <a:srgbClr val="FAC74E"/>
+                </a:solidFill>
+              </a:rPr>
+              <a:t>      (entre 3 et 6 mois)</a:t>
             </a:r>
           </a:p>
           <a:p>
@@ -5639,133 +5846,85 @@
               <a:buChar char="•"/>
             </a:pPr>
             <a:r>
-              <a:rPr lang="fr-FR" sz="4000" dirty="0" smtClean="0">
+              <a:rPr lang="fr-FR" sz="3600" dirty="0" smtClean="0">
                 <a:solidFill>
                   <a:srgbClr val="FAC74E"/>
                 </a:solidFill>
               </a:rPr>
-              <a:t>smartphone</a:t>
-            </a:r>
-            <a:endParaRPr lang="fr-FR" sz="4000" dirty="0">
+              <a:t>Un site plus clair</a:t>
+            </a:r>
+          </a:p>
+          <a:p>
+            <a:pPr marL="571500" indent="-571500">
+              <a:buFont typeface="Arial" panose="020B0604020202020204" pitchFamily="34" charset="0"/>
+              <a:buChar char="•"/>
+            </a:pPr>
+            <a:r>
+              <a:rPr lang="fr-FR" sz="3600" dirty="0" smtClean="0">
+                <a:solidFill>
+                  <a:srgbClr val="FAC74E"/>
+                </a:solidFill>
+              </a:rPr>
+              <a:t>Centrer sur la création du site</a:t>
+            </a:r>
+          </a:p>
+          <a:p>
+            <a:pPr marL="571500" indent="-571500">
+              <a:buFont typeface="Arial" panose="020B0604020202020204" pitchFamily="34" charset="0"/>
+              <a:buChar char="•"/>
+            </a:pPr>
+            <a:r>
+              <a:rPr lang="fr-FR" sz="3600" dirty="0" smtClean="0">
+                <a:solidFill>
+                  <a:srgbClr val="FAC74E"/>
+                </a:solidFill>
+              </a:rPr>
+              <a:t>Meilleur expérience utilisateur</a:t>
+            </a:r>
+          </a:p>
+          <a:p>
+            <a:pPr marL="571500" indent="-571500">
+              <a:buFont typeface="Arial" panose="020B0604020202020204" pitchFamily="34" charset="0"/>
+              <a:buChar char="•"/>
+            </a:pPr>
+            <a:r>
+              <a:rPr lang="fr-FR" sz="3600" dirty="0" smtClean="0">
+                <a:solidFill>
+                  <a:srgbClr val="FAC74E"/>
+                </a:solidFill>
+              </a:rPr>
+              <a:t>Réseaux sociaux opérationnelle</a:t>
+            </a:r>
+          </a:p>
+          <a:p>
+            <a:pPr marL="571500" indent="-571500" algn="ctr">
+              <a:buFont typeface="Arial" panose="020B0604020202020204" pitchFamily="34" charset="0"/>
+              <a:buChar char="•"/>
+            </a:pPr>
+            <a:endParaRPr lang="fr-FR" sz="3600" dirty="0">
               <a:solidFill>
                 <a:srgbClr val="FAC74E"/>
               </a:solidFill>
             </a:endParaRPr>
           </a:p>
-        </p:txBody>
-      </p:sp>
-      <p:pic>
-        <p:nvPicPr>
-          <p:cNvPr id="3" name="Image 2"/>
-          <p:cNvPicPr>
-            <a:picLocks noChangeAspect="1"/>
-          </p:cNvPicPr>
-          <p:nvPr/>
-        </p:nvPicPr>
-        <p:blipFill>
-          <a:blip r:embed="rId3"/>
-          <a:stretch>
-            <a:fillRect/>
-          </a:stretch>
-        </p:blipFill>
-        <p:spPr>
-          <a:xfrm>
-            <a:off x="1388918" y="2862682"/>
-            <a:ext cx="2216727" cy="1201173"/>
-          </a:xfrm>
-          <a:prstGeom prst="rect">
-            <a:avLst/>
-          </a:prstGeom>
-        </p:spPr>
-      </p:pic>
-      <p:pic>
-        <p:nvPicPr>
-          <p:cNvPr id="7" name="Image 6"/>
-          <p:cNvPicPr>
-            <a:picLocks noChangeAspect="1"/>
-          </p:cNvPicPr>
-          <p:nvPr/>
-        </p:nvPicPr>
-        <p:blipFill>
-          <a:blip r:embed="rId4"/>
-          <a:stretch>
-            <a:fillRect/>
-          </a:stretch>
-        </p:blipFill>
-        <p:spPr>
-          <a:xfrm>
-            <a:off x="4194994" y="3009900"/>
-            <a:ext cx="928637" cy="1198418"/>
-          </a:xfrm>
-          <a:prstGeom prst="rect">
-            <a:avLst/>
-          </a:prstGeom>
-        </p:spPr>
-      </p:pic>
-      <p:pic>
-        <p:nvPicPr>
-          <p:cNvPr id="8" name="Image 7"/>
-          <p:cNvPicPr>
-            <a:picLocks noChangeAspect="1"/>
-          </p:cNvPicPr>
-          <p:nvPr/>
-        </p:nvPicPr>
-        <p:blipFill>
-          <a:blip r:embed="rId4"/>
-          <a:stretch>
-            <a:fillRect/>
-          </a:stretch>
-        </p:blipFill>
-        <p:spPr>
-          <a:xfrm>
-            <a:off x="5412160" y="3361459"/>
-            <a:ext cx="467329" cy="745050"/>
-          </a:xfrm>
-          <a:prstGeom prst="rect">
-            <a:avLst/>
-          </a:prstGeom>
-        </p:spPr>
-      </p:pic>
-      <p:sp>
-        <p:nvSpPr>
-          <p:cNvPr id="9" name="Rectangle à coins arrondis 8"/>
-          <p:cNvSpPr/>
-          <p:nvPr/>
-        </p:nvSpPr>
-        <p:spPr>
-          <a:xfrm>
-            <a:off x="633845" y="6270171"/>
-            <a:ext cx="1673926" cy="333829"/>
-          </a:xfrm>
-          <a:prstGeom prst="roundRect">
-            <a:avLst/>
-          </a:prstGeom>
-        </p:spPr>
-        <p:style>
-          <a:lnRef idx="2">
-            <a:schemeClr val="accent1">
-              <a:shade val="50000"/>
-            </a:schemeClr>
-          </a:lnRef>
-          <a:fillRef idx="1">
-            <a:schemeClr val="accent1"/>
-          </a:fillRef>
-          <a:effectRef idx="0">
-            <a:schemeClr val="accent1"/>
-          </a:effectRef>
-          <a:fontRef idx="minor">
-            <a:schemeClr val="lt1"/>
-          </a:fontRef>
-        </p:style>
-        <p:txBody>
-          <a:bodyPr rtlCol="0" anchor="ctr"/>
-          <a:lstStyle/>
           <a:p>
             <a:pPr algn="ctr"/>
-            <a:r>
-              <a:rPr lang="fr-FR" dirty="0" smtClean="0"/>
-              <a:t>Responsive</a:t>
-            </a:r>
+            <a:endParaRPr lang="fr-FR" sz="3600" dirty="0" smtClean="0">
+              <a:solidFill>
+                <a:srgbClr val="FAC74E"/>
+              </a:solidFill>
+            </a:endParaRPr>
+          </a:p>
+          <a:p>
+            <a:pPr algn="ctr"/>
+            <a:endParaRPr lang="fr-FR" sz="3600" dirty="0" smtClean="0">
+              <a:solidFill>
+                <a:srgbClr val="FAC74E"/>
+              </a:solidFill>
+            </a:endParaRPr>
+          </a:p>
+          <a:p>
+            <a:pPr algn="ctr"/>
             <a:endParaRPr lang="fr-FR" dirty="0"/>
           </a:p>
         </p:txBody>
@@ -5773,7 +5932,7 @@
     </p:spTree>
     <p:extLst>
       <p:ext uri="{BB962C8B-B14F-4D97-AF65-F5344CB8AC3E}">
-        <p14:creationId xmlns:p14="http://schemas.microsoft.com/office/powerpoint/2010/main" val="3479203292"/>
+        <p14:creationId xmlns:p14="http://schemas.microsoft.com/office/powerpoint/2010/main" val="4242436252"/>
       </p:ext>
     </p:extLst>
   </p:cSld>
@@ -5820,14 +5979,51 @@
       </p:grpSpPr>
       <p:sp>
         <p:nvSpPr>
-          <p:cNvPr id="2" name="Rectangle à coins arrondis 1"/>
+          <p:cNvPr id="2" name="Titre 1"/>
+          <p:cNvSpPr>
+            <a:spLocks noGrp="1"/>
+          </p:cNvSpPr>
+          <p:nvPr>
+            <p:ph type="title"/>
+          </p:nvPr>
+        </p:nvSpPr>
+        <p:spPr>
+          <a:xfrm>
+            <a:off x="838198" y="1074033"/>
+            <a:ext cx="10515600" cy="1325563"/>
+          </a:xfrm>
+        </p:spPr>
+        <p:txBody>
+          <a:bodyPr/>
+          <a:lstStyle/>
+          <a:p>
+            <a:pPr algn="ctr"/>
+            <a:r>
+              <a:rPr lang="fr-FR" dirty="0" smtClean="0">
+                <a:solidFill>
+                  <a:srgbClr val="FAC74E"/>
+                </a:solidFill>
+              </a:rPr>
+              <a:t>fin</a:t>
+            </a:r>
+            <a:endParaRPr lang="fr-FR" dirty="0">
+              <a:solidFill>
+                <a:srgbClr val="FAC74E"/>
+              </a:solidFill>
+            </a:endParaRPr>
+          </a:p>
+        </p:txBody>
+      </p:sp>
+      <p:sp>
+        <p:nvSpPr>
+          <p:cNvPr id="4" name="Rectangle à coins arrondis 3"/>
           <p:cNvSpPr/>
           <p:nvPr/>
         </p:nvSpPr>
         <p:spPr>
           <a:xfrm>
-            <a:off x="368710" y="575187"/>
-            <a:ext cx="11385755" cy="5958348"/>
+            <a:off x="3155243" y="2961086"/>
+            <a:ext cx="5881511" cy="2259101"/>
           </a:xfrm>
           <a:prstGeom prst="roundRect">
             <a:avLst/>
@@ -5835,6 +6031,11 @@
           <a:solidFill>
             <a:srgbClr val="CF384A"/>
           </a:solidFill>
+          <a:ln>
+            <a:solidFill>
+              <a:srgbClr val="FAC74E"/>
+            </a:solidFill>
+          </a:ln>
         </p:spPr>
         <p:style>
           <a:lnRef idx="2">
@@ -5857,178 +6058,84 @@
           <a:lstStyle/>
           <a:p>
             <a:pPr algn="ctr"/>
-            <a:endParaRPr lang="fr-FR" sz="3600" b="1" u="sng" dirty="0" smtClean="0">
+            <a:endParaRPr lang="fr-FR"/>
+          </a:p>
+        </p:txBody>
+      </p:sp>
+      <p:sp>
+        <p:nvSpPr>
+          <p:cNvPr id="3" name="Espace réservé du contenu 2"/>
+          <p:cNvSpPr>
+            <a:spLocks noGrp="1"/>
+          </p:cNvSpPr>
+          <p:nvPr>
+            <p:ph idx="1"/>
+          </p:nvPr>
+        </p:nvSpPr>
+        <p:spPr>
+          <a:xfrm>
+            <a:off x="3623731" y="3163669"/>
+            <a:ext cx="4944534" cy="2056518"/>
+          </a:xfrm>
+        </p:spPr>
+        <p:txBody>
+          <a:bodyPr/>
+          <a:lstStyle/>
+          <a:p>
+            <a:pPr marL="0" indent="0">
+              <a:buNone/>
+            </a:pPr>
+            <a:r>
+              <a:rPr lang="fr-FR" dirty="0" smtClean="0">
+                <a:solidFill>
+                  <a:srgbClr val="FAC74E"/>
+                </a:solidFill>
+              </a:rPr>
+              <a:t>PROJET 4</a:t>
+            </a:r>
+          </a:p>
+          <a:p>
+            <a:pPr marL="0" indent="0">
+              <a:buNone/>
+            </a:pPr>
+            <a:r>
+              <a:rPr lang="fr-FR" dirty="0" smtClean="0">
+                <a:solidFill>
+                  <a:srgbClr val="FAC74E"/>
+                </a:solidFill>
+              </a:rPr>
+              <a:t>Augmentez votre trafic grâce au référencement naturel SEO</a:t>
+            </a:r>
+            <a:endParaRPr lang="fr-FR" dirty="0">
               <a:solidFill>
                 <a:srgbClr val="FAC74E"/>
               </a:solidFill>
             </a:endParaRPr>
           </a:p>
           <a:p>
-            <a:pPr algn="ctr"/>
-            <a:endParaRPr lang="fr-FR" sz="3600" b="1" u="sng" dirty="0">
+            <a:pPr marL="0" indent="0">
+              <a:buNone/>
+            </a:pPr>
+            <a:r>
+              <a:rPr lang="fr-FR" dirty="0" smtClean="0">
+                <a:solidFill>
+                  <a:srgbClr val="FAC74E"/>
+                </a:solidFill>
+              </a:rPr>
+              <a:t>DEGRANGE Frédéric</a:t>
+            </a:r>
+            <a:endParaRPr lang="fr-FR" dirty="0">
               <a:solidFill>
                 <a:srgbClr val="FAC74E"/>
               </a:solidFill>
             </a:endParaRPr>
           </a:p>
-          <a:p>
-            <a:pPr algn="ctr"/>
-            <a:endParaRPr lang="fr-FR" sz="3600" b="1" u="sng" dirty="0" smtClean="0">
-              <a:solidFill>
-                <a:srgbClr val="FAC74E"/>
-              </a:solidFill>
-            </a:endParaRPr>
-          </a:p>
-          <a:p>
-            <a:pPr algn="ctr"/>
-            <a:r>
-              <a:rPr lang="fr-FR" sz="3600" b="1" u="sng" dirty="0" smtClean="0">
-                <a:solidFill>
-                  <a:srgbClr val="FAC74E"/>
-                </a:solidFill>
-              </a:rPr>
-              <a:t>Résultat</a:t>
-            </a:r>
-          </a:p>
-          <a:p>
-            <a:pPr algn="ctr"/>
-            <a:endParaRPr lang="fr-FR" sz="3600" b="1" u="sng" dirty="0" smtClean="0">
-              <a:solidFill>
-                <a:srgbClr val="FAC74E"/>
-              </a:solidFill>
-            </a:endParaRPr>
-          </a:p>
-          <a:p>
-            <a:pPr marL="571500" indent="-571500">
-              <a:buFont typeface="Arial" panose="020B0604020202020204" pitchFamily="34" charset="0"/>
-              <a:buChar char="•"/>
-            </a:pPr>
-            <a:r>
-              <a:rPr lang="fr-FR" sz="3600" dirty="0" smtClean="0">
-                <a:solidFill>
-                  <a:srgbClr val="FAC74E"/>
-                </a:solidFill>
-              </a:rPr>
-              <a:t>Chargement plus rapide des pages</a:t>
-            </a:r>
-          </a:p>
-          <a:p>
-            <a:pPr marL="571500" indent="-571500">
-              <a:buFont typeface="Arial" panose="020B0604020202020204" pitchFamily="34" charset="0"/>
-              <a:buChar char="•"/>
-            </a:pPr>
-            <a:r>
-              <a:rPr lang="fr-FR" sz="3600" dirty="0" smtClean="0">
-                <a:solidFill>
-                  <a:srgbClr val="FAC74E"/>
-                </a:solidFill>
-              </a:rPr>
-              <a:t>Meilleur classement dans les moteurs de recherches</a:t>
-            </a:r>
-          </a:p>
-          <a:p>
-            <a:r>
-              <a:rPr lang="fr-FR" sz="3600" dirty="0" smtClean="0">
-                <a:solidFill>
-                  <a:srgbClr val="FAC74E"/>
-                </a:solidFill>
-              </a:rPr>
-              <a:t>      (entre 3 et 6 mois)</a:t>
-            </a:r>
-          </a:p>
-          <a:p>
-            <a:pPr marL="571500" indent="-571500">
-              <a:buFont typeface="Arial" panose="020B0604020202020204" pitchFamily="34" charset="0"/>
-              <a:buChar char="•"/>
-            </a:pPr>
-            <a:r>
-              <a:rPr lang="fr-FR" sz="3600" dirty="0" smtClean="0">
-                <a:solidFill>
-                  <a:srgbClr val="FAC74E"/>
-                </a:solidFill>
-              </a:rPr>
-              <a:t>Un site plus clair</a:t>
-            </a:r>
-          </a:p>
-          <a:p>
-            <a:pPr marL="571500" indent="-571500">
-              <a:buFont typeface="Arial" panose="020B0604020202020204" pitchFamily="34" charset="0"/>
-              <a:buChar char="•"/>
-            </a:pPr>
-            <a:r>
-              <a:rPr lang="fr-FR" sz="3600" dirty="0" smtClean="0">
-                <a:solidFill>
-                  <a:srgbClr val="FAC74E"/>
-                </a:solidFill>
-              </a:rPr>
-              <a:t>Centrer sur la création du site</a:t>
-            </a:r>
-          </a:p>
-          <a:p>
-            <a:pPr marL="571500" indent="-571500">
-              <a:buFont typeface="Arial" panose="020B0604020202020204" pitchFamily="34" charset="0"/>
-              <a:buChar char="•"/>
-            </a:pPr>
-            <a:r>
-              <a:rPr lang="fr-FR" sz="3600" dirty="0" smtClean="0">
-                <a:solidFill>
-                  <a:srgbClr val="FAC74E"/>
-                </a:solidFill>
-              </a:rPr>
-              <a:t>Meilleur expérience utilisateur</a:t>
-            </a:r>
-          </a:p>
-          <a:p>
-            <a:pPr marL="571500" indent="-571500">
-              <a:buFont typeface="Arial" panose="020B0604020202020204" pitchFamily="34" charset="0"/>
-              <a:buChar char="•"/>
-            </a:pPr>
-            <a:r>
-              <a:rPr lang="fr-FR" sz="3600" dirty="0" smtClean="0">
-                <a:solidFill>
-                  <a:srgbClr val="FAC74E"/>
-                </a:solidFill>
-              </a:rPr>
-              <a:t>Réseaux sociaux opérationnelle</a:t>
-            </a:r>
-          </a:p>
-          <a:p>
-            <a:pPr marL="571500" indent="-571500" algn="ctr">
-              <a:buFont typeface="Arial" panose="020B0604020202020204" pitchFamily="34" charset="0"/>
-              <a:buChar char="•"/>
-            </a:pPr>
-            <a:endParaRPr lang="fr-FR" sz="3600" dirty="0">
-              <a:solidFill>
-                <a:srgbClr val="FAC74E"/>
-              </a:solidFill>
-            </a:endParaRPr>
-          </a:p>
-          <a:p>
-            <a:pPr algn="ctr"/>
-            <a:endParaRPr lang="fr-FR" sz="3600" dirty="0" smtClean="0">
-              <a:solidFill>
-                <a:srgbClr val="FAC74E"/>
-              </a:solidFill>
-            </a:endParaRPr>
-          </a:p>
-          <a:p>
-            <a:pPr algn="ctr"/>
-            <a:endParaRPr lang="fr-FR" sz="3600" dirty="0" smtClean="0">
-              <a:solidFill>
-                <a:srgbClr val="FAC74E"/>
-              </a:solidFill>
-            </a:endParaRPr>
-          </a:p>
-          <a:p>
-            <a:pPr algn="ctr"/>
-            <a:endParaRPr lang="fr-FR" dirty="0"/>
-          </a:p>
         </p:txBody>
       </p:sp>
     </p:spTree>
     <p:extLst>
       <p:ext uri="{BB962C8B-B14F-4D97-AF65-F5344CB8AC3E}">
-        <p14:creationId xmlns:p14="http://schemas.microsoft.com/office/powerpoint/2010/main" val="4242436252"/>
+        <p14:creationId xmlns:p14="http://schemas.microsoft.com/office/powerpoint/2010/main" val="301072653"/>
       </p:ext>
     </p:extLst>
   </p:cSld>
@@ -6309,209 +6416,6 @@
 </p:sld>
 </file>
 
-<file path=ppt/slides/slide20.xml><?xml version="1.0" encoding="utf-8"?>
-<p:sld xmlns:a="http://schemas.openxmlformats.org/drawingml/2006/main" xmlns:r="http://schemas.openxmlformats.org/officeDocument/2006/relationships" xmlns:p="http://schemas.openxmlformats.org/presentationml/2006/main">
-  <p:cSld>
-    <p:bg>
-      <p:bgPr>
-        <a:solidFill>
-          <a:schemeClr val="tx1">
-            <a:lumMod val="75000"/>
-            <a:lumOff val="25000"/>
-          </a:schemeClr>
-        </a:solidFill>
-        <a:effectLst/>
-      </p:bgPr>
-    </p:bg>
-    <p:spTree>
-      <p:nvGrpSpPr>
-        <p:cNvPr id="1" name=""/>
-        <p:cNvGrpSpPr/>
-        <p:nvPr/>
-      </p:nvGrpSpPr>
-      <p:grpSpPr>
-        <a:xfrm>
-          <a:off x="0" y="0"/>
-          <a:ext cx="0" cy="0"/>
-          <a:chOff x="0" y="0"/>
-          <a:chExt cx="0" cy="0"/>
-        </a:xfrm>
-      </p:grpSpPr>
-      <p:sp>
-        <p:nvSpPr>
-          <p:cNvPr id="2" name="Titre 1"/>
-          <p:cNvSpPr>
-            <a:spLocks noGrp="1"/>
-          </p:cNvSpPr>
-          <p:nvPr>
-            <p:ph type="title"/>
-          </p:nvPr>
-        </p:nvSpPr>
-        <p:spPr>
-          <a:xfrm>
-            <a:off x="838198" y="1074033"/>
-            <a:ext cx="10515600" cy="1325563"/>
-          </a:xfrm>
-        </p:spPr>
-        <p:txBody>
-          <a:bodyPr/>
-          <a:lstStyle/>
-          <a:p>
-            <a:pPr algn="ctr"/>
-            <a:r>
-              <a:rPr lang="fr-FR" dirty="0" smtClean="0">
-                <a:solidFill>
-                  <a:srgbClr val="FAC74E"/>
-                </a:solidFill>
-              </a:rPr>
-              <a:t>fin</a:t>
-            </a:r>
-            <a:endParaRPr lang="fr-FR" dirty="0">
-              <a:solidFill>
-                <a:srgbClr val="FAC74E"/>
-              </a:solidFill>
-            </a:endParaRPr>
-          </a:p>
-        </p:txBody>
-      </p:sp>
-      <p:sp>
-        <p:nvSpPr>
-          <p:cNvPr id="4" name="Rectangle à coins arrondis 3"/>
-          <p:cNvSpPr/>
-          <p:nvPr/>
-        </p:nvSpPr>
-        <p:spPr>
-          <a:xfrm>
-            <a:off x="3155243" y="2961086"/>
-            <a:ext cx="5881511" cy="2259101"/>
-          </a:xfrm>
-          <a:prstGeom prst="roundRect">
-            <a:avLst/>
-          </a:prstGeom>
-          <a:solidFill>
-            <a:srgbClr val="CF384A"/>
-          </a:solidFill>
-          <a:ln>
-            <a:solidFill>
-              <a:srgbClr val="FAC74E"/>
-            </a:solidFill>
-          </a:ln>
-        </p:spPr>
-        <p:style>
-          <a:lnRef idx="2">
-            <a:schemeClr val="accent1">
-              <a:shade val="50000"/>
-            </a:schemeClr>
-          </a:lnRef>
-          <a:fillRef idx="1">
-            <a:schemeClr val="accent1"/>
-          </a:fillRef>
-          <a:effectRef idx="0">
-            <a:schemeClr val="accent1"/>
-          </a:effectRef>
-          <a:fontRef idx="minor">
-            <a:schemeClr val="lt1"/>
-          </a:fontRef>
-        </p:style>
-        <p:txBody>
-          <a:bodyPr rtlCol="0" anchor="ctr"/>
-          <a:lstStyle/>
-          <a:p>
-            <a:pPr algn="ctr"/>
-            <a:endParaRPr lang="fr-FR"/>
-          </a:p>
-        </p:txBody>
-      </p:sp>
-      <p:sp>
-        <p:nvSpPr>
-          <p:cNvPr id="3" name="Espace réservé du contenu 2"/>
-          <p:cNvSpPr>
-            <a:spLocks noGrp="1"/>
-          </p:cNvSpPr>
-          <p:nvPr>
-            <p:ph idx="1"/>
-          </p:nvPr>
-        </p:nvSpPr>
-        <p:spPr>
-          <a:xfrm>
-            <a:off x="3623731" y="3163669"/>
-            <a:ext cx="4944534" cy="2056518"/>
-          </a:xfrm>
-        </p:spPr>
-        <p:txBody>
-          <a:bodyPr/>
-          <a:lstStyle/>
-          <a:p>
-            <a:pPr marL="0" indent="0">
-              <a:buNone/>
-            </a:pPr>
-            <a:r>
-              <a:rPr lang="fr-FR" dirty="0" smtClean="0">
-                <a:solidFill>
-                  <a:srgbClr val="FAC74E"/>
-                </a:solidFill>
-              </a:rPr>
-              <a:t>PROJET 4</a:t>
-            </a:r>
-          </a:p>
-          <a:p>
-            <a:pPr marL="0" indent="0">
-              <a:buNone/>
-            </a:pPr>
-            <a:r>
-              <a:rPr lang="fr-FR" dirty="0" smtClean="0">
-                <a:solidFill>
-                  <a:srgbClr val="FAC74E"/>
-                </a:solidFill>
-              </a:rPr>
-              <a:t>Augmentez votre trafic grâce au référencement naturel SEO</a:t>
-            </a:r>
-            <a:endParaRPr lang="fr-FR" dirty="0">
-              <a:solidFill>
-                <a:srgbClr val="FAC74E"/>
-              </a:solidFill>
-            </a:endParaRPr>
-          </a:p>
-          <a:p>
-            <a:pPr marL="0" indent="0">
-              <a:buNone/>
-            </a:pPr>
-            <a:r>
-              <a:rPr lang="fr-FR" dirty="0" smtClean="0">
-                <a:solidFill>
-                  <a:srgbClr val="FAC74E"/>
-                </a:solidFill>
-              </a:rPr>
-              <a:t>DEGRANGE Frédéric</a:t>
-            </a:r>
-            <a:endParaRPr lang="fr-FR" dirty="0">
-              <a:solidFill>
-                <a:srgbClr val="FAC74E"/>
-              </a:solidFill>
-            </a:endParaRPr>
-          </a:p>
-        </p:txBody>
-      </p:sp>
-    </p:spTree>
-    <p:extLst>
-      <p:ext uri="{BB962C8B-B14F-4D97-AF65-F5344CB8AC3E}">
-        <p14:creationId xmlns:p14="http://schemas.microsoft.com/office/powerpoint/2010/main" val="301072653"/>
-      </p:ext>
-    </p:extLst>
-  </p:cSld>
-  <p:clrMapOvr>
-    <a:masterClrMapping/>
-  </p:clrMapOvr>
-  <p:timing>
-    <p:tnLst>
-      <p:par>
-        <p:cTn id="1" dur="indefinite" restart="never" nodeType="tmRoot"/>
-      </p:par>
-    </p:tnLst>
-  </p:timing>
-</p:sld>
-</file>
-
 <file path=ppt/slides/slide3.xml><?xml version="1.0" encoding="utf-8"?>
 <p:sld xmlns:a="http://schemas.openxmlformats.org/drawingml/2006/main" xmlns:r="http://schemas.openxmlformats.org/officeDocument/2006/relationships" xmlns:p="http://schemas.openxmlformats.org/presentationml/2006/main">
   <p:cSld>
@@ -6630,11 +6534,16 @@
           </p:cNvGraphicFramePr>
           <p:nvPr>
             <p:ph idx="1"/>
+            <p:extLst>
+              <p:ext uri="{D42A27DB-BD31-4B8C-83A1-F6EECF244321}">
+                <p14:modId xmlns:p14="http://schemas.microsoft.com/office/powerpoint/2010/main" val="3533619591"/>
+              </p:ext>
+            </p:extLst>
           </p:nvPr>
         </p:nvGraphicFramePr>
         <p:xfrm>
           <a:off x="838200" y="3075729"/>
-          <a:ext cx="10515599" cy="1576810"/>
+          <a:ext cx="10156634" cy="1941112"/>
         </p:xfrm>
         <a:graphic>
           <a:graphicData uri="http://schemas.openxmlformats.org/drawingml/2006/table">
@@ -6643,13 +6552,13 @@
                 <a:tableStyleId>{5C22544A-7EE6-4342-B048-85BDC9FD1C3A}</a:tableStyleId>
               </a:tblPr>
               <a:tblGrid>
-                <a:gridCol w="1306230"/>
-                <a:gridCol w="1487650"/>
-                <a:gridCol w="3612540"/>
-                <a:gridCol w="2294972"/>
-                <a:gridCol w="1814207"/>
+                <a:gridCol w="1261640"/>
+                <a:gridCol w="1436867"/>
+                <a:gridCol w="3489221"/>
+                <a:gridCol w="2216630"/>
+                <a:gridCol w="1752276"/>
               </a:tblGrid>
-              <a:tr h="142900">
+              <a:tr h="166787">
                 <a:tc>
                   <a:txBody>
                     <a:bodyPr/>
@@ -6657,12 +6566,12 @@
                     <a:p>
                       <a:pPr algn="ctr" fontAlgn="b"/>
                       <a:r>
-                        <a:rPr lang="fr-FR" sz="900" u="none" strike="noStrike">
+                        <a:rPr lang="fr-FR" sz="900" u="none" strike="noStrike" dirty="0">
                           <a:effectLst/>
                         </a:rPr>
                         <a:t>Catégorie</a:t>
                       </a:r>
-                      <a:endParaRPr lang="fr-FR" sz="900" b="1" i="0" u="none" strike="noStrike">
+                      <a:endParaRPr lang="fr-FR" sz="900" b="1" i="0" u="none" strike="noStrike" dirty="0">
                         <a:solidFill>
                           <a:srgbClr val="FFFFFF"/>
                         </a:solidFill>
@@ -6766,7 +6675,7 @@
                   <a:tcPr marL="6805" marR="6805" marT="6805" marB="0" anchor="b"/>
                 </a:tc>
               </a:tr>
-              <a:tr h="142900">
+              <a:tr h="166787">
                 <a:tc>
                   <a:txBody>
                     <a:bodyPr/>
@@ -6859,7 +6768,7 @@
                   <a:tcPr marL="6805" marR="6805" marT="6805" marB="0" anchor="b"/>
                 </a:tc>
               </a:tr>
-              <a:tr h="142900">
+              <a:tr h="166787">
                 <a:tc>
                   <a:txBody>
                     <a:bodyPr/>
@@ -6970,7 +6879,7 @@
                   <a:tcPr marL="6805" marR="6805" marT="6805" marB="0" anchor="b"/>
                 </a:tc>
               </a:tr>
-              <a:tr h="268107">
+              <a:tr h="325691">
                 <a:tc>
                   <a:txBody>
                     <a:bodyPr/>
@@ -7081,7 +6990,7 @@
                   <a:tcPr marL="6805" marR="6805" marT="6805" marB="0" anchor="b"/>
                 </a:tc>
               </a:tr>
-              <a:tr h="142900">
+              <a:tr h="166787">
                 <a:tc>
                   <a:txBody>
                     <a:bodyPr/>
@@ -7192,7 +7101,7 @@
                   <a:tcPr marL="6805" marR="6805" marT="6805" marB="0" anchor="b"/>
                 </a:tc>
               </a:tr>
-              <a:tr h="142900">
+              <a:tr h="166787">
                 <a:tc>
                   <a:txBody>
                     <a:bodyPr/>
@@ -7303,7 +7212,7 @@
                   <a:tcPr marL="6805" marR="6805" marT="6805" marB="0" anchor="b"/>
                 </a:tc>
               </a:tr>
-              <a:tr h="142900">
+              <a:tr h="166787">
                 <a:tc>
                   <a:txBody>
                     <a:bodyPr/>
@@ -7414,7 +7323,7 @@
                   <a:tcPr marL="6805" marR="6805" marT="6805" marB="0" anchor="b"/>
                 </a:tc>
               </a:tr>
-              <a:tr h="142900">
+              <a:tr h="166787">
                 <a:tc>
                   <a:txBody>
                     <a:bodyPr/>
@@ -7462,12 +7371,12 @@
                     <a:p>
                       <a:pPr algn="l" fontAlgn="b"/>
                       <a:r>
-                        <a:rPr lang="fr-FR" sz="900" u="none" strike="noStrike">
+                        <a:rPr lang="fr-FR" sz="900" u="none" strike="noStrike" dirty="0">
                           <a:effectLst/>
                         </a:rPr>
                         <a:t>texte trop petit, pas lisible pour les mal voyant</a:t>
                       </a:r>
-                      <a:endParaRPr lang="fr-FR" sz="900" b="0" i="0" u="none" strike="noStrike">
+                      <a:endParaRPr lang="fr-FR" sz="900" b="0" i="0" u="none" strike="noStrike" dirty="0">
                         <a:solidFill>
                           <a:srgbClr val="000000"/>
                         </a:solidFill>
@@ -7525,7 +7434,7 @@
                   <a:tcPr marL="6805" marR="6805" marT="6805" marB="0" anchor="b"/>
                 </a:tc>
               </a:tr>
-              <a:tr h="142900">
+              <a:tr h="166787">
                 <a:tc>
                   <a:txBody>
                     <a:bodyPr/>
@@ -7636,7 +7545,7 @@
                   <a:tcPr marL="6805" marR="6805" marT="6805" marB="0" anchor="b"/>
                 </a:tc>
               </a:tr>
-              <a:tr h="142900">
+              <a:tr h="166787">
                 <a:tc>
                   <a:txBody>
                     <a:bodyPr/>
@@ -8591,6 +8500,364 @@
         </p:nvSpPr>
         <p:spPr>
           <a:xfrm>
+            <a:off x="633845" y="443779"/>
+            <a:ext cx="5840743" cy="1246909"/>
+          </a:xfrm>
+          <a:prstGeom prst="roundRect">
+            <a:avLst/>
+          </a:prstGeom>
+          <a:solidFill>
+            <a:srgbClr val="CF384A"/>
+          </a:solidFill>
+          <a:ln>
+            <a:solidFill>
+              <a:srgbClr val="FAC74E"/>
+            </a:solidFill>
+          </a:ln>
+        </p:spPr>
+        <p:style>
+          <a:lnRef idx="2">
+            <a:schemeClr val="accent1">
+              <a:shade val="50000"/>
+            </a:schemeClr>
+          </a:lnRef>
+          <a:fillRef idx="1">
+            <a:schemeClr val="accent1"/>
+          </a:fillRef>
+          <a:effectRef idx="0">
+            <a:schemeClr val="accent1"/>
+          </a:effectRef>
+          <a:fontRef idx="minor">
+            <a:schemeClr val="lt1"/>
+          </a:fontRef>
+        </p:style>
+        <p:txBody>
+          <a:bodyPr rtlCol="0" anchor="ctr"/>
+          <a:lstStyle/>
+          <a:p>
+            <a:pPr algn="ctr"/>
+            <a:endParaRPr lang="fr-FR"/>
+          </a:p>
+        </p:txBody>
+      </p:sp>
+      <p:sp>
+        <p:nvSpPr>
+          <p:cNvPr id="2" name="Titre 1"/>
+          <p:cNvSpPr>
+            <a:spLocks noGrp="1"/>
+          </p:cNvSpPr>
+          <p:nvPr>
+            <p:ph type="title"/>
+          </p:nvPr>
+        </p:nvSpPr>
+        <p:spPr>
+          <a:xfrm>
+            <a:off x="1388918" y="365125"/>
+            <a:ext cx="10515600" cy="1325563"/>
+          </a:xfrm>
+        </p:spPr>
+        <p:txBody>
+          <a:bodyPr/>
+          <a:lstStyle/>
+          <a:p>
+            <a:r>
+              <a:rPr lang="fr-FR" dirty="0" smtClean="0">
+                <a:solidFill>
+                  <a:srgbClr val="FAC74E"/>
+                </a:solidFill>
+              </a:rPr>
+              <a:t>Site Responsive</a:t>
+            </a:r>
+            <a:endParaRPr lang="fr-FR" dirty="0">
+              <a:solidFill>
+                <a:srgbClr val="FAC74E"/>
+              </a:solidFill>
+            </a:endParaRPr>
+          </a:p>
+        </p:txBody>
+      </p:sp>
+      <p:pic>
+        <p:nvPicPr>
+          <p:cNvPr id="4" name="Image 3"/>
+          <p:cNvPicPr>
+            <a:picLocks noChangeAspect="1"/>
+          </p:cNvPicPr>
+          <p:nvPr/>
+        </p:nvPicPr>
+        <p:blipFill>
+          <a:blip r:embed="rId2"/>
+          <a:stretch>
+            <a:fillRect/>
+          </a:stretch>
+        </p:blipFill>
+        <p:spPr>
+          <a:xfrm>
+            <a:off x="710676" y="2086290"/>
+            <a:ext cx="5763912" cy="2849391"/>
+          </a:xfrm>
+          <a:prstGeom prst="rect">
+            <a:avLst/>
+          </a:prstGeom>
+        </p:spPr>
+      </p:pic>
+      <p:sp>
+        <p:nvSpPr>
+          <p:cNvPr id="6" name="Rectangle à coins arrondis 5"/>
+          <p:cNvSpPr/>
+          <p:nvPr/>
+        </p:nvSpPr>
+        <p:spPr>
+          <a:xfrm>
+            <a:off x="7626926" y="862446"/>
+            <a:ext cx="4094018" cy="4998027"/>
+          </a:xfrm>
+          <a:prstGeom prst="roundRect">
+            <a:avLst/>
+          </a:prstGeom>
+          <a:solidFill>
+            <a:schemeClr val="tx1">
+              <a:lumMod val="75000"/>
+              <a:lumOff val="25000"/>
+            </a:schemeClr>
+          </a:solidFill>
+          <a:ln>
+            <a:solidFill>
+              <a:schemeClr val="tx1">
+                <a:lumMod val="75000"/>
+                <a:lumOff val="25000"/>
+              </a:schemeClr>
+            </a:solidFill>
+          </a:ln>
+        </p:spPr>
+        <p:style>
+          <a:lnRef idx="2">
+            <a:schemeClr val="accent1">
+              <a:shade val="50000"/>
+            </a:schemeClr>
+          </a:lnRef>
+          <a:fillRef idx="1">
+            <a:schemeClr val="accent1"/>
+          </a:fillRef>
+          <a:effectRef idx="0">
+            <a:schemeClr val="accent1"/>
+          </a:effectRef>
+          <a:fontRef idx="minor">
+            <a:schemeClr val="lt1"/>
+          </a:fontRef>
+        </p:style>
+        <p:txBody>
+          <a:bodyPr rtlCol="0" anchor="ctr"/>
+          <a:lstStyle/>
+          <a:p>
+            <a:pPr marL="571500" indent="-571500">
+              <a:buFont typeface="Arial" panose="020B0604020202020204" pitchFamily="34" charset="0"/>
+              <a:buChar char="•"/>
+            </a:pPr>
+            <a:r>
+              <a:rPr lang="fr-FR" sz="4000" dirty="0" smtClean="0">
+                <a:solidFill>
+                  <a:srgbClr val="FAC74E"/>
+                </a:solidFill>
+              </a:rPr>
+              <a:t>Ordinateur</a:t>
+            </a:r>
+          </a:p>
+          <a:p>
+            <a:pPr marL="571500" indent="-571500">
+              <a:buFont typeface="Arial" panose="020B0604020202020204" pitchFamily="34" charset="0"/>
+              <a:buChar char="•"/>
+            </a:pPr>
+            <a:r>
+              <a:rPr lang="fr-FR" sz="4000" dirty="0" smtClean="0">
+                <a:solidFill>
+                  <a:srgbClr val="FAC74E"/>
+                </a:solidFill>
+              </a:rPr>
+              <a:t>Tablette</a:t>
+            </a:r>
+          </a:p>
+          <a:p>
+            <a:pPr marL="571500" indent="-571500">
+              <a:buFont typeface="Arial" panose="020B0604020202020204" pitchFamily="34" charset="0"/>
+              <a:buChar char="•"/>
+            </a:pPr>
+            <a:r>
+              <a:rPr lang="fr-FR" sz="4000" dirty="0" smtClean="0">
+                <a:solidFill>
+                  <a:srgbClr val="FAC74E"/>
+                </a:solidFill>
+              </a:rPr>
+              <a:t>smartphone</a:t>
+            </a:r>
+            <a:endParaRPr lang="fr-FR" sz="4000" dirty="0">
+              <a:solidFill>
+                <a:srgbClr val="FAC74E"/>
+              </a:solidFill>
+            </a:endParaRPr>
+          </a:p>
+        </p:txBody>
+      </p:sp>
+      <p:pic>
+        <p:nvPicPr>
+          <p:cNvPr id="3" name="Image 2"/>
+          <p:cNvPicPr>
+            <a:picLocks noChangeAspect="1"/>
+          </p:cNvPicPr>
+          <p:nvPr/>
+        </p:nvPicPr>
+        <p:blipFill>
+          <a:blip r:embed="rId3"/>
+          <a:stretch>
+            <a:fillRect/>
+          </a:stretch>
+        </p:blipFill>
+        <p:spPr>
+          <a:xfrm>
+            <a:off x="1388918" y="2862682"/>
+            <a:ext cx="2216727" cy="1201173"/>
+          </a:xfrm>
+          <a:prstGeom prst="rect">
+            <a:avLst/>
+          </a:prstGeom>
+        </p:spPr>
+      </p:pic>
+      <p:pic>
+        <p:nvPicPr>
+          <p:cNvPr id="7" name="Image 6"/>
+          <p:cNvPicPr>
+            <a:picLocks noChangeAspect="1"/>
+          </p:cNvPicPr>
+          <p:nvPr/>
+        </p:nvPicPr>
+        <p:blipFill>
+          <a:blip r:embed="rId4"/>
+          <a:stretch>
+            <a:fillRect/>
+          </a:stretch>
+        </p:blipFill>
+        <p:spPr>
+          <a:xfrm>
+            <a:off x="4194994" y="3009900"/>
+            <a:ext cx="928637" cy="1198418"/>
+          </a:xfrm>
+          <a:prstGeom prst="rect">
+            <a:avLst/>
+          </a:prstGeom>
+        </p:spPr>
+      </p:pic>
+      <p:pic>
+        <p:nvPicPr>
+          <p:cNvPr id="8" name="Image 7"/>
+          <p:cNvPicPr>
+            <a:picLocks noChangeAspect="1"/>
+          </p:cNvPicPr>
+          <p:nvPr/>
+        </p:nvPicPr>
+        <p:blipFill>
+          <a:blip r:embed="rId4"/>
+          <a:stretch>
+            <a:fillRect/>
+          </a:stretch>
+        </p:blipFill>
+        <p:spPr>
+          <a:xfrm>
+            <a:off x="5412160" y="3361459"/>
+            <a:ext cx="467329" cy="745050"/>
+          </a:xfrm>
+          <a:prstGeom prst="rect">
+            <a:avLst/>
+          </a:prstGeom>
+        </p:spPr>
+      </p:pic>
+      <p:sp>
+        <p:nvSpPr>
+          <p:cNvPr id="9" name="Rectangle à coins arrondis 8"/>
+          <p:cNvSpPr/>
+          <p:nvPr/>
+        </p:nvSpPr>
+        <p:spPr>
+          <a:xfrm>
+            <a:off x="633845" y="6270171"/>
+            <a:ext cx="1673926" cy="333829"/>
+          </a:xfrm>
+          <a:prstGeom prst="roundRect">
+            <a:avLst/>
+          </a:prstGeom>
+        </p:spPr>
+        <p:style>
+          <a:lnRef idx="2">
+            <a:schemeClr val="accent1">
+              <a:shade val="50000"/>
+            </a:schemeClr>
+          </a:lnRef>
+          <a:fillRef idx="1">
+            <a:schemeClr val="accent1"/>
+          </a:fillRef>
+          <a:effectRef idx="0">
+            <a:schemeClr val="accent1"/>
+          </a:effectRef>
+          <a:fontRef idx="minor">
+            <a:schemeClr val="lt1"/>
+          </a:fontRef>
+        </p:style>
+        <p:txBody>
+          <a:bodyPr rtlCol="0" anchor="ctr"/>
+          <a:lstStyle/>
+          <a:p>
+            <a:pPr algn="ctr"/>
+            <a:r>
+              <a:rPr lang="fr-FR" dirty="0" smtClean="0"/>
+              <a:t>Responsive</a:t>
+            </a:r>
+            <a:endParaRPr lang="fr-FR" dirty="0"/>
+          </a:p>
+        </p:txBody>
+      </p:sp>
+    </p:spTree>
+    <p:extLst>
+      <p:ext uri="{BB962C8B-B14F-4D97-AF65-F5344CB8AC3E}">
+        <p14:creationId xmlns:p14="http://schemas.microsoft.com/office/powerpoint/2010/main" val="3479203292"/>
+      </p:ext>
+    </p:extLst>
+  </p:cSld>
+  <p:clrMapOvr>
+    <a:masterClrMapping/>
+  </p:clrMapOvr>
+  <p:timing>
+    <p:tnLst>
+      <p:par>
+        <p:cTn id="1" dur="indefinite" restart="never" nodeType="tmRoot"/>
+      </p:par>
+    </p:tnLst>
+  </p:timing>
+</p:sld>
+</file>
+
+<file path=ppt/slides/slide7.xml><?xml version="1.0" encoding="utf-8"?>
+<p:sld xmlns:a="http://schemas.openxmlformats.org/drawingml/2006/main" xmlns:r="http://schemas.openxmlformats.org/officeDocument/2006/relationships" xmlns:p="http://schemas.openxmlformats.org/presentationml/2006/main">
+  <p:cSld>
+    <p:spTree>
+      <p:nvGrpSpPr>
+        <p:cNvPr id="1" name=""/>
+        <p:cNvGrpSpPr/>
+        <p:nvPr/>
+      </p:nvGrpSpPr>
+      <p:grpSpPr>
+        <a:xfrm>
+          <a:off x="0" y="0"/>
+          <a:ext cx="0" cy="0"/>
+          <a:chOff x="0" y="0"/>
+          <a:chExt cx="0" cy="0"/>
+        </a:xfrm>
+      </p:grpSpPr>
+      <p:sp>
+        <p:nvSpPr>
+          <p:cNvPr id="5" name="Rectangle à coins arrondis 4"/>
+          <p:cNvSpPr/>
+          <p:nvPr/>
+        </p:nvSpPr>
+        <p:spPr>
+          <a:xfrm>
             <a:off x="1625347" y="392590"/>
             <a:ext cx="3771900" cy="1268730"/>
           </a:xfrm>
@@ -8853,7 +9120,7 @@
 </p:sld>
 </file>
 
-<file path=ppt/slides/slide7.xml><?xml version="1.0" encoding="utf-8"?>
+<file path=ppt/slides/slide8.xml><?xml version="1.0" encoding="utf-8"?>
 <p:sld xmlns:a="http://schemas.openxmlformats.org/drawingml/2006/main" xmlns:r="http://schemas.openxmlformats.org/officeDocument/2006/relationships" xmlns:p="http://schemas.openxmlformats.org/presentationml/2006/main">
   <p:cSld>
     <p:spTree>
@@ -9139,330 +9406,6 @@
     <p:extLst>
       <p:ext uri="{BB962C8B-B14F-4D97-AF65-F5344CB8AC3E}">
         <p14:creationId xmlns:p14="http://schemas.microsoft.com/office/powerpoint/2010/main" val="4220533152"/>
-      </p:ext>
-    </p:extLst>
-  </p:cSld>
-  <p:clrMapOvr>
-    <a:masterClrMapping/>
-  </p:clrMapOvr>
-  <p:timing>
-    <p:tnLst>
-      <p:par>
-        <p:cTn id="1" dur="indefinite" restart="never" nodeType="tmRoot"/>
-      </p:par>
-    </p:tnLst>
-  </p:timing>
-</p:sld>
-</file>
-
-<file path=ppt/slides/slide8.xml><?xml version="1.0" encoding="utf-8"?>
-<p:sld xmlns:a="http://schemas.openxmlformats.org/drawingml/2006/main" xmlns:r="http://schemas.openxmlformats.org/officeDocument/2006/relationships" xmlns:p="http://schemas.openxmlformats.org/presentationml/2006/main">
-  <p:cSld>
-    <p:spTree>
-      <p:nvGrpSpPr>
-        <p:cNvPr id="1" name=""/>
-        <p:cNvGrpSpPr/>
-        <p:nvPr/>
-      </p:nvGrpSpPr>
-      <p:grpSpPr>
-        <a:xfrm>
-          <a:off x="0" y="0"/>
-          <a:ext cx="0" cy="0"/>
-          <a:chOff x="0" y="0"/>
-          <a:chExt cx="0" cy="0"/>
-        </a:xfrm>
-      </p:grpSpPr>
-      <p:sp>
-        <p:nvSpPr>
-          <p:cNvPr id="5" name="Rectangle à coins arrondis 4"/>
-          <p:cNvSpPr/>
-          <p:nvPr/>
-        </p:nvSpPr>
-        <p:spPr>
-          <a:xfrm>
-            <a:off x="2720622" y="191911"/>
-            <a:ext cx="7258756" cy="1715911"/>
-          </a:xfrm>
-          <a:prstGeom prst="roundRect">
-            <a:avLst/>
-          </a:prstGeom>
-          <a:solidFill>
-            <a:srgbClr val="CF384A"/>
-          </a:solidFill>
-          <a:ln>
-            <a:solidFill>
-              <a:srgbClr val="CF384A"/>
-            </a:solidFill>
-          </a:ln>
-        </p:spPr>
-        <p:style>
-          <a:lnRef idx="2">
-            <a:schemeClr val="accent1">
-              <a:shade val="50000"/>
-            </a:schemeClr>
-          </a:lnRef>
-          <a:fillRef idx="1">
-            <a:schemeClr val="accent1"/>
-          </a:fillRef>
-          <a:effectRef idx="0">
-            <a:schemeClr val="accent1"/>
-          </a:effectRef>
-          <a:fontRef idx="minor">
-            <a:schemeClr val="lt1"/>
-          </a:fontRef>
-        </p:style>
-        <p:txBody>
-          <a:bodyPr rtlCol="0" anchor="ctr"/>
-          <a:lstStyle/>
-          <a:p>
-            <a:pPr algn="ctr"/>
-            <a:endParaRPr lang="fr-FR"/>
-          </a:p>
-        </p:txBody>
-      </p:sp>
-      <p:sp>
-        <p:nvSpPr>
-          <p:cNvPr id="2" name="Titre 1"/>
-          <p:cNvSpPr>
-            <a:spLocks noGrp="1"/>
-          </p:cNvSpPr>
-          <p:nvPr>
-            <p:ph type="title"/>
-          </p:nvPr>
-        </p:nvSpPr>
-        <p:spPr>
-          <a:xfrm>
-            <a:off x="3242734" y="387084"/>
-            <a:ext cx="10515600" cy="1325563"/>
-          </a:xfrm>
-        </p:spPr>
-        <p:txBody>
-          <a:bodyPr>
-            <a:normAutofit/>
-          </a:bodyPr>
-          <a:lstStyle/>
-          <a:p>
-            <a:r>
-              <a:rPr lang="fr-FR" sz="6000" b="1" dirty="0" smtClean="0">
-                <a:solidFill>
-                  <a:srgbClr val="FAC74E"/>
-                </a:solidFill>
-              </a:rPr>
-              <a:t>Renommer les IMG</a:t>
-            </a:r>
-            <a:endParaRPr lang="fr-FR" sz="6000" b="1" dirty="0">
-              <a:solidFill>
-                <a:srgbClr val="FAC74E"/>
-              </a:solidFill>
-            </a:endParaRPr>
-          </a:p>
-        </p:txBody>
-      </p:sp>
-      <p:pic>
-        <p:nvPicPr>
-          <p:cNvPr id="4" name="Espace réservé du contenu 3"/>
-          <p:cNvPicPr>
-            <a:picLocks noGrp="1" noChangeAspect="1"/>
-          </p:cNvPicPr>
-          <p:nvPr>
-            <p:ph idx="1"/>
-          </p:nvPr>
-        </p:nvPicPr>
-        <p:blipFill>
-          <a:blip r:embed="rId2"/>
-          <a:stretch>
-            <a:fillRect/>
-          </a:stretch>
-        </p:blipFill>
-        <p:spPr>
-          <a:xfrm>
-            <a:off x="453316" y="4598579"/>
-            <a:ext cx="5578836" cy="1765128"/>
-          </a:xfrm>
-          <a:prstGeom prst="rect">
-            <a:avLst/>
-          </a:prstGeom>
-        </p:spPr>
-      </p:pic>
-      <p:pic>
-        <p:nvPicPr>
-          <p:cNvPr id="3" name="Image 2"/>
-          <p:cNvPicPr>
-            <a:picLocks noChangeAspect="1"/>
-          </p:cNvPicPr>
-          <p:nvPr/>
-        </p:nvPicPr>
-        <p:blipFill>
-          <a:blip r:embed="rId3"/>
-          <a:stretch>
-            <a:fillRect/>
-          </a:stretch>
-        </p:blipFill>
-        <p:spPr>
-          <a:xfrm>
-            <a:off x="1135863" y="2926035"/>
-            <a:ext cx="6749429" cy="2299108"/>
-          </a:xfrm>
-          <a:prstGeom prst="rect">
-            <a:avLst/>
-          </a:prstGeom>
-          <a:ln>
-            <a:noFill/>
-          </a:ln>
-          <a:effectLst>
-            <a:outerShdw blurRad="292100" dist="139700" dir="2700000" algn="tl" rotWithShape="0">
-              <a:srgbClr val="333333">
-                <a:alpha val="65000"/>
-              </a:srgbClr>
-            </a:outerShdw>
-          </a:effectLst>
-        </p:spPr>
-      </p:pic>
-      <p:sp>
-        <p:nvSpPr>
-          <p:cNvPr id="6" name="Rectangle à coins arrondis 5"/>
-          <p:cNvSpPr/>
-          <p:nvPr/>
-        </p:nvSpPr>
-        <p:spPr>
-          <a:xfrm>
-            <a:off x="8723086" y="2384674"/>
-            <a:ext cx="3004457" cy="3381829"/>
-          </a:xfrm>
-          <a:prstGeom prst="roundRect">
-            <a:avLst/>
-          </a:prstGeom>
-          <a:solidFill>
-            <a:srgbClr val="FAC74E"/>
-          </a:solidFill>
-          <a:ln>
-            <a:solidFill>
-              <a:srgbClr val="FAC74E"/>
-            </a:solidFill>
-          </a:ln>
-        </p:spPr>
-        <p:style>
-          <a:lnRef idx="2">
-            <a:schemeClr val="accent1">
-              <a:shade val="50000"/>
-            </a:schemeClr>
-          </a:lnRef>
-          <a:fillRef idx="1">
-            <a:schemeClr val="accent1"/>
-          </a:fillRef>
-          <a:effectRef idx="0">
-            <a:schemeClr val="accent1"/>
-          </a:effectRef>
-          <a:fontRef idx="minor">
-            <a:schemeClr val="lt1"/>
-          </a:fontRef>
-        </p:style>
-        <p:txBody>
-          <a:bodyPr rtlCol="0" anchor="ctr"/>
-          <a:lstStyle/>
-          <a:p>
-            <a:pPr algn="ctr"/>
-            <a:r>
-              <a:rPr lang="fr-FR" sz="2400" dirty="0" smtClean="0">
-                <a:solidFill>
-                  <a:srgbClr val="CF384A"/>
-                </a:solidFill>
-              </a:rPr>
-              <a:t>Image renommer pour </a:t>
-            </a:r>
-          </a:p>
-          <a:p>
-            <a:pPr algn="ctr"/>
-            <a:r>
-              <a:rPr lang="fr-FR" sz="2400" dirty="0" smtClean="0">
-                <a:solidFill>
-                  <a:srgbClr val="CF384A"/>
-                </a:solidFill>
-              </a:rPr>
-              <a:t>Un meilleur classement </a:t>
-            </a:r>
-          </a:p>
-          <a:p>
-            <a:pPr algn="ctr"/>
-            <a:r>
-              <a:rPr lang="fr-FR" sz="2400" dirty="0" smtClean="0">
-                <a:solidFill>
-                  <a:srgbClr val="CF384A"/>
-                </a:solidFill>
-              </a:rPr>
-              <a:t>Google image</a:t>
-            </a:r>
-          </a:p>
-          <a:p>
-            <a:pPr algn="ctr"/>
-            <a:r>
-              <a:rPr lang="fr-FR" sz="2400" dirty="0" smtClean="0">
-                <a:solidFill>
-                  <a:srgbClr val="CF384A"/>
-                </a:solidFill>
-              </a:rPr>
-              <a:t>Et SEO</a:t>
-            </a:r>
-            <a:endParaRPr lang="fr-FR" sz="2400" dirty="0">
-              <a:solidFill>
-                <a:srgbClr val="CF384A"/>
-              </a:solidFill>
-            </a:endParaRPr>
-          </a:p>
-        </p:txBody>
-      </p:sp>
-      <p:sp>
-        <p:nvSpPr>
-          <p:cNvPr id="7" name="Rectangle à coins arrondis 6"/>
-          <p:cNvSpPr/>
-          <p:nvPr/>
-        </p:nvSpPr>
-        <p:spPr>
-          <a:xfrm>
-            <a:off x="453316" y="6502400"/>
-            <a:ext cx="1535141" cy="232229"/>
-          </a:xfrm>
-          <a:prstGeom prst="roundRect">
-            <a:avLst/>
-          </a:prstGeom>
-        </p:spPr>
-        <p:style>
-          <a:lnRef idx="2">
-            <a:schemeClr val="accent1">
-              <a:shade val="50000"/>
-            </a:schemeClr>
-          </a:lnRef>
-          <a:fillRef idx="1">
-            <a:schemeClr val="accent1"/>
-          </a:fillRef>
-          <a:effectRef idx="0">
-            <a:schemeClr val="accent1"/>
-          </a:effectRef>
-          <a:fontRef idx="minor">
-            <a:schemeClr val="lt1"/>
-          </a:fontRef>
-        </p:style>
-        <p:txBody>
-          <a:bodyPr rtlCol="0" anchor="ctr"/>
-          <a:lstStyle/>
-          <a:p>
-            <a:pPr algn="ctr"/>
-            <a:r>
-              <a:rPr lang="fr-FR" dirty="0"/>
-              <a:t>A</a:t>
-            </a:r>
-            <a:r>
-              <a:rPr lang="fr-FR" dirty="0" smtClean="0"/>
-              <a:t>ffichage</a:t>
-            </a:r>
-            <a:endParaRPr lang="fr-FR" dirty="0"/>
-          </a:p>
-        </p:txBody>
-      </p:sp>
-    </p:spTree>
-    <p:extLst>
-      <p:ext uri="{BB962C8B-B14F-4D97-AF65-F5344CB8AC3E}">
-        <p14:creationId xmlns:p14="http://schemas.microsoft.com/office/powerpoint/2010/main" val="1050534139"/>
       </p:ext>
     </p:extLst>
   </p:cSld>
@@ -9498,14 +9441,14 @@
       </p:grpSpPr>
       <p:sp>
         <p:nvSpPr>
-          <p:cNvPr id="6" name="Rectangle à coins arrondis 5"/>
+          <p:cNvPr id="5" name="Rectangle à coins arrondis 4"/>
           <p:cNvSpPr/>
           <p:nvPr/>
         </p:nvSpPr>
         <p:spPr>
           <a:xfrm>
-            <a:off x="2520315" y="410686"/>
-            <a:ext cx="7029450" cy="1234440"/>
+            <a:off x="2720622" y="191911"/>
+            <a:ext cx="7258756" cy="1715911"/>
           </a:xfrm>
           <a:prstGeom prst="roundRect">
             <a:avLst/>
@@ -9513,6 +9456,11 @@
           <a:solidFill>
             <a:srgbClr val="CF384A"/>
           </a:solidFill>
+          <a:ln>
+            <a:solidFill>
+              <a:srgbClr val="CF384A"/>
+            </a:solidFill>
+          </a:ln>
         </p:spPr>
         <p:style>
           <a:lnRef idx="2">
@@ -9549,73 +9497,31 @@
             <p:ph type="title"/>
           </p:nvPr>
         </p:nvSpPr>
-        <p:spPr/>
+        <p:spPr>
+          <a:xfrm>
+            <a:off x="3242734" y="387084"/>
+            <a:ext cx="10515600" cy="1325563"/>
+          </a:xfrm>
+        </p:spPr>
         <p:txBody>
           <a:bodyPr>
             <a:normAutofit/>
           </a:bodyPr>
           <a:lstStyle/>
           <a:p>
-            <a:pPr algn="ctr"/>
-            <a:r>
-              <a:rPr lang="fr-FR" sz="5400" b="1" dirty="0" smtClean="0">
+            <a:r>
+              <a:rPr lang="fr-FR" sz="6000" b="1" dirty="0" smtClean="0">
                 <a:solidFill>
                   <a:srgbClr val="FAC74E"/>
                 </a:solidFill>
               </a:rPr>
-              <a:t>Format IMG</a:t>
-            </a:r>
-            <a:endParaRPr lang="fr-FR" sz="5400" b="1" dirty="0">
+              <a:t>Renommer les IMG</a:t>
+            </a:r>
+            <a:endParaRPr lang="fr-FR" sz="6000" b="1" dirty="0">
               <a:solidFill>
                 <a:srgbClr val="FAC74E"/>
               </a:solidFill>
             </a:endParaRPr>
-          </a:p>
-        </p:txBody>
-      </p:sp>
-      <p:sp>
-        <p:nvSpPr>
-          <p:cNvPr id="5" name="Rectangle à coins arrondis 4"/>
-          <p:cNvSpPr/>
-          <p:nvPr/>
-        </p:nvSpPr>
-        <p:spPr>
-          <a:xfrm>
-            <a:off x="1165860" y="2046333"/>
-            <a:ext cx="9738360" cy="4423410"/>
-          </a:xfrm>
-          <a:prstGeom prst="roundRect">
-            <a:avLst/>
-          </a:prstGeom>
-          <a:solidFill>
-            <a:schemeClr val="tx1">
-              <a:lumMod val="85000"/>
-              <a:lumOff val="15000"/>
-            </a:schemeClr>
-          </a:solidFill>
-        </p:spPr>
-        <p:style>
-          <a:lnRef idx="2">
-            <a:schemeClr val="accent1">
-              <a:shade val="50000"/>
-            </a:schemeClr>
-          </a:lnRef>
-          <a:fillRef idx="1">
-            <a:schemeClr val="accent1"/>
-          </a:fillRef>
-          <a:effectRef idx="0">
-            <a:schemeClr val="accent1"/>
-          </a:effectRef>
-          <a:fontRef idx="minor">
-            <a:schemeClr val="lt1"/>
-          </a:fontRef>
-        </p:style>
-        <p:txBody>
-          <a:bodyPr rtlCol="0" anchor="ctr"/>
-          <a:lstStyle/>
-          <a:p>
-            <a:pPr algn="ctr"/>
-            <a:endParaRPr lang="fr-FR"/>
           </a:p>
         </p:txBody>
       </p:sp>
@@ -9637,24 +9543,58 @@
         </p:blipFill>
         <p:spPr>
           <a:xfrm>
-            <a:off x="1694183" y="2673374"/>
-            <a:ext cx="4505954" cy="1924319"/>
+            <a:off x="453316" y="4598579"/>
+            <a:ext cx="5578836" cy="1765128"/>
           </a:xfrm>
           <a:prstGeom prst="rect">
             <a:avLst/>
           </a:prstGeom>
         </p:spPr>
       </p:pic>
-      <p:sp>
-        <p:nvSpPr>
-          <p:cNvPr id="3" name="Rectangle à coins arrondis 2"/>
+      <p:pic>
+        <p:nvPicPr>
+          <p:cNvPr id="3" name="Image 2"/>
+          <p:cNvPicPr>
+            <a:picLocks noChangeAspect="1"/>
+          </p:cNvPicPr>
+          <p:nvPr/>
+        </p:nvPicPr>
+        <p:blipFill>
+          <a:blip r:embed="rId3"/>
+          <a:stretch>
+            <a:fillRect/>
+          </a:stretch>
+        </p:blipFill>
+        <p:spPr>
+          <a:xfrm>
+            <a:off x="1135863" y="2926035"/>
+            <a:ext cx="6749429" cy="2299108"/>
+          </a:xfrm>
+          <a:prstGeom prst="rect">
+            <a:avLst/>
+          </a:prstGeom>
+          <a:ln>
+            <a:noFill/>
+          </a:ln>
+          <a:effectLst>
+            <a:outerShdw blurRad="292100" dist="139700" dir="2700000" algn="tl" rotWithShape="0">
+              <a:srgbClr val="333333">
+                <a:alpha val="65000"/>
+              </a:srgbClr>
+            </a:outerShdw>
+          </a:effectLst>
+        </p:spPr>
+      </p:pic>
+      <p:sp>
+        <p:nvSpPr>
+          <p:cNvPr id="6" name="Rectangle à coins arrondis 5"/>
           <p:cNvSpPr/>
           <p:nvPr/>
         </p:nvSpPr>
         <p:spPr>
           <a:xfrm>
-            <a:off x="7300685" y="2673374"/>
-            <a:ext cx="3062515" cy="3033486"/>
+            <a:off x="8723086" y="2384674"/>
+            <a:ext cx="3004457" cy="3381829"/>
           </a:xfrm>
           <a:prstGeom prst="roundRect">
             <a:avLst/>
@@ -9690,25 +9630,47 @@
           <a:p>
             <a:pPr algn="ctr"/>
             <a:r>
-              <a:rPr lang="fr-FR" sz="3200" dirty="0" smtClean="0">
+              <a:rPr lang="fr-FR" sz="2400" dirty="0" smtClean="0">
                 <a:solidFill>
                   <a:srgbClr val="CF384A"/>
                 </a:solidFill>
               </a:rPr>
-              <a:t>Images au même</a:t>
+              <a:t>Image renommer pour </a:t>
             </a:r>
           </a:p>
           <a:p>
             <a:pPr algn="ctr"/>
             <a:r>
-              <a:rPr lang="fr-FR" sz="3200" dirty="0" smtClean="0">
+              <a:rPr lang="fr-FR" sz="2400" dirty="0" smtClean="0">
                 <a:solidFill>
                   <a:srgbClr val="CF384A"/>
                 </a:solidFill>
               </a:rPr>
-              <a:t>format</a:t>
-            </a:r>
-            <a:endParaRPr lang="fr-FR" sz="3200" dirty="0">
+              <a:t>Un meilleur classement </a:t>
+            </a:r>
+          </a:p>
+          <a:p>
+            <a:pPr algn="ctr"/>
+            <a:r>
+              <a:rPr lang="fr-FR" sz="2400" dirty="0" smtClean="0">
+                <a:solidFill>
+                  <a:srgbClr val="CF384A"/>
+                </a:solidFill>
+              </a:rPr>
+              <a:t>Google image</a:t>
+            </a:r>
+          </a:p>
+          <a:p>
+            <a:pPr algn="ctr"/>
+            <a:r>
+              <a:rPr lang="fr-FR" sz="2400" dirty="0" smtClean="0">
+                <a:solidFill>
+                  <a:srgbClr val="CF384A"/>
+                </a:solidFill>
+              </a:rPr>
+              <a:t>Et SEO</a:t>
+            </a:r>
+            <a:endParaRPr lang="fr-FR" sz="2400" dirty="0">
               <a:solidFill>
                 <a:srgbClr val="CF384A"/>
               </a:solidFill>
@@ -9724,8 +9686,8 @@
         </p:nvSpPr>
         <p:spPr>
           <a:xfrm>
-            <a:off x="304800" y="6469743"/>
-            <a:ext cx="1190171" cy="250371"/>
+            <a:off x="453316" y="6502400"/>
+            <a:ext cx="1535141" cy="232229"/>
           </a:xfrm>
           <a:prstGeom prst="roundRect">
             <a:avLst/>
@@ -9753,8 +9715,12 @@
           <a:p>
             <a:pPr algn="ctr"/>
             <a:r>
+              <a:rPr lang="fr-FR" dirty="0"/>
+              <a:t>A</a:t>
+            </a:r>
+            <a:r>
               <a:rPr lang="fr-FR" dirty="0" smtClean="0"/>
-              <a:t>Affichage</a:t>
+              <a:t>ffichage</a:t>
             </a:r>
             <a:endParaRPr lang="fr-FR" dirty="0"/>
           </a:p>
@@ -9763,7 +9729,7 @@
     </p:spTree>
     <p:extLst>
       <p:ext uri="{BB962C8B-B14F-4D97-AF65-F5344CB8AC3E}">
-        <p14:creationId xmlns:p14="http://schemas.microsoft.com/office/powerpoint/2010/main" val="2021049939"/>
+        <p14:creationId xmlns:p14="http://schemas.microsoft.com/office/powerpoint/2010/main" val="1050534139"/>
       </p:ext>
     </p:extLst>
   </p:cSld>

--- a/CHOUETTE AGENCE.pptx
+++ b/CHOUETTE AGENCE.pptx
@@ -19,11 +19,12 @@
     <p:sldId id="266" r:id="rId13"/>
     <p:sldId id="268" r:id="rId14"/>
     <p:sldId id="259" r:id="rId15"/>
-    <p:sldId id="271" r:id="rId16"/>
-    <p:sldId id="265" r:id="rId17"/>
-    <p:sldId id="272" r:id="rId18"/>
-    <p:sldId id="270" r:id="rId19"/>
-    <p:sldId id="260" r:id="rId20"/>
+    <p:sldId id="278" r:id="rId16"/>
+    <p:sldId id="271" r:id="rId17"/>
+    <p:sldId id="265" r:id="rId18"/>
+    <p:sldId id="272" r:id="rId19"/>
+    <p:sldId id="270" r:id="rId20"/>
+    <p:sldId id="260" r:id="rId21"/>
   </p:sldIdLst>
   <p:sldSz cx="12192000" cy="6858000"/>
   <p:notesSz cx="6858000" cy="9144000"/>
@@ -261,7 +262,7 @@
           <a:p>
             <a:fld id="{79049A12-6D64-4FC5-8C45-D8F5AEFED95C}" type="datetimeFigureOut">
               <a:rPr lang="fr-FR" smtClean="0"/>
-              <a:t>12/02/2022</a:t>
+              <a:t>14/02/2022</a:t>
             </a:fld>
             <a:endParaRPr lang="fr-FR"/>
           </a:p>
@@ -431,7 +432,7 @@
           <a:p>
             <a:fld id="{79049A12-6D64-4FC5-8C45-D8F5AEFED95C}" type="datetimeFigureOut">
               <a:rPr lang="fr-FR" smtClean="0"/>
-              <a:t>12/02/2022</a:t>
+              <a:t>14/02/2022</a:t>
             </a:fld>
             <a:endParaRPr lang="fr-FR"/>
           </a:p>
@@ -611,7 +612,7 @@
           <a:p>
             <a:fld id="{79049A12-6D64-4FC5-8C45-D8F5AEFED95C}" type="datetimeFigureOut">
               <a:rPr lang="fr-FR" smtClean="0"/>
-              <a:t>12/02/2022</a:t>
+              <a:t>14/02/2022</a:t>
             </a:fld>
             <a:endParaRPr lang="fr-FR"/>
           </a:p>
@@ -781,7 +782,7 @@
           <a:p>
             <a:fld id="{79049A12-6D64-4FC5-8C45-D8F5AEFED95C}" type="datetimeFigureOut">
               <a:rPr lang="fr-FR" smtClean="0"/>
-              <a:t>12/02/2022</a:t>
+              <a:t>14/02/2022</a:t>
             </a:fld>
             <a:endParaRPr lang="fr-FR"/>
           </a:p>
@@ -1027,7 +1028,7 @@
           <a:p>
             <a:fld id="{79049A12-6D64-4FC5-8C45-D8F5AEFED95C}" type="datetimeFigureOut">
               <a:rPr lang="fr-FR" smtClean="0"/>
-              <a:t>12/02/2022</a:t>
+              <a:t>14/02/2022</a:t>
             </a:fld>
             <a:endParaRPr lang="fr-FR"/>
           </a:p>
@@ -1259,7 +1260,7 @@
           <a:p>
             <a:fld id="{79049A12-6D64-4FC5-8C45-D8F5AEFED95C}" type="datetimeFigureOut">
               <a:rPr lang="fr-FR" smtClean="0"/>
-              <a:t>12/02/2022</a:t>
+              <a:t>14/02/2022</a:t>
             </a:fld>
             <a:endParaRPr lang="fr-FR"/>
           </a:p>
@@ -1626,7 +1627,7 @@
           <a:p>
             <a:fld id="{79049A12-6D64-4FC5-8C45-D8F5AEFED95C}" type="datetimeFigureOut">
               <a:rPr lang="fr-FR" smtClean="0"/>
-              <a:t>12/02/2022</a:t>
+              <a:t>14/02/2022</a:t>
             </a:fld>
             <a:endParaRPr lang="fr-FR"/>
           </a:p>
@@ -1744,7 +1745,7 @@
           <a:p>
             <a:fld id="{79049A12-6D64-4FC5-8C45-D8F5AEFED95C}" type="datetimeFigureOut">
               <a:rPr lang="fr-FR" smtClean="0"/>
-              <a:t>12/02/2022</a:t>
+              <a:t>14/02/2022</a:t>
             </a:fld>
             <a:endParaRPr lang="fr-FR"/>
           </a:p>
@@ -1839,7 +1840,7 @@
           <a:p>
             <a:fld id="{79049A12-6D64-4FC5-8C45-D8F5AEFED95C}" type="datetimeFigureOut">
               <a:rPr lang="fr-FR" smtClean="0"/>
-              <a:t>12/02/2022</a:t>
+              <a:t>14/02/2022</a:t>
             </a:fld>
             <a:endParaRPr lang="fr-FR"/>
           </a:p>
@@ -2116,7 +2117,7 @@
           <a:p>
             <a:fld id="{79049A12-6D64-4FC5-8C45-D8F5AEFED95C}" type="datetimeFigureOut">
               <a:rPr lang="fr-FR" smtClean="0"/>
-              <a:t>12/02/2022</a:t>
+              <a:t>14/02/2022</a:t>
             </a:fld>
             <a:endParaRPr lang="fr-FR"/>
           </a:p>
@@ -2369,7 +2370,7 @@
           <a:p>
             <a:fld id="{79049A12-6D64-4FC5-8C45-D8F5AEFED95C}" type="datetimeFigureOut">
               <a:rPr lang="fr-FR" smtClean="0"/>
-              <a:t>12/02/2022</a:t>
+              <a:t>14/02/2022</a:t>
             </a:fld>
             <a:endParaRPr lang="fr-FR"/>
           </a:p>
@@ -2582,7 +2583,7 @@
           <a:p>
             <a:fld id="{79049A12-6D64-4FC5-8C45-D8F5AEFED95C}" type="datetimeFigureOut">
               <a:rPr lang="fr-FR" smtClean="0"/>
-              <a:t>12/02/2022</a:t>
+              <a:t>14/02/2022</a:t>
             </a:fld>
             <a:endParaRPr lang="fr-FR"/>
           </a:p>
@@ -3778,7 +3779,7 @@
       </p:sp>
       <p:pic>
         <p:nvPicPr>
-          <p:cNvPr id="5" name="Image 4"/>
+          <p:cNvPr id="8" name="Image 7"/>
           <p:cNvPicPr>
             <a:picLocks noChangeAspect="1"/>
           </p:cNvPicPr>
@@ -3792,17 +3793,31 @@
         </p:blipFill>
         <p:spPr>
           <a:xfrm>
-            <a:off x="596393" y="2562950"/>
-            <a:ext cx="4877481" cy="1114581"/>
+            <a:off x="5443404" y="2425683"/>
+            <a:ext cx="6342293" cy="1179962"/>
           </a:xfrm>
           <a:prstGeom prst="rect">
             <a:avLst/>
           </a:prstGeom>
+          <a:ln w="38100" cap="sq">
+            <a:solidFill>
+              <a:srgbClr val="000000"/>
+            </a:solidFill>
+            <a:prstDash val="solid"/>
+            <a:miter lim="800000"/>
+          </a:ln>
+          <a:effectLst>
+            <a:outerShdw blurRad="50800" dist="38100" dir="2700000" algn="tl" rotWithShape="0">
+              <a:srgbClr val="000000">
+                <a:alpha val="43000"/>
+              </a:srgbClr>
+            </a:outerShdw>
+          </a:effectLst>
         </p:spPr>
       </p:pic>
       <p:pic>
         <p:nvPicPr>
-          <p:cNvPr id="6" name="Image 5"/>
+          <p:cNvPr id="9" name="Image 8"/>
           <p:cNvPicPr>
             <a:picLocks noChangeAspect="1"/>
           </p:cNvPicPr>
@@ -3816,8 +3831,70 @@
         </p:blipFill>
         <p:spPr>
           <a:xfrm>
-            <a:off x="784298" y="3832245"/>
-            <a:ext cx="4501669" cy="2800713"/>
+            <a:off x="6619009" y="3736645"/>
+            <a:ext cx="4529445" cy="2967041"/>
+          </a:xfrm>
+          <a:prstGeom prst="rect">
+            <a:avLst/>
+          </a:prstGeom>
+          <a:ln w="38100" cap="sq">
+            <a:solidFill>
+              <a:srgbClr val="000000"/>
+            </a:solidFill>
+            <a:prstDash val="solid"/>
+            <a:miter lim="800000"/>
+          </a:ln>
+          <a:effectLst>
+            <a:outerShdw blurRad="50800" dist="38100" dir="2700000" algn="tl" rotWithShape="0">
+              <a:srgbClr val="000000">
+                <a:alpha val="43000"/>
+              </a:srgbClr>
+            </a:outerShdw>
+          </a:effectLst>
+        </p:spPr>
+      </p:pic>
+      <p:pic>
+        <p:nvPicPr>
+          <p:cNvPr id="10" name="Image 9"/>
+          <p:cNvPicPr>
+            <a:picLocks noChangeAspect="1"/>
+          </p:cNvPicPr>
+          <p:nvPr/>
+        </p:nvPicPr>
+        <p:blipFill>
+          <a:blip r:embed="rId4"/>
+          <a:stretch>
+            <a:fillRect/>
+          </a:stretch>
+        </p:blipFill>
+        <p:spPr>
+          <a:xfrm>
+            <a:off x="1259771" y="3832245"/>
+            <a:ext cx="3977247" cy="2726985"/>
+          </a:xfrm>
+          <a:prstGeom prst="rect">
+            <a:avLst/>
+          </a:prstGeom>
+        </p:spPr>
+      </p:pic>
+      <p:pic>
+        <p:nvPicPr>
+          <p:cNvPr id="11" name="Image 10"/>
+          <p:cNvPicPr>
+            <a:picLocks noChangeAspect="1"/>
+          </p:cNvPicPr>
+          <p:nvPr/>
+        </p:nvPicPr>
+        <p:blipFill>
+          <a:blip r:embed="rId5"/>
+          <a:stretch>
+            <a:fillRect/>
+          </a:stretch>
+        </p:blipFill>
+        <p:spPr>
+          <a:xfrm>
+            <a:off x="1259771" y="2425683"/>
+            <a:ext cx="3977247" cy="1002529"/>
           </a:xfrm>
           <a:prstGeom prst="rect">
             <a:avLst/>
@@ -4018,30 +4095,6 @@
       </p:pic>
       <p:pic>
         <p:nvPicPr>
-          <p:cNvPr id="6" name="Image 5"/>
-          <p:cNvPicPr>
-            <a:picLocks noChangeAspect="1"/>
-          </p:cNvPicPr>
-          <p:nvPr/>
-        </p:nvPicPr>
-        <p:blipFill>
-          <a:blip r:embed="rId3"/>
-          <a:stretch>
-            <a:fillRect/>
-          </a:stretch>
-        </p:blipFill>
-        <p:spPr>
-          <a:xfrm>
-            <a:off x="6791653" y="2102495"/>
-            <a:ext cx="1609950" cy="676369"/>
-          </a:xfrm>
-          <a:prstGeom prst="rect">
-            <a:avLst/>
-          </a:prstGeom>
-        </p:spPr>
-      </p:pic>
-      <p:pic>
-        <p:nvPicPr>
           <p:cNvPr id="4" name="Espace réservé du contenu 3"/>
           <p:cNvPicPr>
             <a:picLocks noGrp="1" noChangeAspect="1"/>
@@ -4051,7 +4104,7 @@
           </p:nvPr>
         </p:nvPicPr>
         <p:blipFill>
-          <a:blip r:embed="rId4"/>
+          <a:blip r:embed="rId3"/>
           <a:stretch>
             <a:fillRect/>
           </a:stretch>
@@ -4223,6 +4276,54 @@
           </a:p>
         </p:txBody>
       </p:sp>
+      <p:pic>
+        <p:nvPicPr>
+          <p:cNvPr id="10" name="Image 9"/>
+          <p:cNvPicPr>
+            <a:picLocks noChangeAspect="1"/>
+          </p:cNvPicPr>
+          <p:nvPr/>
+        </p:nvPicPr>
+        <p:blipFill>
+          <a:blip r:embed="rId4"/>
+          <a:stretch>
+            <a:fillRect/>
+          </a:stretch>
+        </p:blipFill>
+        <p:spPr>
+          <a:xfrm>
+            <a:off x="6787953" y="4633174"/>
+            <a:ext cx="3358509" cy="541499"/>
+          </a:xfrm>
+          <a:prstGeom prst="rect">
+            <a:avLst/>
+          </a:prstGeom>
+        </p:spPr>
+      </p:pic>
+      <p:pic>
+        <p:nvPicPr>
+          <p:cNvPr id="12" name="Image 11"/>
+          <p:cNvPicPr>
+            <a:picLocks noChangeAspect="1"/>
+          </p:cNvPicPr>
+          <p:nvPr/>
+        </p:nvPicPr>
+        <p:blipFill>
+          <a:blip r:embed="rId5"/>
+          <a:stretch>
+            <a:fillRect/>
+          </a:stretch>
+        </p:blipFill>
+        <p:spPr>
+          <a:xfrm>
+            <a:off x="6373470" y="2351182"/>
+            <a:ext cx="3482175" cy="652093"/>
+          </a:xfrm>
+          <a:prstGeom prst="rect">
+            <a:avLst/>
+          </a:prstGeom>
+        </p:spPr>
+      </p:pic>
     </p:spTree>
     <p:extLst>
       <p:ext uri="{BB962C8B-B14F-4D97-AF65-F5344CB8AC3E}">
@@ -5041,6 +5142,189 @@
       </p:grpSpPr>
       <p:sp>
         <p:nvSpPr>
+          <p:cNvPr id="4" name="Rectangle à coins arrondis 3"/>
+          <p:cNvSpPr/>
+          <p:nvPr/>
+        </p:nvSpPr>
+        <p:spPr>
+          <a:xfrm>
+            <a:off x="2344881" y="477981"/>
+            <a:ext cx="7502237" cy="987136"/>
+          </a:xfrm>
+          <a:prstGeom prst="roundRect">
+            <a:avLst/>
+          </a:prstGeom>
+          <a:solidFill>
+            <a:srgbClr val="C00000"/>
+          </a:solidFill>
+          <a:ln>
+            <a:solidFill>
+              <a:srgbClr val="CF384A"/>
+            </a:solidFill>
+          </a:ln>
+        </p:spPr>
+        <p:style>
+          <a:lnRef idx="2">
+            <a:schemeClr val="accent1">
+              <a:shade val="50000"/>
+            </a:schemeClr>
+          </a:lnRef>
+          <a:fillRef idx="1">
+            <a:schemeClr val="accent1"/>
+          </a:fillRef>
+          <a:effectRef idx="0">
+            <a:schemeClr val="accent1"/>
+          </a:effectRef>
+          <a:fontRef idx="minor">
+            <a:schemeClr val="lt1"/>
+          </a:fontRef>
+        </p:style>
+        <p:txBody>
+          <a:bodyPr rtlCol="0" anchor="ctr"/>
+          <a:lstStyle/>
+          <a:p>
+            <a:pPr algn="ctr"/>
+            <a:r>
+              <a:rPr lang="fr-FR" sz="4800" b="1" dirty="0" smtClean="0">
+                <a:solidFill>
+                  <a:srgbClr val="FAC74E"/>
+                </a:solidFill>
+              </a:rPr>
+              <a:t>Aria-label</a:t>
+            </a:r>
+            <a:endParaRPr lang="fr-FR" sz="4800" b="1" dirty="0">
+              <a:solidFill>
+                <a:srgbClr val="FAC74E"/>
+              </a:solidFill>
+            </a:endParaRPr>
+          </a:p>
+        </p:txBody>
+      </p:sp>
+      <p:sp>
+        <p:nvSpPr>
+          <p:cNvPr id="5" name="Rectangle à coins arrondis 4"/>
+          <p:cNvSpPr/>
+          <p:nvPr/>
+        </p:nvSpPr>
+        <p:spPr>
+          <a:xfrm>
+            <a:off x="8354291" y="2130136"/>
+            <a:ext cx="3345873" cy="3771900"/>
+          </a:xfrm>
+          <a:prstGeom prst="roundRect">
+            <a:avLst/>
+          </a:prstGeom>
+          <a:solidFill>
+            <a:srgbClr val="FAC74E"/>
+          </a:solidFill>
+          <a:ln>
+            <a:solidFill>
+              <a:srgbClr val="CF384A"/>
+            </a:solidFill>
+          </a:ln>
+        </p:spPr>
+        <p:style>
+          <a:lnRef idx="2">
+            <a:schemeClr val="accent1">
+              <a:shade val="50000"/>
+            </a:schemeClr>
+          </a:lnRef>
+          <a:fillRef idx="1">
+            <a:schemeClr val="accent1"/>
+          </a:fillRef>
+          <a:effectRef idx="0">
+            <a:schemeClr val="accent1"/>
+          </a:effectRef>
+          <a:fontRef idx="minor">
+            <a:schemeClr val="lt1"/>
+          </a:fontRef>
+        </p:style>
+        <p:txBody>
+          <a:bodyPr rtlCol="0" anchor="ctr"/>
+          <a:lstStyle/>
+          <a:p>
+            <a:pPr algn="ctr"/>
+            <a:r>
+              <a:rPr lang="fr-FR" sz="3600" dirty="0" smtClean="0">
+                <a:solidFill>
+                  <a:srgbClr val="CF384A"/>
+                </a:solidFill>
+              </a:rPr>
+              <a:t>Accessibilité</a:t>
+            </a:r>
+          </a:p>
+          <a:p>
+            <a:pPr algn="ctr"/>
+            <a:r>
+              <a:rPr lang="fr-FR" sz="3600" dirty="0" smtClean="0">
+                <a:solidFill>
+                  <a:srgbClr val="CF384A"/>
+                </a:solidFill>
+              </a:rPr>
+              <a:t>Pour les personnes </a:t>
+            </a:r>
+          </a:p>
+          <a:p>
+            <a:pPr algn="ctr"/>
+            <a:r>
+              <a:rPr lang="fr-FR" sz="3600" dirty="0" smtClean="0">
+                <a:solidFill>
+                  <a:srgbClr val="CF384A"/>
+                </a:solidFill>
+              </a:rPr>
+              <a:t>Malvoyantes</a:t>
+            </a:r>
+          </a:p>
+          <a:p>
+            <a:pPr algn="ctr"/>
+            <a:r>
+              <a:rPr lang="fr-FR" sz="3600" dirty="0" smtClean="0">
+                <a:solidFill>
+                  <a:srgbClr val="CF384A"/>
+                </a:solidFill>
+              </a:rPr>
+              <a:t>Ou aveugles</a:t>
+            </a:r>
+            <a:endParaRPr lang="fr-FR" sz="3600" dirty="0">
+              <a:solidFill>
+                <a:srgbClr val="CF384A"/>
+              </a:solidFill>
+            </a:endParaRPr>
+          </a:p>
+        </p:txBody>
+      </p:sp>
+    </p:spTree>
+    <p:extLst>
+      <p:ext uri="{BB962C8B-B14F-4D97-AF65-F5344CB8AC3E}">
+        <p14:creationId xmlns:p14="http://schemas.microsoft.com/office/powerpoint/2010/main" val="4076484303"/>
+      </p:ext>
+    </p:extLst>
+  </p:cSld>
+  <p:clrMapOvr>
+    <a:masterClrMapping/>
+  </p:clrMapOvr>
+</p:sld>
+</file>
+
+<file path=ppt/slides/slide16.xml><?xml version="1.0" encoding="utf-8"?>
+<p:sld xmlns:a="http://schemas.openxmlformats.org/drawingml/2006/main" xmlns:r="http://schemas.openxmlformats.org/officeDocument/2006/relationships" xmlns:p="http://schemas.openxmlformats.org/presentationml/2006/main">
+  <p:cSld>
+    <p:spTree>
+      <p:nvGrpSpPr>
+        <p:cNvPr id="1" name=""/>
+        <p:cNvGrpSpPr/>
+        <p:nvPr/>
+      </p:nvGrpSpPr>
+      <p:grpSpPr>
+        <a:xfrm>
+          <a:off x="0" y="0"/>
+          <a:ext cx="0" cy="0"/>
+          <a:chOff x="0" y="0"/>
+          <a:chExt cx="0" cy="0"/>
+        </a:xfrm>
+      </p:grpSpPr>
+      <p:sp>
+        <p:nvSpPr>
           <p:cNvPr id="3" name="Rectangle à coins arrondis 2"/>
           <p:cNvSpPr/>
           <p:nvPr/>
@@ -5296,230 +5580,6 @@
     <p:extLst>
       <p:ext uri="{BB962C8B-B14F-4D97-AF65-F5344CB8AC3E}">
         <p14:creationId xmlns:p14="http://schemas.microsoft.com/office/powerpoint/2010/main" val="832168080"/>
-      </p:ext>
-    </p:extLst>
-  </p:cSld>
-  <p:clrMapOvr>
-    <a:masterClrMapping/>
-  </p:clrMapOvr>
-  <p:timing>
-    <p:tnLst>
-      <p:par>
-        <p:cTn id="1" dur="indefinite" restart="never" nodeType="tmRoot"/>
-      </p:par>
-    </p:tnLst>
-  </p:timing>
-</p:sld>
-</file>
-
-<file path=ppt/slides/slide16.xml><?xml version="1.0" encoding="utf-8"?>
-<p:sld xmlns:a="http://schemas.openxmlformats.org/drawingml/2006/main" xmlns:r="http://schemas.openxmlformats.org/officeDocument/2006/relationships" xmlns:p="http://schemas.openxmlformats.org/presentationml/2006/main">
-  <p:cSld>
-    <p:bg>
-      <p:bgPr>
-        <a:solidFill>
-          <a:schemeClr val="tx1">
-            <a:lumMod val="75000"/>
-            <a:lumOff val="25000"/>
-          </a:schemeClr>
-        </a:solidFill>
-        <a:effectLst/>
-      </p:bgPr>
-    </p:bg>
-    <p:spTree>
-      <p:nvGrpSpPr>
-        <p:cNvPr id="1" name=""/>
-        <p:cNvGrpSpPr/>
-        <p:nvPr/>
-      </p:nvGrpSpPr>
-      <p:grpSpPr>
-        <a:xfrm>
-          <a:off x="0" y="0"/>
-          <a:ext cx="0" cy="0"/>
-          <a:chOff x="0" y="0"/>
-          <a:chExt cx="0" cy="0"/>
-        </a:xfrm>
-      </p:grpSpPr>
-      <p:pic>
-        <p:nvPicPr>
-          <p:cNvPr id="3" name="Image 2"/>
-          <p:cNvPicPr>
-            <a:picLocks noChangeAspect="1"/>
-          </p:cNvPicPr>
-          <p:nvPr/>
-        </p:nvPicPr>
-        <p:blipFill>
-          <a:blip r:embed="rId2"/>
-          <a:stretch>
-            <a:fillRect/>
-          </a:stretch>
-        </p:blipFill>
-        <p:spPr>
-          <a:xfrm>
-            <a:off x="865772" y="2011907"/>
-            <a:ext cx="9958092" cy="2176271"/>
-          </a:xfrm>
-          <a:prstGeom prst="rect">
-            <a:avLst/>
-          </a:prstGeom>
-        </p:spPr>
-      </p:pic>
-      <p:pic>
-        <p:nvPicPr>
-          <p:cNvPr id="4" name="Image 3"/>
-          <p:cNvPicPr>
-            <a:picLocks noChangeAspect="1"/>
-          </p:cNvPicPr>
-          <p:nvPr/>
-        </p:nvPicPr>
-        <p:blipFill>
-          <a:blip r:embed="rId3"/>
-          <a:stretch>
-            <a:fillRect/>
-          </a:stretch>
-        </p:blipFill>
-        <p:spPr>
-          <a:xfrm>
-            <a:off x="4381858" y="2246645"/>
-            <a:ext cx="3129120" cy="1706794"/>
-          </a:xfrm>
-          <a:prstGeom prst="ellipse">
-            <a:avLst/>
-          </a:prstGeom>
-          <a:ln w="63500" cap="rnd">
-            <a:solidFill>
-              <a:srgbClr val="333333"/>
-            </a:solidFill>
-          </a:ln>
-          <a:effectLst>
-            <a:outerShdw blurRad="381000" dist="292100" dir="5400000" sx="-80000" sy="-18000" rotWithShape="0">
-              <a:srgbClr val="000000">
-                <a:alpha val="22000"/>
-              </a:srgbClr>
-            </a:outerShdw>
-          </a:effectLst>
-          <a:scene3d>
-            <a:camera prst="orthographicFront"/>
-            <a:lightRig rig="contrasting" dir="t">
-              <a:rot lat="0" lon="0" rev="3000000"/>
-            </a:lightRig>
-          </a:scene3d>
-          <a:sp3d contourW="7620">
-            <a:bevelT w="95250" h="31750"/>
-            <a:contourClr>
-              <a:srgbClr val="333333"/>
-            </a:contourClr>
-          </a:sp3d>
-        </p:spPr>
-      </p:pic>
-      <p:sp>
-        <p:nvSpPr>
-          <p:cNvPr id="5" name="Rectangle à coins arrondis 4"/>
-          <p:cNvSpPr/>
-          <p:nvPr/>
-        </p:nvSpPr>
-        <p:spPr>
-          <a:xfrm>
-            <a:off x="3221182" y="394855"/>
-            <a:ext cx="6390409" cy="1111827"/>
-          </a:xfrm>
-          <a:prstGeom prst="roundRect">
-            <a:avLst/>
-          </a:prstGeom>
-          <a:solidFill>
-            <a:srgbClr val="FAC74E"/>
-          </a:solidFill>
-          <a:ln>
-            <a:solidFill>
-              <a:srgbClr val="FAC74E"/>
-            </a:solidFill>
-          </a:ln>
-        </p:spPr>
-        <p:style>
-          <a:lnRef idx="2">
-            <a:schemeClr val="accent1">
-              <a:shade val="50000"/>
-            </a:schemeClr>
-          </a:lnRef>
-          <a:fillRef idx="1">
-            <a:schemeClr val="accent1"/>
-          </a:fillRef>
-          <a:effectRef idx="0">
-            <a:schemeClr val="accent1"/>
-          </a:effectRef>
-          <a:fontRef idx="minor">
-            <a:schemeClr val="lt1"/>
-          </a:fontRef>
-        </p:style>
-        <p:txBody>
-          <a:bodyPr rtlCol="0" anchor="ctr"/>
-          <a:lstStyle/>
-          <a:p>
-            <a:pPr algn="ctr"/>
-            <a:r>
-              <a:rPr lang="fr-FR" sz="4000" dirty="0" smtClean="0">
-                <a:solidFill>
-                  <a:srgbClr val="C00000"/>
-                </a:solidFill>
-              </a:rPr>
-              <a:t>Liens annuaires</a:t>
-            </a:r>
-            <a:endParaRPr lang="fr-FR" sz="4000" dirty="0">
-              <a:solidFill>
-                <a:srgbClr val="C00000"/>
-              </a:solidFill>
-            </a:endParaRPr>
-          </a:p>
-        </p:txBody>
-      </p:sp>
-      <p:sp>
-        <p:nvSpPr>
-          <p:cNvPr id="2" name="Rectangle à coins arrondis 1"/>
-          <p:cNvSpPr/>
-          <p:nvPr/>
-        </p:nvSpPr>
-        <p:spPr>
-          <a:xfrm>
-            <a:off x="377372" y="6241143"/>
-            <a:ext cx="2032000" cy="362857"/>
-          </a:xfrm>
-          <a:prstGeom prst="roundRect">
-            <a:avLst/>
-          </a:prstGeom>
-        </p:spPr>
-        <p:style>
-          <a:lnRef idx="2">
-            <a:schemeClr val="accent1">
-              <a:shade val="50000"/>
-            </a:schemeClr>
-          </a:lnRef>
-          <a:fillRef idx="1">
-            <a:schemeClr val="accent1"/>
-          </a:fillRef>
-          <a:effectRef idx="0">
-            <a:schemeClr val="accent1"/>
-          </a:effectRef>
-          <a:fontRef idx="minor">
-            <a:schemeClr val="lt1"/>
-          </a:fontRef>
-        </p:style>
-        <p:txBody>
-          <a:bodyPr rtlCol="0" anchor="ctr"/>
-          <a:lstStyle/>
-          <a:p>
-            <a:pPr algn="ctr"/>
-            <a:r>
-              <a:rPr lang="fr-FR" dirty="0" smtClean="0"/>
-              <a:t>Liens pages</a:t>
-            </a:r>
-            <a:endParaRPr lang="fr-FR" dirty="0"/>
-          </a:p>
-        </p:txBody>
-      </p:sp>
-    </p:spTree>
-    <p:extLst>
-      <p:ext uri="{BB962C8B-B14F-4D97-AF65-F5344CB8AC3E}">
-        <p14:creationId xmlns:p14="http://schemas.microsoft.com/office/powerpoint/2010/main" val="2476141840"/>
       </p:ext>
     </p:extLst>
   </p:cSld>
@@ -5566,7 +5626,7 @@
       </p:grpSpPr>
       <p:pic>
         <p:nvPicPr>
-          <p:cNvPr id="6" name="Image 5"/>
+          <p:cNvPr id="3" name="Image 2"/>
           <p:cNvPicPr>
             <a:picLocks noChangeAspect="1"/>
           </p:cNvPicPr>
@@ -5580,59 +5640,21 @@
         </p:blipFill>
         <p:spPr>
           <a:xfrm>
-            <a:off x="-644510" y="-231683"/>
-            <a:ext cx="12836510" cy="3615919"/>
+            <a:off x="865772" y="2011907"/>
+            <a:ext cx="9958092" cy="2176271"/>
           </a:xfrm>
           <a:prstGeom prst="rect">
             <a:avLst/>
           </a:prstGeom>
         </p:spPr>
       </p:pic>
-      <p:sp>
-        <p:nvSpPr>
-          <p:cNvPr id="2" name="Titre 1"/>
-          <p:cNvSpPr>
-            <a:spLocks noGrp="1"/>
-          </p:cNvSpPr>
-          <p:nvPr>
-            <p:ph type="title"/>
-          </p:nvPr>
-        </p:nvSpPr>
-        <p:spPr>
-          <a:xfrm>
-            <a:off x="292510" y="3742183"/>
-            <a:ext cx="10515600" cy="1325563"/>
-          </a:xfrm>
-        </p:spPr>
-        <p:txBody>
-          <a:bodyPr/>
-          <a:lstStyle/>
-          <a:p>
-            <a:r>
-              <a:rPr lang="fr-FR" dirty="0" smtClean="0">
-                <a:solidFill>
-                  <a:srgbClr val="FAC74E"/>
-                </a:solidFill>
-              </a:rPr>
-              <a:t>Liens réseaux sociaux</a:t>
-            </a:r>
-            <a:endParaRPr lang="fr-FR" dirty="0">
-              <a:solidFill>
-                <a:srgbClr val="FAC74E"/>
-              </a:solidFill>
-            </a:endParaRPr>
-          </a:p>
-        </p:txBody>
-      </p:sp>
       <p:pic>
         <p:nvPicPr>
-          <p:cNvPr id="4" name="Espace réservé du contenu 3"/>
+          <p:cNvPr id="4" name="Image 3"/>
           <p:cNvPicPr>
-            <a:picLocks noGrp="1" noChangeAspect="1"/>
+            <a:picLocks noChangeAspect="1"/>
           </p:cNvPicPr>
-          <p:nvPr>
-            <p:ph idx="1"/>
-          </p:nvPr>
+          <p:nvPr/>
         </p:nvPicPr>
         <p:blipFill>
           <a:blip r:embed="rId3"/>
@@ -5642,42 +5664,146 @@
         </p:blipFill>
         <p:spPr>
           <a:xfrm>
-            <a:off x="7448005" y="3981044"/>
-            <a:ext cx="3905795" cy="847843"/>
-          </a:xfrm>
-          <a:prstGeom prst="rect">
+            <a:off x="4381858" y="2246645"/>
+            <a:ext cx="3129120" cy="1706794"/>
+          </a:xfrm>
+          <a:prstGeom prst="ellipse">
             <a:avLst/>
           </a:prstGeom>
+          <a:ln w="63500" cap="rnd">
+            <a:solidFill>
+              <a:srgbClr val="333333"/>
+            </a:solidFill>
+          </a:ln>
+          <a:effectLst>
+            <a:outerShdw blurRad="381000" dist="292100" dir="5400000" sx="-80000" sy="-18000" rotWithShape="0">
+              <a:srgbClr val="000000">
+                <a:alpha val="22000"/>
+              </a:srgbClr>
+            </a:outerShdw>
+          </a:effectLst>
+          <a:scene3d>
+            <a:camera prst="orthographicFront"/>
+            <a:lightRig rig="contrasting" dir="t">
+              <a:rot lat="0" lon="0" rev="3000000"/>
+            </a:lightRig>
+          </a:scene3d>
+          <a:sp3d contourW="7620">
+            <a:bevelT w="95250" h="31750"/>
+            <a:contourClr>
+              <a:srgbClr val="333333"/>
+            </a:contourClr>
+          </a:sp3d>
         </p:spPr>
       </p:pic>
-      <p:pic>
-        <p:nvPicPr>
-          <p:cNvPr id="5" name="Image 4"/>
-          <p:cNvPicPr>
-            <a:picLocks noChangeAspect="1"/>
-          </p:cNvPicPr>
+      <p:sp>
+        <p:nvSpPr>
+          <p:cNvPr id="5" name="Rectangle à coins arrondis 4"/>
+          <p:cNvSpPr/>
           <p:nvPr/>
-        </p:nvPicPr>
-        <p:blipFill>
-          <a:blip r:embed="rId4"/>
-          <a:stretch>
-            <a:fillRect/>
-          </a:stretch>
-        </p:blipFill>
-        <p:spPr>
-          <a:xfrm>
-            <a:off x="-368711" y="5692879"/>
-            <a:ext cx="12706913" cy="4159044"/>
-          </a:xfrm>
-          <a:prstGeom prst="rect">
+        </p:nvSpPr>
+        <p:spPr>
+          <a:xfrm>
+            <a:off x="3221182" y="394855"/>
+            <a:ext cx="6390409" cy="1111827"/>
+          </a:xfrm>
+          <a:prstGeom prst="roundRect">
             <a:avLst/>
           </a:prstGeom>
-        </p:spPr>
-      </p:pic>
+          <a:solidFill>
+            <a:srgbClr val="FAC74E"/>
+          </a:solidFill>
+          <a:ln>
+            <a:solidFill>
+              <a:srgbClr val="FAC74E"/>
+            </a:solidFill>
+          </a:ln>
+        </p:spPr>
+        <p:style>
+          <a:lnRef idx="2">
+            <a:schemeClr val="accent1">
+              <a:shade val="50000"/>
+            </a:schemeClr>
+          </a:lnRef>
+          <a:fillRef idx="1">
+            <a:schemeClr val="accent1"/>
+          </a:fillRef>
+          <a:effectRef idx="0">
+            <a:schemeClr val="accent1"/>
+          </a:effectRef>
+          <a:fontRef idx="minor">
+            <a:schemeClr val="lt1"/>
+          </a:fontRef>
+        </p:style>
+        <p:txBody>
+          <a:bodyPr rtlCol="0" anchor="ctr"/>
+          <a:lstStyle/>
+          <a:p>
+            <a:pPr algn="ctr"/>
+            <a:r>
+              <a:rPr lang="fr-FR" sz="4000" dirty="0" smtClean="0">
+                <a:solidFill>
+                  <a:srgbClr val="C00000"/>
+                </a:solidFill>
+              </a:rPr>
+              <a:t>Liens annuaires</a:t>
+            </a:r>
+            <a:endParaRPr lang="fr-FR" sz="4000" dirty="0">
+              <a:solidFill>
+                <a:srgbClr val="C00000"/>
+              </a:solidFill>
+            </a:endParaRPr>
+          </a:p>
+        </p:txBody>
+      </p:sp>
+      <p:sp>
+        <p:nvSpPr>
+          <p:cNvPr id="2" name="Rectangle à coins arrondis 1"/>
+          <p:cNvSpPr/>
+          <p:nvPr/>
+        </p:nvSpPr>
+        <p:spPr>
+          <a:xfrm>
+            <a:off x="377372" y="6241143"/>
+            <a:ext cx="2032000" cy="362857"/>
+          </a:xfrm>
+          <a:prstGeom prst="roundRect">
+            <a:avLst/>
+          </a:prstGeom>
+        </p:spPr>
+        <p:style>
+          <a:lnRef idx="2">
+            <a:schemeClr val="accent1">
+              <a:shade val="50000"/>
+            </a:schemeClr>
+          </a:lnRef>
+          <a:fillRef idx="1">
+            <a:schemeClr val="accent1"/>
+          </a:fillRef>
+          <a:effectRef idx="0">
+            <a:schemeClr val="accent1"/>
+          </a:effectRef>
+          <a:fontRef idx="minor">
+            <a:schemeClr val="lt1"/>
+          </a:fontRef>
+        </p:style>
+        <p:txBody>
+          <a:bodyPr rtlCol="0" anchor="ctr"/>
+          <a:lstStyle/>
+          <a:p>
+            <a:pPr algn="ctr"/>
+            <a:r>
+              <a:rPr lang="fr-FR" dirty="0" smtClean="0"/>
+              <a:t>Liens pages</a:t>
+            </a:r>
+            <a:endParaRPr lang="fr-FR" dirty="0"/>
+          </a:p>
+        </p:txBody>
+      </p:sp>
     </p:spTree>
     <p:extLst>
       <p:ext uri="{BB962C8B-B14F-4D97-AF65-F5344CB8AC3E}">
-        <p14:creationId xmlns:p14="http://schemas.microsoft.com/office/powerpoint/2010/main" val="1800001616"/>
+        <p14:creationId xmlns:p14="http://schemas.microsoft.com/office/powerpoint/2010/main" val="2476141840"/>
       </p:ext>
     </p:extLst>
   </p:cSld>
@@ -5722,22 +5848,132 @@
           <a:chExt cx="0" cy="0"/>
         </a:xfrm>
       </p:grpSpPr>
-      <p:sp>
-        <p:nvSpPr>
-          <p:cNvPr id="2" name="Rectangle à coins arrondis 1"/>
+      <p:pic>
+        <p:nvPicPr>
+          <p:cNvPr id="6" name="Image 5"/>
+          <p:cNvPicPr>
+            <a:picLocks noChangeAspect="1"/>
+          </p:cNvPicPr>
+          <p:nvPr/>
+        </p:nvPicPr>
+        <p:blipFill>
+          <a:blip r:embed="rId2"/>
+          <a:stretch>
+            <a:fillRect/>
+          </a:stretch>
+        </p:blipFill>
+        <p:spPr>
+          <a:xfrm>
+            <a:off x="-644510" y="-231683"/>
+            <a:ext cx="12836510" cy="3615919"/>
+          </a:xfrm>
+          <a:prstGeom prst="rect">
+            <a:avLst/>
+          </a:prstGeom>
+        </p:spPr>
+      </p:pic>
+      <p:sp>
+        <p:nvSpPr>
+          <p:cNvPr id="2" name="Titre 1"/>
+          <p:cNvSpPr>
+            <a:spLocks noGrp="1"/>
+          </p:cNvSpPr>
+          <p:nvPr>
+            <p:ph type="title"/>
+          </p:nvPr>
+        </p:nvSpPr>
+        <p:spPr>
+          <a:xfrm>
+            <a:off x="292510" y="3742183"/>
+            <a:ext cx="10515600" cy="1325563"/>
+          </a:xfrm>
+        </p:spPr>
+        <p:txBody>
+          <a:bodyPr/>
+          <a:lstStyle/>
+          <a:p>
+            <a:r>
+              <a:rPr lang="fr-FR" dirty="0" smtClean="0">
+                <a:solidFill>
+                  <a:srgbClr val="FAC74E"/>
+                </a:solidFill>
+              </a:rPr>
+              <a:t>Liens réseaux sociaux</a:t>
+            </a:r>
+            <a:endParaRPr lang="fr-FR" dirty="0">
+              <a:solidFill>
+                <a:srgbClr val="FAC74E"/>
+              </a:solidFill>
+            </a:endParaRPr>
+          </a:p>
+        </p:txBody>
+      </p:sp>
+      <p:pic>
+        <p:nvPicPr>
+          <p:cNvPr id="4" name="Espace réservé du contenu 3"/>
+          <p:cNvPicPr>
+            <a:picLocks noGrp="1" noChangeAspect="1"/>
+          </p:cNvPicPr>
+          <p:nvPr>
+            <p:ph idx="1"/>
+          </p:nvPr>
+        </p:nvPicPr>
+        <p:blipFill>
+          <a:blip r:embed="rId3"/>
+          <a:stretch>
+            <a:fillRect/>
+          </a:stretch>
+        </p:blipFill>
+        <p:spPr>
+          <a:xfrm>
+            <a:off x="7448005" y="3981044"/>
+            <a:ext cx="3905795" cy="847843"/>
+          </a:xfrm>
+          <a:prstGeom prst="rect">
+            <a:avLst/>
+          </a:prstGeom>
+        </p:spPr>
+      </p:pic>
+      <p:pic>
+        <p:nvPicPr>
+          <p:cNvPr id="5" name="Image 4"/>
+          <p:cNvPicPr>
+            <a:picLocks noChangeAspect="1"/>
+          </p:cNvPicPr>
+          <p:nvPr/>
+        </p:nvPicPr>
+        <p:blipFill>
+          <a:blip r:embed="rId4"/>
+          <a:stretch>
+            <a:fillRect/>
+          </a:stretch>
+        </p:blipFill>
+        <p:spPr>
+          <a:xfrm>
+            <a:off x="-368711" y="5692879"/>
+            <a:ext cx="12706913" cy="4159044"/>
+          </a:xfrm>
+          <a:prstGeom prst="rect">
+            <a:avLst/>
+          </a:prstGeom>
+        </p:spPr>
+      </p:pic>
+      <p:sp>
+        <p:nvSpPr>
+          <p:cNvPr id="3" name="Rectangle à coins arrondis 2"/>
           <p:cNvSpPr/>
           <p:nvPr/>
         </p:nvSpPr>
         <p:spPr>
           <a:xfrm>
-            <a:off x="368710" y="575187"/>
-            <a:ext cx="11385755" cy="5958348"/>
+            <a:off x="292510" y="4775357"/>
+            <a:ext cx="4956464" cy="584777"/>
           </a:xfrm>
           <a:prstGeom prst="roundRect">
             <a:avLst/>
           </a:prstGeom>
           <a:solidFill>
-            <a:srgbClr val="CF384A"/>
+            <a:srgbClr val="FAC74E"/>
           </a:solidFill>
         </p:spPr>
         <p:style>
@@ -5761,178 +5997,26 @@
           <a:lstStyle/>
           <a:p>
             <a:pPr algn="ctr"/>
-            <a:endParaRPr lang="fr-FR" sz="3600" b="1" u="sng" dirty="0" smtClean="0">
+            <a:r>
+              <a:rPr lang="fr-FR" dirty="0" smtClean="0">
+                <a:solidFill>
+                  <a:srgbClr val="CF384A"/>
+                </a:solidFill>
+              </a:rPr>
+              <a:t>Relier liens réseaux sociaux</a:t>
+            </a:r>
+            <a:endParaRPr lang="fr-FR" dirty="0">
               <a:solidFill>
-                <a:srgbClr val="FAC74E"/>
+                <a:srgbClr val="CF384A"/>
               </a:solidFill>
             </a:endParaRPr>
-          </a:p>
-          <a:p>
-            <a:pPr algn="ctr"/>
-            <a:endParaRPr lang="fr-FR" sz="3600" b="1" u="sng" dirty="0">
-              <a:solidFill>
-                <a:srgbClr val="FAC74E"/>
-              </a:solidFill>
-            </a:endParaRPr>
-          </a:p>
-          <a:p>
-            <a:pPr algn="ctr"/>
-            <a:endParaRPr lang="fr-FR" sz="3600" b="1" u="sng" dirty="0" smtClean="0">
-              <a:solidFill>
-                <a:srgbClr val="FAC74E"/>
-              </a:solidFill>
-            </a:endParaRPr>
-          </a:p>
-          <a:p>
-            <a:pPr algn="ctr"/>
-            <a:r>
-              <a:rPr lang="fr-FR" sz="3600" b="1" u="sng" dirty="0" smtClean="0">
-                <a:solidFill>
-                  <a:srgbClr val="FAC74E"/>
-                </a:solidFill>
-              </a:rPr>
-              <a:t>Résultat</a:t>
-            </a:r>
-          </a:p>
-          <a:p>
-            <a:pPr algn="ctr"/>
-            <a:endParaRPr lang="fr-FR" sz="3600" b="1" u="sng" dirty="0" smtClean="0">
-              <a:solidFill>
-                <a:srgbClr val="FAC74E"/>
-              </a:solidFill>
-            </a:endParaRPr>
-          </a:p>
-          <a:p>
-            <a:pPr marL="571500" indent="-571500">
-              <a:buFont typeface="Arial" panose="020B0604020202020204" pitchFamily="34" charset="0"/>
-              <a:buChar char="•"/>
-            </a:pPr>
-            <a:r>
-              <a:rPr lang="fr-FR" sz="3600" dirty="0" smtClean="0">
-                <a:solidFill>
-                  <a:srgbClr val="FAC74E"/>
-                </a:solidFill>
-              </a:rPr>
-              <a:t>Chargement plus rapide des pages</a:t>
-            </a:r>
-          </a:p>
-          <a:p>
-            <a:pPr marL="571500" indent="-571500">
-              <a:buFont typeface="Arial" panose="020B0604020202020204" pitchFamily="34" charset="0"/>
-              <a:buChar char="•"/>
-            </a:pPr>
-            <a:r>
-              <a:rPr lang="fr-FR" sz="3600" dirty="0" smtClean="0">
-                <a:solidFill>
-                  <a:srgbClr val="FAC74E"/>
-                </a:solidFill>
-              </a:rPr>
-              <a:t>Meilleur classement dans les moteurs de recherches</a:t>
-            </a:r>
-          </a:p>
-          <a:p>
-            <a:r>
-              <a:rPr lang="fr-FR" sz="3600" dirty="0" smtClean="0">
-                <a:solidFill>
-                  <a:srgbClr val="FAC74E"/>
-                </a:solidFill>
-              </a:rPr>
-              <a:t>      (entre 3 et 6 mois)</a:t>
-            </a:r>
-          </a:p>
-          <a:p>
-            <a:pPr marL="571500" indent="-571500">
-              <a:buFont typeface="Arial" panose="020B0604020202020204" pitchFamily="34" charset="0"/>
-              <a:buChar char="•"/>
-            </a:pPr>
-            <a:r>
-              <a:rPr lang="fr-FR" sz="3600" dirty="0" smtClean="0">
-                <a:solidFill>
-                  <a:srgbClr val="FAC74E"/>
-                </a:solidFill>
-              </a:rPr>
-              <a:t>Un site plus clair</a:t>
-            </a:r>
-          </a:p>
-          <a:p>
-            <a:pPr marL="571500" indent="-571500">
-              <a:buFont typeface="Arial" panose="020B0604020202020204" pitchFamily="34" charset="0"/>
-              <a:buChar char="•"/>
-            </a:pPr>
-            <a:r>
-              <a:rPr lang="fr-FR" sz="3600" dirty="0" smtClean="0">
-                <a:solidFill>
-                  <a:srgbClr val="FAC74E"/>
-                </a:solidFill>
-              </a:rPr>
-              <a:t>Centrer sur la création du site</a:t>
-            </a:r>
-          </a:p>
-          <a:p>
-            <a:pPr marL="571500" indent="-571500">
-              <a:buFont typeface="Arial" panose="020B0604020202020204" pitchFamily="34" charset="0"/>
-              <a:buChar char="•"/>
-            </a:pPr>
-            <a:r>
-              <a:rPr lang="fr-FR" sz="3600" dirty="0" smtClean="0">
-                <a:solidFill>
-                  <a:srgbClr val="FAC74E"/>
-                </a:solidFill>
-              </a:rPr>
-              <a:t>Meilleur expérience utilisateur</a:t>
-            </a:r>
-          </a:p>
-          <a:p>
-            <a:pPr marL="571500" indent="-571500">
-              <a:buFont typeface="Arial" panose="020B0604020202020204" pitchFamily="34" charset="0"/>
-              <a:buChar char="•"/>
-            </a:pPr>
-            <a:r>
-              <a:rPr lang="fr-FR" sz="3600" dirty="0" smtClean="0">
-                <a:solidFill>
-                  <a:srgbClr val="FAC74E"/>
-                </a:solidFill>
-              </a:rPr>
-              <a:t>Réseaux sociaux opérationnelle</a:t>
-            </a:r>
-          </a:p>
-          <a:p>
-            <a:pPr marL="571500" indent="-571500" algn="ctr">
-              <a:buFont typeface="Arial" panose="020B0604020202020204" pitchFamily="34" charset="0"/>
-              <a:buChar char="•"/>
-            </a:pPr>
-            <a:endParaRPr lang="fr-FR" sz="3600" dirty="0">
-              <a:solidFill>
-                <a:srgbClr val="FAC74E"/>
-              </a:solidFill>
-            </a:endParaRPr>
-          </a:p>
-          <a:p>
-            <a:pPr algn="ctr"/>
-            <a:endParaRPr lang="fr-FR" sz="3600" dirty="0" smtClean="0">
-              <a:solidFill>
-                <a:srgbClr val="FAC74E"/>
-              </a:solidFill>
-            </a:endParaRPr>
-          </a:p>
-          <a:p>
-            <a:pPr algn="ctr"/>
-            <a:endParaRPr lang="fr-FR" sz="3600" dirty="0" smtClean="0">
-              <a:solidFill>
-                <a:srgbClr val="FAC74E"/>
-              </a:solidFill>
-            </a:endParaRPr>
-          </a:p>
-          <a:p>
-            <a:pPr algn="ctr"/>
-            <a:endParaRPr lang="fr-FR" dirty="0"/>
           </a:p>
         </p:txBody>
       </p:sp>
     </p:spTree>
     <p:extLst>
       <p:ext uri="{BB962C8B-B14F-4D97-AF65-F5344CB8AC3E}">
-        <p14:creationId xmlns:p14="http://schemas.microsoft.com/office/powerpoint/2010/main" val="4242436252"/>
+        <p14:creationId xmlns:p14="http://schemas.microsoft.com/office/powerpoint/2010/main" val="1800001616"/>
       </p:ext>
     </p:extLst>
   </p:cSld>
@@ -5979,51 +6063,14 @@
       </p:grpSpPr>
       <p:sp>
         <p:nvSpPr>
-          <p:cNvPr id="2" name="Titre 1"/>
-          <p:cNvSpPr>
-            <a:spLocks noGrp="1"/>
-          </p:cNvSpPr>
-          <p:nvPr>
-            <p:ph type="title"/>
-          </p:nvPr>
-        </p:nvSpPr>
-        <p:spPr>
-          <a:xfrm>
-            <a:off x="838198" y="1074033"/>
-            <a:ext cx="10515600" cy="1325563"/>
-          </a:xfrm>
-        </p:spPr>
-        <p:txBody>
-          <a:bodyPr/>
-          <a:lstStyle/>
-          <a:p>
-            <a:pPr algn="ctr"/>
-            <a:r>
-              <a:rPr lang="fr-FR" dirty="0" smtClean="0">
-                <a:solidFill>
-                  <a:srgbClr val="FAC74E"/>
-                </a:solidFill>
-              </a:rPr>
-              <a:t>fin</a:t>
-            </a:r>
-            <a:endParaRPr lang="fr-FR" dirty="0">
-              <a:solidFill>
-                <a:srgbClr val="FAC74E"/>
-              </a:solidFill>
-            </a:endParaRPr>
-          </a:p>
-        </p:txBody>
-      </p:sp>
-      <p:sp>
-        <p:nvSpPr>
-          <p:cNvPr id="4" name="Rectangle à coins arrondis 3"/>
+          <p:cNvPr id="2" name="Rectangle à coins arrondis 1"/>
           <p:cNvSpPr/>
           <p:nvPr/>
         </p:nvSpPr>
         <p:spPr>
           <a:xfrm>
-            <a:off x="3155243" y="2961086"/>
-            <a:ext cx="5881511" cy="2259101"/>
+            <a:off x="368710" y="575187"/>
+            <a:ext cx="11385755" cy="5958348"/>
           </a:xfrm>
           <a:prstGeom prst="roundRect">
             <a:avLst/>
@@ -6031,11 +6078,6 @@
           <a:solidFill>
             <a:srgbClr val="CF384A"/>
           </a:solidFill>
-          <a:ln>
-            <a:solidFill>
-              <a:srgbClr val="FAC74E"/>
-            </a:solidFill>
-          </a:ln>
         </p:spPr>
         <p:style>
           <a:lnRef idx="2">
@@ -6058,84 +6100,178 @@
           <a:lstStyle/>
           <a:p>
             <a:pPr algn="ctr"/>
-            <a:endParaRPr lang="fr-FR"/>
-          </a:p>
-        </p:txBody>
-      </p:sp>
-      <p:sp>
-        <p:nvSpPr>
-          <p:cNvPr id="3" name="Espace réservé du contenu 2"/>
-          <p:cNvSpPr>
-            <a:spLocks noGrp="1"/>
-          </p:cNvSpPr>
-          <p:nvPr>
-            <p:ph idx="1"/>
-          </p:nvPr>
-        </p:nvSpPr>
-        <p:spPr>
-          <a:xfrm>
-            <a:off x="3623731" y="3163669"/>
-            <a:ext cx="4944534" cy="2056518"/>
-          </a:xfrm>
-        </p:spPr>
-        <p:txBody>
-          <a:bodyPr/>
-          <a:lstStyle/>
-          <a:p>
-            <a:pPr marL="0" indent="0">
-              <a:buNone/>
-            </a:pPr>
-            <a:r>
-              <a:rPr lang="fr-FR" dirty="0" smtClean="0">
+            <a:endParaRPr lang="fr-FR" sz="3600" b="1" u="sng" dirty="0" smtClean="0">
+              <a:solidFill>
+                <a:srgbClr val="FAC74E"/>
+              </a:solidFill>
+            </a:endParaRPr>
+          </a:p>
+          <a:p>
+            <a:pPr algn="ctr"/>
+            <a:endParaRPr lang="fr-FR" sz="3600" b="1" u="sng" dirty="0">
+              <a:solidFill>
+                <a:srgbClr val="FAC74E"/>
+              </a:solidFill>
+            </a:endParaRPr>
+          </a:p>
+          <a:p>
+            <a:pPr algn="ctr"/>
+            <a:endParaRPr lang="fr-FR" sz="3600" b="1" u="sng" dirty="0" smtClean="0">
+              <a:solidFill>
+                <a:srgbClr val="FAC74E"/>
+              </a:solidFill>
+            </a:endParaRPr>
+          </a:p>
+          <a:p>
+            <a:pPr algn="ctr"/>
+            <a:r>
+              <a:rPr lang="fr-FR" sz="3600" b="1" u="sng" dirty="0" smtClean="0">
                 <a:solidFill>
                   <a:srgbClr val="FAC74E"/>
                 </a:solidFill>
               </a:rPr>
-              <a:t>PROJET 4</a:t>
-            </a:r>
-          </a:p>
-          <a:p>
-            <a:pPr marL="0" indent="0">
-              <a:buNone/>
+              <a:t>Résultat</a:t>
+            </a:r>
+          </a:p>
+          <a:p>
+            <a:pPr algn="ctr"/>
+            <a:endParaRPr lang="fr-FR" sz="3600" b="1" u="sng" dirty="0" smtClean="0">
+              <a:solidFill>
+                <a:srgbClr val="FAC74E"/>
+              </a:solidFill>
+            </a:endParaRPr>
+          </a:p>
+          <a:p>
+            <a:pPr marL="571500" indent="-571500">
+              <a:buFont typeface="Arial" panose="020B0604020202020204" pitchFamily="34" charset="0"/>
+              <a:buChar char="•"/>
             </a:pPr>
             <a:r>
-              <a:rPr lang="fr-FR" dirty="0" smtClean="0">
+              <a:rPr lang="fr-FR" sz="3600" dirty="0" smtClean="0">
                 <a:solidFill>
                   <a:srgbClr val="FAC74E"/>
                 </a:solidFill>
               </a:rPr>
-              <a:t>Augmentez votre trafic grâce au référencement naturel SEO</a:t>
-            </a:r>
-            <a:endParaRPr lang="fr-FR" dirty="0">
+              <a:t>Chargement plus rapide des pages</a:t>
+            </a:r>
+          </a:p>
+          <a:p>
+            <a:pPr marL="571500" indent="-571500">
+              <a:buFont typeface="Arial" panose="020B0604020202020204" pitchFamily="34" charset="0"/>
+              <a:buChar char="•"/>
+            </a:pPr>
+            <a:r>
+              <a:rPr lang="fr-FR" sz="3600" dirty="0" smtClean="0">
+                <a:solidFill>
+                  <a:srgbClr val="FAC74E"/>
+                </a:solidFill>
+              </a:rPr>
+              <a:t>Meilleur classement dans les moteurs de recherches</a:t>
+            </a:r>
+          </a:p>
+          <a:p>
+            <a:r>
+              <a:rPr lang="fr-FR" sz="3600" dirty="0" smtClean="0">
+                <a:solidFill>
+                  <a:srgbClr val="FAC74E"/>
+                </a:solidFill>
+              </a:rPr>
+              <a:t>      (entre 3 et 6 mois)</a:t>
+            </a:r>
+          </a:p>
+          <a:p>
+            <a:pPr marL="571500" indent="-571500">
+              <a:buFont typeface="Arial" panose="020B0604020202020204" pitchFamily="34" charset="0"/>
+              <a:buChar char="•"/>
+            </a:pPr>
+            <a:r>
+              <a:rPr lang="fr-FR" sz="3600" dirty="0" smtClean="0">
+                <a:solidFill>
+                  <a:srgbClr val="FAC74E"/>
+                </a:solidFill>
+              </a:rPr>
+              <a:t>Un site plus clair</a:t>
+            </a:r>
+          </a:p>
+          <a:p>
+            <a:pPr marL="571500" indent="-571500">
+              <a:buFont typeface="Arial" panose="020B0604020202020204" pitchFamily="34" charset="0"/>
+              <a:buChar char="•"/>
+            </a:pPr>
+            <a:r>
+              <a:rPr lang="fr-FR" sz="3600" dirty="0" smtClean="0">
+                <a:solidFill>
+                  <a:srgbClr val="FAC74E"/>
+                </a:solidFill>
+              </a:rPr>
+              <a:t>Centrer sur la création du site</a:t>
+            </a:r>
+          </a:p>
+          <a:p>
+            <a:pPr marL="571500" indent="-571500">
+              <a:buFont typeface="Arial" panose="020B0604020202020204" pitchFamily="34" charset="0"/>
+              <a:buChar char="•"/>
+            </a:pPr>
+            <a:r>
+              <a:rPr lang="fr-FR" sz="3600" dirty="0" smtClean="0">
+                <a:solidFill>
+                  <a:srgbClr val="FAC74E"/>
+                </a:solidFill>
+              </a:rPr>
+              <a:t>Meilleur expérience utilisateur</a:t>
+            </a:r>
+          </a:p>
+          <a:p>
+            <a:pPr marL="571500" indent="-571500">
+              <a:buFont typeface="Arial" panose="020B0604020202020204" pitchFamily="34" charset="0"/>
+              <a:buChar char="•"/>
+            </a:pPr>
+            <a:r>
+              <a:rPr lang="fr-FR" sz="3600" dirty="0" smtClean="0">
+                <a:solidFill>
+                  <a:srgbClr val="FAC74E"/>
+                </a:solidFill>
+              </a:rPr>
+              <a:t>Réseaux sociaux opérationnelle</a:t>
+            </a:r>
+          </a:p>
+          <a:p>
+            <a:pPr marL="571500" indent="-571500" algn="ctr">
+              <a:buFont typeface="Arial" panose="020B0604020202020204" pitchFamily="34" charset="0"/>
+              <a:buChar char="•"/>
+            </a:pPr>
+            <a:endParaRPr lang="fr-FR" sz="3600" dirty="0">
               <a:solidFill>
                 <a:srgbClr val="FAC74E"/>
               </a:solidFill>
             </a:endParaRPr>
           </a:p>
           <a:p>
-            <a:pPr marL="0" indent="0">
-              <a:buNone/>
-            </a:pPr>
-            <a:r>
-              <a:rPr lang="fr-FR" dirty="0" smtClean="0">
-                <a:solidFill>
-                  <a:srgbClr val="FAC74E"/>
-                </a:solidFill>
-              </a:rPr>
-              <a:t>DEGRANGE Frédéric</a:t>
-            </a:r>
-            <a:endParaRPr lang="fr-FR" dirty="0">
+            <a:pPr algn="ctr"/>
+            <a:endParaRPr lang="fr-FR" sz="3600" dirty="0" smtClean="0">
               <a:solidFill>
                 <a:srgbClr val="FAC74E"/>
               </a:solidFill>
             </a:endParaRPr>
           </a:p>
+          <a:p>
+            <a:pPr algn="ctr"/>
+            <a:endParaRPr lang="fr-FR" sz="3600" dirty="0" smtClean="0">
+              <a:solidFill>
+                <a:srgbClr val="FAC74E"/>
+              </a:solidFill>
+            </a:endParaRPr>
+          </a:p>
+          <a:p>
+            <a:pPr algn="ctr"/>
+            <a:endParaRPr lang="fr-FR" dirty="0"/>
+          </a:p>
         </p:txBody>
       </p:sp>
     </p:spTree>
     <p:extLst>
       <p:ext uri="{BB962C8B-B14F-4D97-AF65-F5344CB8AC3E}">
-        <p14:creationId xmlns:p14="http://schemas.microsoft.com/office/powerpoint/2010/main" val="301072653"/>
+        <p14:creationId xmlns:p14="http://schemas.microsoft.com/office/powerpoint/2010/main" val="4242436252"/>
       </p:ext>
     </p:extLst>
   </p:cSld>
@@ -6400,6 +6536,209 @@
     <p:extLst>
       <p:ext uri="{BB962C8B-B14F-4D97-AF65-F5344CB8AC3E}">
         <p14:creationId xmlns:p14="http://schemas.microsoft.com/office/powerpoint/2010/main" val="1471223469"/>
+      </p:ext>
+    </p:extLst>
+  </p:cSld>
+  <p:clrMapOvr>
+    <a:masterClrMapping/>
+  </p:clrMapOvr>
+  <p:timing>
+    <p:tnLst>
+      <p:par>
+        <p:cTn id="1" dur="indefinite" restart="never" nodeType="tmRoot"/>
+      </p:par>
+    </p:tnLst>
+  </p:timing>
+</p:sld>
+</file>
+
+<file path=ppt/slides/slide20.xml><?xml version="1.0" encoding="utf-8"?>
+<p:sld xmlns:a="http://schemas.openxmlformats.org/drawingml/2006/main" xmlns:r="http://schemas.openxmlformats.org/officeDocument/2006/relationships" xmlns:p="http://schemas.openxmlformats.org/presentationml/2006/main">
+  <p:cSld>
+    <p:bg>
+      <p:bgPr>
+        <a:solidFill>
+          <a:schemeClr val="tx1">
+            <a:lumMod val="75000"/>
+            <a:lumOff val="25000"/>
+          </a:schemeClr>
+        </a:solidFill>
+        <a:effectLst/>
+      </p:bgPr>
+    </p:bg>
+    <p:spTree>
+      <p:nvGrpSpPr>
+        <p:cNvPr id="1" name=""/>
+        <p:cNvGrpSpPr/>
+        <p:nvPr/>
+      </p:nvGrpSpPr>
+      <p:grpSpPr>
+        <a:xfrm>
+          <a:off x="0" y="0"/>
+          <a:ext cx="0" cy="0"/>
+          <a:chOff x="0" y="0"/>
+          <a:chExt cx="0" cy="0"/>
+        </a:xfrm>
+      </p:grpSpPr>
+      <p:sp>
+        <p:nvSpPr>
+          <p:cNvPr id="2" name="Titre 1"/>
+          <p:cNvSpPr>
+            <a:spLocks noGrp="1"/>
+          </p:cNvSpPr>
+          <p:nvPr>
+            <p:ph type="title"/>
+          </p:nvPr>
+        </p:nvSpPr>
+        <p:spPr>
+          <a:xfrm>
+            <a:off x="838198" y="1074033"/>
+            <a:ext cx="10515600" cy="1325563"/>
+          </a:xfrm>
+        </p:spPr>
+        <p:txBody>
+          <a:bodyPr/>
+          <a:lstStyle/>
+          <a:p>
+            <a:pPr algn="ctr"/>
+            <a:r>
+              <a:rPr lang="fr-FR" dirty="0" smtClean="0">
+                <a:solidFill>
+                  <a:srgbClr val="FAC74E"/>
+                </a:solidFill>
+              </a:rPr>
+              <a:t>fin</a:t>
+            </a:r>
+            <a:endParaRPr lang="fr-FR" dirty="0">
+              <a:solidFill>
+                <a:srgbClr val="FAC74E"/>
+              </a:solidFill>
+            </a:endParaRPr>
+          </a:p>
+        </p:txBody>
+      </p:sp>
+      <p:sp>
+        <p:nvSpPr>
+          <p:cNvPr id="4" name="Rectangle à coins arrondis 3"/>
+          <p:cNvSpPr/>
+          <p:nvPr/>
+        </p:nvSpPr>
+        <p:spPr>
+          <a:xfrm>
+            <a:off x="3155243" y="2961086"/>
+            <a:ext cx="5881511" cy="2259101"/>
+          </a:xfrm>
+          <a:prstGeom prst="roundRect">
+            <a:avLst/>
+          </a:prstGeom>
+          <a:solidFill>
+            <a:srgbClr val="CF384A"/>
+          </a:solidFill>
+          <a:ln>
+            <a:solidFill>
+              <a:srgbClr val="FAC74E"/>
+            </a:solidFill>
+          </a:ln>
+        </p:spPr>
+        <p:style>
+          <a:lnRef idx="2">
+            <a:schemeClr val="accent1">
+              <a:shade val="50000"/>
+            </a:schemeClr>
+          </a:lnRef>
+          <a:fillRef idx="1">
+            <a:schemeClr val="accent1"/>
+          </a:fillRef>
+          <a:effectRef idx="0">
+            <a:schemeClr val="accent1"/>
+          </a:effectRef>
+          <a:fontRef idx="minor">
+            <a:schemeClr val="lt1"/>
+          </a:fontRef>
+        </p:style>
+        <p:txBody>
+          <a:bodyPr rtlCol="0" anchor="ctr"/>
+          <a:lstStyle/>
+          <a:p>
+            <a:pPr algn="ctr"/>
+            <a:endParaRPr lang="fr-FR"/>
+          </a:p>
+        </p:txBody>
+      </p:sp>
+      <p:sp>
+        <p:nvSpPr>
+          <p:cNvPr id="3" name="Espace réservé du contenu 2"/>
+          <p:cNvSpPr>
+            <a:spLocks noGrp="1"/>
+          </p:cNvSpPr>
+          <p:nvPr>
+            <p:ph idx="1"/>
+          </p:nvPr>
+        </p:nvSpPr>
+        <p:spPr>
+          <a:xfrm>
+            <a:off x="3623731" y="3163669"/>
+            <a:ext cx="4944534" cy="2056518"/>
+          </a:xfrm>
+        </p:spPr>
+        <p:txBody>
+          <a:bodyPr/>
+          <a:lstStyle/>
+          <a:p>
+            <a:pPr marL="0" indent="0">
+              <a:buNone/>
+            </a:pPr>
+            <a:r>
+              <a:rPr lang="fr-FR" dirty="0" smtClean="0">
+                <a:solidFill>
+                  <a:srgbClr val="FAC74E"/>
+                </a:solidFill>
+              </a:rPr>
+              <a:t>PROJET 4</a:t>
+            </a:r>
+          </a:p>
+          <a:p>
+            <a:pPr marL="0" indent="0">
+              <a:buNone/>
+            </a:pPr>
+            <a:r>
+              <a:rPr lang="fr-FR" dirty="0" smtClean="0">
+                <a:solidFill>
+                  <a:srgbClr val="FAC74E"/>
+                </a:solidFill>
+              </a:rPr>
+              <a:t>Augmentez votre trafic grâce au référencement naturel SEO</a:t>
+            </a:r>
+            <a:endParaRPr lang="fr-FR" dirty="0">
+              <a:solidFill>
+                <a:srgbClr val="FAC74E"/>
+              </a:solidFill>
+            </a:endParaRPr>
+          </a:p>
+          <a:p>
+            <a:pPr marL="0" indent="0">
+              <a:buNone/>
+            </a:pPr>
+            <a:r>
+              <a:rPr lang="fr-FR" dirty="0" smtClean="0">
+                <a:solidFill>
+                  <a:srgbClr val="FAC74E"/>
+                </a:solidFill>
+              </a:rPr>
+              <a:t>DEGRANGE Frédéric</a:t>
+            </a:r>
+            <a:endParaRPr lang="fr-FR" dirty="0">
+              <a:solidFill>
+                <a:srgbClr val="FAC74E"/>
+              </a:solidFill>
+            </a:endParaRPr>
+          </a:p>
+        </p:txBody>
+      </p:sp>
+    </p:spTree>
+    <p:extLst>
+      <p:ext uri="{BB962C8B-B14F-4D97-AF65-F5344CB8AC3E}">
+        <p14:creationId xmlns:p14="http://schemas.microsoft.com/office/powerpoint/2010/main" val="301072653"/>
       </p:ext>
     </p:extLst>
   </p:cSld>

--- a/CHOUETTE AGENCE.pptx
+++ b/CHOUETTE AGENCE.pptx
@@ -3779,7 +3779,7 @@
       </p:sp>
       <p:pic>
         <p:nvPicPr>
-          <p:cNvPr id="8" name="Image 7"/>
+          <p:cNvPr id="10" name="Image 9"/>
           <p:cNvPicPr>
             <a:picLocks noChangeAspect="1"/>
           </p:cNvPicPr>
@@ -3793,8 +3793,56 @@
         </p:blipFill>
         <p:spPr>
           <a:xfrm>
-            <a:off x="5443404" y="2425683"/>
-            <a:ext cx="6342293" cy="1179962"/>
+            <a:off x="1259771" y="3832245"/>
+            <a:ext cx="3977247" cy="2726985"/>
+          </a:xfrm>
+          <a:prstGeom prst="rect">
+            <a:avLst/>
+          </a:prstGeom>
+        </p:spPr>
+      </p:pic>
+      <p:pic>
+        <p:nvPicPr>
+          <p:cNvPr id="11" name="Image 10"/>
+          <p:cNvPicPr>
+            <a:picLocks noChangeAspect="1"/>
+          </p:cNvPicPr>
+          <p:nvPr/>
+        </p:nvPicPr>
+        <p:blipFill>
+          <a:blip r:embed="rId3"/>
+          <a:stretch>
+            <a:fillRect/>
+          </a:stretch>
+        </p:blipFill>
+        <p:spPr>
+          <a:xfrm>
+            <a:off x="1259771" y="2425683"/>
+            <a:ext cx="3977247" cy="1002529"/>
+          </a:xfrm>
+          <a:prstGeom prst="rect">
+            <a:avLst/>
+          </a:prstGeom>
+        </p:spPr>
+      </p:pic>
+      <p:pic>
+        <p:nvPicPr>
+          <p:cNvPr id="3" name="Image 2"/>
+          <p:cNvPicPr>
+            <a:picLocks noChangeAspect="1"/>
+          </p:cNvPicPr>
+          <p:nvPr/>
+        </p:nvPicPr>
+        <p:blipFill>
+          <a:blip r:embed="rId4"/>
+          <a:stretch>
+            <a:fillRect/>
+          </a:stretch>
+        </p:blipFill>
+        <p:spPr>
+          <a:xfrm>
+            <a:off x="5982175" y="2425683"/>
+            <a:ext cx="5166279" cy="963384"/>
           </a:xfrm>
           <a:prstGeom prst="rect">
             <a:avLst/>
@@ -3817,22 +3865,22 @@
       </p:pic>
       <p:pic>
         <p:nvPicPr>
-          <p:cNvPr id="9" name="Image 8"/>
+          <p:cNvPr id="5" name="Image 4"/>
           <p:cNvPicPr>
             <a:picLocks noChangeAspect="1"/>
           </p:cNvPicPr>
           <p:nvPr/>
         </p:nvPicPr>
         <p:blipFill>
-          <a:blip r:embed="rId3"/>
+          <a:blip r:embed="rId5"/>
           <a:stretch>
             <a:fillRect/>
           </a:stretch>
         </p:blipFill>
         <p:spPr>
           <a:xfrm>
-            <a:off x="6619009" y="3736645"/>
-            <a:ext cx="4529445" cy="2967041"/>
+            <a:off x="6468607" y="3743199"/>
+            <a:ext cx="4193413" cy="2905075"/>
           </a:xfrm>
           <a:prstGeom prst="rect">
             <a:avLst/>
@@ -3851,54 +3899,6 @@
               </a:srgbClr>
             </a:outerShdw>
           </a:effectLst>
-        </p:spPr>
-      </p:pic>
-      <p:pic>
-        <p:nvPicPr>
-          <p:cNvPr id="10" name="Image 9"/>
-          <p:cNvPicPr>
-            <a:picLocks noChangeAspect="1"/>
-          </p:cNvPicPr>
-          <p:nvPr/>
-        </p:nvPicPr>
-        <p:blipFill>
-          <a:blip r:embed="rId4"/>
-          <a:stretch>
-            <a:fillRect/>
-          </a:stretch>
-        </p:blipFill>
-        <p:spPr>
-          <a:xfrm>
-            <a:off x="1259771" y="3832245"/>
-            <a:ext cx="3977247" cy="2726985"/>
-          </a:xfrm>
-          <a:prstGeom prst="rect">
-            <a:avLst/>
-          </a:prstGeom>
-        </p:spPr>
-      </p:pic>
-      <p:pic>
-        <p:nvPicPr>
-          <p:cNvPr id="11" name="Image 10"/>
-          <p:cNvPicPr>
-            <a:picLocks noChangeAspect="1"/>
-          </p:cNvPicPr>
-          <p:nvPr/>
-        </p:nvPicPr>
-        <p:blipFill>
-          <a:blip r:embed="rId5"/>
-          <a:stretch>
-            <a:fillRect/>
-          </a:stretch>
-        </p:blipFill>
-        <p:spPr>
-          <a:xfrm>
-            <a:off x="1259771" y="2425683"/>
-            <a:ext cx="3977247" cy="1002529"/>
-          </a:xfrm>
-          <a:prstGeom prst="rect">
-            <a:avLst/>
-          </a:prstGeom>
         </p:spPr>
       </p:pic>
     </p:spTree>

--- a/CHOUETTE AGENCE.pptx
+++ b/CHOUETTE AGENCE.pptx
@@ -6,25 +6,23 @@
   </p:sldMasterIdLst>
   <p:sldIdLst>
     <p:sldId id="256" r:id="rId2"/>
-    <p:sldId id="269" r:id="rId3"/>
-    <p:sldId id="257" r:id="rId4"/>
-    <p:sldId id="263" r:id="rId5"/>
-    <p:sldId id="262" r:id="rId6"/>
-    <p:sldId id="273" r:id="rId7"/>
-    <p:sldId id="275" r:id="rId8"/>
-    <p:sldId id="258" r:id="rId9"/>
-    <p:sldId id="261" r:id="rId10"/>
-    <p:sldId id="267" r:id="rId11"/>
-    <p:sldId id="277" r:id="rId12"/>
-    <p:sldId id="266" r:id="rId13"/>
-    <p:sldId id="268" r:id="rId14"/>
-    <p:sldId id="259" r:id="rId15"/>
-    <p:sldId id="278" r:id="rId16"/>
-    <p:sldId id="271" r:id="rId17"/>
-    <p:sldId id="265" r:id="rId18"/>
-    <p:sldId id="272" r:id="rId19"/>
-    <p:sldId id="270" r:id="rId20"/>
-    <p:sldId id="260" r:id="rId21"/>
+    <p:sldId id="263" r:id="rId3"/>
+    <p:sldId id="262" r:id="rId4"/>
+    <p:sldId id="273" r:id="rId5"/>
+    <p:sldId id="275" r:id="rId6"/>
+    <p:sldId id="258" r:id="rId7"/>
+    <p:sldId id="261" r:id="rId8"/>
+    <p:sldId id="267" r:id="rId9"/>
+    <p:sldId id="277" r:id="rId10"/>
+    <p:sldId id="266" r:id="rId11"/>
+    <p:sldId id="268" r:id="rId12"/>
+    <p:sldId id="259" r:id="rId13"/>
+    <p:sldId id="278" r:id="rId14"/>
+    <p:sldId id="271" r:id="rId15"/>
+    <p:sldId id="265" r:id="rId16"/>
+    <p:sldId id="272" r:id="rId17"/>
+    <p:sldId id="270" r:id="rId18"/>
+    <p:sldId id="260" r:id="rId19"/>
   </p:sldIdLst>
   <p:sldSz cx="12192000" cy="6858000"/>
   <p:notesSz cx="6858000" cy="9144000"/>
@@ -3332,614 +3330,6 @@
       </p:grpSpPr>
       <p:sp>
         <p:nvSpPr>
-          <p:cNvPr id="6" name="Rectangle à coins arrondis 5"/>
-          <p:cNvSpPr/>
-          <p:nvPr/>
-        </p:nvSpPr>
-        <p:spPr>
-          <a:xfrm>
-            <a:off x="2520315" y="410686"/>
-            <a:ext cx="7029450" cy="1234440"/>
-          </a:xfrm>
-          <a:prstGeom prst="roundRect">
-            <a:avLst/>
-          </a:prstGeom>
-          <a:solidFill>
-            <a:srgbClr val="CF384A"/>
-          </a:solidFill>
-        </p:spPr>
-        <p:style>
-          <a:lnRef idx="2">
-            <a:schemeClr val="accent1">
-              <a:shade val="50000"/>
-            </a:schemeClr>
-          </a:lnRef>
-          <a:fillRef idx="1">
-            <a:schemeClr val="accent1"/>
-          </a:fillRef>
-          <a:effectRef idx="0">
-            <a:schemeClr val="accent1"/>
-          </a:effectRef>
-          <a:fontRef idx="minor">
-            <a:schemeClr val="lt1"/>
-          </a:fontRef>
-        </p:style>
-        <p:txBody>
-          <a:bodyPr rtlCol="0" anchor="ctr"/>
-          <a:lstStyle/>
-          <a:p>
-            <a:pPr algn="ctr"/>
-            <a:endParaRPr lang="fr-FR"/>
-          </a:p>
-        </p:txBody>
-      </p:sp>
-      <p:sp>
-        <p:nvSpPr>
-          <p:cNvPr id="2" name="Titre 1"/>
-          <p:cNvSpPr>
-            <a:spLocks noGrp="1"/>
-          </p:cNvSpPr>
-          <p:nvPr>
-            <p:ph type="title"/>
-          </p:nvPr>
-        </p:nvSpPr>
-        <p:spPr/>
-        <p:txBody>
-          <a:bodyPr>
-            <a:normAutofit/>
-          </a:bodyPr>
-          <a:lstStyle/>
-          <a:p>
-            <a:pPr algn="ctr"/>
-            <a:r>
-              <a:rPr lang="fr-FR" sz="5400" b="1" dirty="0" smtClean="0">
-                <a:solidFill>
-                  <a:srgbClr val="FAC74E"/>
-                </a:solidFill>
-              </a:rPr>
-              <a:t>Format IMG</a:t>
-            </a:r>
-            <a:endParaRPr lang="fr-FR" sz="5400" b="1" dirty="0">
-              <a:solidFill>
-                <a:srgbClr val="FAC74E"/>
-              </a:solidFill>
-            </a:endParaRPr>
-          </a:p>
-        </p:txBody>
-      </p:sp>
-      <p:sp>
-        <p:nvSpPr>
-          <p:cNvPr id="5" name="Rectangle à coins arrondis 4"/>
-          <p:cNvSpPr/>
-          <p:nvPr/>
-        </p:nvSpPr>
-        <p:spPr>
-          <a:xfrm>
-            <a:off x="1165860" y="2046333"/>
-            <a:ext cx="9738360" cy="4423410"/>
-          </a:xfrm>
-          <a:prstGeom prst="roundRect">
-            <a:avLst/>
-          </a:prstGeom>
-          <a:solidFill>
-            <a:schemeClr val="tx1">
-              <a:lumMod val="85000"/>
-              <a:lumOff val="15000"/>
-            </a:schemeClr>
-          </a:solidFill>
-        </p:spPr>
-        <p:style>
-          <a:lnRef idx="2">
-            <a:schemeClr val="accent1">
-              <a:shade val="50000"/>
-            </a:schemeClr>
-          </a:lnRef>
-          <a:fillRef idx="1">
-            <a:schemeClr val="accent1"/>
-          </a:fillRef>
-          <a:effectRef idx="0">
-            <a:schemeClr val="accent1"/>
-          </a:effectRef>
-          <a:fontRef idx="minor">
-            <a:schemeClr val="lt1"/>
-          </a:fontRef>
-        </p:style>
-        <p:txBody>
-          <a:bodyPr rtlCol="0" anchor="ctr"/>
-          <a:lstStyle/>
-          <a:p>
-            <a:pPr algn="ctr"/>
-            <a:endParaRPr lang="fr-FR"/>
-          </a:p>
-        </p:txBody>
-      </p:sp>
-      <p:pic>
-        <p:nvPicPr>
-          <p:cNvPr id="4" name="Espace réservé du contenu 3"/>
-          <p:cNvPicPr>
-            <a:picLocks noGrp="1" noChangeAspect="1"/>
-          </p:cNvPicPr>
-          <p:nvPr>
-            <p:ph idx="1"/>
-          </p:nvPr>
-        </p:nvPicPr>
-        <p:blipFill>
-          <a:blip r:embed="rId2"/>
-          <a:stretch>
-            <a:fillRect/>
-          </a:stretch>
-        </p:blipFill>
-        <p:spPr>
-          <a:xfrm>
-            <a:off x="1694183" y="2673374"/>
-            <a:ext cx="4505954" cy="1924319"/>
-          </a:xfrm>
-          <a:prstGeom prst="rect">
-            <a:avLst/>
-          </a:prstGeom>
-        </p:spPr>
-      </p:pic>
-      <p:sp>
-        <p:nvSpPr>
-          <p:cNvPr id="3" name="Rectangle à coins arrondis 2"/>
-          <p:cNvSpPr/>
-          <p:nvPr/>
-        </p:nvSpPr>
-        <p:spPr>
-          <a:xfrm>
-            <a:off x="7300685" y="2673374"/>
-            <a:ext cx="3062515" cy="3033486"/>
-          </a:xfrm>
-          <a:prstGeom prst="roundRect">
-            <a:avLst/>
-          </a:prstGeom>
-          <a:solidFill>
-            <a:srgbClr val="FAC74E"/>
-          </a:solidFill>
-          <a:ln>
-            <a:solidFill>
-              <a:srgbClr val="FAC74E"/>
-            </a:solidFill>
-          </a:ln>
-        </p:spPr>
-        <p:style>
-          <a:lnRef idx="2">
-            <a:schemeClr val="accent1">
-              <a:shade val="50000"/>
-            </a:schemeClr>
-          </a:lnRef>
-          <a:fillRef idx="1">
-            <a:schemeClr val="accent1"/>
-          </a:fillRef>
-          <a:effectRef idx="0">
-            <a:schemeClr val="accent1"/>
-          </a:effectRef>
-          <a:fontRef idx="minor">
-            <a:schemeClr val="lt1"/>
-          </a:fontRef>
-        </p:style>
-        <p:txBody>
-          <a:bodyPr rtlCol="0" anchor="ctr"/>
-          <a:lstStyle/>
-          <a:p>
-            <a:pPr algn="ctr"/>
-            <a:r>
-              <a:rPr lang="fr-FR" sz="3200" dirty="0" smtClean="0">
-                <a:solidFill>
-                  <a:srgbClr val="CF384A"/>
-                </a:solidFill>
-              </a:rPr>
-              <a:t>Images au même</a:t>
-            </a:r>
-          </a:p>
-          <a:p>
-            <a:pPr algn="ctr"/>
-            <a:r>
-              <a:rPr lang="fr-FR" sz="3200" dirty="0" smtClean="0">
-                <a:solidFill>
-                  <a:srgbClr val="CF384A"/>
-                </a:solidFill>
-              </a:rPr>
-              <a:t>format</a:t>
-            </a:r>
-            <a:endParaRPr lang="fr-FR" sz="3200" dirty="0">
-              <a:solidFill>
-                <a:srgbClr val="CF384A"/>
-              </a:solidFill>
-            </a:endParaRPr>
-          </a:p>
-        </p:txBody>
-      </p:sp>
-      <p:sp>
-        <p:nvSpPr>
-          <p:cNvPr id="7" name="Rectangle à coins arrondis 6"/>
-          <p:cNvSpPr/>
-          <p:nvPr/>
-        </p:nvSpPr>
-        <p:spPr>
-          <a:xfrm>
-            <a:off x="304800" y="6469743"/>
-            <a:ext cx="1190171" cy="250371"/>
-          </a:xfrm>
-          <a:prstGeom prst="roundRect">
-            <a:avLst/>
-          </a:prstGeom>
-        </p:spPr>
-        <p:style>
-          <a:lnRef idx="2">
-            <a:schemeClr val="accent1">
-              <a:shade val="50000"/>
-            </a:schemeClr>
-          </a:lnRef>
-          <a:fillRef idx="1">
-            <a:schemeClr val="accent1"/>
-          </a:fillRef>
-          <a:effectRef idx="0">
-            <a:schemeClr val="accent1"/>
-          </a:effectRef>
-          <a:fontRef idx="minor">
-            <a:schemeClr val="lt1"/>
-          </a:fontRef>
-        </p:style>
-        <p:txBody>
-          <a:bodyPr rtlCol="0" anchor="ctr"/>
-          <a:lstStyle/>
-          <a:p>
-            <a:pPr algn="ctr"/>
-            <a:r>
-              <a:rPr lang="fr-FR" dirty="0" smtClean="0"/>
-              <a:t>Affichage</a:t>
-            </a:r>
-            <a:endParaRPr lang="fr-FR" dirty="0"/>
-          </a:p>
-        </p:txBody>
-      </p:sp>
-      <p:sp>
-        <p:nvSpPr>
-          <p:cNvPr id="8" name="Ellipse 7"/>
-          <p:cNvSpPr/>
-          <p:nvPr/>
-        </p:nvSpPr>
-        <p:spPr>
-          <a:xfrm>
-            <a:off x="3492347" y="3547431"/>
-            <a:ext cx="484742" cy="330506"/>
-          </a:xfrm>
-          <a:prstGeom prst="ellipse">
-            <a:avLst/>
-          </a:prstGeom>
-          <a:noFill/>
-          <a:ln>
-            <a:solidFill>
-              <a:srgbClr val="FF0000"/>
-            </a:solidFill>
-          </a:ln>
-        </p:spPr>
-        <p:style>
-          <a:lnRef idx="2">
-            <a:schemeClr val="accent1">
-              <a:shade val="50000"/>
-            </a:schemeClr>
-          </a:lnRef>
-          <a:fillRef idx="1">
-            <a:schemeClr val="accent1"/>
-          </a:fillRef>
-          <a:effectRef idx="0">
-            <a:schemeClr val="accent1"/>
-          </a:effectRef>
-          <a:fontRef idx="minor">
-            <a:schemeClr val="lt1"/>
-          </a:fontRef>
-        </p:style>
-        <p:txBody>
-          <a:bodyPr rtlCol="0" anchor="ctr"/>
-          <a:lstStyle/>
-          <a:p>
-            <a:pPr algn="ctr"/>
-            <a:endParaRPr lang="fr-FR"/>
-          </a:p>
-        </p:txBody>
-      </p:sp>
-    </p:spTree>
-    <p:extLst>
-      <p:ext uri="{BB962C8B-B14F-4D97-AF65-F5344CB8AC3E}">
-        <p14:creationId xmlns:p14="http://schemas.microsoft.com/office/powerpoint/2010/main" val="2021049939"/>
-      </p:ext>
-    </p:extLst>
-  </p:cSld>
-  <p:clrMapOvr>
-    <a:masterClrMapping/>
-  </p:clrMapOvr>
-  <p:timing>
-    <p:tnLst>
-      <p:par>
-        <p:cTn id="1" dur="indefinite" restart="never" nodeType="tmRoot"/>
-      </p:par>
-    </p:tnLst>
-  </p:timing>
-</p:sld>
-</file>
-
-<file path=ppt/slides/slide11.xml><?xml version="1.0" encoding="utf-8"?>
-<p:sld xmlns:a="http://schemas.openxmlformats.org/drawingml/2006/main" xmlns:r="http://schemas.openxmlformats.org/officeDocument/2006/relationships" xmlns:p="http://schemas.openxmlformats.org/presentationml/2006/main">
-  <p:cSld>
-    <p:bg>
-      <p:bgPr>
-        <a:solidFill>
-          <a:schemeClr val="tx1">
-            <a:lumMod val="65000"/>
-            <a:lumOff val="35000"/>
-          </a:schemeClr>
-        </a:solidFill>
-        <a:effectLst/>
-      </p:bgPr>
-    </p:bg>
-    <p:spTree>
-      <p:nvGrpSpPr>
-        <p:cNvPr id="1" name=""/>
-        <p:cNvGrpSpPr/>
-        <p:nvPr/>
-      </p:nvGrpSpPr>
-      <p:grpSpPr>
-        <a:xfrm>
-          <a:off x="0" y="0"/>
-          <a:ext cx="0" cy="0"/>
-          <a:chOff x="0" y="0"/>
-          <a:chExt cx="0" cy="0"/>
-        </a:xfrm>
-      </p:grpSpPr>
-      <p:sp>
-        <p:nvSpPr>
-          <p:cNvPr id="4" name="Rectangle à coins arrondis 3"/>
-          <p:cNvSpPr/>
-          <p:nvPr/>
-        </p:nvSpPr>
-        <p:spPr>
-          <a:xfrm>
-            <a:off x="864423" y="450443"/>
-            <a:ext cx="10284031" cy="1463675"/>
-          </a:xfrm>
-          <a:prstGeom prst="roundRect">
-            <a:avLst/>
-          </a:prstGeom>
-          <a:solidFill>
-            <a:srgbClr val="FAC74E"/>
-          </a:solidFill>
-          <a:ln>
-            <a:solidFill>
-              <a:srgbClr val="CF384A"/>
-            </a:solidFill>
-          </a:ln>
-        </p:spPr>
-        <p:style>
-          <a:lnRef idx="2">
-            <a:schemeClr val="accent1">
-              <a:shade val="50000"/>
-            </a:schemeClr>
-          </a:lnRef>
-          <a:fillRef idx="1">
-            <a:schemeClr val="accent1"/>
-          </a:fillRef>
-          <a:effectRef idx="0">
-            <a:schemeClr val="accent1"/>
-          </a:effectRef>
-          <a:fontRef idx="minor">
-            <a:schemeClr val="lt1"/>
-          </a:fontRef>
-        </p:style>
-        <p:txBody>
-          <a:bodyPr rtlCol="0" anchor="ctr"/>
-          <a:lstStyle/>
-          <a:p>
-            <a:pPr algn="ctr"/>
-            <a:endParaRPr lang="fr-FR"/>
-          </a:p>
-        </p:txBody>
-      </p:sp>
-      <p:sp>
-        <p:nvSpPr>
-          <p:cNvPr id="2" name="Titre 1"/>
-          <p:cNvSpPr>
-            <a:spLocks noGrp="1"/>
-          </p:cNvSpPr>
-          <p:nvPr>
-            <p:ph type="title"/>
-          </p:nvPr>
-        </p:nvSpPr>
-        <p:spPr>
-          <a:xfrm>
-            <a:off x="3035134" y="519500"/>
-            <a:ext cx="5942611" cy="1325563"/>
-          </a:xfrm>
-          <a:ln>
-            <a:noFill/>
-          </a:ln>
-        </p:spPr>
-        <p:txBody>
-          <a:bodyPr>
-            <a:normAutofit/>
-          </a:bodyPr>
-          <a:lstStyle/>
-          <a:p>
-            <a:r>
-              <a:rPr lang="fr-FR" sz="4800" b="1" dirty="0" smtClean="0">
-                <a:solidFill>
-                  <a:srgbClr val="CF384A"/>
-                </a:solidFill>
-              </a:rPr>
-              <a:t>CHARGEMENT DU SITE</a:t>
-            </a:r>
-            <a:endParaRPr lang="fr-FR" sz="4800" b="1" dirty="0">
-              <a:solidFill>
-                <a:srgbClr val="CF384A"/>
-              </a:solidFill>
-            </a:endParaRPr>
-          </a:p>
-        </p:txBody>
-      </p:sp>
-      <p:pic>
-        <p:nvPicPr>
-          <p:cNvPr id="10" name="Image 9"/>
-          <p:cNvPicPr>
-            <a:picLocks noChangeAspect="1"/>
-          </p:cNvPicPr>
-          <p:nvPr/>
-        </p:nvPicPr>
-        <p:blipFill>
-          <a:blip r:embed="rId2"/>
-          <a:stretch>
-            <a:fillRect/>
-          </a:stretch>
-        </p:blipFill>
-        <p:spPr>
-          <a:xfrm>
-            <a:off x="1259771" y="3832245"/>
-            <a:ext cx="3977247" cy="2726985"/>
-          </a:xfrm>
-          <a:prstGeom prst="rect">
-            <a:avLst/>
-          </a:prstGeom>
-        </p:spPr>
-      </p:pic>
-      <p:pic>
-        <p:nvPicPr>
-          <p:cNvPr id="11" name="Image 10"/>
-          <p:cNvPicPr>
-            <a:picLocks noChangeAspect="1"/>
-          </p:cNvPicPr>
-          <p:nvPr/>
-        </p:nvPicPr>
-        <p:blipFill>
-          <a:blip r:embed="rId3"/>
-          <a:stretch>
-            <a:fillRect/>
-          </a:stretch>
-        </p:blipFill>
-        <p:spPr>
-          <a:xfrm>
-            <a:off x="1259771" y="2425683"/>
-            <a:ext cx="3977247" cy="1002529"/>
-          </a:xfrm>
-          <a:prstGeom prst="rect">
-            <a:avLst/>
-          </a:prstGeom>
-        </p:spPr>
-      </p:pic>
-      <p:pic>
-        <p:nvPicPr>
-          <p:cNvPr id="3" name="Image 2"/>
-          <p:cNvPicPr>
-            <a:picLocks noChangeAspect="1"/>
-          </p:cNvPicPr>
-          <p:nvPr/>
-        </p:nvPicPr>
-        <p:blipFill>
-          <a:blip r:embed="rId4"/>
-          <a:stretch>
-            <a:fillRect/>
-          </a:stretch>
-        </p:blipFill>
-        <p:spPr>
-          <a:xfrm>
-            <a:off x="5982175" y="2425683"/>
-            <a:ext cx="5166279" cy="963384"/>
-          </a:xfrm>
-          <a:prstGeom prst="rect">
-            <a:avLst/>
-          </a:prstGeom>
-          <a:ln w="38100" cap="sq">
-            <a:solidFill>
-              <a:srgbClr val="000000"/>
-            </a:solidFill>
-            <a:prstDash val="solid"/>
-            <a:miter lim="800000"/>
-          </a:ln>
-          <a:effectLst>
-            <a:outerShdw blurRad="50800" dist="38100" dir="2700000" algn="tl" rotWithShape="0">
-              <a:srgbClr val="000000">
-                <a:alpha val="43000"/>
-              </a:srgbClr>
-            </a:outerShdw>
-          </a:effectLst>
-        </p:spPr>
-      </p:pic>
-      <p:pic>
-        <p:nvPicPr>
-          <p:cNvPr id="5" name="Image 4"/>
-          <p:cNvPicPr>
-            <a:picLocks noChangeAspect="1"/>
-          </p:cNvPicPr>
-          <p:nvPr/>
-        </p:nvPicPr>
-        <p:blipFill>
-          <a:blip r:embed="rId5"/>
-          <a:stretch>
-            <a:fillRect/>
-          </a:stretch>
-        </p:blipFill>
-        <p:spPr>
-          <a:xfrm>
-            <a:off x="6468607" y="3743199"/>
-            <a:ext cx="4193413" cy="2905075"/>
-          </a:xfrm>
-          <a:prstGeom prst="rect">
-            <a:avLst/>
-          </a:prstGeom>
-          <a:ln w="38100" cap="sq">
-            <a:solidFill>
-              <a:srgbClr val="000000"/>
-            </a:solidFill>
-            <a:prstDash val="solid"/>
-            <a:miter lim="800000"/>
-          </a:ln>
-          <a:effectLst>
-            <a:outerShdw blurRad="50800" dist="38100" dir="2700000" algn="tl" rotWithShape="0">
-              <a:srgbClr val="000000">
-                <a:alpha val="43000"/>
-              </a:srgbClr>
-            </a:outerShdw>
-          </a:effectLst>
-        </p:spPr>
-      </p:pic>
-    </p:spTree>
-    <p:extLst>
-      <p:ext uri="{BB962C8B-B14F-4D97-AF65-F5344CB8AC3E}">
-        <p14:creationId xmlns:p14="http://schemas.microsoft.com/office/powerpoint/2010/main" val="1499624090"/>
-      </p:ext>
-    </p:extLst>
-  </p:cSld>
-  <p:clrMapOvr>
-    <a:masterClrMapping/>
-  </p:clrMapOvr>
-  <p:timing>
-    <p:tnLst>
-      <p:par>
-        <p:cTn id="1" dur="indefinite" restart="never" nodeType="tmRoot"/>
-      </p:par>
-    </p:tnLst>
-  </p:timing>
-</p:sld>
-</file>
-
-<file path=ppt/slides/slide12.xml><?xml version="1.0" encoding="utf-8"?>
-<p:sld xmlns:a="http://schemas.openxmlformats.org/drawingml/2006/main" xmlns:r="http://schemas.openxmlformats.org/officeDocument/2006/relationships" xmlns:p="http://schemas.openxmlformats.org/presentationml/2006/main">
-  <p:cSld>
-    <p:spTree>
-      <p:nvGrpSpPr>
-        <p:cNvPr id="1" name=""/>
-        <p:cNvGrpSpPr/>
-        <p:nvPr/>
-      </p:nvGrpSpPr>
-      <p:grpSpPr>
-        <a:xfrm>
-          <a:off x="0" y="0"/>
-          <a:ext cx="0" cy="0"/>
-          <a:chOff x="0" y="0"/>
-          <a:chExt cx="0" cy="0"/>
-        </a:xfrm>
-      </p:grpSpPr>
-      <p:sp>
-        <p:nvSpPr>
           <p:cNvPr id="8" name="Rectangle à coins arrondis 7"/>
           <p:cNvSpPr/>
           <p:nvPr/>
@@ -4328,6 +3718,785 @@
     <p:extLst>
       <p:ext uri="{BB962C8B-B14F-4D97-AF65-F5344CB8AC3E}">
         <p14:creationId xmlns:p14="http://schemas.microsoft.com/office/powerpoint/2010/main" val="1653323854"/>
+      </p:ext>
+    </p:extLst>
+  </p:cSld>
+  <p:clrMapOvr>
+    <a:masterClrMapping/>
+  </p:clrMapOvr>
+  <p:timing>
+    <p:tnLst>
+      <p:par>
+        <p:cTn id="1" dur="indefinite" restart="never" nodeType="tmRoot"/>
+      </p:par>
+    </p:tnLst>
+  </p:timing>
+</p:sld>
+</file>
+
+<file path=ppt/slides/slide11.xml><?xml version="1.0" encoding="utf-8"?>
+<p:sld xmlns:a="http://schemas.openxmlformats.org/drawingml/2006/main" xmlns:r="http://schemas.openxmlformats.org/officeDocument/2006/relationships" xmlns:p="http://schemas.openxmlformats.org/presentationml/2006/main">
+  <p:cSld>
+    <p:spTree>
+      <p:nvGrpSpPr>
+        <p:cNvPr id="1" name=""/>
+        <p:cNvGrpSpPr/>
+        <p:nvPr/>
+      </p:nvGrpSpPr>
+      <p:grpSpPr>
+        <a:xfrm>
+          <a:off x="0" y="0"/>
+          <a:ext cx="0" cy="0"/>
+          <a:chOff x="0" y="0"/>
+          <a:chExt cx="0" cy="0"/>
+        </a:xfrm>
+      </p:grpSpPr>
+      <p:sp>
+        <p:nvSpPr>
+          <p:cNvPr id="4" name="Rectangle à coins arrondis 3"/>
+          <p:cNvSpPr/>
+          <p:nvPr/>
+        </p:nvSpPr>
+        <p:spPr>
+          <a:xfrm>
+            <a:off x="2891790" y="309909"/>
+            <a:ext cx="6023610" cy="1451610"/>
+          </a:xfrm>
+          <a:prstGeom prst="roundRect">
+            <a:avLst/>
+          </a:prstGeom>
+          <a:solidFill>
+            <a:srgbClr val="FAC74E"/>
+          </a:solidFill>
+          <a:ln>
+            <a:solidFill>
+              <a:srgbClr val="CF384A"/>
+            </a:solidFill>
+          </a:ln>
+        </p:spPr>
+        <p:style>
+          <a:lnRef idx="2">
+            <a:schemeClr val="accent1">
+              <a:shade val="50000"/>
+            </a:schemeClr>
+          </a:lnRef>
+          <a:fillRef idx="1">
+            <a:schemeClr val="accent1"/>
+          </a:fillRef>
+          <a:effectRef idx="0">
+            <a:schemeClr val="accent1"/>
+          </a:effectRef>
+          <a:fontRef idx="minor">
+            <a:schemeClr val="lt1"/>
+          </a:fontRef>
+        </p:style>
+        <p:txBody>
+          <a:bodyPr rtlCol="0" anchor="ctr"/>
+          <a:lstStyle/>
+          <a:p>
+            <a:pPr algn="ctr"/>
+            <a:endParaRPr lang="fr-FR"/>
+          </a:p>
+        </p:txBody>
+      </p:sp>
+      <p:sp>
+        <p:nvSpPr>
+          <p:cNvPr id="2" name="Titre 1"/>
+          <p:cNvSpPr>
+            <a:spLocks noGrp="1"/>
+          </p:cNvSpPr>
+          <p:nvPr>
+            <p:ph type="title"/>
+          </p:nvPr>
+        </p:nvSpPr>
+        <p:spPr>
+          <a:xfrm>
+            <a:off x="4160866" y="372932"/>
+            <a:ext cx="4271010" cy="1325563"/>
+          </a:xfrm>
+        </p:spPr>
+        <p:txBody>
+          <a:bodyPr>
+            <a:normAutofit/>
+          </a:bodyPr>
+          <a:lstStyle/>
+          <a:p>
+            <a:r>
+              <a:rPr lang="fr-FR" sz="6600" b="1" dirty="0" smtClean="0">
+                <a:solidFill>
+                  <a:srgbClr val="CF384A"/>
+                </a:solidFill>
+              </a:rPr>
+              <a:t>&lt;</a:t>
+            </a:r>
+            <a:r>
+              <a:rPr lang="fr-FR" sz="6600" b="1" dirty="0" err="1">
+                <a:solidFill>
+                  <a:srgbClr val="CF384A"/>
+                </a:solidFill>
+              </a:rPr>
+              <a:t>S</a:t>
+            </a:r>
+            <a:r>
+              <a:rPr lang="fr-FR" sz="6600" b="1" dirty="0" err="1" smtClean="0">
+                <a:solidFill>
+                  <a:srgbClr val="CF384A"/>
+                </a:solidFill>
+              </a:rPr>
+              <a:t>trong</a:t>
+            </a:r>
+            <a:r>
+              <a:rPr lang="fr-FR" sz="6600" b="1" dirty="0" smtClean="0">
+                <a:solidFill>
+                  <a:srgbClr val="CF384A"/>
+                </a:solidFill>
+              </a:rPr>
+              <a:t>&gt;</a:t>
+            </a:r>
+            <a:endParaRPr lang="fr-FR" sz="6600" b="1" dirty="0">
+              <a:solidFill>
+                <a:srgbClr val="CF384A"/>
+              </a:solidFill>
+            </a:endParaRPr>
+          </a:p>
+        </p:txBody>
+      </p:sp>
+      <p:sp>
+        <p:nvSpPr>
+          <p:cNvPr id="5" name="Rectangle à coins arrondis 4"/>
+          <p:cNvSpPr/>
+          <p:nvPr/>
+        </p:nvSpPr>
+        <p:spPr>
+          <a:xfrm>
+            <a:off x="7938655" y="1824542"/>
+            <a:ext cx="4125189" cy="4929549"/>
+          </a:xfrm>
+          <a:prstGeom prst="roundRect">
+            <a:avLst/>
+          </a:prstGeom>
+          <a:solidFill>
+            <a:srgbClr val="CF384A"/>
+          </a:solidFill>
+        </p:spPr>
+        <p:style>
+          <a:lnRef idx="2">
+            <a:schemeClr val="accent1">
+              <a:shade val="50000"/>
+            </a:schemeClr>
+          </a:lnRef>
+          <a:fillRef idx="1">
+            <a:schemeClr val="accent1"/>
+          </a:fillRef>
+          <a:effectRef idx="0">
+            <a:schemeClr val="accent1"/>
+          </a:effectRef>
+          <a:fontRef idx="minor">
+            <a:schemeClr val="lt1"/>
+          </a:fontRef>
+        </p:style>
+        <p:txBody>
+          <a:bodyPr rtlCol="0" anchor="ctr"/>
+          <a:lstStyle/>
+          <a:p>
+            <a:pPr marL="285750" indent="-285750" algn="ctr">
+              <a:buFont typeface="Arial" panose="020B0604020202020204" pitchFamily="34" charset="0"/>
+              <a:buChar char="•"/>
+            </a:pPr>
+            <a:r>
+              <a:rPr lang="fr-FR" sz="2400" dirty="0" smtClean="0">
+                <a:solidFill>
+                  <a:srgbClr val="FAC74E"/>
+                </a:solidFill>
+              </a:rPr>
+              <a:t>Balises mis en place permet a </a:t>
+            </a:r>
+            <a:r>
+              <a:rPr lang="fr-FR" sz="2400" dirty="0">
+                <a:solidFill>
+                  <a:srgbClr val="FAC74E"/>
+                </a:solidFill>
+              </a:rPr>
+              <a:t>G</a:t>
+            </a:r>
+            <a:r>
+              <a:rPr lang="fr-FR" sz="2400" dirty="0" smtClean="0">
+                <a:solidFill>
+                  <a:srgbClr val="FAC74E"/>
+                </a:solidFill>
+              </a:rPr>
+              <a:t>oogle de comprendre que ces mots sont important</a:t>
+            </a:r>
+          </a:p>
+          <a:p>
+            <a:pPr algn="ctr"/>
+            <a:endParaRPr lang="fr-FR" sz="2400" dirty="0" smtClean="0">
+              <a:solidFill>
+                <a:srgbClr val="FAC74E"/>
+              </a:solidFill>
+            </a:endParaRPr>
+          </a:p>
+          <a:p>
+            <a:pPr marL="285750" indent="-285750" algn="ctr">
+              <a:buFont typeface="Arial" panose="020B0604020202020204" pitchFamily="34" charset="0"/>
+              <a:buChar char="•"/>
+            </a:pPr>
+            <a:r>
+              <a:rPr lang="fr-FR" sz="2400" dirty="0" smtClean="0">
+                <a:solidFill>
+                  <a:srgbClr val="FAC74E"/>
+                </a:solidFill>
+              </a:rPr>
+              <a:t>Pour le coté utilisateur les mots sont mis en avant</a:t>
+            </a:r>
+          </a:p>
+          <a:p>
+            <a:pPr algn="ctr"/>
+            <a:endParaRPr lang="fr-FR" sz="2400" dirty="0" smtClean="0">
+              <a:solidFill>
+                <a:srgbClr val="FAC74E"/>
+              </a:solidFill>
+            </a:endParaRPr>
+          </a:p>
+          <a:p>
+            <a:pPr marL="285750" indent="-285750" algn="ctr">
+              <a:buFont typeface="Arial" panose="020B0604020202020204" pitchFamily="34" charset="0"/>
+              <a:buChar char="•"/>
+            </a:pPr>
+            <a:r>
+              <a:rPr lang="fr-FR" sz="2400" dirty="0" smtClean="0">
+                <a:solidFill>
+                  <a:srgbClr val="FAC74E"/>
+                </a:solidFill>
+              </a:rPr>
+              <a:t>Il se démarque du texte</a:t>
+            </a:r>
+          </a:p>
+          <a:p>
+            <a:pPr marL="285750" indent="-285750" algn="ctr">
+              <a:buFont typeface="Arial" panose="020B0604020202020204" pitchFamily="34" charset="0"/>
+              <a:buChar char="•"/>
+            </a:pPr>
+            <a:r>
+              <a:rPr lang="fr-FR" sz="2400" dirty="0" smtClean="0">
+                <a:solidFill>
+                  <a:srgbClr val="FAC74E"/>
+                </a:solidFill>
+              </a:rPr>
+              <a:t>Mise en gras</a:t>
+            </a:r>
+          </a:p>
+        </p:txBody>
+      </p:sp>
+      <p:pic>
+        <p:nvPicPr>
+          <p:cNvPr id="3" name="Image 2"/>
+          <p:cNvPicPr>
+            <a:picLocks noChangeAspect="1"/>
+          </p:cNvPicPr>
+          <p:nvPr/>
+        </p:nvPicPr>
+        <p:blipFill>
+          <a:blip r:embed="rId2"/>
+          <a:stretch>
+            <a:fillRect/>
+          </a:stretch>
+        </p:blipFill>
+        <p:spPr>
+          <a:xfrm>
+            <a:off x="288853" y="2440463"/>
+            <a:ext cx="6891265" cy="883791"/>
+          </a:xfrm>
+          <a:prstGeom prst="rect">
+            <a:avLst/>
+          </a:prstGeom>
+        </p:spPr>
+      </p:pic>
+      <p:pic>
+        <p:nvPicPr>
+          <p:cNvPr id="9" name="Image 8"/>
+          <p:cNvPicPr>
+            <a:picLocks noChangeAspect="1"/>
+          </p:cNvPicPr>
+          <p:nvPr/>
+        </p:nvPicPr>
+        <p:blipFill>
+          <a:blip r:embed="rId3"/>
+          <a:stretch>
+            <a:fillRect/>
+          </a:stretch>
+        </p:blipFill>
+        <p:spPr>
+          <a:xfrm>
+            <a:off x="2398871" y="4389756"/>
+            <a:ext cx="4740401" cy="1938431"/>
+          </a:xfrm>
+          <a:prstGeom prst="rect">
+            <a:avLst/>
+          </a:prstGeom>
+          <a:ln>
+            <a:noFill/>
+          </a:ln>
+          <a:effectLst>
+            <a:outerShdw blurRad="292100" dist="139700" dir="2700000" algn="tl" rotWithShape="0">
+              <a:srgbClr val="333333">
+                <a:alpha val="65000"/>
+              </a:srgbClr>
+            </a:outerShdw>
+          </a:effectLst>
+        </p:spPr>
+      </p:pic>
+      <p:sp>
+        <p:nvSpPr>
+          <p:cNvPr id="8" name="Rectangle à coins arrondis 7"/>
+          <p:cNvSpPr/>
+          <p:nvPr/>
+        </p:nvSpPr>
+        <p:spPr>
+          <a:xfrm>
+            <a:off x="189701" y="6328187"/>
+            <a:ext cx="1801204" cy="338777"/>
+          </a:xfrm>
+          <a:prstGeom prst="roundRect">
+            <a:avLst/>
+          </a:prstGeom>
+        </p:spPr>
+        <p:style>
+          <a:lnRef idx="2">
+            <a:schemeClr val="accent1">
+              <a:shade val="50000"/>
+            </a:schemeClr>
+          </a:lnRef>
+          <a:fillRef idx="1">
+            <a:schemeClr val="accent1"/>
+          </a:fillRef>
+          <a:effectRef idx="0">
+            <a:schemeClr val="accent1"/>
+          </a:effectRef>
+          <a:fontRef idx="minor">
+            <a:schemeClr val="lt1"/>
+          </a:fontRef>
+        </p:style>
+        <p:txBody>
+          <a:bodyPr rtlCol="0" anchor="ctr"/>
+          <a:lstStyle/>
+          <a:p>
+            <a:pPr algn="ctr"/>
+            <a:r>
+              <a:rPr lang="fr-FR" dirty="0" smtClean="0"/>
+              <a:t>Affichage</a:t>
+            </a:r>
+            <a:endParaRPr lang="fr-FR" dirty="0"/>
+          </a:p>
+        </p:txBody>
+      </p:sp>
+      <p:pic>
+        <p:nvPicPr>
+          <p:cNvPr id="10" name="Image 9"/>
+          <p:cNvPicPr>
+            <a:picLocks noChangeAspect="1"/>
+          </p:cNvPicPr>
+          <p:nvPr/>
+        </p:nvPicPr>
+        <p:blipFill>
+          <a:blip r:embed="rId4"/>
+          <a:stretch>
+            <a:fillRect/>
+          </a:stretch>
+        </p:blipFill>
+        <p:spPr>
+          <a:xfrm>
+            <a:off x="791043" y="3067695"/>
+            <a:ext cx="6739646" cy="935503"/>
+          </a:xfrm>
+          <a:prstGeom prst="rect">
+            <a:avLst/>
+          </a:prstGeom>
+          <a:ln>
+            <a:noFill/>
+          </a:ln>
+          <a:effectLst>
+            <a:outerShdw blurRad="292100" dist="139700" dir="2700000" algn="tl" rotWithShape="0">
+              <a:srgbClr val="333333">
+                <a:alpha val="65000"/>
+              </a:srgbClr>
+            </a:outerShdw>
+          </a:effectLst>
+        </p:spPr>
+      </p:pic>
+    </p:spTree>
+    <p:extLst>
+      <p:ext uri="{BB962C8B-B14F-4D97-AF65-F5344CB8AC3E}">
+        <p14:creationId xmlns:p14="http://schemas.microsoft.com/office/powerpoint/2010/main" val="698784201"/>
+      </p:ext>
+    </p:extLst>
+  </p:cSld>
+  <p:clrMapOvr>
+    <a:masterClrMapping/>
+  </p:clrMapOvr>
+  <p:timing>
+    <p:tnLst>
+      <p:par>
+        <p:cTn id="1" dur="indefinite" restart="never" nodeType="tmRoot"/>
+      </p:par>
+    </p:tnLst>
+  </p:timing>
+</p:sld>
+</file>
+
+<file path=ppt/slides/slide12.xml><?xml version="1.0" encoding="utf-8"?>
+<p:sld xmlns:a="http://schemas.openxmlformats.org/drawingml/2006/main" xmlns:r="http://schemas.openxmlformats.org/officeDocument/2006/relationships" xmlns:p="http://schemas.openxmlformats.org/presentationml/2006/main">
+  <p:cSld>
+    <p:bg>
+      <p:bgPr>
+        <a:solidFill>
+          <a:schemeClr val="tx1">
+            <a:lumMod val="75000"/>
+            <a:lumOff val="25000"/>
+          </a:schemeClr>
+        </a:solidFill>
+        <a:effectLst/>
+      </p:bgPr>
+    </p:bg>
+    <p:spTree>
+      <p:nvGrpSpPr>
+        <p:cNvPr id="1" name=""/>
+        <p:cNvGrpSpPr/>
+        <p:nvPr/>
+      </p:nvGrpSpPr>
+      <p:grpSpPr>
+        <a:xfrm>
+          <a:off x="0" y="0"/>
+          <a:ext cx="0" cy="0"/>
+          <a:chOff x="0" y="0"/>
+          <a:chExt cx="0" cy="0"/>
+        </a:xfrm>
+      </p:grpSpPr>
+      <p:sp>
+        <p:nvSpPr>
+          <p:cNvPr id="8" name="Rectangle 7"/>
+          <p:cNvSpPr/>
+          <p:nvPr/>
+        </p:nvSpPr>
+        <p:spPr>
+          <a:xfrm>
+            <a:off x="67338" y="1614311"/>
+            <a:ext cx="6096395" cy="5384800"/>
+          </a:xfrm>
+          <a:prstGeom prst="rect">
+            <a:avLst/>
+          </a:prstGeom>
+          <a:solidFill>
+            <a:schemeClr val="tx1">
+              <a:lumMod val="75000"/>
+              <a:lumOff val="25000"/>
+            </a:schemeClr>
+          </a:solidFill>
+        </p:spPr>
+        <p:style>
+          <a:lnRef idx="2">
+            <a:schemeClr val="accent1">
+              <a:shade val="50000"/>
+            </a:schemeClr>
+          </a:lnRef>
+          <a:fillRef idx="1">
+            <a:schemeClr val="accent1"/>
+          </a:fillRef>
+          <a:effectRef idx="0">
+            <a:schemeClr val="accent1"/>
+          </a:effectRef>
+          <a:fontRef idx="minor">
+            <a:schemeClr val="lt1"/>
+          </a:fontRef>
+        </p:style>
+        <p:txBody>
+          <a:bodyPr rtlCol="0" anchor="ctr"/>
+          <a:lstStyle/>
+          <a:p>
+            <a:pPr algn="ctr"/>
+            <a:endParaRPr lang="fr-FR"/>
+          </a:p>
+        </p:txBody>
+      </p:sp>
+      <p:pic>
+        <p:nvPicPr>
+          <p:cNvPr id="6" name="Image 5"/>
+          <p:cNvPicPr>
+            <a:picLocks noChangeAspect="1"/>
+          </p:cNvPicPr>
+          <p:nvPr/>
+        </p:nvPicPr>
+        <p:blipFill>
+          <a:blip r:embed="rId2"/>
+          <a:stretch>
+            <a:fillRect/>
+          </a:stretch>
+        </p:blipFill>
+        <p:spPr>
+          <a:xfrm>
+            <a:off x="178762" y="5317066"/>
+            <a:ext cx="5796981" cy="2138085"/>
+          </a:xfrm>
+          <a:prstGeom prst="rect">
+            <a:avLst/>
+          </a:prstGeom>
+          <a:effectLst>
+            <a:outerShdw blurRad="50800" dist="38100" dir="5400000" algn="t" rotWithShape="0">
+              <a:prstClr val="black">
+                <a:alpha val="40000"/>
+              </a:prstClr>
+            </a:outerShdw>
+          </a:effectLst>
+        </p:spPr>
+      </p:pic>
+      <p:pic>
+        <p:nvPicPr>
+          <p:cNvPr id="5" name="Image 4"/>
+          <p:cNvPicPr>
+            <a:picLocks noChangeAspect="1"/>
+          </p:cNvPicPr>
+          <p:nvPr/>
+        </p:nvPicPr>
+        <p:blipFill>
+          <a:blip r:embed="rId3"/>
+          <a:stretch>
+            <a:fillRect/>
+          </a:stretch>
+        </p:blipFill>
+        <p:spPr>
+          <a:xfrm>
+            <a:off x="177042" y="3598975"/>
+            <a:ext cx="5800423" cy="2176312"/>
+          </a:xfrm>
+          <a:prstGeom prst="rect">
+            <a:avLst/>
+          </a:prstGeom>
+          <a:effectLst>
+            <a:outerShdw blurRad="50800" dist="38100" dir="5400000" algn="t" rotWithShape="0">
+              <a:prstClr val="black">
+                <a:alpha val="40000"/>
+              </a:prstClr>
+            </a:outerShdw>
+          </a:effectLst>
+        </p:spPr>
+      </p:pic>
+      <p:pic>
+        <p:nvPicPr>
+          <p:cNvPr id="7" name="Image 6"/>
+          <p:cNvPicPr>
+            <a:picLocks noChangeAspect="1"/>
+          </p:cNvPicPr>
+          <p:nvPr/>
+        </p:nvPicPr>
+        <p:blipFill>
+          <a:blip r:embed="rId4"/>
+          <a:stretch>
+            <a:fillRect/>
+          </a:stretch>
+        </p:blipFill>
+        <p:spPr>
+          <a:xfrm>
+            <a:off x="177042" y="1377829"/>
+            <a:ext cx="5800423" cy="2431427"/>
+          </a:xfrm>
+          <a:prstGeom prst="rect">
+            <a:avLst/>
+          </a:prstGeom>
+          <a:effectLst>
+            <a:outerShdw blurRad="50800" dist="38100" dir="5400000" algn="t" rotWithShape="0">
+              <a:prstClr val="black">
+                <a:alpha val="40000"/>
+              </a:prstClr>
+            </a:outerShdw>
+          </a:effectLst>
+        </p:spPr>
+      </p:pic>
+      <p:sp>
+        <p:nvSpPr>
+          <p:cNvPr id="4" name="Rectangle à coins arrondis 3"/>
+          <p:cNvSpPr/>
+          <p:nvPr/>
+        </p:nvSpPr>
+        <p:spPr>
+          <a:xfrm>
+            <a:off x="124177" y="293511"/>
+            <a:ext cx="11706577" cy="1625600"/>
+          </a:xfrm>
+          <a:prstGeom prst="roundRect">
+            <a:avLst/>
+          </a:prstGeom>
+          <a:solidFill>
+            <a:srgbClr val="FAC74E"/>
+          </a:solidFill>
+          <a:ln>
+            <a:solidFill>
+              <a:srgbClr val="CF384A"/>
+            </a:solidFill>
+          </a:ln>
+        </p:spPr>
+        <p:style>
+          <a:lnRef idx="2">
+            <a:schemeClr val="accent1">
+              <a:shade val="50000"/>
+            </a:schemeClr>
+          </a:lnRef>
+          <a:fillRef idx="1">
+            <a:schemeClr val="accent1"/>
+          </a:fillRef>
+          <a:effectRef idx="0">
+            <a:schemeClr val="accent1"/>
+          </a:effectRef>
+          <a:fontRef idx="minor">
+            <a:schemeClr val="lt1"/>
+          </a:fontRef>
+        </p:style>
+        <p:txBody>
+          <a:bodyPr rtlCol="0" anchor="ctr"/>
+          <a:lstStyle/>
+          <a:p>
+            <a:pPr algn="ctr"/>
+            <a:r>
+              <a:rPr lang="fr-FR" sz="6600" b="1" dirty="0" smtClean="0">
+                <a:ln w="22225">
+                  <a:solidFill>
+                    <a:schemeClr val="accent2"/>
+                  </a:solidFill>
+                  <a:prstDash val="solid"/>
+                </a:ln>
+                <a:solidFill>
+                  <a:srgbClr val="CF384A"/>
+                </a:solidFill>
+              </a:rPr>
+              <a:t>ACCESSIBILITE</a:t>
+            </a:r>
+            <a:endParaRPr lang="fr-FR" sz="6600" b="1" dirty="0">
+              <a:ln w="22225">
+                <a:solidFill>
+                  <a:schemeClr val="accent2"/>
+                </a:solidFill>
+                <a:prstDash val="solid"/>
+              </a:ln>
+              <a:solidFill>
+                <a:srgbClr val="CF384A"/>
+              </a:solidFill>
+            </a:endParaRPr>
+          </a:p>
+        </p:txBody>
+      </p:sp>
+      <p:sp>
+        <p:nvSpPr>
+          <p:cNvPr id="2" name="Rectangle à coins arrondis 1"/>
+          <p:cNvSpPr/>
+          <p:nvPr/>
+        </p:nvSpPr>
+        <p:spPr>
+          <a:xfrm>
+            <a:off x="6604000" y="1954348"/>
+            <a:ext cx="5226754" cy="4704725"/>
+          </a:xfrm>
+          <a:prstGeom prst="roundRect">
+            <a:avLst/>
+          </a:prstGeom>
+          <a:solidFill>
+            <a:srgbClr val="CF384A"/>
+          </a:solidFill>
+        </p:spPr>
+        <p:style>
+          <a:lnRef idx="2">
+            <a:schemeClr val="accent1">
+              <a:shade val="50000"/>
+            </a:schemeClr>
+          </a:lnRef>
+          <a:fillRef idx="1">
+            <a:schemeClr val="accent1"/>
+          </a:fillRef>
+          <a:effectRef idx="0">
+            <a:schemeClr val="accent1"/>
+          </a:effectRef>
+          <a:fontRef idx="minor">
+            <a:schemeClr val="lt1"/>
+          </a:fontRef>
+        </p:style>
+        <p:txBody>
+          <a:bodyPr rtlCol="0" anchor="ctr"/>
+          <a:lstStyle/>
+          <a:p>
+            <a:pPr algn="ctr"/>
+            <a:r>
+              <a:rPr lang="fr-FR" sz="4000" dirty="0" smtClean="0">
+                <a:solidFill>
+                  <a:srgbClr val="FAC74E"/>
+                </a:solidFill>
+              </a:rPr>
+              <a:t>Police d’écriture </a:t>
+            </a:r>
+          </a:p>
+          <a:p>
+            <a:pPr algn="ctr"/>
+            <a:r>
+              <a:rPr lang="fr-FR" sz="4000" dirty="0" smtClean="0">
+                <a:solidFill>
+                  <a:srgbClr val="FAC74E"/>
+                </a:solidFill>
+              </a:rPr>
+              <a:t> pas adapter au format</a:t>
+            </a:r>
+            <a:endParaRPr lang="fr-FR" sz="4000" dirty="0">
+              <a:solidFill>
+                <a:srgbClr val="FAC74E"/>
+              </a:solidFill>
+            </a:endParaRPr>
+          </a:p>
+        </p:txBody>
+      </p:sp>
+      <p:sp>
+        <p:nvSpPr>
+          <p:cNvPr id="3" name="Rectangle à coins arrondis 2"/>
+          <p:cNvSpPr/>
+          <p:nvPr/>
+        </p:nvSpPr>
+        <p:spPr>
+          <a:xfrm>
+            <a:off x="362857" y="6267278"/>
+            <a:ext cx="1843315" cy="355600"/>
+          </a:xfrm>
+          <a:prstGeom prst="roundRect">
+            <a:avLst/>
+          </a:prstGeom>
+        </p:spPr>
+        <p:style>
+          <a:lnRef idx="2">
+            <a:schemeClr val="accent1">
+              <a:shade val="50000"/>
+            </a:schemeClr>
+          </a:lnRef>
+          <a:fillRef idx="1">
+            <a:schemeClr val="accent1"/>
+          </a:fillRef>
+          <a:effectRef idx="0">
+            <a:schemeClr val="accent1"/>
+          </a:effectRef>
+          <a:fontRef idx="minor">
+            <a:schemeClr val="lt1"/>
+          </a:fontRef>
+        </p:style>
+        <p:txBody>
+          <a:bodyPr rtlCol="0" anchor="ctr"/>
+          <a:lstStyle/>
+          <a:p>
+            <a:pPr algn="ctr"/>
+            <a:r>
+              <a:rPr lang="fr-FR" dirty="0" smtClean="0"/>
+              <a:t>Affichage</a:t>
+            </a:r>
+            <a:endParaRPr lang="fr-FR" dirty="0"/>
+          </a:p>
+        </p:txBody>
+      </p:sp>
+    </p:spTree>
+    <p:extLst>
+      <p:ext uri="{BB962C8B-B14F-4D97-AF65-F5344CB8AC3E}">
+        <p14:creationId xmlns:p14="http://schemas.microsoft.com/office/powerpoint/2010/main" val="1702769214"/>
       </p:ext>
     </p:extLst>
   </p:cSld>
@@ -4369,8 +4538,68 @@
         </p:nvSpPr>
         <p:spPr>
           <a:xfrm>
-            <a:off x="2891790" y="309909"/>
-            <a:ext cx="6023610" cy="1451610"/>
+            <a:off x="2344881" y="477981"/>
+            <a:ext cx="7502237" cy="987136"/>
+          </a:xfrm>
+          <a:prstGeom prst="roundRect">
+            <a:avLst/>
+          </a:prstGeom>
+          <a:solidFill>
+            <a:srgbClr val="CF384A"/>
+          </a:solidFill>
+          <a:ln>
+            <a:solidFill>
+              <a:srgbClr val="CF384A"/>
+            </a:solidFill>
+          </a:ln>
+        </p:spPr>
+        <p:style>
+          <a:lnRef idx="2">
+            <a:schemeClr val="accent1">
+              <a:shade val="50000"/>
+            </a:schemeClr>
+          </a:lnRef>
+          <a:fillRef idx="1">
+            <a:schemeClr val="accent1"/>
+          </a:fillRef>
+          <a:effectRef idx="0">
+            <a:schemeClr val="accent1"/>
+          </a:effectRef>
+          <a:fontRef idx="minor">
+            <a:schemeClr val="lt1"/>
+          </a:fontRef>
+        </p:style>
+        <p:txBody>
+          <a:bodyPr rtlCol="0" anchor="ctr"/>
+          <a:lstStyle/>
+          <a:p>
+            <a:pPr algn="ctr"/>
+            <a:r>
+              <a:rPr lang="fr-FR" sz="4800" b="1" dirty="0" smtClean="0">
+                <a:solidFill>
+                  <a:srgbClr val="FAC74E"/>
+                </a:solidFill>
+              </a:rPr>
+              <a:t>Aria-label</a:t>
+            </a:r>
+            <a:endParaRPr lang="fr-FR" sz="4800" b="1" dirty="0">
+              <a:solidFill>
+                <a:srgbClr val="FAC74E"/>
+              </a:solidFill>
+            </a:endParaRPr>
+          </a:p>
+        </p:txBody>
+      </p:sp>
+      <p:sp>
+        <p:nvSpPr>
+          <p:cNvPr id="5" name="Rectangle à coins arrondis 4"/>
+          <p:cNvSpPr/>
+          <p:nvPr/>
+        </p:nvSpPr>
+        <p:spPr>
+          <a:xfrm>
+            <a:off x="8354291" y="2130136"/>
+            <a:ext cx="3345873" cy="3771900"/>
           </a:xfrm>
           <a:prstGeom prst="roundRect">
             <a:avLst/>
@@ -4405,65 +4634,48 @@
           <a:lstStyle/>
           <a:p>
             <a:pPr algn="ctr"/>
-            <a:endParaRPr lang="fr-FR"/>
-          </a:p>
-        </p:txBody>
-      </p:sp>
-      <p:sp>
-        <p:nvSpPr>
-          <p:cNvPr id="2" name="Titre 1"/>
-          <p:cNvSpPr>
-            <a:spLocks noGrp="1"/>
-          </p:cNvSpPr>
-          <p:nvPr>
-            <p:ph type="title"/>
-          </p:nvPr>
-        </p:nvSpPr>
-        <p:spPr>
-          <a:xfrm>
-            <a:off x="4160866" y="372932"/>
-            <a:ext cx="4271010" cy="1325563"/>
-          </a:xfrm>
-        </p:spPr>
-        <p:txBody>
-          <a:bodyPr>
-            <a:normAutofit/>
-          </a:bodyPr>
-          <a:lstStyle/>
-          <a:p>
-            <a:r>
-              <a:rPr lang="fr-FR" sz="6600" b="1" dirty="0" smtClean="0">
+            <a:r>
+              <a:rPr lang="fr-FR" sz="3600" dirty="0" smtClean="0">
                 <a:solidFill>
                   <a:srgbClr val="CF384A"/>
                 </a:solidFill>
               </a:rPr>
-              <a:t>&lt;</a:t>
-            </a:r>
-            <a:r>
-              <a:rPr lang="fr-FR" sz="6600" b="1" dirty="0" err="1">
+              <a:t>Accessibilité</a:t>
+            </a:r>
+          </a:p>
+          <a:p>
+            <a:pPr algn="ctr"/>
+            <a:r>
+              <a:rPr lang="fr-FR" sz="3600" dirty="0" smtClean="0">
                 <a:solidFill>
                   <a:srgbClr val="CF384A"/>
                 </a:solidFill>
               </a:rPr>
-              <a:t>S</a:t>
-            </a:r>
-            <a:r>
-              <a:rPr lang="fr-FR" sz="6600" b="1" dirty="0" err="1" smtClean="0">
+              <a:t>Pour les personnes </a:t>
+            </a:r>
+          </a:p>
+          <a:p>
+            <a:pPr algn="ctr"/>
+            <a:r>
+              <a:rPr lang="fr-FR" sz="3600" dirty="0" smtClean="0">
                 <a:solidFill>
                   <a:srgbClr val="CF384A"/>
                 </a:solidFill>
               </a:rPr>
-              <a:t>trong</a:t>
-            </a:r>
-            <a:r>
-              <a:rPr lang="fr-FR" sz="6600" b="1" dirty="0" smtClean="0">
+              <a:t>Malvoyantes</a:t>
+            </a:r>
+          </a:p>
+          <a:p>
+            <a:pPr algn="ctr"/>
+            <a:r>
+              <a:rPr lang="fr-FR" sz="3600" dirty="0" smtClean="0">
                 <a:solidFill>
                   <a:srgbClr val="CF384A"/>
                 </a:solidFill>
               </a:rPr>
-              <a:t>&gt;</a:t>
-            </a:r>
-            <a:endParaRPr lang="fr-FR" sz="6600" b="1" dirty="0">
+              <a:t>Ou aveugles</a:t>
+            </a:r>
+            <a:endParaRPr lang="fr-FR" sz="3600" dirty="0">
               <a:solidFill>
                 <a:srgbClr val="CF384A"/>
               </a:solidFill>
@@ -4471,136 +4683,9 @@
           </a:p>
         </p:txBody>
       </p:sp>
-      <p:sp>
-        <p:nvSpPr>
-          <p:cNvPr id="5" name="Rectangle à coins arrondis 4"/>
-          <p:cNvSpPr/>
-          <p:nvPr/>
-        </p:nvSpPr>
-        <p:spPr>
-          <a:xfrm>
-            <a:off x="7938655" y="1824542"/>
-            <a:ext cx="4125189" cy="4929549"/>
-          </a:xfrm>
-          <a:prstGeom prst="roundRect">
-            <a:avLst/>
-          </a:prstGeom>
-          <a:solidFill>
-            <a:srgbClr val="CF384A"/>
-          </a:solidFill>
-        </p:spPr>
-        <p:style>
-          <a:lnRef idx="2">
-            <a:schemeClr val="accent1">
-              <a:shade val="50000"/>
-            </a:schemeClr>
-          </a:lnRef>
-          <a:fillRef idx="1">
-            <a:schemeClr val="accent1"/>
-          </a:fillRef>
-          <a:effectRef idx="0">
-            <a:schemeClr val="accent1"/>
-          </a:effectRef>
-          <a:fontRef idx="minor">
-            <a:schemeClr val="lt1"/>
-          </a:fontRef>
-        </p:style>
-        <p:txBody>
-          <a:bodyPr rtlCol="0" anchor="ctr"/>
-          <a:lstStyle/>
-          <a:p>
-            <a:pPr marL="285750" indent="-285750" algn="ctr">
-              <a:buFont typeface="Arial" panose="020B0604020202020204" pitchFamily="34" charset="0"/>
-              <a:buChar char="•"/>
-            </a:pPr>
-            <a:r>
-              <a:rPr lang="fr-FR" sz="2400" dirty="0" smtClean="0">
-                <a:solidFill>
-                  <a:srgbClr val="FAC74E"/>
-                </a:solidFill>
-              </a:rPr>
-              <a:t>Balises mis en place permet a </a:t>
-            </a:r>
-            <a:r>
-              <a:rPr lang="fr-FR" sz="2400" dirty="0">
-                <a:solidFill>
-                  <a:srgbClr val="FAC74E"/>
-                </a:solidFill>
-              </a:rPr>
-              <a:t>G</a:t>
-            </a:r>
-            <a:r>
-              <a:rPr lang="fr-FR" sz="2400" dirty="0" smtClean="0">
-                <a:solidFill>
-                  <a:srgbClr val="FAC74E"/>
-                </a:solidFill>
-              </a:rPr>
-              <a:t>oogle de comprendre que ces mots sont important</a:t>
-            </a:r>
-          </a:p>
-          <a:p>
-            <a:pPr algn="ctr"/>
-            <a:endParaRPr lang="fr-FR" sz="2400" dirty="0" smtClean="0">
-              <a:solidFill>
-                <a:srgbClr val="FAC74E"/>
-              </a:solidFill>
-            </a:endParaRPr>
-          </a:p>
-          <a:p>
-            <a:pPr marL="285750" indent="-285750" algn="ctr">
-              <a:buFont typeface="Arial" panose="020B0604020202020204" pitchFamily="34" charset="0"/>
-              <a:buChar char="•"/>
-            </a:pPr>
-            <a:r>
-              <a:rPr lang="fr-FR" sz="2400" dirty="0" smtClean="0">
-                <a:solidFill>
-                  <a:srgbClr val="FAC74E"/>
-                </a:solidFill>
-              </a:rPr>
-              <a:t>Pour le coté utilisateur les mots sont mis en avant</a:t>
-            </a:r>
-          </a:p>
-          <a:p>
-            <a:pPr algn="ctr"/>
-            <a:endParaRPr lang="fr-FR" sz="2400" dirty="0" smtClean="0">
-              <a:solidFill>
-                <a:srgbClr val="FAC74E"/>
-              </a:solidFill>
-            </a:endParaRPr>
-          </a:p>
-          <a:p>
-            <a:pPr marL="285750" indent="-285750" algn="ctr">
-              <a:buFont typeface="Arial" panose="020B0604020202020204" pitchFamily="34" charset="0"/>
-              <a:buChar char="•"/>
-            </a:pPr>
-            <a:r>
-              <a:rPr lang="fr-FR" sz="2400" dirty="0" smtClean="0">
-                <a:solidFill>
-                  <a:srgbClr val="FAC74E"/>
-                </a:solidFill>
-              </a:rPr>
-              <a:t>Il se démarque du texte</a:t>
-            </a:r>
-          </a:p>
-          <a:p>
-            <a:pPr marL="285750" indent="-285750" algn="ctr">
-              <a:buFont typeface="Arial" panose="020B0604020202020204" pitchFamily="34" charset="0"/>
-              <a:buChar char="•"/>
-            </a:pPr>
-            <a:r>
-              <a:rPr lang="fr-FR" sz="2400" dirty="0" smtClean="0">
-                <a:solidFill>
-                  <a:srgbClr val="FAC74E"/>
-                </a:solidFill>
-              </a:rPr>
-              <a:t>Mise en gras</a:t>
-            </a:r>
-          </a:p>
-        </p:txBody>
-      </p:sp>
       <p:pic>
         <p:nvPicPr>
-          <p:cNvPr id="3" name="Image 2"/>
+          <p:cNvPr id="2" name="Image 1"/>
           <p:cNvPicPr>
             <a:picLocks noChangeAspect="1"/>
           </p:cNvPicPr>
@@ -4614,17 +4699,31 @@
         </p:blipFill>
         <p:spPr>
           <a:xfrm>
-            <a:off x="288853" y="2440463"/>
-            <a:ext cx="6891265" cy="883791"/>
+            <a:off x="979454" y="4802249"/>
+            <a:ext cx="5983769" cy="1536206"/>
           </a:xfrm>
           <a:prstGeom prst="rect">
             <a:avLst/>
           </a:prstGeom>
+          <a:ln w="38100" cap="sq">
+            <a:solidFill>
+              <a:srgbClr val="000000"/>
+            </a:solidFill>
+            <a:prstDash val="solid"/>
+            <a:miter lim="800000"/>
+          </a:ln>
+          <a:effectLst>
+            <a:outerShdw blurRad="50800" dist="38100" dir="2700000" algn="tl" rotWithShape="0">
+              <a:srgbClr val="000000">
+                <a:alpha val="43000"/>
+              </a:srgbClr>
+            </a:outerShdw>
+          </a:effectLst>
         </p:spPr>
       </p:pic>
       <p:pic>
         <p:nvPicPr>
-          <p:cNvPr id="9" name="Image 8"/>
+          <p:cNvPr id="3" name="Image 2"/>
           <p:cNvPicPr>
             <a:picLocks noChangeAspect="1"/>
           </p:cNvPicPr>
@@ -4638,71 +4737,17 @@
         </p:blipFill>
         <p:spPr>
           <a:xfrm>
-            <a:off x="2398871" y="4389756"/>
-            <a:ext cx="4740401" cy="1938431"/>
+            <a:off x="979454" y="1975030"/>
+            <a:ext cx="4421575" cy="2317305"/>
           </a:xfrm>
           <a:prstGeom prst="rect">
             <a:avLst/>
           </a:prstGeom>
-          <a:ln>
-            <a:noFill/>
-          </a:ln>
-          <a:effectLst>
-            <a:outerShdw blurRad="292100" dist="139700" dir="2700000" algn="tl" rotWithShape="0">
-              <a:srgbClr val="333333">
-                <a:alpha val="65000"/>
-              </a:srgbClr>
-            </a:outerShdw>
-          </a:effectLst>
         </p:spPr>
       </p:pic>
-      <p:sp>
-        <p:nvSpPr>
-          <p:cNvPr id="8" name="Rectangle à coins arrondis 7"/>
-          <p:cNvSpPr/>
-          <p:nvPr/>
-        </p:nvSpPr>
-        <p:spPr>
-          <a:xfrm>
-            <a:off x="189701" y="6328187"/>
-            <a:ext cx="1801204" cy="338777"/>
-          </a:xfrm>
-          <a:prstGeom prst="roundRect">
-            <a:avLst/>
-          </a:prstGeom>
-        </p:spPr>
-        <p:style>
-          <a:lnRef idx="2">
-            <a:schemeClr val="accent1">
-              <a:shade val="50000"/>
-            </a:schemeClr>
-          </a:lnRef>
-          <a:fillRef idx="1">
-            <a:schemeClr val="accent1"/>
-          </a:fillRef>
-          <a:effectRef idx="0">
-            <a:schemeClr val="accent1"/>
-          </a:effectRef>
-          <a:fontRef idx="minor">
-            <a:schemeClr val="lt1"/>
-          </a:fontRef>
-        </p:style>
-        <p:txBody>
-          <a:bodyPr rtlCol="0" anchor="ctr"/>
-          <a:lstStyle/>
-          <a:p>
-            <a:pPr algn="ctr"/>
-            <a:r>
-              <a:rPr lang="fr-FR" dirty="0" smtClean="0"/>
-              <a:t>Affichage</a:t>
-            </a:r>
-            <a:endParaRPr lang="fr-FR" dirty="0"/>
-          </a:p>
-        </p:txBody>
-      </p:sp>
       <p:pic>
         <p:nvPicPr>
-          <p:cNvPr id="10" name="Image 9"/>
+          <p:cNvPr id="6" name="Image 5"/>
           <p:cNvPicPr>
             <a:picLocks noChangeAspect="1"/>
           </p:cNvPicPr>
@@ -4716,19 +4761,23 @@
         </p:blipFill>
         <p:spPr>
           <a:xfrm>
-            <a:off x="791043" y="3067695"/>
-            <a:ext cx="6739646" cy="935503"/>
+            <a:off x="3458230" y="1639475"/>
+            <a:ext cx="2201257" cy="2988415"/>
           </a:xfrm>
           <a:prstGeom prst="rect">
             <a:avLst/>
           </a:prstGeom>
-          <a:ln>
-            <a:noFill/>
+          <a:ln w="38100" cap="sq">
+            <a:solidFill>
+              <a:srgbClr val="000000"/>
+            </a:solidFill>
+            <a:prstDash val="solid"/>
+            <a:miter lim="800000"/>
           </a:ln>
           <a:effectLst>
-            <a:outerShdw blurRad="292100" dist="139700" dir="2700000" algn="tl" rotWithShape="0">
-              <a:srgbClr val="333333">
-                <a:alpha val="65000"/>
+            <a:outerShdw blurRad="50800" dist="38100" dir="2700000" algn="tl" rotWithShape="0">
+              <a:srgbClr val="000000">
+                <a:alpha val="43000"/>
               </a:srgbClr>
             </a:outerShdw>
           </a:effectLst>
@@ -4737,7 +4786,290 @@
     </p:spTree>
     <p:extLst>
       <p:ext uri="{BB962C8B-B14F-4D97-AF65-F5344CB8AC3E}">
-        <p14:creationId xmlns:p14="http://schemas.microsoft.com/office/powerpoint/2010/main" val="698784201"/>
+        <p14:creationId xmlns:p14="http://schemas.microsoft.com/office/powerpoint/2010/main" val="4076484303"/>
+      </p:ext>
+    </p:extLst>
+  </p:cSld>
+  <p:clrMapOvr>
+    <a:masterClrMapping/>
+  </p:clrMapOvr>
+</p:sld>
+</file>
+
+<file path=ppt/slides/slide14.xml><?xml version="1.0" encoding="utf-8"?>
+<p:sld xmlns:a="http://schemas.openxmlformats.org/drawingml/2006/main" xmlns:r="http://schemas.openxmlformats.org/officeDocument/2006/relationships" xmlns:p="http://schemas.openxmlformats.org/presentationml/2006/main">
+  <p:cSld>
+    <p:spTree>
+      <p:nvGrpSpPr>
+        <p:cNvPr id="1" name=""/>
+        <p:cNvGrpSpPr/>
+        <p:nvPr/>
+      </p:nvGrpSpPr>
+      <p:grpSpPr>
+        <a:xfrm>
+          <a:off x="0" y="0"/>
+          <a:ext cx="0" cy="0"/>
+          <a:chOff x="0" y="0"/>
+          <a:chExt cx="0" cy="0"/>
+        </a:xfrm>
+      </p:grpSpPr>
+      <p:sp>
+        <p:nvSpPr>
+          <p:cNvPr id="3" name="Rectangle à coins arrondis 2"/>
+          <p:cNvSpPr/>
+          <p:nvPr/>
+        </p:nvSpPr>
+        <p:spPr>
+          <a:xfrm>
+            <a:off x="955964" y="587086"/>
+            <a:ext cx="3419181" cy="1049481"/>
+          </a:xfrm>
+          <a:prstGeom prst="roundRect">
+            <a:avLst/>
+          </a:prstGeom>
+          <a:solidFill>
+            <a:srgbClr val="FAC74E"/>
+          </a:solidFill>
+        </p:spPr>
+        <p:style>
+          <a:lnRef idx="2">
+            <a:schemeClr val="accent1">
+              <a:shade val="50000"/>
+            </a:schemeClr>
+          </a:lnRef>
+          <a:fillRef idx="1">
+            <a:schemeClr val="accent1"/>
+          </a:fillRef>
+          <a:effectRef idx="0">
+            <a:schemeClr val="accent1"/>
+          </a:effectRef>
+          <a:fontRef idx="minor">
+            <a:schemeClr val="lt1"/>
+          </a:fontRef>
+        </p:style>
+        <p:txBody>
+          <a:bodyPr rtlCol="0" anchor="ctr"/>
+          <a:lstStyle/>
+          <a:p>
+            <a:pPr algn="ctr"/>
+            <a:endParaRPr lang="fr-FR"/>
+          </a:p>
+        </p:txBody>
+      </p:sp>
+      <p:sp>
+        <p:nvSpPr>
+          <p:cNvPr id="2" name="Titre 1"/>
+          <p:cNvSpPr>
+            <a:spLocks noGrp="1"/>
+          </p:cNvSpPr>
+          <p:nvPr>
+            <p:ph type="title"/>
+          </p:nvPr>
+        </p:nvSpPr>
+        <p:spPr>
+          <a:xfrm>
+            <a:off x="1191491" y="449044"/>
+            <a:ext cx="10515600" cy="1325563"/>
+          </a:xfrm>
+        </p:spPr>
+        <p:txBody>
+          <a:bodyPr/>
+          <a:lstStyle/>
+          <a:p>
+            <a:r>
+              <a:rPr lang="fr-FR" dirty="0" smtClean="0">
+                <a:solidFill>
+                  <a:srgbClr val="CF384A"/>
+                </a:solidFill>
+              </a:rPr>
+              <a:t>Liens page</a:t>
+            </a:r>
+            <a:endParaRPr lang="fr-FR" dirty="0">
+              <a:solidFill>
+                <a:srgbClr val="CF384A"/>
+              </a:solidFill>
+            </a:endParaRPr>
+          </a:p>
+        </p:txBody>
+      </p:sp>
+      <p:pic>
+        <p:nvPicPr>
+          <p:cNvPr id="4" name="Espace réservé du contenu 3"/>
+          <p:cNvPicPr>
+            <a:picLocks noGrp="1" noChangeAspect="1"/>
+          </p:cNvPicPr>
+          <p:nvPr>
+            <p:ph idx="1"/>
+          </p:nvPr>
+        </p:nvPicPr>
+        <p:blipFill>
+          <a:blip r:embed="rId2"/>
+          <a:stretch>
+            <a:fillRect/>
+          </a:stretch>
+        </p:blipFill>
+        <p:spPr>
+          <a:xfrm>
+            <a:off x="838200" y="2412883"/>
+            <a:ext cx="4210638" cy="2715004"/>
+          </a:xfrm>
+          <a:prstGeom prst="rect">
+            <a:avLst/>
+          </a:prstGeom>
+        </p:spPr>
+      </p:pic>
+      <p:sp>
+        <p:nvSpPr>
+          <p:cNvPr id="5" name="Rectangle à coins arrondis 4"/>
+          <p:cNvSpPr/>
+          <p:nvPr/>
+        </p:nvSpPr>
+        <p:spPr>
+          <a:xfrm>
+            <a:off x="7429500" y="1111827"/>
+            <a:ext cx="3844636" cy="4738255"/>
+          </a:xfrm>
+          <a:prstGeom prst="roundRect">
+            <a:avLst/>
+          </a:prstGeom>
+          <a:solidFill>
+            <a:srgbClr val="CF384A"/>
+          </a:solidFill>
+        </p:spPr>
+        <p:style>
+          <a:lnRef idx="2">
+            <a:schemeClr val="accent1">
+              <a:shade val="50000"/>
+            </a:schemeClr>
+          </a:lnRef>
+          <a:fillRef idx="1">
+            <a:schemeClr val="accent1"/>
+          </a:fillRef>
+          <a:effectRef idx="0">
+            <a:schemeClr val="accent1"/>
+          </a:effectRef>
+          <a:fontRef idx="minor">
+            <a:schemeClr val="lt1"/>
+          </a:fontRef>
+        </p:style>
+        <p:txBody>
+          <a:bodyPr rtlCol="0" anchor="ctr"/>
+          <a:lstStyle/>
+          <a:p>
+            <a:pPr algn="ctr"/>
+            <a:r>
+              <a:rPr lang="fr-FR" sz="2400" dirty="0" smtClean="0">
+                <a:solidFill>
+                  <a:srgbClr val="FAC74E"/>
+                </a:solidFill>
+              </a:rPr>
+              <a:t>Trop de liens envoi à la même page,</a:t>
+            </a:r>
+          </a:p>
+          <a:p>
+            <a:pPr algn="ctr"/>
+            <a:endParaRPr lang="fr-FR" sz="2400" dirty="0" smtClean="0">
+              <a:solidFill>
+                <a:srgbClr val="FAC74E"/>
+              </a:solidFill>
+            </a:endParaRPr>
+          </a:p>
+          <a:p>
+            <a:pPr algn="ctr"/>
+            <a:r>
+              <a:rPr lang="fr-FR" sz="2400" dirty="0" smtClean="0">
+                <a:solidFill>
+                  <a:srgbClr val="FAC74E"/>
+                </a:solidFill>
+              </a:rPr>
+              <a:t>Pour se faire</a:t>
+            </a:r>
+          </a:p>
+          <a:p>
+            <a:pPr algn="ctr"/>
+            <a:endParaRPr lang="fr-FR" sz="2400" dirty="0" smtClean="0">
+              <a:solidFill>
+                <a:srgbClr val="FAC74E"/>
+              </a:solidFill>
+            </a:endParaRPr>
+          </a:p>
+          <a:p>
+            <a:pPr algn="ctr"/>
+            <a:r>
+              <a:rPr lang="fr-FR" sz="2400" dirty="0" smtClean="0">
+                <a:solidFill>
+                  <a:srgbClr val="FAC74E"/>
+                </a:solidFill>
+              </a:rPr>
+              <a:t>Des liens on été supprimer </a:t>
+            </a:r>
+          </a:p>
+          <a:p>
+            <a:pPr algn="ctr"/>
+            <a:r>
+              <a:rPr lang="fr-FR" sz="2400" dirty="0" smtClean="0">
+                <a:solidFill>
+                  <a:srgbClr val="FAC74E"/>
+                </a:solidFill>
+              </a:rPr>
+              <a:t>Pour un meilleur SEO</a:t>
+            </a:r>
+            <a:endParaRPr lang="fr-FR" sz="2400" dirty="0">
+              <a:solidFill>
+                <a:srgbClr val="FAC74E"/>
+              </a:solidFill>
+            </a:endParaRPr>
+          </a:p>
+        </p:txBody>
+      </p:sp>
+      <p:sp>
+        <p:nvSpPr>
+          <p:cNvPr id="6" name="Rectangle à coins arrondis 5"/>
+          <p:cNvSpPr/>
+          <p:nvPr/>
+        </p:nvSpPr>
+        <p:spPr>
+          <a:xfrm>
+            <a:off x="342900" y="6286500"/>
+            <a:ext cx="1508760" cy="342900"/>
+          </a:xfrm>
+          <a:prstGeom prst="roundRect">
+            <a:avLst/>
+          </a:prstGeom>
+        </p:spPr>
+        <p:style>
+          <a:lnRef idx="2">
+            <a:schemeClr val="accent1">
+              <a:shade val="50000"/>
+            </a:schemeClr>
+          </a:lnRef>
+          <a:fillRef idx="1">
+            <a:schemeClr val="accent1"/>
+          </a:fillRef>
+          <a:effectRef idx="0">
+            <a:schemeClr val="accent1"/>
+          </a:effectRef>
+          <a:fontRef idx="minor">
+            <a:schemeClr val="lt1"/>
+          </a:fontRef>
+        </p:style>
+        <p:txBody>
+          <a:bodyPr rtlCol="0" anchor="ctr"/>
+          <a:lstStyle/>
+          <a:p>
+            <a:pPr algn="ctr"/>
+            <a:r>
+              <a:rPr lang="fr-FR" dirty="0" smtClean="0"/>
+              <a:t>Liens page</a:t>
+            </a:r>
+            <a:endParaRPr lang="fr-FR" dirty="0"/>
+          </a:p>
+        </p:txBody>
+      </p:sp>
+    </p:spTree>
+    <p:extLst>
+      <p:ext uri="{BB962C8B-B14F-4D97-AF65-F5344CB8AC3E}">
+        <p14:creationId xmlns:p14="http://schemas.microsoft.com/office/powerpoint/2010/main" val="832168080"/>
       </p:ext>
     </p:extLst>
   </p:cSld>
@@ -4754,7 +5086,7 @@
 </p:sld>
 </file>
 
-<file path=ppt/slides/slide14.xml><?xml version="1.0" encoding="utf-8"?>
+<file path=ppt/slides/slide15.xml><?xml version="1.0" encoding="utf-8"?>
 <p:sld xmlns:a="http://schemas.openxmlformats.org/drawingml/2006/main" xmlns:r="http://schemas.openxmlformats.org/officeDocument/2006/relationships" xmlns:p="http://schemas.openxmlformats.org/presentationml/2006/main">
   <p:cSld>
     <p:bg>
@@ -4782,55 +5114,9 @@
           <a:chExt cx="0" cy="0"/>
         </a:xfrm>
       </p:grpSpPr>
-      <p:sp>
-        <p:nvSpPr>
-          <p:cNvPr id="8" name="Rectangle 7"/>
-          <p:cNvSpPr/>
-          <p:nvPr/>
-        </p:nvSpPr>
-        <p:spPr>
-          <a:xfrm>
-            <a:off x="67338" y="1614311"/>
-            <a:ext cx="6096395" cy="5384800"/>
-          </a:xfrm>
-          <a:prstGeom prst="rect">
-            <a:avLst/>
-          </a:prstGeom>
-          <a:solidFill>
-            <a:schemeClr val="tx1">
-              <a:lumMod val="75000"/>
-              <a:lumOff val="25000"/>
-            </a:schemeClr>
-          </a:solidFill>
-        </p:spPr>
-        <p:style>
-          <a:lnRef idx="2">
-            <a:schemeClr val="accent1">
-              <a:shade val="50000"/>
-            </a:schemeClr>
-          </a:lnRef>
-          <a:fillRef idx="1">
-            <a:schemeClr val="accent1"/>
-          </a:fillRef>
-          <a:effectRef idx="0">
-            <a:schemeClr val="accent1"/>
-          </a:effectRef>
-          <a:fontRef idx="minor">
-            <a:schemeClr val="lt1"/>
-          </a:fontRef>
-        </p:style>
-        <p:txBody>
-          <a:bodyPr rtlCol="0" anchor="ctr"/>
-          <a:lstStyle/>
-          <a:p>
-            <a:pPr algn="ctr"/>
-            <a:endParaRPr lang="fr-FR"/>
-          </a:p>
-        </p:txBody>
-      </p:sp>
       <p:pic>
         <p:nvPicPr>
-          <p:cNvPr id="6" name="Image 5"/>
+          <p:cNvPr id="3" name="Image 2"/>
           <p:cNvPicPr>
             <a:picLocks noChangeAspect="1"/>
           </p:cNvPicPr>
@@ -4844,24 +5130,17 @@
         </p:blipFill>
         <p:spPr>
           <a:xfrm>
-            <a:off x="178762" y="5317066"/>
-            <a:ext cx="5796981" cy="2138085"/>
+            <a:off x="865772" y="2011907"/>
+            <a:ext cx="9958092" cy="2176271"/>
           </a:xfrm>
           <a:prstGeom prst="rect">
             <a:avLst/>
           </a:prstGeom>
-          <a:effectLst>
-            <a:outerShdw blurRad="50800" dist="38100" dir="5400000" algn="t" rotWithShape="0">
-              <a:prstClr val="black">
-                <a:alpha val="40000"/>
-              </a:prstClr>
-            </a:outerShdw>
-          </a:effectLst>
         </p:spPr>
       </p:pic>
       <p:pic>
         <p:nvPicPr>
-          <p:cNvPr id="5" name="Image 4"/>
+          <p:cNvPr id="4" name="Image 3"/>
           <p:cNvPicPr>
             <a:picLocks noChangeAspect="1"/>
           </p:cNvPicPr>
@@ -4875,62 +5154,48 @@
         </p:blipFill>
         <p:spPr>
           <a:xfrm>
-            <a:off x="177042" y="3598975"/>
-            <a:ext cx="5800423" cy="2176312"/>
-          </a:xfrm>
-          <a:prstGeom prst="rect">
-            <a:avLst/>
-          </a:prstGeom>
+            <a:off x="4381858" y="2246645"/>
+            <a:ext cx="3129120" cy="1706794"/>
+          </a:xfrm>
+          <a:prstGeom prst="ellipse">
+            <a:avLst/>
+          </a:prstGeom>
+          <a:ln w="63500" cap="rnd">
+            <a:solidFill>
+              <a:srgbClr val="333333"/>
+            </a:solidFill>
+          </a:ln>
           <a:effectLst>
-            <a:outerShdw blurRad="50800" dist="38100" dir="5400000" algn="t" rotWithShape="0">
-              <a:prstClr val="black">
-                <a:alpha val="40000"/>
-              </a:prstClr>
+            <a:outerShdw blurRad="381000" dist="292100" dir="5400000" sx="-80000" sy="-18000" rotWithShape="0">
+              <a:srgbClr val="000000">
+                <a:alpha val="22000"/>
+              </a:srgbClr>
             </a:outerShdw>
           </a:effectLst>
+          <a:scene3d>
+            <a:camera prst="orthographicFront"/>
+            <a:lightRig rig="contrasting" dir="t">
+              <a:rot lat="0" lon="0" rev="3000000"/>
+            </a:lightRig>
+          </a:scene3d>
+          <a:sp3d contourW="7620">
+            <a:bevelT w="95250" h="31750"/>
+            <a:contourClr>
+              <a:srgbClr val="333333"/>
+            </a:contourClr>
+          </a:sp3d>
         </p:spPr>
       </p:pic>
-      <p:pic>
-        <p:nvPicPr>
-          <p:cNvPr id="7" name="Image 6"/>
-          <p:cNvPicPr>
-            <a:picLocks noChangeAspect="1"/>
-          </p:cNvPicPr>
-          <p:nvPr/>
-        </p:nvPicPr>
-        <p:blipFill>
-          <a:blip r:embed="rId4"/>
-          <a:stretch>
-            <a:fillRect/>
-          </a:stretch>
-        </p:blipFill>
-        <p:spPr>
-          <a:xfrm>
-            <a:off x="177042" y="1377829"/>
-            <a:ext cx="5800423" cy="2431427"/>
-          </a:xfrm>
-          <a:prstGeom prst="rect">
-            <a:avLst/>
-          </a:prstGeom>
-          <a:effectLst>
-            <a:outerShdw blurRad="50800" dist="38100" dir="5400000" algn="t" rotWithShape="0">
-              <a:prstClr val="black">
-                <a:alpha val="40000"/>
-              </a:prstClr>
-            </a:outerShdw>
-          </a:effectLst>
-        </p:spPr>
-      </p:pic>
-      <p:sp>
-        <p:nvSpPr>
-          <p:cNvPr id="4" name="Rectangle à coins arrondis 3"/>
+      <p:sp>
+        <p:nvSpPr>
+          <p:cNvPr id="5" name="Rectangle à coins arrondis 4"/>
           <p:cNvSpPr/>
           <p:nvPr/>
         </p:nvSpPr>
         <p:spPr>
           <a:xfrm>
-            <a:off x="124177" y="293511"/>
-            <a:ext cx="11706577" cy="1625600"/>
+            <a:off x="3221182" y="394855"/>
+            <a:ext cx="6390409" cy="1111827"/>
           </a:xfrm>
           <a:prstGeom prst="roundRect">
             <a:avLst/>
@@ -4940,7 +5205,7 @@
           </a:solidFill>
           <a:ln>
             <a:solidFill>
-              <a:srgbClr val="CF384A"/>
+              <a:srgbClr val="FAC74E"/>
             </a:solidFill>
           </a:ln>
         </p:spPr>
@@ -4966,28 +5231,16 @@
           <a:p>
             <a:pPr algn="ctr"/>
             <a:r>
-              <a:rPr lang="fr-FR" sz="6600" b="1" dirty="0" smtClean="0">
-                <a:ln w="22225">
-                  <a:solidFill>
-                    <a:schemeClr val="accent2"/>
-                  </a:solidFill>
-                  <a:prstDash val="solid"/>
-                </a:ln>
+              <a:rPr lang="fr-FR" sz="4000" dirty="0" smtClean="0">
                 <a:solidFill>
-                  <a:srgbClr val="CF384A"/>
+                  <a:srgbClr val="C00000"/>
                 </a:solidFill>
               </a:rPr>
-              <a:t>ACCESSIBILITE</a:t>
-            </a:r>
-            <a:endParaRPr lang="fr-FR" sz="6600" b="1" dirty="0">
-              <a:ln w="22225">
-                <a:solidFill>
-                  <a:schemeClr val="accent2"/>
-                </a:solidFill>
-                <a:prstDash val="solid"/>
-              </a:ln>
+              <a:t>Liens annuaires</a:t>
+            </a:r>
+            <a:endParaRPr lang="fr-FR" sz="4000" dirty="0">
               <a:solidFill>
-                <a:srgbClr val="CF384A"/>
+                <a:srgbClr val="C00000"/>
               </a:solidFill>
             </a:endParaRPr>
           </a:p>
@@ -5001,15 +5254,12 @@
         </p:nvSpPr>
         <p:spPr>
           <a:xfrm>
-            <a:off x="6604000" y="1954348"/>
-            <a:ext cx="5226754" cy="4704725"/>
+            <a:off x="377372" y="6241143"/>
+            <a:ext cx="2032000" cy="362857"/>
           </a:xfrm>
           <a:prstGeom prst="roundRect">
             <a:avLst/>
           </a:prstGeom>
-          <a:solidFill>
-            <a:srgbClr val="CF384A"/>
-          </a:solidFill>
         </p:spPr>
         <p:style>
           <a:lnRef idx="2">
@@ -5033,71 +5283,8 @@
           <a:p>
             <a:pPr algn="ctr"/>
             <a:r>
-              <a:rPr lang="fr-FR" sz="4000" dirty="0" smtClean="0">
-                <a:solidFill>
-                  <a:srgbClr val="FAC74E"/>
-                </a:solidFill>
-              </a:rPr>
-              <a:t>Police d’écriture </a:t>
-            </a:r>
-          </a:p>
-          <a:p>
-            <a:pPr algn="ctr"/>
-            <a:r>
-              <a:rPr lang="fr-FR" sz="4000" dirty="0" smtClean="0">
-                <a:solidFill>
-                  <a:srgbClr val="FAC74E"/>
-                </a:solidFill>
-              </a:rPr>
-              <a:t> pas adapter au format</a:t>
-            </a:r>
-            <a:endParaRPr lang="fr-FR" sz="4000" dirty="0">
-              <a:solidFill>
-                <a:srgbClr val="FAC74E"/>
-              </a:solidFill>
-            </a:endParaRPr>
-          </a:p>
-        </p:txBody>
-      </p:sp>
-      <p:sp>
-        <p:nvSpPr>
-          <p:cNvPr id="3" name="Rectangle à coins arrondis 2"/>
-          <p:cNvSpPr/>
-          <p:nvPr/>
-        </p:nvSpPr>
-        <p:spPr>
-          <a:xfrm>
-            <a:off x="362857" y="6267278"/>
-            <a:ext cx="1843315" cy="355600"/>
-          </a:xfrm>
-          <a:prstGeom prst="roundRect">
-            <a:avLst/>
-          </a:prstGeom>
-        </p:spPr>
-        <p:style>
-          <a:lnRef idx="2">
-            <a:schemeClr val="accent1">
-              <a:shade val="50000"/>
-            </a:schemeClr>
-          </a:lnRef>
-          <a:fillRef idx="1">
-            <a:schemeClr val="accent1"/>
-          </a:fillRef>
-          <a:effectRef idx="0">
-            <a:schemeClr val="accent1"/>
-          </a:effectRef>
-          <a:fontRef idx="minor">
-            <a:schemeClr val="lt1"/>
-          </a:fontRef>
-        </p:style>
-        <p:txBody>
-          <a:bodyPr rtlCol="0" anchor="ctr"/>
-          <a:lstStyle/>
-          <a:p>
-            <a:pPr algn="ctr"/>
-            <a:r>
               <a:rPr lang="fr-FR" dirty="0" smtClean="0"/>
-              <a:t>Affichage</a:t>
+              <a:t>Liens pages</a:t>
             </a:r>
             <a:endParaRPr lang="fr-FR" dirty="0"/>
           </a:p>
@@ -5106,7 +5293,7 @@
     </p:spTree>
     <p:extLst>
       <p:ext uri="{BB962C8B-B14F-4D97-AF65-F5344CB8AC3E}">
-        <p14:creationId xmlns:p14="http://schemas.microsoft.com/office/powerpoint/2010/main" val="1702769214"/>
+        <p14:creationId xmlns:p14="http://schemas.microsoft.com/office/powerpoint/2010/main" val="2476141840"/>
       </p:ext>
     </p:extLst>
   </p:cSld>
@@ -5123,9 +5310,20 @@
 </p:sld>
 </file>
 
-<file path=ppt/slides/slide15.xml><?xml version="1.0" encoding="utf-8"?>
+<file path=ppt/slides/slide16.xml><?xml version="1.0" encoding="utf-8"?>
 <p:sld xmlns:a="http://schemas.openxmlformats.org/drawingml/2006/main" xmlns:r="http://schemas.openxmlformats.org/officeDocument/2006/relationships" xmlns:p="http://schemas.openxmlformats.org/presentationml/2006/main">
   <p:cSld>
+    <p:bg>
+      <p:bgPr>
+        <a:solidFill>
+          <a:schemeClr val="tx1">
+            <a:lumMod val="75000"/>
+            <a:lumOff val="25000"/>
+          </a:schemeClr>
+        </a:solidFill>
+        <a:effectLst/>
+      </p:bgPr>
+    </p:bg>
     <p:spTree>
       <p:nvGrpSpPr>
         <p:cNvPr id="1" name=""/>
@@ -5140,232 +5338,30 @@
           <a:chExt cx="0" cy="0"/>
         </a:xfrm>
       </p:grpSpPr>
-      <p:sp>
-        <p:nvSpPr>
-          <p:cNvPr id="4" name="Rectangle à coins arrondis 3"/>
-          <p:cNvSpPr/>
+      <p:pic>
+        <p:nvPicPr>
+          <p:cNvPr id="6" name="Image 5"/>
+          <p:cNvPicPr>
+            <a:picLocks noChangeAspect="1"/>
+          </p:cNvPicPr>
           <p:nvPr/>
-        </p:nvSpPr>
-        <p:spPr>
-          <a:xfrm>
-            <a:off x="2344881" y="477981"/>
-            <a:ext cx="7502237" cy="987136"/>
-          </a:xfrm>
-          <a:prstGeom prst="roundRect">
-            <a:avLst/>
-          </a:prstGeom>
-          <a:solidFill>
-            <a:srgbClr val="C00000"/>
-          </a:solidFill>
-          <a:ln>
-            <a:solidFill>
-              <a:srgbClr val="CF384A"/>
-            </a:solidFill>
-          </a:ln>
-        </p:spPr>
-        <p:style>
-          <a:lnRef idx="2">
-            <a:schemeClr val="accent1">
-              <a:shade val="50000"/>
-            </a:schemeClr>
-          </a:lnRef>
-          <a:fillRef idx="1">
-            <a:schemeClr val="accent1"/>
-          </a:fillRef>
-          <a:effectRef idx="0">
-            <a:schemeClr val="accent1"/>
-          </a:effectRef>
-          <a:fontRef idx="minor">
-            <a:schemeClr val="lt1"/>
-          </a:fontRef>
-        </p:style>
-        <p:txBody>
-          <a:bodyPr rtlCol="0" anchor="ctr"/>
-          <a:lstStyle/>
-          <a:p>
-            <a:pPr algn="ctr"/>
-            <a:r>
-              <a:rPr lang="fr-FR" sz="4800" b="1" dirty="0" smtClean="0">
-                <a:solidFill>
-                  <a:srgbClr val="FAC74E"/>
-                </a:solidFill>
-              </a:rPr>
-              <a:t>Aria-label</a:t>
-            </a:r>
-            <a:endParaRPr lang="fr-FR" sz="4800" b="1" dirty="0">
-              <a:solidFill>
-                <a:srgbClr val="FAC74E"/>
-              </a:solidFill>
-            </a:endParaRPr>
-          </a:p>
-        </p:txBody>
-      </p:sp>
-      <p:sp>
-        <p:nvSpPr>
-          <p:cNvPr id="5" name="Rectangle à coins arrondis 4"/>
-          <p:cNvSpPr/>
-          <p:nvPr/>
-        </p:nvSpPr>
-        <p:spPr>
-          <a:xfrm>
-            <a:off x="8354291" y="2130136"/>
-            <a:ext cx="3345873" cy="3771900"/>
-          </a:xfrm>
-          <a:prstGeom prst="roundRect">
-            <a:avLst/>
-          </a:prstGeom>
-          <a:solidFill>
-            <a:srgbClr val="FAC74E"/>
-          </a:solidFill>
-          <a:ln>
-            <a:solidFill>
-              <a:srgbClr val="CF384A"/>
-            </a:solidFill>
-          </a:ln>
-        </p:spPr>
-        <p:style>
-          <a:lnRef idx="2">
-            <a:schemeClr val="accent1">
-              <a:shade val="50000"/>
-            </a:schemeClr>
-          </a:lnRef>
-          <a:fillRef idx="1">
-            <a:schemeClr val="accent1"/>
-          </a:fillRef>
-          <a:effectRef idx="0">
-            <a:schemeClr val="accent1"/>
-          </a:effectRef>
-          <a:fontRef idx="minor">
-            <a:schemeClr val="lt1"/>
-          </a:fontRef>
-        </p:style>
-        <p:txBody>
-          <a:bodyPr rtlCol="0" anchor="ctr"/>
-          <a:lstStyle/>
-          <a:p>
-            <a:pPr algn="ctr"/>
-            <a:r>
-              <a:rPr lang="fr-FR" sz="3600" dirty="0" smtClean="0">
-                <a:solidFill>
-                  <a:srgbClr val="CF384A"/>
-                </a:solidFill>
-              </a:rPr>
-              <a:t>Accessibilité</a:t>
-            </a:r>
-          </a:p>
-          <a:p>
-            <a:pPr algn="ctr"/>
-            <a:r>
-              <a:rPr lang="fr-FR" sz="3600" dirty="0" smtClean="0">
-                <a:solidFill>
-                  <a:srgbClr val="CF384A"/>
-                </a:solidFill>
-              </a:rPr>
-              <a:t>Pour les personnes </a:t>
-            </a:r>
-          </a:p>
-          <a:p>
-            <a:pPr algn="ctr"/>
-            <a:r>
-              <a:rPr lang="fr-FR" sz="3600" dirty="0" smtClean="0">
-                <a:solidFill>
-                  <a:srgbClr val="CF384A"/>
-                </a:solidFill>
-              </a:rPr>
-              <a:t>Malvoyantes</a:t>
-            </a:r>
-          </a:p>
-          <a:p>
-            <a:pPr algn="ctr"/>
-            <a:r>
-              <a:rPr lang="fr-FR" sz="3600" dirty="0" smtClean="0">
-                <a:solidFill>
-                  <a:srgbClr val="CF384A"/>
-                </a:solidFill>
-              </a:rPr>
-              <a:t>Ou aveugles</a:t>
-            </a:r>
-            <a:endParaRPr lang="fr-FR" sz="3600" dirty="0">
-              <a:solidFill>
-                <a:srgbClr val="CF384A"/>
-              </a:solidFill>
-            </a:endParaRPr>
-          </a:p>
-        </p:txBody>
-      </p:sp>
-    </p:spTree>
-    <p:extLst>
-      <p:ext uri="{BB962C8B-B14F-4D97-AF65-F5344CB8AC3E}">
-        <p14:creationId xmlns:p14="http://schemas.microsoft.com/office/powerpoint/2010/main" val="4076484303"/>
-      </p:ext>
-    </p:extLst>
-  </p:cSld>
-  <p:clrMapOvr>
-    <a:masterClrMapping/>
-  </p:clrMapOvr>
-</p:sld>
-</file>
-
-<file path=ppt/slides/slide16.xml><?xml version="1.0" encoding="utf-8"?>
-<p:sld xmlns:a="http://schemas.openxmlformats.org/drawingml/2006/main" xmlns:r="http://schemas.openxmlformats.org/officeDocument/2006/relationships" xmlns:p="http://schemas.openxmlformats.org/presentationml/2006/main">
-  <p:cSld>
-    <p:spTree>
-      <p:nvGrpSpPr>
-        <p:cNvPr id="1" name=""/>
-        <p:cNvGrpSpPr/>
-        <p:nvPr/>
-      </p:nvGrpSpPr>
-      <p:grpSpPr>
-        <a:xfrm>
-          <a:off x="0" y="0"/>
-          <a:ext cx="0" cy="0"/>
-          <a:chOff x="0" y="0"/>
-          <a:chExt cx="0" cy="0"/>
-        </a:xfrm>
-      </p:grpSpPr>
-      <p:sp>
-        <p:nvSpPr>
-          <p:cNvPr id="3" name="Rectangle à coins arrondis 2"/>
-          <p:cNvSpPr/>
-          <p:nvPr/>
-        </p:nvSpPr>
-        <p:spPr>
-          <a:xfrm>
-            <a:off x="955964" y="587086"/>
-            <a:ext cx="3419181" cy="1049481"/>
-          </a:xfrm>
-          <a:prstGeom prst="roundRect">
-            <a:avLst/>
-          </a:prstGeom>
-          <a:solidFill>
-            <a:srgbClr val="FAC74E"/>
-          </a:solidFill>
-        </p:spPr>
-        <p:style>
-          <a:lnRef idx="2">
-            <a:schemeClr val="accent1">
-              <a:shade val="50000"/>
-            </a:schemeClr>
-          </a:lnRef>
-          <a:fillRef idx="1">
-            <a:schemeClr val="accent1"/>
-          </a:fillRef>
-          <a:effectRef idx="0">
-            <a:schemeClr val="accent1"/>
-          </a:effectRef>
-          <a:fontRef idx="minor">
-            <a:schemeClr val="lt1"/>
-          </a:fontRef>
-        </p:style>
-        <p:txBody>
-          <a:bodyPr rtlCol="0" anchor="ctr"/>
-          <a:lstStyle/>
-          <a:p>
-            <a:pPr algn="ctr"/>
-            <a:endParaRPr lang="fr-FR"/>
-          </a:p>
-        </p:txBody>
-      </p:sp>
+        </p:nvPicPr>
+        <p:blipFill>
+          <a:blip r:embed="rId2"/>
+          <a:stretch>
+            <a:fillRect/>
+          </a:stretch>
+        </p:blipFill>
+        <p:spPr>
+          <a:xfrm>
+            <a:off x="-644510" y="-231683"/>
+            <a:ext cx="12836510" cy="3615919"/>
+          </a:xfrm>
+          <a:prstGeom prst="rect">
+            <a:avLst/>
+          </a:prstGeom>
+        </p:spPr>
+      </p:pic>
       <p:sp>
         <p:nvSpPr>
           <p:cNvPr id="2" name="Titre 1"/>
@@ -5378,7 +5374,7 @@
         </p:nvSpPr>
         <p:spPr>
           <a:xfrm>
-            <a:off x="1191491" y="449044"/>
+            <a:off x="292510" y="3742183"/>
             <a:ext cx="10515600" cy="1325563"/>
           </a:xfrm>
         </p:spPr>
@@ -5389,14 +5385,14 @@
             <a:r>
               <a:rPr lang="fr-FR" dirty="0" smtClean="0">
                 <a:solidFill>
-                  <a:srgbClr val="CF384A"/>
+                  <a:srgbClr val="FAC74E"/>
                 </a:solidFill>
               </a:rPr>
-              <a:t>Liens page</a:t>
+              <a:t>Liens réseaux sociaux</a:t>
             </a:r>
             <a:endParaRPr lang="fr-FR" dirty="0">
               <a:solidFill>
-                <a:srgbClr val="CF384A"/>
+                <a:srgbClr val="FAC74E"/>
               </a:solidFill>
             </a:endParaRPr>
           </a:p>
@@ -5413,37 +5409,61 @@
           </p:nvPr>
         </p:nvPicPr>
         <p:blipFill>
-          <a:blip r:embed="rId2"/>
+          <a:blip r:embed="rId3"/>
           <a:stretch>
             <a:fillRect/>
           </a:stretch>
         </p:blipFill>
         <p:spPr>
           <a:xfrm>
-            <a:off x="838200" y="2412883"/>
-            <a:ext cx="4210638" cy="2715004"/>
+            <a:off x="7448005" y="3981044"/>
+            <a:ext cx="3905795" cy="847843"/>
           </a:xfrm>
           <a:prstGeom prst="rect">
             <a:avLst/>
           </a:prstGeom>
         </p:spPr>
       </p:pic>
-      <p:sp>
-        <p:nvSpPr>
-          <p:cNvPr id="5" name="Rectangle à coins arrondis 4"/>
+      <p:pic>
+        <p:nvPicPr>
+          <p:cNvPr id="5" name="Image 4"/>
+          <p:cNvPicPr>
+            <a:picLocks noChangeAspect="1"/>
+          </p:cNvPicPr>
+          <p:nvPr/>
+        </p:nvPicPr>
+        <p:blipFill>
+          <a:blip r:embed="rId4"/>
+          <a:stretch>
+            <a:fillRect/>
+          </a:stretch>
+        </p:blipFill>
+        <p:spPr>
+          <a:xfrm>
+            <a:off x="-368711" y="5692879"/>
+            <a:ext cx="12706913" cy="4159044"/>
+          </a:xfrm>
+          <a:prstGeom prst="rect">
+            <a:avLst/>
+          </a:prstGeom>
+        </p:spPr>
+      </p:pic>
+      <p:sp>
+        <p:nvSpPr>
+          <p:cNvPr id="3" name="Rectangle à coins arrondis 2"/>
           <p:cNvSpPr/>
           <p:nvPr/>
         </p:nvSpPr>
         <p:spPr>
           <a:xfrm>
-            <a:off x="7429500" y="1111827"/>
-            <a:ext cx="3844636" cy="4738255"/>
+            <a:off x="292510" y="4775357"/>
+            <a:ext cx="4956464" cy="584777"/>
           </a:xfrm>
           <a:prstGeom prst="roundRect">
             <a:avLst/>
           </a:prstGeom>
           <a:solidFill>
-            <a:srgbClr val="CF384A"/>
+            <a:srgbClr val="FAC74E"/>
           </a:solidFill>
         </p:spPr>
         <p:style>
@@ -5468,118 +5488,25 @@
           <a:p>
             <a:pPr algn="ctr"/>
             <a:r>
-              <a:rPr lang="fr-FR" sz="2400" dirty="0" smtClean="0">
+              <a:rPr lang="fr-FR" dirty="0" smtClean="0">
                 <a:solidFill>
-                  <a:srgbClr val="FAC74E"/>
+                  <a:srgbClr val="CF384A"/>
                 </a:solidFill>
               </a:rPr>
-              <a:t>Trop de liens envoi à la même page,</a:t>
-            </a:r>
-          </a:p>
-          <a:p>
-            <a:pPr algn="ctr"/>
-            <a:endParaRPr lang="fr-FR" sz="2400" dirty="0" smtClean="0">
+              <a:t>Relier liens réseaux sociaux</a:t>
+            </a:r>
+            <a:endParaRPr lang="fr-FR" dirty="0">
               <a:solidFill>
-                <a:srgbClr val="FAC74E"/>
+                <a:srgbClr val="CF384A"/>
               </a:solidFill>
             </a:endParaRPr>
-          </a:p>
-          <a:p>
-            <a:pPr algn="ctr"/>
-            <a:r>
-              <a:rPr lang="fr-FR" sz="2400" dirty="0" smtClean="0">
-                <a:solidFill>
-                  <a:srgbClr val="FAC74E"/>
-                </a:solidFill>
-              </a:rPr>
-              <a:t>Pour se faire</a:t>
-            </a:r>
-          </a:p>
-          <a:p>
-            <a:pPr algn="ctr"/>
-            <a:endParaRPr lang="fr-FR" sz="2400" dirty="0" smtClean="0">
-              <a:solidFill>
-                <a:srgbClr val="FAC74E"/>
-              </a:solidFill>
-            </a:endParaRPr>
-          </a:p>
-          <a:p>
-            <a:pPr algn="ctr"/>
-            <a:r>
-              <a:rPr lang="fr-FR" sz="2400" dirty="0" smtClean="0">
-                <a:solidFill>
-                  <a:srgbClr val="FAC74E"/>
-                </a:solidFill>
-              </a:rPr>
-              <a:t>Des liens on été supprimer </a:t>
-            </a:r>
-          </a:p>
-          <a:p>
-            <a:pPr algn="ctr"/>
-            <a:r>
-              <a:rPr lang="fr-FR" sz="2400" dirty="0" smtClean="0">
-                <a:solidFill>
-                  <a:srgbClr val="FAC74E"/>
-                </a:solidFill>
-              </a:rPr>
-              <a:t>Pour un meilleur SEO</a:t>
-            </a:r>
-            <a:endParaRPr lang="fr-FR" sz="2400" dirty="0">
-              <a:solidFill>
-                <a:srgbClr val="FAC74E"/>
-              </a:solidFill>
-            </a:endParaRPr>
-          </a:p>
-        </p:txBody>
-      </p:sp>
-      <p:sp>
-        <p:nvSpPr>
-          <p:cNvPr id="6" name="Rectangle à coins arrondis 5"/>
-          <p:cNvSpPr/>
-          <p:nvPr/>
-        </p:nvSpPr>
-        <p:spPr>
-          <a:xfrm>
-            <a:off x="342900" y="6286500"/>
-            <a:ext cx="1508760" cy="342900"/>
-          </a:xfrm>
-          <a:prstGeom prst="roundRect">
-            <a:avLst/>
-          </a:prstGeom>
-        </p:spPr>
-        <p:style>
-          <a:lnRef idx="2">
-            <a:schemeClr val="accent1">
-              <a:shade val="50000"/>
-            </a:schemeClr>
-          </a:lnRef>
-          <a:fillRef idx="1">
-            <a:schemeClr val="accent1"/>
-          </a:fillRef>
-          <a:effectRef idx="0">
-            <a:schemeClr val="accent1"/>
-          </a:effectRef>
-          <a:fontRef idx="minor">
-            <a:schemeClr val="lt1"/>
-          </a:fontRef>
-        </p:style>
-        <p:txBody>
-          <a:bodyPr rtlCol="0" anchor="ctr"/>
-          <a:lstStyle/>
-          <a:p>
-            <a:pPr algn="ctr"/>
-            <a:r>
-              <a:rPr lang="fr-FR" dirty="0" smtClean="0"/>
-              <a:t>Liens page</a:t>
-            </a:r>
-            <a:endParaRPr lang="fr-FR" dirty="0"/>
           </a:p>
         </p:txBody>
       </p:sp>
     </p:spTree>
     <p:extLst>
       <p:ext uri="{BB962C8B-B14F-4D97-AF65-F5344CB8AC3E}">
-        <p14:creationId xmlns:p14="http://schemas.microsoft.com/office/powerpoint/2010/main" val="832168080"/>
+        <p14:creationId xmlns:p14="http://schemas.microsoft.com/office/powerpoint/2010/main" val="1800001616"/>
       </p:ext>
     </p:extLst>
   </p:cSld>
@@ -5624,100 +5551,23 @@
           <a:chExt cx="0" cy="0"/>
         </a:xfrm>
       </p:grpSpPr>
-      <p:pic>
-        <p:nvPicPr>
-          <p:cNvPr id="3" name="Image 2"/>
-          <p:cNvPicPr>
-            <a:picLocks noChangeAspect="1"/>
-          </p:cNvPicPr>
-          <p:nvPr/>
-        </p:nvPicPr>
-        <p:blipFill>
-          <a:blip r:embed="rId2"/>
-          <a:stretch>
-            <a:fillRect/>
-          </a:stretch>
-        </p:blipFill>
-        <p:spPr>
-          <a:xfrm>
-            <a:off x="865772" y="2011907"/>
-            <a:ext cx="9958092" cy="2176271"/>
-          </a:xfrm>
-          <a:prstGeom prst="rect">
-            <a:avLst/>
-          </a:prstGeom>
-        </p:spPr>
-      </p:pic>
-      <p:pic>
-        <p:nvPicPr>
-          <p:cNvPr id="4" name="Image 3"/>
-          <p:cNvPicPr>
-            <a:picLocks noChangeAspect="1"/>
-          </p:cNvPicPr>
-          <p:nvPr/>
-        </p:nvPicPr>
-        <p:blipFill>
-          <a:blip r:embed="rId3"/>
-          <a:stretch>
-            <a:fillRect/>
-          </a:stretch>
-        </p:blipFill>
-        <p:spPr>
-          <a:xfrm>
-            <a:off x="4381858" y="2246645"/>
-            <a:ext cx="3129120" cy="1706794"/>
-          </a:xfrm>
-          <a:prstGeom prst="ellipse">
-            <a:avLst/>
-          </a:prstGeom>
-          <a:ln w="63500" cap="rnd">
-            <a:solidFill>
-              <a:srgbClr val="333333"/>
-            </a:solidFill>
-          </a:ln>
-          <a:effectLst>
-            <a:outerShdw blurRad="381000" dist="292100" dir="5400000" sx="-80000" sy="-18000" rotWithShape="0">
-              <a:srgbClr val="000000">
-                <a:alpha val="22000"/>
-              </a:srgbClr>
-            </a:outerShdw>
-          </a:effectLst>
-          <a:scene3d>
-            <a:camera prst="orthographicFront"/>
-            <a:lightRig rig="contrasting" dir="t">
-              <a:rot lat="0" lon="0" rev="3000000"/>
-            </a:lightRig>
-          </a:scene3d>
-          <a:sp3d contourW="7620">
-            <a:bevelT w="95250" h="31750"/>
-            <a:contourClr>
-              <a:srgbClr val="333333"/>
-            </a:contourClr>
-          </a:sp3d>
-        </p:spPr>
-      </p:pic>
-      <p:sp>
-        <p:nvSpPr>
-          <p:cNvPr id="5" name="Rectangle à coins arrondis 4"/>
+      <p:sp>
+        <p:nvSpPr>
+          <p:cNvPr id="2" name="Rectangle à coins arrondis 1"/>
           <p:cNvSpPr/>
           <p:nvPr/>
         </p:nvSpPr>
         <p:spPr>
           <a:xfrm>
-            <a:off x="3221182" y="394855"/>
-            <a:ext cx="6390409" cy="1111827"/>
+            <a:off x="368710" y="575187"/>
+            <a:ext cx="11385755" cy="5958348"/>
           </a:xfrm>
           <a:prstGeom prst="roundRect">
             <a:avLst/>
           </a:prstGeom>
           <a:solidFill>
-            <a:srgbClr val="FAC74E"/>
+            <a:srgbClr val="CF384A"/>
           </a:solidFill>
-          <a:ln>
-            <a:solidFill>
-              <a:srgbClr val="FAC74E"/>
-            </a:solidFill>
-          </a:ln>
         </p:spPr>
         <p:style>
           <a:lnRef idx="2">
@@ -5740,62 +5590,170 @@
           <a:lstStyle/>
           <a:p>
             <a:pPr algn="ctr"/>
-            <a:r>
-              <a:rPr lang="fr-FR" sz="4000" dirty="0" smtClean="0">
+            <a:endParaRPr lang="fr-FR" sz="3600" b="1" u="sng" dirty="0" smtClean="0">
+              <a:solidFill>
+                <a:srgbClr val="FAC74E"/>
+              </a:solidFill>
+            </a:endParaRPr>
+          </a:p>
+          <a:p>
+            <a:pPr algn="ctr"/>
+            <a:endParaRPr lang="fr-FR" sz="3600" b="1" u="sng" dirty="0">
+              <a:solidFill>
+                <a:srgbClr val="FAC74E"/>
+              </a:solidFill>
+            </a:endParaRPr>
+          </a:p>
+          <a:p>
+            <a:pPr algn="ctr"/>
+            <a:endParaRPr lang="fr-FR" sz="3600" b="1" u="sng" dirty="0" smtClean="0">
+              <a:solidFill>
+                <a:srgbClr val="FAC74E"/>
+              </a:solidFill>
+            </a:endParaRPr>
+          </a:p>
+          <a:p>
+            <a:pPr algn="ctr"/>
+            <a:r>
+              <a:rPr lang="fr-FR" sz="3600" b="1" u="sng" dirty="0" smtClean="0">
                 <a:solidFill>
-                  <a:srgbClr val="C00000"/>
+                  <a:srgbClr val="FAC74E"/>
                 </a:solidFill>
               </a:rPr>
-              <a:t>Liens annuaires</a:t>
-            </a:r>
-            <a:endParaRPr lang="fr-FR" sz="4000" dirty="0">
+              <a:t>Résultat</a:t>
+            </a:r>
+          </a:p>
+          <a:p>
+            <a:pPr algn="ctr"/>
+            <a:endParaRPr lang="fr-FR" sz="3600" b="1" u="sng" dirty="0" smtClean="0">
               <a:solidFill>
-                <a:srgbClr val="C00000"/>
+                <a:srgbClr val="FAC74E"/>
               </a:solidFill>
             </a:endParaRPr>
           </a:p>
-        </p:txBody>
-      </p:sp>
-      <p:sp>
-        <p:nvSpPr>
-          <p:cNvPr id="2" name="Rectangle à coins arrondis 1"/>
-          <p:cNvSpPr/>
-          <p:nvPr/>
-        </p:nvSpPr>
-        <p:spPr>
-          <a:xfrm>
-            <a:off x="377372" y="6241143"/>
-            <a:ext cx="2032000" cy="362857"/>
-          </a:xfrm>
-          <a:prstGeom prst="roundRect">
-            <a:avLst/>
-          </a:prstGeom>
-        </p:spPr>
-        <p:style>
-          <a:lnRef idx="2">
-            <a:schemeClr val="accent1">
-              <a:shade val="50000"/>
-            </a:schemeClr>
-          </a:lnRef>
-          <a:fillRef idx="1">
-            <a:schemeClr val="accent1"/>
-          </a:fillRef>
-          <a:effectRef idx="0">
-            <a:schemeClr val="accent1"/>
-          </a:effectRef>
-          <a:fontRef idx="minor">
-            <a:schemeClr val="lt1"/>
-          </a:fontRef>
-        </p:style>
-        <p:txBody>
-          <a:bodyPr rtlCol="0" anchor="ctr"/>
-          <a:lstStyle/>
+          <a:p>
+            <a:pPr marL="571500" indent="-571500">
+              <a:buFont typeface="Arial" panose="020B0604020202020204" pitchFamily="34" charset="0"/>
+              <a:buChar char="•"/>
+            </a:pPr>
+            <a:r>
+              <a:rPr lang="fr-FR" sz="3600" dirty="0" smtClean="0">
+                <a:solidFill>
+                  <a:srgbClr val="FAC74E"/>
+                </a:solidFill>
+              </a:rPr>
+              <a:t>Chargement plus rapide des pages</a:t>
+            </a:r>
+          </a:p>
+          <a:p>
+            <a:pPr marL="571500" indent="-571500">
+              <a:buFont typeface="Arial" panose="020B0604020202020204" pitchFamily="34" charset="0"/>
+              <a:buChar char="•"/>
+            </a:pPr>
+            <a:r>
+              <a:rPr lang="fr-FR" sz="3600" dirty="0" smtClean="0">
+                <a:solidFill>
+                  <a:srgbClr val="FAC74E"/>
+                </a:solidFill>
+              </a:rPr>
+              <a:t>Meilleur classement dans les moteurs de recherches</a:t>
+            </a:r>
+          </a:p>
+          <a:p>
+            <a:r>
+              <a:rPr lang="fr-FR" sz="3600" dirty="0" smtClean="0">
+                <a:solidFill>
+                  <a:srgbClr val="FAC74E"/>
+                </a:solidFill>
+              </a:rPr>
+              <a:t>      (entre 3 et 6 mois)</a:t>
+            </a:r>
+          </a:p>
+          <a:p>
+            <a:pPr marL="571500" indent="-571500">
+              <a:buFont typeface="Arial" panose="020B0604020202020204" pitchFamily="34" charset="0"/>
+              <a:buChar char="•"/>
+            </a:pPr>
+            <a:r>
+              <a:rPr lang="fr-FR" sz="3600" dirty="0" smtClean="0">
+                <a:solidFill>
+                  <a:srgbClr val="FAC74E"/>
+                </a:solidFill>
+              </a:rPr>
+              <a:t>Un site plus clair</a:t>
+            </a:r>
+          </a:p>
+          <a:p>
+            <a:pPr marL="571500" indent="-571500">
+              <a:buFont typeface="Arial" panose="020B0604020202020204" pitchFamily="34" charset="0"/>
+              <a:buChar char="•"/>
+            </a:pPr>
+            <a:r>
+              <a:rPr lang="fr-FR" sz="3600" dirty="0" smtClean="0">
+                <a:solidFill>
+                  <a:srgbClr val="FAC74E"/>
+                </a:solidFill>
+              </a:rPr>
+              <a:t>Centrer sur la création du site</a:t>
+            </a:r>
+          </a:p>
+          <a:p>
+            <a:pPr marL="571500" indent="-571500">
+              <a:buFont typeface="Arial" panose="020B0604020202020204" pitchFamily="34" charset="0"/>
+              <a:buChar char="•"/>
+            </a:pPr>
+            <a:r>
+              <a:rPr lang="fr-FR" sz="3600" dirty="0" smtClean="0">
+                <a:solidFill>
+                  <a:srgbClr val="FAC74E"/>
+                </a:solidFill>
+              </a:rPr>
+              <a:t>Meilleur expérience utilisateur</a:t>
+            </a:r>
+          </a:p>
+          <a:p>
+            <a:pPr marL="571500" indent="-571500">
+              <a:buFont typeface="Arial" panose="020B0604020202020204" pitchFamily="34" charset="0"/>
+              <a:buChar char="•"/>
+            </a:pPr>
+            <a:r>
+              <a:rPr lang="fr-FR" sz="3600" dirty="0" smtClean="0">
+                <a:solidFill>
+                  <a:srgbClr val="FAC74E"/>
+                </a:solidFill>
+              </a:rPr>
+              <a:t>Réseaux sociaux opérationnelle</a:t>
+            </a:r>
+          </a:p>
+          <a:p>
+            <a:pPr marL="571500" indent="-571500" algn="ctr">
+              <a:buFont typeface="Arial" panose="020B0604020202020204" pitchFamily="34" charset="0"/>
+              <a:buChar char="•"/>
+            </a:pPr>
+            <a:endParaRPr lang="fr-FR" sz="3600" dirty="0">
+              <a:solidFill>
+                <a:srgbClr val="FAC74E"/>
+              </a:solidFill>
+            </a:endParaRPr>
+          </a:p>
           <a:p>
             <a:pPr algn="ctr"/>
-            <a:r>
-              <a:rPr lang="fr-FR" dirty="0" smtClean="0"/>
-              <a:t>Liens pages</a:t>
-            </a:r>
+            <a:endParaRPr lang="fr-FR" sz="3600" dirty="0" smtClean="0">
+              <a:solidFill>
+                <a:srgbClr val="FAC74E"/>
+              </a:solidFill>
+            </a:endParaRPr>
+          </a:p>
+          <a:p>
+            <a:pPr algn="ctr"/>
+            <a:endParaRPr lang="fr-FR" sz="3600" dirty="0" smtClean="0">
+              <a:solidFill>
+                <a:srgbClr val="FAC74E"/>
+              </a:solidFill>
+            </a:endParaRPr>
+          </a:p>
+          <a:p>
+            <a:pPr algn="ctr"/>
             <a:endParaRPr lang="fr-FR" dirty="0"/>
           </a:p>
         </p:txBody>
@@ -5803,7 +5761,7 @@
     </p:spTree>
     <p:extLst>
       <p:ext uri="{BB962C8B-B14F-4D97-AF65-F5344CB8AC3E}">
-        <p14:creationId xmlns:p14="http://schemas.microsoft.com/office/powerpoint/2010/main" val="2476141840"/>
+        <p14:creationId xmlns:p14="http://schemas.microsoft.com/office/powerpoint/2010/main" val="4242436252"/>
       </p:ext>
     </p:extLst>
   </p:cSld>
@@ -5848,738 +5806,6 @@
           <a:chExt cx="0" cy="0"/>
         </a:xfrm>
       </p:grpSpPr>
-      <p:pic>
-        <p:nvPicPr>
-          <p:cNvPr id="6" name="Image 5"/>
-          <p:cNvPicPr>
-            <a:picLocks noChangeAspect="1"/>
-          </p:cNvPicPr>
-          <p:nvPr/>
-        </p:nvPicPr>
-        <p:blipFill>
-          <a:blip r:embed="rId2"/>
-          <a:stretch>
-            <a:fillRect/>
-          </a:stretch>
-        </p:blipFill>
-        <p:spPr>
-          <a:xfrm>
-            <a:off x="-644510" y="-231683"/>
-            <a:ext cx="12836510" cy="3615919"/>
-          </a:xfrm>
-          <a:prstGeom prst="rect">
-            <a:avLst/>
-          </a:prstGeom>
-        </p:spPr>
-      </p:pic>
-      <p:sp>
-        <p:nvSpPr>
-          <p:cNvPr id="2" name="Titre 1"/>
-          <p:cNvSpPr>
-            <a:spLocks noGrp="1"/>
-          </p:cNvSpPr>
-          <p:nvPr>
-            <p:ph type="title"/>
-          </p:nvPr>
-        </p:nvSpPr>
-        <p:spPr>
-          <a:xfrm>
-            <a:off x="292510" y="3742183"/>
-            <a:ext cx="10515600" cy="1325563"/>
-          </a:xfrm>
-        </p:spPr>
-        <p:txBody>
-          <a:bodyPr/>
-          <a:lstStyle/>
-          <a:p>
-            <a:r>
-              <a:rPr lang="fr-FR" dirty="0" smtClean="0">
-                <a:solidFill>
-                  <a:srgbClr val="FAC74E"/>
-                </a:solidFill>
-              </a:rPr>
-              <a:t>Liens réseaux sociaux</a:t>
-            </a:r>
-            <a:endParaRPr lang="fr-FR" dirty="0">
-              <a:solidFill>
-                <a:srgbClr val="FAC74E"/>
-              </a:solidFill>
-            </a:endParaRPr>
-          </a:p>
-        </p:txBody>
-      </p:sp>
-      <p:pic>
-        <p:nvPicPr>
-          <p:cNvPr id="4" name="Espace réservé du contenu 3"/>
-          <p:cNvPicPr>
-            <a:picLocks noGrp="1" noChangeAspect="1"/>
-          </p:cNvPicPr>
-          <p:nvPr>
-            <p:ph idx="1"/>
-          </p:nvPr>
-        </p:nvPicPr>
-        <p:blipFill>
-          <a:blip r:embed="rId3"/>
-          <a:stretch>
-            <a:fillRect/>
-          </a:stretch>
-        </p:blipFill>
-        <p:spPr>
-          <a:xfrm>
-            <a:off x="7448005" y="3981044"/>
-            <a:ext cx="3905795" cy="847843"/>
-          </a:xfrm>
-          <a:prstGeom prst="rect">
-            <a:avLst/>
-          </a:prstGeom>
-        </p:spPr>
-      </p:pic>
-      <p:pic>
-        <p:nvPicPr>
-          <p:cNvPr id="5" name="Image 4"/>
-          <p:cNvPicPr>
-            <a:picLocks noChangeAspect="1"/>
-          </p:cNvPicPr>
-          <p:nvPr/>
-        </p:nvPicPr>
-        <p:blipFill>
-          <a:blip r:embed="rId4"/>
-          <a:stretch>
-            <a:fillRect/>
-          </a:stretch>
-        </p:blipFill>
-        <p:spPr>
-          <a:xfrm>
-            <a:off x="-368711" y="5692879"/>
-            <a:ext cx="12706913" cy="4159044"/>
-          </a:xfrm>
-          <a:prstGeom prst="rect">
-            <a:avLst/>
-          </a:prstGeom>
-        </p:spPr>
-      </p:pic>
-      <p:sp>
-        <p:nvSpPr>
-          <p:cNvPr id="3" name="Rectangle à coins arrondis 2"/>
-          <p:cNvSpPr/>
-          <p:nvPr/>
-        </p:nvSpPr>
-        <p:spPr>
-          <a:xfrm>
-            <a:off x="292510" y="4775357"/>
-            <a:ext cx="4956464" cy="584777"/>
-          </a:xfrm>
-          <a:prstGeom prst="roundRect">
-            <a:avLst/>
-          </a:prstGeom>
-          <a:solidFill>
-            <a:srgbClr val="FAC74E"/>
-          </a:solidFill>
-        </p:spPr>
-        <p:style>
-          <a:lnRef idx="2">
-            <a:schemeClr val="accent1">
-              <a:shade val="50000"/>
-            </a:schemeClr>
-          </a:lnRef>
-          <a:fillRef idx="1">
-            <a:schemeClr val="accent1"/>
-          </a:fillRef>
-          <a:effectRef idx="0">
-            <a:schemeClr val="accent1"/>
-          </a:effectRef>
-          <a:fontRef idx="minor">
-            <a:schemeClr val="lt1"/>
-          </a:fontRef>
-        </p:style>
-        <p:txBody>
-          <a:bodyPr rtlCol="0" anchor="ctr"/>
-          <a:lstStyle/>
-          <a:p>
-            <a:pPr algn="ctr"/>
-            <a:r>
-              <a:rPr lang="fr-FR" dirty="0" smtClean="0">
-                <a:solidFill>
-                  <a:srgbClr val="CF384A"/>
-                </a:solidFill>
-              </a:rPr>
-              <a:t>Relier liens réseaux sociaux</a:t>
-            </a:r>
-            <a:endParaRPr lang="fr-FR" dirty="0">
-              <a:solidFill>
-                <a:srgbClr val="CF384A"/>
-              </a:solidFill>
-            </a:endParaRPr>
-          </a:p>
-        </p:txBody>
-      </p:sp>
-    </p:spTree>
-    <p:extLst>
-      <p:ext uri="{BB962C8B-B14F-4D97-AF65-F5344CB8AC3E}">
-        <p14:creationId xmlns:p14="http://schemas.microsoft.com/office/powerpoint/2010/main" val="1800001616"/>
-      </p:ext>
-    </p:extLst>
-  </p:cSld>
-  <p:clrMapOvr>
-    <a:masterClrMapping/>
-  </p:clrMapOvr>
-  <p:timing>
-    <p:tnLst>
-      <p:par>
-        <p:cTn id="1" dur="indefinite" restart="never" nodeType="tmRoot"/>
-      </p:par>
-    </p:tnLst>
-  </p:timing>
-</p:sld>
-</file>
-
-<file path=ppt/slides/slide19.xml><?xml version="1.0" encoding="utf-8"?>
-<p:sld xmlns:a="http://schemas.openxmlformats.org/drawingml/2006/main" xmlns:r="http://schemas.openxmlformats.org/officeDocument/2006/relationships" xmlns:p="http://schemas.openxmlformats.org/presentationml/2006/main">
-  <p:cSld>
-    <p:bg>
-      <p:bgPr>
-        <a:solidFill>
-          <a:schemeClr val="tx1">
-            <a:lumMod val="75000"/>
-            <a:lumOff val="25000"/>
-          </a:schemeClr>
-        </a:solidFill>
-        <a:effectLst/>
-      </p:bgPr>
-    </p:bg>
-    <p:spTree>
-      <p:nvGrpSpPr>
-        <p:cNvPr id="1" name=""/>
-        <p:cNvGrpSpPr/>
-        <p:nvPr/>
-      </p:nvGrpSpPr>
-      <p:grpSpPr>
-        <a:xfrm>
-          <a:off x="0" y="0"/>
-          <a:ext cx="0" cy="0"/>
-          <a:chOff x="0" y="0"/>
-          <a:chExt cx="0" cy="0"/>
-        </a:xfrm>
-      </p:grpSpPr>
-      <p:sp>
-        <p:nvSpPr>
-          <p:cNvPr id="2" name="Rectangle à coins arrondis 1"/>
-          <p:cNvSpPr/>
-          <p:nvPr/>
-        </p:nvSpPr>
-        <p:spPr>
-          <a:xfrm>
-            <a:off x="368710" y="575187"/>
-            <a:ext cx="11385755" cy="5958348"/>
-          </a:xfrm>
-          <a:prstGeom prst="roundRect">
-            <a:avLst/>
-          </a:prstGeom>
-          <a:solidFill>
-            <a:srgbClr val="CF384A"/>
-          </a:solidFill>
-        </p:spPr>
-        <p:style>
-          <a:lnRef idx="2">
-            <a:schemeClr val="accent1">
-              <a:shade val="50000"/>
-            </a:schemeClr>
-          </a:lnRef>
-          <a:fillRef idx="1">
-            <a:schemeClr val="accent1"/>
-          </a:fillRef>
-          <a:effectRef idx="0">
-            <a:schemeClr val="accent1"/>
-          </a:effectRef>
-          <a:fontRef idx="minor">
-            <a:schemeClr val="lt1"/>
-          </a:fontRef>
-        </p:style>
-        <p:txBody>
-          <a:bodyPr rtlCol="0" anchor="ctr"/>
-          <a:lstStyle/>
-          <a:p>
-            <a:pPr algn="ctr"/>
-            <a:endParaRPr lang="fr-FR" sz="3600" b="1" u="sng" dirty="0" smtClean="0">
-              <a:solidFill>
-                <a:srgbClr val="FAC74E"/>
-              </a:solidFill>
-            </a:endParaRPr>
-          </a:p>
-          <a:p>
-            <a:pPr algn="ctr"/>
-            <a:endParaRPr lang="fr-FR" sz="3600" b="1" u="sng" dirty="0">
-              <a:solidFill>
-                <a:srgbClr val="FAC74E"/>
-              </a:solidFill>
-            </a:endParaRPr>
-          </a:p>
-          <a:p>
-            <a:pPr algn="ctr"/>
-            <a:endParaRPr lang="fr-FR" sz="3600" b="1" u="sng" dirty="0" smtClean="0">
-              <a:solidFill>
-                <a:srgbClr val="FAC74E"/>
-              </a:solidFill>
-            </a:endParaRPr>
-          </a:p>
-          <a:p>
-            <a:pPr algn="ctr"/>
-            <a:r>
-              <a:rPr lang="fr-FR" sz="3600" b="1" u="sng" dirty="0" smtClean="0">
-                <a:solidFill>
-                  <a:srgbClr val="FAC74E"/>
-                </a:solidFill>
-              </a:rPr>
-              <a:t>Résultat</a:t>
-            </a:r>
-          </a:p>
-          <a:p>
-            <a:pPr algn="ctr"/>
-            <a:endParaRPr lang="fr-FR" sz="3600" b="1" u="sng" dirty="0" smtClean="0">
-              <a:solidFill>
-                <a:srgbClr val="FAC74E"/>
-              </a:solidFill>
-            </a:endParaRPr>
-          </a:p>
-          <a:p>
-            <a:pPr marL="571500" indent="-571500">
-              <a:buFont typeface="Arial" panose="020B0604020202020204" pitchFamily="34" charset="0"/>
-              <a:buChar char="•"/>
-            </a:pPr>
-            <a:r>
-              <a:rPr lang="fr-FR" sz="3600" dirty="0" smtClean="0">
-                <a:solidFill>
-                  <a:srgbClr val="FAC74E"/>
-                </a:solidFill>
-              </a:rPr>
-              <a:t>Chargement plus rapide des pages</a:t>
-            </a:r>
-          </a:p>
-          <a:p>
-            <a:pPr marL="571500" indent="-571500">
-              <a:buFont typeface="Arial" panose="020B0604020202020204" pitchFamily="34" charset="0"/>
-              <a:buChar char="•"/>
-            </a:pPr>
-            <a:r>
-              <a:rPr lang="fr-FR" sz="3600" dirty="0" smtClean="0">
-                <a:solidFill>
-                  <a:srgbClr val="FAC74E"/>
-                </a:solidFill>
-              </a:rPr>
-              <a:t>Meilleur classement dans les moteurs de recherches</a:t>
-            </a:r>
-          </a:p>
-          <a:p>
-            <a:r>
-              <a:rPr lang="fr-FR" sz="3600" dirty="0" smtClean="0">
-                <a:solidFill>
-                  <a:srgbClr val="FAC74E"/>
-                </a:solidFill>
-              </a:rPr>
-              <a:t>      (entre 3 et 6 mois)</a:t>
-            </a:r>
-          </a:p>
-          <a:p>
-            <a:pPr marL="571500" indent="-571500">
-              <a:buFont typeface="Arial" panose="020B0604020202020204" pitchFamily="34" charset="0"/>
-              <a:buChar char="•"/>
-            </a:pPr>
-            <a:r>
-              <a:rPr lang="fr-FR" sz="3600" dirty="0" smtClean="0">
-                <a:solidFill>
-                  <a:srgbClr val="FAC74E"/>
-                </a:solidFill>
-              </a:rPr>
-              <a:t>Un site plus clair</a:t>
-            </a:r>
-          </a:p>
-          <a:p>
-            <a:pPr marL="571500" indent="-571500">
-              <a:buFont typeface="Arial" panose="020B0604020202020204" pitchFamily="34" charset="0"/>
-              <a:buChar char="•"/>
-            </a:pPr>
-            <a:r>
-              <a:rPr lang="fr-FR" sz="3600" dirty="0" smtClean="0">
-                <a:solidFill>
-                  <a:srgbClr val="FAC74E"/>
-                </a:solidFill>
-              </a:rPr>
-              <a:t>Centrer sur la création du site</a:t>
-            </a:r>
-          </a:p>
-          <a:p>
-            <a:pPr marL="571500" indent="-571500">
-              <a:buFont typeface="Arial" panose="020B0604020202020204" pitchFamily="34" charset="0"/>
-              <a:buChar char="•"/>
-            </a:pPr>
-            <a:r>
-              <a:rPr lang="fr-FR" sz="3600" dirty="0" smtClean="0">
-                <a:solidFill>
-                  <a:srgbClr val="FAC74E"/>
-                </a:solidFill>
-              </a:rPr>
-              <a:t>Meilleur expérience utilisateur</a:t>
-            </a:r>
-          </a:p>
-          <a:p>
-            <a:pPr marL="571500" indent="-571500">
-              <a:buFont typeface="Arial" panose="020B0604020202020204" pitchFamily="34" charset="0"/>
-              <a:buChar char="•"/>
-            </a:pPr>
-            <a:r>
-              <a:rPr lang="fr-FR" sz="3600" dirty="0" smtClean="0">
-                <a:solidFill>
-                  <a:srgbClr val="FAC74E"/>
-                </a:solidFill>
-              </a:rPr>
-              <a:t>Réseaux sociaux opérationnelle</a:t>
-            </a:r>
-          </a:p>
-          <a:p>
-            <a:pPr marL="571500" indent="-571500" algn="ctr">
-              <a:buFont typeface="Arial" panose="020B0604020202020204" pitchFamily="34" charset="0"/>
-              <a:buChar char="•"/>
-            </a:pPr>
-            <a:endParaRPr lang="fr-FR" sz="3600" dirty="0">
-              <a:solidFill>
-                <a:srgbClr val="FAC74E"/>
-              </a:solidFill>
-            </a:endParaRPr>
-          </a:p>
-          <a:p>
-            <a:pPr algn="ctr"/>
-            <a:endParaRPr lang="fr-FR" sz="3600" dirty="0" smtClean="0">
-              <a:solidFill>
-                <a:srgbClr val="FAC74E"/>
-              </a:solidFill>
-            </a:endParaRPr>
-          </a:p>
-          <a:p>
-            <a:pPr algn="ctr"/>
-            <a:endParaRPr lang="fr-FR" sz="3600" dirty="0" smtClean="0">
-              <a:solidFill>
-                <a:srgbClr val="FAC74E"/>
-              </a:solidFill>
-            </a:endParaRPr>
-          </a:p>
-          <a:p>
-            <a:pPr algn="ctr"/>
-            <a:endParaRPr lang="fr-FR" dirty="0"/>
-          </a:p>
-        </p:txBody>
-      </p:sp>
-    </p:spTree>
-    <p:extLst>
-      <p:ext uri="{BB962C8B-B14F-4D97-AF65-F5344CB8AC3E}">
-        <p14:creationId xmlns:p14="http://schemas.microsoft.com/office/powerpoint/2010/main" val="4242436252"/>
-      </p:ext>
-    </p:extLst>
-  </p:cSld>
-  <p:clrMapOvr>
-    <a:masterClrMapping/>
-  </p:clrMapOvr>
-  <p:timing>
-    <p:tnLst>
-      <p:par>
-        <p:cTn id="1" dur="indefinite" restart="never" nodeType="tmRoot"/>
-      </p:par>
-    </p:tnLst>
-  </p:timing>
-</p:sld>
-</file>
-
-<file path=ppt/slides/slide2.xml><?xml version="1.0" encoding="utf-8"?>
-<p:sld xmlns:a="http://schemas.openxmlformats.org/drawingml/2006/main" xmlns:r="http://schemas.openxmlformats.org/officeDocument/2006/relationships" xmlns:p="http://schemas.openxmlformats.org/presentationml/2006/main">
-  <p:cSld>
-    <p:bg>
-      <p:bgPr>
-        <a:solidFill>
-          <a:schemeClr val="tx1">
-            <a:lumMod val="75000"/>
-            <a:lumOff val="25000"/>
-          </a:schemeClr>
-        </a:solidFill>
-        <a:effectLst/>
-      </p:bgPr>
-    </p:bg>
-    <p:spTree>
-      <p:nvGrpSpPr>
-        <p:cNvPr id="1" name=""/>
-        <p:cNvGrpSpPr/>
-        <p:nvPr/>
-      </p:nvGrpSpPr>
-      <p:grpSpPr>
-        <a:xfrm>
-          <a:off x="0" y="0"/>
-          <a:ext cx="0" cy="0"/>
-          <a:chOff x="0" y="0"/>
-          <a:chExt cx="0" cy="0"/>
-        </a:xfrm>
-      </p:grpSpPr>
-      <p:pic>
-        <p:nvPicPr>
-          <p:cNvPr id="4" name="Image 3"/>
-          <p:cNvPicPr>
-            <a:picLocks noChangeAspect="1"/>
-          </p:cNvPicPr>
-          <p:nvPr/>
-        </p:nvPicPr>
-        <p:blipFill>
-          <a:blip r:embed="rId2"/>
-          <a:stretch>
-            <a:fillRect/>
-          </a:stretch>
-        </p:blipFill>
-        <p:spPr>
-          <a:xfrm>
-            <a:off x="8426042" y="-452848"/>
-            <a:ext cx="7531915" cy="7591066"/>
-          </a:xfrm>
-          <a:prstGeom prst="rect">
-            <a:avLst/>
-          </a:prstGeom>
-        </p:spPr>
-      </p:pic>
-      <p:sp>
-        <p:nvSpPr>
-          <p:cNvPr id="5" name="Rectangle à coins arrondis 4"/>
-          <p:cNvSpPr/>
-          <p:nvPr/>
-        </p:nvSpPr>
-        <p:spPr>
-          <a:xfrm>
-            <a:off x="530942" y="575187"/>
-            <a:ext cx="10250129" cy="870155"/>
-          </a:xfrm>
-          <a:prstGeom prst="roundRect">
-            <a:avLst/>
-          </a:prstGeom>
-          <a:solidFill>
-            <a:srgbClr val="CF384A"/>
-          </a:solidFill>
-        </p:spPr>
-        <p:style>
-          <a:lnRef idx="2">
-            <a:schemeClr val="accent1">
-              <a:shade val="50000"/>
-            </a:schemeClr>
-          </a:lnRef>
-          <a:fillRef idx="1">
-            <a:schemeClr val="accent1"/>
-          </a:fillRef>
-          <a:effectRef idx="0">
-            <a:schemeClr val="accent1"/>
-          </a:effectRef>
-          <a:fontRef idx="minor">
-            <a:schemeClr val="lt1"/>
-          </a:fontRef>
-        </p:style>
-        <p:txBody>
-          <a:bodyPr rtlCol="0" anchor="ctr"/>
-          <a:lstStyle/>
-          <a:p>
-            <a:pPr algn="ctr"/>
-            <a:endParaRPr lang="fr-FR"/>
-          </a:p>
-        </p:txBody>
-      </p:sp>
-      <p:sp>
-        <p:nvSpPr>
-          <p:cNvPr id="2" name="Titre 1"/>
-          <p:cNvSpPr>
-            <a:spLocks noGrp="1"/>
-          </p:cNvSpPr>
-          <p:nvPr>
-            <p:ph type="title"/>
-          </p:nvPr>
-        </p:nvSpPr>
-        <p:spPr/>
-        <p:txBody>
-          <a:bodyPr>
-            <a:normAutofit/>
-          </a:bodyPr>
-          <a:lstStyle/>
-          <a:p>
-            <a:r>
-              <a:rPr lang="fr-FR" b="1" dirty="0" smtClean="0">
-                <a:solidFill>
-                  <a:srgbClr val="FAC74E"/>
-                </a:solidFill>
-              </a:rPr>
-              <a:t>Bonne pratique pour un bon référencement</a:t>
-            </a:r>
-            <a:endParaRPr lang="fr-FR" b="1" dirty="0">
-              <a:solidFill>
-                <a:srgbClr val="FAC74E"/>
-              </a:solidFill>
-            </a:endParaRPr>
-          </a:p>
-        </p:txBody>
-      </p:sp>
-      <p:sp>
-        <p:nvSpPr>
-          <p:cNvPr id="6" name="Rectangle à coins arrondis 5"/>
-          <p:cNvSpPr/>
-          <p:nvPr/>
-        </p:nvSpPr>
-        <p:spPr>
-          <a:xfrm>
-            <a:off x="838200" y="2050026"/>
-            <a:ext cx="6963697" cy="4070555"/>
-          </a:xfrm>
-          <a:prstGeom prst="roundRect">
-            <a:avLst/>
-          </a:prstGeom>
-          <a:solidFill>
-            <a:schemeClr val="accent5">
-              <a:lumMod val="75000"/>
-            </a:schemeClr>
-          </a:solidFill>
-        </p:spPr>
-        <p:style>
-          <a:lnRef idx="2">
-            <a:schemeClr val="accent1">
-              <a:shade val="50000"/>
-            </a:schemeClr>
-          </a:lnRef>
-          <a:fillRef idx="1">
-            <a:schemeClr val="accent1"/>
-          </a:fillRef>
-          <a:effectRef idx="0">
-            <a:schemeClr val="accent1"/>
-          </a:effectRef>
-          <a:fontRef idx="minor">
-            <a:schemeClr val="lt1"/>
-          </a:fontRef>
-        </p:style>
-        <p:txBody>
-          <a:bodyPr rtlCol="0" anchor="ctr"/>
-          <a:lstStyle/>
-          <a:p>
-            <a:pPr marL="285750" indent="-285750">
-              <a:buFont typeface="Arial" panose="020B0604020202020204" pitchFamily="34" charset="0"/>
-              <a:buChar char="•"/>
-            </a:pPr>
-            <a:r>
-              <a:rPr lang="fr-FR" sz="2400" dirty="0" smtClean="0">
-                <a:solidFill>
-                  <a:srgbClr val="FFFF00"/>
-                </a:solidFill>
-              </a:rPr>
-              <a:t>Mots clés</a:t>
-            </a:r>
-          </a:p>
-          <a:p>
-            <a:pPr marL="285750" indent="-285750">
-              <a:buFont typeface="Arial" panose="020B0604020202020204" pitchFamily="34" charset="0"/>
-              <a:buChar char="•"/>
-            </a:pPr>
-            <a:r>
-              <a:rPr lang="fr-FR" sz="2400" dirty="0" smtClean="0">
-                <a:solidFill>
-                  <a:srgbClr val="FFFF00"/>
-                </a:solidFill>
-              </a:rPr>
-              <a:t>Balisages</a:t>
-            </a:r>
-          </a:p>
-          <a:p>
-            <a:pPr marL="285750" indent="-285750">
-              <a:buFont typeface="Arial" panose="020B0604020202020204" pitchFamily="34" charset="0"/>
-              <a:buChar char="•"/>
-            </a:pPr>
-            <a:r>
-              <a:rPr lang="fr-FR" sz="2400" dirty="0" smtClean="0">
-                <a:solidFill>
-                  <a:srgbClr val="FFFF00"/>
-                </a:solidFill>
-              </a:rPr>
-              <a:t>Optimisations des images</a:t>
-            </a:r>
-          </a:p>
-          <a:p>
-            <a:pPr marL="285750" indent="-285750">
-              <a:buFont typeface="Arial" panose="020B0604020202020204" pitchFamily="34" charset="0"/>
-              <a:buChar char="•"/>
-            </a:pPr>
-            <a:r>
-              <a:rPr lang="fr-FR" sz="2400" dirty="0" smtClean="0">
-                <a:solidFill>
-                  <a:srgbClr val="FFFF00"/>
-                </a:solidFill>
-              </a:rPr>
-              <a:t>Privilégier le Mobile-First</a:t>
-            </a:r>
-          </a:p>
-          <a:p>
-            <a:pPr marL="285750" indent="-285750">
-              <a:buFont typeface="Arial" panose="020B0604020202020204" pitchFamily="34" charset="0"/>
-              <a:buChar char="•"/>
-            </a:pPr>
-            <a:r>
-              <a:rPr lang="fr-FR" sz="2400" dirty="0" smtClean="0">
-                <a:solidFill>
-                  <a:srgbClr val="FFFF00"/>
-                </a:solidFill>
-              </a:rPr>
-              <a:t>responsive</a:t>
-            </a:r>
-            <a:endParaRPr lang="fr-FR" sz="2400" dirty="0">
-              <a:solidFill>
-                <a:srgbClr val="FFFF00"/>
-              </a:solidFill>
-            </a:endParaRPr>
-          </a:p>
-        </p:txBody>
-      </p:sp>
-    </p:spTree>
-    <p:extLst>
-      <p:ext uri="{BB962C8B-B14F-4D97-AF65-F5344CB8AC3E}">
-        <p14:creationId xmlns:p14="http://schemas.microsoft.com/office/powerpoint/2010/main" val="1471223469"/>
-      </p:ext>
-    </p:extLst>
-  </p:cSld>
-  <p:clrMapOvr>
-    <a:masterClrMapping/>
-  </p:clrMapOvr>
-  <p:timing>
-    <p:tnLst>
-      <p:par>
-        <p:cTn id="1" dur="indefinite" restart="never" nodeType="tmRoot"/>
-      </p:par>
-    </p:tnLst>
-  </p:timing>
-</p:sld>
-</file>
-
-<file path=ppt/slides/slide20.xml><?xml version="1.0" encoding="utf-8"?>
-<p:sld xmlns:a="http://schemas.openxmlformats.org/drawingml/2006/main" xmlns:r="http://schemas.openxmlformats.org/officeDocument/2006/relationships" xmlns:p="http://schemas.openxmlformats.org/presentationml/2006/main">
-  <p:cSld>
-    <p:bg>
-      <p:bgPr>
-        <a:solidFill>
-          <a:schemeClr val="tx1">
-            <a:lumMod val="75000"/>
-            <a:lumOff val="25000"/>
-          </a:schemeClr>
-        </a:solidFill>
-        <a:effectLst/>
-      </p:bgPr>
-    </p:bg>
-    <p:spTree>
-      <p:nvGrpSpPr>
-        <p:cNvPr id="1" name=""/>
-        <p:cNvGrpSpPr/>
-        <p:nvPr/>
-      </p:nvGrpSpPr>
-      <p:grpSpPr>
-        <a:xfrm>
-          <a:off x="0" y="0"/>
-          <a:ext cx="0" cy="0"/>
-          <a:chOff x="0" y="0"/>
-          <a:chExt cx="0" cy="0"/>
-        </a:xfrm>
-      </p:grpSpPr>
       <p:sp>
         <p:nvSpPr>
           <p:cNvPr id="2" name="Titre 1"/>
@@ -6755,20 +5981,9 @@
 </p:sld>
 </file>
 
-<file path=ppt/slides/slide3.xml><?xml version="1.0" encoding="utf-8"?>
+<file path=ppt/slides/slide2.xml><?xml version="1.0" encoding="utf-8"?>
 <p:sld xmlns:a="http://schemas.openxmlformats.org/drawingml/2006/main" xmlns:r="http://schemas.openxmlformats.org/officeDocument/2006/relationships" xmlns:p="http://schemas.openxmlformats.org/presentationml/2006/main">
   <p:cSld>
-    <p:bg>
-      <p:bgPr>
-        <a:solidFill>
-          <a:schemeClr val="tx1">
-            <a:lumMod val="65000"/>
-            <a:lumOff val="35000"/>
-          </a:schemeClr>
-        </a:solidFill>
-        <a:effectLst/>
-      </p:bgPr>
-    </p:bg>
     <p:spTree>
       <p:nvGrpSpPr>
         <p:cNvPr id="1" name=""/>
@@ -6783,40 +5998,32 @@
           <a:chExt cx="0" cy="0"/>
         </a:xfrm>
       </p:grpSpPr>
-      <p:sp>
-        <p:nvSpPr>
-          <p:cNvPr id="2" name="Titre 1"/>
-          <p:cNvSpPr>
-            <a:spLocks noGrp="1"/>
-          </p:cNvSpPr>
+      <p:pic>
+        <p:nvPicPr>
+          <p:cNvPr id="4" name="Espace réservé du contenu 3"/>
+          <p:cNvPicPr>
+            <a:picLocks noGrp="1" noChangeAspect="1"/>
+          </p:cNvPicPr>
           <p:nvPr>
-            <p:ph type="title"/>
+            <p:ph idx="1"/>
           </p:nvPr>
-        </p:nvSpPr>
-        <p:spPr/>
-        <p:txBody>
-          <a:bodyPr>
-            <a:normAutofit/>
-          </a:bodyPr>
-          <a:lstStyle/>
-          <a:p>
-            <a:pPr algn="ctr"/>
-            <a:r>
-              <a:rPr lang="fr-FR" sz="6000" b="1" dirty="0" smtClean="0">
-                <a:solidFill>
-                  <a:srgbClr val="CF384A"/>
-                </a:solidFill>
-              </a:rPr>
-              <a:t>ANALYSE SEO</a:t>
-            </a:r>
-            <a:endParaRPr lang="fr-FR" sz="6000" b="1" dirty="0">
-              <a:solidFill>
-                <a:srgbClr val="CF384A"/>
-              </a:solidFill>
-            </a:endParaRPr>
-          </a:p>
-        </p:txBody>
-      </p:sp>
+        </p:nvPicPr>
+        <p:blipFill>
+          <a:blip r:embed="rId2"/>
+          <a:stretch>
+            <a:fillRect/>
+          </a:stretch>
+        </p:blipFill>
+        <p:spPr>
+          <a:xfrm>
+            <a:off x="572325" y="1745673"/>
+            <a:ext cx="3479008" cy="2467408"/>
+          </a:xfrm>
+          <a:prstGeom prst="rect">
+            <a:avLst/>
+          </a:prstGeom>
+        </p:spPr>
+      </p:pic>
       <p:sp>
         <p:nvSpPr>
           <p:cNvPr id="5" name="Rectangle à coins arrondis 4"/>
@@ -6825,8 +6032,8 @@
         </p:nvSpPr>
         <p:spPr>
           <a:xfrm>
-            <a:off x="4301067" y="1569156"/>
-            <a:ext cx="3556000" cy="121532"/>
+            <a:off x="1368136" y="138121"/>
+            <a:ext cx="9455728" cy="1278081"/>
           </a:xfrm>
           <a:prstGeom prst="roundRect">
             <a:avLst/>
@@ -6861,1148 +6068,698 @@
           <a:lstStyle/>
           <a:p>
             <a:pPr algn="ctr"/>
-            <a:endParaRPr lang="fr-FR"/>
-          </a:p>
-        </p:txBody>
-      </p:sp>
-      <p:graphicFrame>
-        <p:nvGraphicFramePr>
-          <p:cNvPr id="8" name="Espace réservé du contenu 7"/>
-          <p:cNvGraphicFramePr>
-            <a:graphicFrameLocks noGrp="1"/>
-          </p:cNvGraphicFramePr>
-          <p:nvPr>
-            <p:ph idx="1"/>
-            <p:extLst>
-              <p:ext uri="{D42A27DB-BD31-4B8C-83A1-F6EECF244321}">
-                <p14:modId xmlns:p14="http://schemas.microsoft.com/office/powerpoint/2010/main" val="3533619591"/>
-              </p:ext>
-            </p:extLst>
-          </p:nvPr>
-        </p:nvGraphicFramePr>
-        <p:xfrm>
-          <a:off x="838200" y="3075729"/>
-          <a:ext cx="10156634" cy="1941112"/>
-        </p:xfrm>
-        <a:graphic>
-          <a:graphicData uri="http://schemas.openxmlformats.org/drawingml/2006/table">
-            <a:tbl>
-              <a:tblPr>
-                <a:tableStyleId>{5C22544A-7EE6-4342-B048-85BDC9FD1C3A}</a:tableStyleId>
-              </a:tblPr>
-              <a:tblGrid>
-                <a:gridCol w="1261640"/>
-                <a:gridCol w="1436867"/>
-                <a:gridCol w="3489221"/>
-                <a:gridCol w="2216630"/>
-                <a:gridCol w="1752276"/>
-              </a:tblGrid>
-              <a:tr h="166787">
-                <a:tc>
-                  <a:txBody>
-                    <a:bodyPr/>
-                    <a:lstStyle/>
-                    <a:p>
-                      <a:pPr algn="ctr" fontAlgn="b"/>
-                      <a:r>
-                        <a:rPr lang="fr-FR" sz="900" u="none" strike="noStrike" dirty="0">
-                          <a:effectLst/>
-                        </a:rPr>
-                        <a:t>Catégorie</a:t>
-                      </a:r>
-                      <a:endParaRPr lang="fr-FR" sz="900" b="1" i="0" u="none" strike="noStrike" dirty="0">
-                        <a:solidFill>
-                          <a:srgbClr val="FFFFFF"/>
-                        </a:solidFill>
-                        <a:effectLst/>
-                        <a:latin typeface="Arial" panose="020B0604020202020204" pitchFamily="34" charset="0"/>
-                      </a:endParaRPr>
-                    </a:p>
-                  </a:txBody>
-                  <a:tcPr marL="6805" marR="6805" marT="6805" marB="0" anchor="b"/>
-                </a:tc>
-                <a:tc>
-                  <a:txBody>
-                    <a:bodyPr/>
-                    <a:lstStyle/>
-                    <a:p>
-                      <a:pPr algn="ctr" fontAlgn="b"/>
-                      <a:r>
-                        <a:rPr lang="fr-FR" sz="900" u="none" strike="noStrike">
-                          <a:effectLst/>
-                        </a:rPr>
-                        <a:t>Problème identifié</a:t>
-                      </a:r>
-                      <a:endParaRPr lang="fr-FR" sz="900" b="1" i="0" u="none" strike="noStrike">
-                        <a:solidFill>
-                          <a:srgbClr val="FFFFFF"/>
-                        </a:solidFill>
-                        <a:effectLst/>
-                        <a:latin typeface="Arial" panose="020B0604020202020204" pitchFamily="34" charset="0"/>
-                      </a:endParaRPr>
-                    </a:p>
-                  </a:txBody>
-                  <a:tcPr marL="6805" marR="6805" marT="6805" marB="0" anchor="b"/>
-                </a:tc>
-                <a:tc>
-                  <a:txBody>
-                    <a:bodyPr/>
-                    <a:lstStyle/>
-                    <a:p>
-                      <a:pPr algn="ctr" fontAlgn="b"/>
-                      <a:r>
-                        <a:rPr lang="fr-FR" sz="900" u="none" strike="noStrike">
-                          <a:effectLst/>
-                        </a:rPr>
-                        <a:t>Explication du problème</a:t>
-                      </a:r>
-                      <a:endParaRPr lang="fr-FR" sz="900" b="1" i="0" u="none" strike="noStrike">
-                        <a:solidFill>
-                          <a:srgbClr val="FFFFFF"/>
-                        </a:solidFill>
-                        <a:effectLst/>
-                        <a:latin typeface="Arial" panose="020B0604020202020204" pitchFamily="34" charset="0"/>
-                      </a:endParaRPr>
-                    </a:p>
-                  </a:txBody>
-                  <a:tcPr marL="6805" marR="6805" marT="6805" marB="0" anchor="b"/>
-                </a:tc>
-                <a:tc>
-                  <a:txBody>
-                    <a:bodyPr/>
-                    <a:lstStyle/>
-                    <a:p>
-                      <a:pPr algn="ctr" fontAlgn="b"/>
-                      <a:r>
-                        <a:rPr lang="fr-FR" sz="900" u="none" strike="noStrike">
-                          <a:effectLst/>
-                        </a:rPr>
-                        <a:t>Bonne pratique à adopter</a:t>
-                      </a:r>
-                      <a:endParaRPr lang="fr-FR" sz="900" b="1" i="0" u="none" strike="noStrike">
-                        <a:solidFill>
-                          <a:srgbClr val="FFFFFF"/>
-                        </a:solidFill>
-                        <a:effectLst/>
-                        <a:latin typeface="Arial" panose="020B0604020202020204" pitchFamily="34" charset="0"/>
-                      </a:endParaRPr>
-                    </a:p>
-                  </a:txBody>
-                  <a:tcPr marL="6805" marR="6805" marT="6805" marB="0" anchor="b"/>
-                </a:tc>
-                <a:tc>
-                  <a:txBody>
-                    <a:bodyPr/>
-                    <a:lstStyle/>
-                    <a:p>
-                      <a:pPr algn="ctr" fontAlgn="b"/>
-                      <a:r>
-                        <a:rPr lang="fr-FR" sz="900" u="none" strike="noStrike">
-                          <a:effectLst/>
-                        </a:rPr>
-                        <a:t>Action recommandée</a:t>
-                      </a:r>
-                      <a:endParaRPr lang="fr-FR" sz="900" b="1" i="0" u="none" strike="noStrike">
-                        <a:solidFill>
-                          <a:srgbClr val="FFFFFF"/>
-                        </a:solidFill>
-                        <a:effectLst/>
-                        <a:latin typeface="Arial" panose="020B0604020202020204" pitchFamily="34" charset="0"/>
-                      </a:endParaRPr>
-                    </a:p>
-                  </a:txBody>
-                  <a:tcPr marL="6805" marR="6805" marT="6805" marB="0" anchor="b"/>
-                </a:tc>
-              </a:tr>
-              <a:tr h="166787">
-                <a:tc>
-                  <a:txBody>
-                    <a:bodyPr/>
-                    <a:lstStyle/>
-                    <a:p>
-                      <a:pPr algn="l" fontAlgn="b"/>
-                      <a:r>
-                        <a:rPr lang="fr-FR" sz="900" u="none" strike="noStrike">
-                          <a:effectLst/>
-                        </a:rPr>
-                        <a:t>(SEO ou accessiblité ?)</a:t>
-                      </a:r>
-                      <a:endParaRPr lang="fr-FR" sz="900" b="0" i="0" u="none" strike="noStrike">
-                        <a:solidFill>
-                          <a:srgbClr val="000000"/>
-                        </a:solidFill>
-                        <a:effectLst/>
-                        <a:latin typeface="Calibri" panose="020F0502020204030204" pitchFamily="34" charset="0"/>
-                      </a:endParaRPr>
-                    </a:p>
-                  </a:txBody>
-                  <a:tcPr marL="6805" marR="6805" marT="6805" marB="0" anchor="b"/>
-                </a:tc>
-                <a:tc>
-                  <a:txBody>
-                    <a:bodyPr/>
-                    <a:lstStyle/>
-                    <a:p>
-                      <a:pPr algn="l" fontAlgn="b"/>
-                      <a:endParaRPr lang="fr-FR" sz="900" b="1" i="0" u="none" strike="noStrike">
-                        <a:solidFill>
-                          <a:srgbClr val="000000"/>
-                        </a:solidFill>
-                        <a:effectLst/>
-                        <a:latin typeface="Arial" panose="020B0604020202020204" pitchFamily="34" charset="0"/>
-                      </a:endParaRPr>
-                    </a:p>
-                  </a:txBody>
-                  <a:tcPr marL="6805" marR="6805" marT="6805" marB="0" anchor="b"/>
-                </a:tc>
-                <a:tc>
-                  <a:txBody>
-                    <a:bodyPr/>
-                    <a:lstStyle/>
-                    <a:p>
-                      <a:pPr algn="l" fontAlgn="b"/>
-                      <a:endParaRPr lang="fr-FR" sz="900" b="0" i="0" u="none" strike="noStrike">
-                        <a:solidFill>
-                          <a:srgbClr val="000000"/>
-                        </a:solidFill>
-                        <a:effectLst/>
-                        <a:latin typeface="Arial" panose="020B0604020202020204" pitchFamily="34" charset="0"/>
-                      </a:endParaRPr>
-                    </a:p>
-                  </a:txBody>
-                  <a:tcPr marL="6805" marR="6805" marT="6805" marB="0" anchor="b"/>
-                </a:tc>
-                <a:tc>
-                  <a:txBody>
-                    <a:bodyPr/>
-                    <a:lstStyle/>
-                    <a:p>
-                      <a:pPr algn="l" fontAlgn="b"/>
-                      <a:endParaRPr lang="fr-FR" sz="900" b="1" i="0" u="none" strike="noStrike">
-                        <a:solidFill>
-                          <a:srgbClr val="000000"/>
-                        </a:solidFill>
-                        <a:effectLst/>
-                        <a:latin typeface="Arial" panose="020B0604020202020204" pitchFamily="34" charset="0"/>
-                      </a:endParaRPr>
-                    </a:p>
-                  </a:txBody>
-                  <a:tcPr marL="6805" marR="6805" marT="6805" marB="0" anchor="b"/>
-                </a:tc>
-                <a:tc>
-                  <a:txBody>
-                    <a:bodyPr/>
-                    <a:lstStyle/>
-                    <a:p>
-                      <a:pPr algn="l" fontAlgn="b"/>
-                      <a:endParaRPr lang="fr-FR" sz="900" b="0" i="0" u="none" strike="noStrike">
-                        <a:solidFill>
-                          <a:srgbClr val="000000"/>
-                        </a:solidFill>
-                        <a:effectLst/>
-                        <a:latin typeface="Calibri" panose="020F0502020204030204" pitchFamily="34" charset="0"/>
-                      </a:endParaRPr>
-                    </a:p>
-                  </a:txBody>
-                  <a:tcPr marL="6805" marR="6805" marT="6805" marB="0" anchor="b"/>
-                </a:tc>
-              </a:tr>
-              <a:tr h="166787">
-                <a:tc>
-                  <a:txBody>
-                    <a:bodyPr/>
-                    <a:lstStyle/>
-                    <a:p>
-                      <a:pPr algn="l" fontAlgn="b"/>
-                      <a:endParaRPr lang="fr-FR" sz="900" b="0" i="0" u="none" strike="noStrike">
-                        <a:solidFill>
-                          <a:srgbClr val="000000"/>
-                        </a:solidFill>
-                        <a:effectLst/>
-                        <a:latin typeface="Arial" panose="020B0604020202020204" pitchFamily="34" charset="0"/>
-                      </a:endParaRPr>
-                    </a:p>
-                  </a:txBody>
-                  <a:tcPr marL="6805" marR="6805" marT="6805" marB="0" anchor="b"/>
-                </a:tc>
-                <a:tc>
-                  <a:txBody>
-                    <a:bodyPr/>
-                    <a:lstStyle/>
-                    <a:p>
-                      <a:pPr algn="l" fontAlgn="b"/>
-                      <a:r>
-                        <a:rPr lang="fr-FR" sz="900" u="none" strike="noStrike">
-                          <a:effectLst/>
-                        </a:rPr>
-                        <a:t>Mots clées</a:t>
-                      </a:r>
-                      <a:endParaRPr lang="fr-FR" sz="900" b="1" i="0" u="none" strike="noStrike">
-                        <a:solidFill>
-                          <a:srgbClr val="000000"/>
-                        </a:solidFill>
-                        <a:effectLst/>
-                        <a:latin typeface="Arial" panose="020B0604020202020204" pitchFamily="34" charset="0"/>
-                      </a:endParaRPr>
-                    </a:p>
-                  </a:txBody>
-                  <a:tcPr marL="6805" marR="6805" marT="6805" marB="0" anchor="b"/>
-                </a:tc>
-                <a:tc>
-                  <a:txBody>
-                    <a:bodyPr/>
-                    <a:lstStyle/>
-                    <a:p>
-                      <a:pPr algn="l" fontAlgn="b"/>
-                      <a:r>
-                        <a:rPr lang="fr-FR" sz="900" u="none" strike="noStrike">
-                          <a:effectLst/>
-                        </a:rPr>
-                        <a:t>manque de mots clées pour l algoritme de google</a:t>
-                      </a:r>
-                      <a:endParaRPr lang="fr-FR" sz="900" b="0" i="0" u="none" strike="noStrike">
-                        <a:solidFill>
-                          <a:srgbClr val="000000"/>
-                        </a:solidFill>
-                        <a:effectLst/>
-                        <a:latin typeface="Arial" panose="020B0604020202020204" pitchFamily="34" charset="0"/>
-                      </a:endParaRPr>
-                    </a:p>
-                  </a:txBody>
-                  <a:tcPr marL="6805" marR="6805" marT="6805" marB="0" anchor="b"/>
-                </a:tc>
-                <a:tc>
-                  <a:txBody>
-                    <a:bodyPr/>
-                    <a:lstStyle/>
-                    <a:p>
-                      <a:pPr algn="l" fontAlgn="b"/>
-                      <a:r>
-                        <a:rPr lang="fr-FR" sz="900" u="none" strike="noStrike">
-                          <a:effectLst/>
-                        </a:rPr>
-                        <a:t>Un texte adapter </a:t>
-                      </a:r>
-                      <a:endParaRPr lang="fr-FR" sz="900" b="1" i="0" u="none" strike="noStrike">
-                        <a:solidFill>
-                          <a:srgbClr val="000000"/>
-                        </a:solidFill>
-                        <a:effectLst/>
-                        <a:latin typeface="Arial" panose="020B0604020202020204" pitchFamily="34" charset="0"/>
-                      </a:endParaRPr>
-                    </a:p>
-                  </a:txBody>
-                  <a:tcPr marL="6805" marR="6805" marT="6805" marB="0" anchor="b"/>
-                </a:tc>
-                <a:tc>
-                  <a:txBody>
-                    <a:bodyPr/>
-                    <a:lstStyle/>
-                    <a:p>
-                      <a:pPr algn="l" fontAlgn="b"/>
-                      <a:r>
-                        <a:rPr lang="fr-FR" sz="900" u="none" strike="noStrike">
-                          <a:effectLst/>
-                        </a:rPr>
-                        <a:t>google ads</a:t>
-                      </a:r>
-                      <a:endParaRPr lang="fr-FR" sz="900" b="0" i="0" u="none" strike="noStrike">
-                        <a:solidFill>
-                          <a:srgbClr val="000000"/>
-                        </a:solidFill>
-                        <a:effectLst/>
-                        <a:latin typeface="Calibri" panose="020F0502020204030204" pitchFamily="34" charset="0"/>
-                      </a:endParaRPr>
-                    </a:p>
-                  </a:txBody>
-                  <a:tcPr marL="6805" marR="6805" marT="6805" marB="0" anchor="b"/>
-                </a:tc>
-              </a:tr>
-              <a:tr h="325691">
-                <a:tc>
-                  <a:txBody>
-                    <a:bodyPr/>
-                    <a:lstStyle/>
-                    <a:p>
-                      <a:pPr algn="l" fontAlgn="b"/>
-                      <a:endParaRPr lang="fr-FR" sz="900" b="0" i="0" u="none" strike="noStrike">
-                        <a:solidFill>
-                          <a:srgbClr val="000000"/>
-                        </a:solidFill>
-                        <a:effectLst/>
-                        <a:latin typeface="Arial" panose="020B0604020202020204" pitchFamily="34" charset="0"/>
-                      </a:endParaRPr>
-                    </a:p>
-                  </a:txBody>
-                  <a:tcPr marL="6805" marR="6805" marT="6805" marB="0" anchor="b"/>
-                </a:tc>
-                <a:tc>
-                  <a:txBody>
-                    <a:bodyPr/>
-                    <a:lstStyle/>
-                    <a:p>
-                      <a:pPr algn="l" fontAlgn="b"/>
-                      <a:r>
-                        <a:rPr lang="fr-FR" sz="900" u="none" strike="noStrike">
-                          <a:effectLst/>
-                        </a:rPr>
-                        <a:t>Balise meta</a:t>
-                      </a:r>
-                      <a:endParaRPr lang="fr-FR" sz="900" b="1" i="0" u="none" strike="noStrike">
-                        <a:solidFill>
-                          <a:srgbClr val="000000"/>
-                        </a:solidFill>
-                        <a:effectLst/>
-                        <a:latin typeface="Arial" panose="020B0604020202020204" pitchFamily="34" charset="0"/>
-                      </a:endParaRPr>
-                    </a:p>
-                  </a:txBody>
-                  <a:tcPr marL="6805" marR="6805" marT="6805" marB="0" anchor="b"/>
-                </a:tc>
-                <a:tc>
-                  <a:txBody>
-                    <a:bodyPr/>
-                    <a:lstStyle/>
-                    <a:p>
-                      <a:pPr algn="l" fontAlgn="b"/>
-                      <a:r>
-                        <a:rPr lang="fr-FR" sz="900" u="none" strike="noStrike">
-                          <a:effectLst/>
-                        </a:rPr>
-                        <a:t>balise explicatif pour favoriser la comprehension du moteur de recherche</a:t>
-                      </a:r>
-                      <a:endParaRPr lang="fr-FR" sz="900" b="0" i="0" u="none" strike="noStrike">
-                        <a:solidFill>
-                          <a:srgbClr val="000000"/>
-                        </a:solidFill>
-                        <a:effectLst/>
-                        <a:latin typeface="Arial" panose="020B0604020202020204" pitchFamily="34" charset="0"/>
-                      </a:endParaRPr>
-                    </a:p>
-                  </a:txBody>
-                  <a:tcPr marL="6805" marR="6805" marT="6805" marB="0" anchor="b"/>
-                </a:tc>
-                <a:tc>
-                  <a:txBody>
-                    <a:bodyPr/>
-                    <a:lstStyle/>
-                    <a:p>
-                      <a:pPr algn="l" fontAlgn="b"/>
-                      <a:r>
-                        <a:rPr lang="fr-FR" sz="900" u="none" strike="noStrike">
-                          <a:effectLst/>
-                        </a:rPr>
-                        <a:t>balise meta avec des mots clées</a:t>
-                      </a:r>
-                      <a:endParaRPr lang="fr-FR" sz="900" b="1" i="0" u="none" strike="noStrike">
-                        <a:solidFill>
-                          <a:srgbClr val="000000"/>
-                        </a:solidFill>
-                        <a:effectLst/>
-                        <a:latin typeface="Arial" panose="020B0604020202020204" pitchFamily="34" charset="0"/>
-                      </a:endParaRPr>
-                    </a:p>
-                  </a:txBody>
-                  <a:tcPr marL="6805" marR="6805" marT="6805" marB="0" anchor="b"/>
-                </a:tc>
-                <a:tc>
-                  <a:txBody>
-                    <a:bodyPr/>
-                    <a:lstStyle/>
-                    <a:p>
-                      <a:pPr algn="l" fontAlgn="b"/>
-                      <a:r>
-                        <a:rPr lang="fr-FR" sz="900" u="none" strike="noStrike">
-                          <a:effectLst/>
-                        </a:rPr>
-                        <a:t>crées une balise et compléter le texte adapter avec des mots clées</a:t>
-                      </a:r>
-                      <a:endParaRPr lang="fr-FR" sz="900" b="0" i="0" u="none" strike="noStrike">
-                        <a:solidFill>
-                          <a:srgbClr val="000000"/>
-                        </a:solidFill>
-                        <a:effectLst/>
-                        <a:latin typeface="Calibri" panose="020F0502020204030204" pitchFamily="34" charset="0"/>
-                      </a:endParaRPr>
-                    </a:p>
-                  </a:txBody>
-                  <a:tcPr marL="6805" marR="6805" marT="6805" marB="0" anchor="b"/>
-                </a:tc>
-              </a:tr>
-              <a:tr h="166787">
-                <a:tc>
-                  <a:txBody>
-                    <a:bodyPr/>
-                    <a:lstStyle/>
-                    <a:p>
-                      <a:pPr algn="l" fontAlgn="b"/>
-                      <a:endParaRPr lang="fr-FR" sz="900" b="0" i="0" u="none" strike="noStrike">
-                        <a:solidFill>
-                          <a:srgbClr val="000000"/>
-                        </a:solidFill>
-                        <a:effectLst/>
-                        <a:latin typeface="Arial" panose="020B0604020202020204" pitchFamily="34" charset="0"/>
-                      </a:endParaRPr>
-                    </a:p>
-                  </a:txBody>
-                  <a:tcPr marL="6805" marR="6805" marT="6805" marB="0" anchor="b"/>
-                </a:tc>
-                <a:tc>
-                  <a:txBody>
-                    <a:bodyPr/>
-                    <a:lstStyle/>
-                    <a:p>
-                      <a:pPr algn="l" fontAlgn="b"/>
-                      <a:r>
-                        <a:rPr lang="fr-FR" sz="900" u="none" strike="noStrike">
-                          <a:effectLst/>
-                        </a:rPr>
-                        <a:t>Page pas responsive</a:t>
-                      </a:r>
-                      <a:endParaRPr lang="fr-FR" sz="900" b="1" i="0" u="none" strike="noStrike">
-                        <a:solidFill>
-                          <a:srgbClr val="000000"/>
-                        </a:solidFill>
-                        <a:effectLst/>
-                        <a:latin typeface="Arial" panose="020B0604020202020204" pitchFamily="34" charset="0"/>
-                      </a:endParaRPr>
-                    </a:p>
-                  </a:txBody>
-                  <a:tcPr marL="6805" marR="6805" marT="6805" marB="0" anchor="b"/>
-                </a:tc>
-                <a:tc>
-                  <a:txBody>
-                    <a:bodyPr/>
-                    <a:lstStyle/>
-                    <a:p>
-                      <a:pPr algn="l" fontAlgn="b"/>
-                      <a:r>
-                        <a:rPr lang="fr-FR" sz="900" u="none" strike="noStrike">
-                          <a:effectLst/>
-                        </a:rPr>
-                        <a:t>mauvaise experience utilisateur</a:t>
-                      </a:r>
-                      <a:endParaRPr lang="fr-FR" sz="900" b="0" i="0" u="none" strike="noStrike">
-                        <a:solidFill>
-                          <a:srgbClr val="000000"/>
-                        </a:solidFill>
-                        <a:effectLst/>
-                        <a:latin typeface="Arial" panose="020B0604020202020204" pitchFamily="34" charset="0"/>
-                      </a:endParaRPr>
-                    </a:p>
-                  </a:txBody>
-                  <a:tcPr marL="6805" marR="6805" marT="6805" marB="0" anchor="b"/>
-                </a:tc>
-                <a:tc>
-                  <a:txBody>
-                    <a:bodyPr/>
-                    <a:lstStyle/>
-                    <a:p>
-                      <a:pPr algn="l" fontAlgn="b"/>
-                      <a:r>
-                        <a:rPr lang="fr-FR" sz="900" u="none" strike="noStrike">
-                          <a:effectLst/>
-                        </a:rPr>
-                        <a:t>Adapter a tous les formats</a:t>
-                      </a:r>
-                      <a:endParaRPr lang="fr-FR" sz="900" b="1" i="0" u="none" strike="noStrike">
-                        <a:solidFill>
-                          <a:srgbClr val="000000"/>
-                        </a:solidFill>
-                        <a:effectLst/>
-                        <a:latin typeface="Arial" panose="020B0604020202020204" pitchFamily="34" charset="0"/>
-                      </a:endParaRPr>
-                    </a:p>
-                  </a:txBody>
-                  <a:tcPr marL="6805" marR="6805" marT="6805" marB="0" anchor="b"/>
-                </a:tc>
-                <a:tc>
-                  <a:txBody>
-                    <a:bodyPr/>
-                    <a:lstStyle/>
-                    <a:p>
-                      <a:pPr algn="l" fontAlgn="b"/>
-                      <a:r>
-                        <a:rPr lang="fr-FR" sz="900" u="none" strike="noStrike">
-                          <a:effectLst/>
-                        </a:rPr>
-                        <a:t>responsive</a:t>
-                      </a:r>
-                      <a:endParaRPr lang="fr-FR" sz="900" b="0" i="0" u="none" strike="noStrike">
-                        <a:solidFill>
-                          <a:srgbClr val="000000"/>
-                        </a:solidFill>
-                        <a:effectLst/>
-                        <a:latin typeface="Calibri" panose="020F0502020204030204" pitchFamily="34" charset="0"/>
-                      </a:endParaRPr>
-                    </a:p>
-                  </a:txBody>
-                  <a:tcPr marL="6805" marR="6805" marT="6805" marB="0" anchor="b"/>
-                </a:tc>
-              </a:tr>
-              <a:tr h="166787">
-                <a:tc>
-                  <a:txBody>
-                    <a:bodyPr/>
-                    <a:lstStyle/>
-                    <a:p>
-                      <a:pPr algn="l" fontAlgn="b"/>
-                      <a:endParaRPr lang="fr-FR" sz="900" b="0" i="0" u="none" strike="noStrike">
-                        <a:solidFill>
-                          <a:srgbClr val="000000"/>
-                        </a:solidFill>
-                        <a:effectLst/>
-                        <a:latin typeface="Arial" panose="020B0604020202020204" pitchFamily="34" charset="0"/>
-                      </a:endParaRPr>
-                    </a:p>
-                  </a:txBody>
-                  <a:tcPr marL="6805" marR="6805" marT="6805" marB="0" anchor="b"/>
-                </a:tc>
-                <a:tc>
-                  <a:txBody>
-                    <a:bodyPr/>
-                    <a:lstStyle/>
-                    <a:p>
-                      <a:pPr algn="l" fontAlgn="b"/>
-                      <a:r>
-                        <a:rPr lang="fr-FR" sz="900" u="none" strike="noStrike">
-                          <a:effectLst/>
-                        </a:rPr>
-                        <a:t>Page longue à charger</a:t>
-                      </a:r>
-                      <a:endParaRPr lang="fr-FR" sz="900" b="1" i="0" u="none" strike="noStrike">
-                        <a:solidFill>
-                          <a:srgbClr val="000000"/>
-                        </a:solidFill>
-                        <a:effectLst/>
-                        <a:latin typeface="Arial" panose="020B0604020202020204" pitchFamily="34" charset="0"/>
-                      </a:endParaRPr>
-                    </a:p>
-                  </a:txBody>
-                  <a:tcPr marL="6805" marR="6805" marT="6805" marB="0" anchor="b"/>
-                </a:tc>
-                <a:tc>
-                  <a:txBody>
-                    <a:bodyPr/>
-                    <a:lstStyle/>
-                    <a:p>
-                      <a:pPr algn="l" fontAlgn="b"/>
-                      <a:r>
-                        <a:rPr lang="fr-FR" sz="900" u="none" strike="noStrike">
-                          <a:effectLst/>
-                        </a:rPr>
-                        <a:t>les page sont trop longues a charger</a:t>
-                      </a:r>
-                      <a:endParaRPr lang="fr-FR" sz="900" b="0" i="0" u="none" strike="noStrike">
-                        <a:solidFill>
-                          <a:srgbClr val="000000"/>
-                        </a:solidFill>
-                        <a:effectLst/>
-                        <a:latin typeface="Arial" panose="020B0604020202020204" pitchFamily="34" charset="0"/>
-                      </a:endParaRPr>
-                    </a:p>
-                  </a:txBody>
-                  <a:tcPr marL="6805" marR="6805" marT="6805" marB="0" anchor="b"/>
-                </a:tc>
-                <a:tc>
-                  <a:txBody>
-                    <a:bodyPr/>
-                    <a:lstStyle/>
-                    <a:p>
-                      <a:pPr algn="l" fontAlgn="b"/>
-                      <a:r>
-                        <a:rPr lang="fr-FR" sz="900" u="none" strike="noStrike">
-                          <a:effectLst/>
-                        </a:rPr>
-                        <a:t>Reduir les page de code</a:t>
-                      </a:r>
-                      <a:endParaRPr lang="fr-FR" sz="900" b="1" i="0" u="none" strike="noStrike">
-                        <a:solidFill>
-                          <a:srgbClr val="000000"/>
-                        </a:solidFill>
-                        <a:effectLst/>
-                        <a:latin typeface="Arial" panose="020B0604020202020204" pitchFamily="34" charset="0"/>
-                      </a:endParaRPr>
-                    </a:p>
-                  </a:txBody>
-                  <a:tcPr marL="6805" marR="6805" marT="6805" marB="0" anchor="b"/>
-                </a:tc>
-                <a:tc>
-                  <a:txBody>
-                    <a:bodyPr/>
-                    <a:lstStyle/>
-                    <a:p>
-                      <a:pPr algn="l" fontAlgn="b"/>
-                      <a:r>
-                        <a:rPr lang="fr-FR" sz="900" u="none" strike="noStrike">
-                          <a:effectLst/>
-                        </a:rPr>
-                        <a:t>minifier</a:t>
-                      </a:r>
-                      <a:endParaRPr lang="fr-FR" sz="900" b="0" i="0" u="none" strike="noStrike">
-                        <a:solidFill>
-                          <a:srgbClr val="000000"/>
-                        </a:solidFill>
-                        <a:effectLst/>
-                        <a:latin typeface="Calibri" panose="020F0502020204030204" pitchFamily="34" charset="0"/>
-                      </a:endParaRPr>
-                    </a:p>
-                  </a:txBody>
-                  <a:tcPr marL="6805" marR="6805" marT="6805" marB="0" anchor="b"/>
-                </a:tc>
-              </a:tr>
-              <a:tr h="166787">
-                <a:tc>
-                  <a:txBody>
-                    <a:bodyPr/>
-                    <a:lstStyle/>
-                    <a:p>
-                      <a:pPr algn="l" fontAlgn="b"/>
-                      <a:endParaRPr lang="fr-FR" sz="900" b="0" i="0" u="none" strike="noStrike">
-                        <a:solidFill>
-                          <a:srgbClr val="000000"/>
-                        </a:solidFill>
-                        <a:effectLst/>
-                        <a:latin typeface="Arial" panose="020B0604020202020204" pitchFamily="34" charset="0"/>
-                      </a:endParaRPr>
-                    </a:p>
-                  </a:txBody>
-                  <a:tcPr marL="6805" marR="6805" marT="6805" marB="0" anchor="b"/>
-                </a:tc>
-                <a:tc>
-                  <a:txBody>
-                    <a:bodyPr/>
-                    <a:lstStyle/>
-                    <a:p>
-                      <a:pPr algn="l" fontAlgn="b"/>
-                      <a:r>
-                        <a:rPr lang="fr-FR" sz="900" u="none" strike="noStrike">
-                          <a:effectLst/>
-                        </a:rPr>
-                        <a:t>Balises sémentique h1 et h2</a:t>
-                      </a:r>
-                      <a:endParaRPr lang="fr-FR" sz="900" b="1" i="0" u="none" strike="noStrike">
-                        <a:solidFill>
-                          <a:srgbClr val="000000"/>
-                        </a:solidFill>
-                        <a:effectLst/>
-                        <a:latin typeface="Arial" panose="020B0604020202020204" pitchFamily="34" charset="0"/>
-                      </a:endParaRPr>
-                    </a:p>
-                  </a:txBody>
-                  <a:tcPr marL="6805" marR="6805" marT="6805" marB="0" anchor="b"/>
-                </a:tc>
-                <a:tc>
-                  <a:txBody>
-                    <a:bodyPr/>
-                    <a:lstStyle/>
-                    <a:p>
-                      <a:pPr algn="l" fontAlgn="b"/>
-                      <a:r>
-                        <a:rPr lang="fr-FR" sz="900" u="none" strike="noStrike">
-                          <a:effectLst/>
-                        </a:rPr>
-                        <a:t>des balises avec de bon mot clé</a:t>
-                      </a:r>
-                      <a:endParaRPr lang="fr-FR" sz="900" b="0" i="0" u="none" strike="noStrike">
-                        <a:solidFill>
-                          <a:srgbClr val="000000"/>
-                        </a:solidFill>
-                        <a:effectLst/>
-                        <a:latin typeface="Arial" panose="020B0604020202020204" pitchFamily="34" charset="0"/>
-                      </a:endParaRPr>
-                    </a:p>
-                  </a:txBody>
-                  <a:tcPr marL="6805" marR="6805" marT="6805" marB="0" anchor="b"/>
-                </a:tc>
-                <a:tc>
-                  <a:txBody>
-                    <a:bodyPr/>
-                    <a:lstStyle/>
-                    <a:p>
-                      <a:pPr algn="l" fontAlgn="b"/>
-                      <a:r>
-                        <a:rPr lang="fr-FR" sz="900" u="none" strike="noStrike">
-                          <a:effectLst/>
-                        </a:rPr>
-                        <a:t>Une titre et des sous titre</a:t>
-                      </a:r>
-                      <a:endParaRPr lang="fr-FR" sz="900" b="1" i="0" u="none" strike="noStrike">
-                        <a:solidFill>
-                          <a:srgbClr val="000000"/>
-                        </a:solidFill>
-                        <a:effectLst/>
-                        <a:latin typeface="Arial" panose="020B0604020202020204" pitchFamily="34" charset="0"/>
-                      </a:endParaRPr>
-                    </a:p>
-                  </a:txBody>
-                  <a:tcPr marL="6805" marR="6805" marT="6805" marB="0" anchor="b"/>
-                </a:tc>
-                <a:tc>
-                  <a:txBody>
-                    <a:bodyPr/>
-                    <a:lstStyle/>
-                    <a:p>
-                      <a:pPr algn="l" fontAlgn="b"/>
-                      <a:r>
-                        <a:rPr lang="fr-FR" sz="900" u="none" strike="noStrike">
-                          <a:effectLst/>
-                        </a:rPr>
-                        <a:t>crée les balises</a:t>
-                      </a:r>
-                      <a:endParaRPr lang="fr-FR" sz="900" b="0" i="0" u="none" strike="noStrike">
-                        <a:solidFill>
-                          <a:srgbClr val="000000"/>
-                        </a:solidFill>
-                        <a:effectLst/>
-                        <a:latin typeface="Calibri" panose="020F0502020204030204" pitchFamily="34" charset="0"/>
-                      </a:endParaRPr>
-                    </a:p>
-                  </a:txBody>
-                  <a:tcPr marL="6805" marR="6805" marT="6805" marB="0" anchor="b"/>
-                </a:tc>
-              </a:tr>
-              <a:tr h="166787">
-                <a:tc>
-                  <a:txBody>
-                    <a:bodyPr/>
-                    <a:lstStyle/>
-                    <a:p>
-                      <a:pPr algn="l" fontAlgn="b"/>
-                      <a:endParaRPr lang="fr-FR" sz="900" b="0" i="0" u="none" strike="noStrike">
-                        <a:solidFill>
-                          <a:srgbClr val="000000"/>
-                        </a:solidFill>
-                        <a:effectLst/>
-                        <a:latin typeface="Arial" panose="020B0604020202020204" pitchFamily="34" charset="0"/>
-                      </a:endParaRPr>
-                    </a:p>
-                  </a:txBody>
-                  <a:tcPr marL="6805" marR="6805" marT="6805" marB="0" anchor="b"/>
-                </a:tc>
-                <a:tc>
-                  <a:txBody>
-                    <a:bodyPr/>
-                    <a:lstStyle/>
-                    <a:p>
-                      <a:pPr algn="l" fontAlgn="b"/>
-                      <a:r>
-                        <a:rPr lang="fr-FR" sz="900" u="none" strike="noStrike">
-                          <a:effectLst/>
-                        </a:rPr>
-                        <a:t>Affichage pas adapter</a:t>
-                      </a:r>
-                      <a:endParaRPr lang="fr-FR" sz="900" b="1" i="0" u="none" strike="noStrike">
-                        <a:solidFill>
-                          <a:srgbClr val="000000"/>
-                        </a:solidFill>
-                        <a:effectLst/>
-                        <a:latin typeface="Arial" panose="020B0604020202020204" pitchFamily="34" charset="0"/>
-                      </a:endParaRPr>
-                    </a:p>
-                  </a:txBody>
-                  <a:tcPr marL="6805" marR="6805" marT="6805" marB="0" anchor="b"/>
-                </a:tc>
-                <a:tc>
-                  <a:txBody>
-                    <a:bodyPr/>
-                    <a:lstStyle/>
-                    <a:p>
-                      <a:pPr algn="l" fontAlgn="b"/>
-                      <a:r>
-                        <a:rPr lang="fr-FR" sz="900" u="none" strike="noStrike" dirty="0">
-                          <a:effectLst/>
-                        </a:rPr>
-                        <a:t>texte trop petit, pas lisible pour les mal voyant</a:t>
-                      </a:r>
-                      <a:endParaRPr lang="fr-FR" sz="900" b="0" i="0" u="none" strike="noStrike" dirty="0">
-                        <a:solidFill>
-                          <a:srgbClr val="000000"/>
-                        </a:solidFill>
-                        <a:effectLst/>
-                        <a:latin typeface="Arial" panose="020B0604020202020204" pitchFamily="34" charset="0"/>
-                      </a:endParaRPr>
-                    </a:p>
-                  </a:txBody>
-                  <a:tcPr marL="6805" marR="6805" marT="6805" marB="0" anchor="b"/>
-                </a:tc>
-                <a:tc>
-                  <a:txBody>
-                    <a:bodyPr/>
-                    <a:lstStyle/>
-                    <a:p>
-                      <a:pPr algn="l" fontAlgn="b"/>
-                      <a:r>
-                        <a:rPr lang="fr-FR" sz="900" u="none" strike="noStrike">
-                          <a:effectLst/>
-                        </a:rPr>
-                        <a:t>des couleurs et des tailles de texte adapter</a:t>
-                      </a:r>
-                      <a:endParaRPr lang="fr-FR" sz="900" b="1" i="0" u="none" strike="noStrike">
-                        <a:solidFill>
-                          <a:srgbClr val="000000"/>
-                        </a:solidFill>
-                        <a:effectLst/>
-                        <a:latin typeface="Arial" panose="020B0604020202020204" pitchFamily="34" charset="0"/>
-                      </a:endParaRPr>
-                    </a:p>
-                  </a:txBody>
-                  <a:tcPr marL="6805" marR="6805" marT="6805" marB="0" anchor="b"/>
-                </a:tc>
-                <a:tc>
-                  <a:txBody>
-                    <a:bodyPr/>
-                    <a:lstStyle/>
-                    <a:p>
-                      <a:pPr algn="l" fontAlgn="b"/>
-                      <a:r>
-                        <a:rPr lang="fr-FR" sz="900" u="none" strike="noStrike">
-                          <a:effectLst/>
-                        </a:rPr>
-                        <a:t>revoir le css</a:t>
-                      </a:r>
-                      <a:endParaRPr lang="fr-FR" sz="900" b="0" i="0" u="none" strike="noStrike">
-                        <a:solidFill>
-                          <a:srgbClr val="000000"/>
-                        </a:solidFill>
-                        <a:effectLst/>
-                        <a:latin typeface="Calibri" panose="020F0502020204030204" pitchFamily="34" charset="0"/>
-                      </a:endParaRPr>
-                    </a:p>
-                  </a:txBody>
-                  <a:tcPr marL="6805" marR="6805" marT="6805" marB="0" anchor="b"/>
-                </a:tc>
-              </a:tr>
-              <a:tr h="166787">
-                <a:tc>
-                  <a:txBody>
-                    <a:bodyPr/>
-                    <a:lstStyle/>
-                    <a:p>
-                      <a:pPr algn="l" fontAlgn="b"/>
-                      <a:endParaRPr lang="fr-FR" sz="900" b="0" i="0" u="none" strike="noStrike">
-                        <a:solidFill>
-                          <a:srgbClr val="000000"/>
-                        </a:solidFill>
-                        <a:effectLst/>
-                        <a:latin typeface="Arial" panose="020B0604020202020204" pitchFamily="34" charset="0"/>
-                      </a:endParaRPr>
-                    </a:p>
-                  </a:txBody>
-                  <a:tcPr marL="6805" marR="6805" marT="6805" marB="0" anchor="b"/>
-                </a:tc>
-                <a:tc>
-                  <a:txBody>
-                    <a:bodyPr/>
-                    <a:lstStyle/>
-                    <a:p>
-                      <a:pPr algn="l" fontAlgn="b"/>
-                      <a:r>
-                        <a:rPr lang="fr-FR" sz="900" u="none" strike="noStrike">
-                          <a:effectLst/>
-                        </a:rPr>
-                        <a:t>Liens pages</a:t>
-                      </a:r>
-                      <a:endParaRPr lang="fr-FR" sz="900" b="1" i="0" u="none" strike="noStrike">
-                        <a:solidFill>
-                          <a:srgbClr val="000000"/>
-                        </a:solidFill>
-                        <a:effectLst/>
-                        <a:latin typeface="Arial" panose="020B0604020202020204" pitchFamily="34" charset="0"/>
-                      </a:endParaRPr>
-                    </a:p>
-                  </a:txBody>
-                  <a:tcPr marL="6805" marR="6805" marT="6805" marB="0" anchor="b"/>
-                </a:tc>
-                <a:tc>
-                  <a:txBody>
-                    <a:bodyPr/>
-                    <a:lstStyle/>
-                    <a:p>
-                      <a:pPr algn="l" fontAlgn="b"/>
-                      <a:r>
-                        <a:rPr lang="fr-FR" sz="900" u="none" strike="noStrike">
-                          <a:effectLst/>
-                        </a:rPr>
-                        <a:t>le site manque de liens de trafic</a:t>
-                      </a:r>
-                      <a:endParaRPr lang="fr-FR" sz="900" b="0" i="0" u="none" strike="noStrike">
-                        <a:solidFill>
-                          <a:srgbClr val="000000"/>
-                        </a:solidFill>
-                        <a:effectLst/>
-                        <a:latin typeface="Arial" panose="020B0604020202020204" pitchFamily="34" charset="0"/>
-                      </a:endParaRPr>
-                    </a:p>
-                  </a:txBody>
-                  <a:tcPr marL="6805" marR="6805" marT="6805" marB="0" anchor="b"/>
-                </a:tc>
-                <a:tc>
-                  <a:txBody>
-                    <a:bodyPr/>
-                    <a:lstStyle/>
-                    <a:p>
-                      <a:pPr algn="l" fontAlgn="b"/>
-                      <a:r>
-                        <a:rPr lang="fr-FR" sz="900" u="none" strike="noStrike">
-                          <a:effectLst/>
-                        </a:rPr>
-                        <a:t>Crees de vrai liens site</a:t>
-                      </a:r>
-                      <a:endParaRPr lang="fr-FR" sz="900" b="1" i="0" u="none" strike="noStrike">
-                        <a:solidFill>
-                          <a:srgbClr val="000000"/>
-                        </a:solidFill>
-                        <a:effectLst/>
-                        <a:latin typeface="Arial" panose="020B0604020202020204" pitchFamily="34" charset="0"/>
-                      </a:endParaRPr>
-                    </a:p>
-                  </a:txBody>
-                  <a:tcPr marL="6805" marR="6805" marT="6805" marB="0" anchor="b"/>
-                </a:tc>
-                <a:tc>
-                  <a:txBody>
-                    <a:bodyPr/>
-                    <a:lstStyle/>
-                    <a:p>
-                      <a:pPr algn="l" fontAlgn="b"/>
-                      <a:r>
-                        <a:rPr lang="fr-FR" sz="900" u="none" strike="noStrike">
-                          <a:effectLst/>
-                        </a:rPr>
-                        <a:t>appler des clients faire de la pub</a:t>
-                      </a:r>
-                      <a:endParaRPr lang="fr-FR" sz="900" b="0" i="0" u="none" strike="noStrike">
-                        <a:solidFill>
-                          <a:srgbClr val="000000"/>
-                        </a:solidFill>
-                        <a:effectLst/>
-                        <a:latin typeface="Calibri" panose="020F0502020204030204" pitchFamily="34" charset="0"/>
-                      </a:endParaRPr>
-                    </a:p>
-                  </a:txBody>
-                  <a:tcPr marL="6805" marR="6805" marT="6805" marB="0" anchor="b"/>
-                </a:tc>
-              </a:tr>
-              <a:tr h="166787">
-                <a:tc>
-                  <a:txBody>
-                    <a:bodyPr/>
-                    <a:lstStyle/>
-                    <a:p>
-                      <a:pPr algn="l" fontAlgn="b"/>
-                      <a:endParaRPr lang="fr-FR" sz="900" b="0" i="0" u="none" strike="noStrike">
-                        <a:solidFill>
-                          <a:srgbClr val="000000"/>
-                        </a:solidFill>
-                        <a:effectLst/>
-                        <a:latin typeface="Arial" panose="020B0604020202020204" pitchFamily="34" charset="0"/>
-                      </a:endParaRPr>
-                    </a:p>
-                  </a:txBody>
-                  <a:tcPr marL="6805" marR="6805" marT="6805" marB="0" anchor="b"/>
-                </a:tc>
-                <a:tc>
-                  <a:txBody>
-                    <a:bodyPr/>
-                    <a:lstStyle/>
-                    <a:p>
-                      <a:pPr algn="l" fontAlgn="b"/>
-                      <a:r>
-                        <a:rPr lang="fr-FR" sz="900" u="none" strike="noStrike">
-                          <a:effectLst/>
-                        </a:rPr>
-                        <a:t>réseaux sociaux</a:t>
-                      </a:r>
-                      <a:endParaRPr lang="fr-FR" sz="900" b="1" i="0" u="none" strike="noStrike">
-                        <a:solidFill>
-                          <a:srgbClr val="000000"/>
-                        </a:solidFill>
-                        <a:effectLst/>
-                        <a:latin typeface="Arial" panose="020B0604020202020204" pitchFamily="34" charset="0"/>
-                      </a:endParaRPr>
-                    </a:p>
-                  </a:txBody>
-                  <a:tcPr marL="6805" marR="6805" marT="6805" marB="0" anchor="b"/>
-                </a:tc>
-                <a:tc>
-                  <a:txBody>
-                    <a:bodyPr/>
-                    <a:lstStyle/>
-                    <a:p>
-                      <a:pPr algn="l" fontAlgn="b"/>
-                      <a:r>
-                        <a:rPr lang="fr-FR" sz="900" u="none" strike="noStrike">
-                          <a:effectLst/>
-                        </a:rPr>
-                        <a:t>les liens ne sont pas raccorder </a:t>
-                      </a:r>
-                      <a:endParaRPr lang="fr-FR" sz="900" b="0" i="0" u="none" strike="noStrike">
-                        <a:solidFill>
-                          <a:srgbClr val="000000"/>
-                        </a:solidFill>
-                        <a:effectLst/>
-                        <a:latin typeface="Arial" panose="020B0604020202020204" pitchFamily="34" charset="0"/>
-                      </a:endParaRPr>
-                    </a:p>
-                  </a:txBody>
-                  <a:tcPr marL="6805" marR="6805" marT="6805" marB="0" anchor="b"/>
-                </a:tc>
-                <a:tc>
-                  <a:txBody>
-                    <a:bodyPr/>
-                    <a:lstStyle/>
-                    <a:p>
-                      <a:pPr algn="l" fontAlgn="b"/>
-                      <a:r>
-                        <a:rPr lang="fr-FR" sz="900" u="none" strike="noStrike">
-                          <a:effectLst/>
-                        </a:rPr>
-                        <a:t>crées les liens</a:t>
-                      </a:r>
-                      <a:endParaRPr lang="fr-FR" sz="900" b="1" i="0" u="none" strike="noStrike">
-                        <a:solidFill>
-                          <a:srgbClr val="000000"/>
-                        </a:solidFill>
-                        <a:effectLst/>
-                        <a:latin typeface="Arial" panose="020B0604020202020204" pitchFamily="34" charset="0"/>
-                      </a:endParaRPr>
-                    </a:p>
-                  </a:txBody>
-                  <a:tcPr marL="6805" marR="6805" marT="6805" marB="0" anchor="b"/>
-                </a:tc>
-                <a:tc>
-                  <a:txBody>
-                    <a:bodyPr/>
-                    <a:lstStyle/>
-                    <a:p>
-                      <a:pPr algn="l" fontAlgn="b"/>
-                      <a:r>
-                        <a:rPr lang="fr-FR" sz="900" u="none" strike="noStrike" dirty="0">
-                          <a:effectLst/>
-                        </a:rPr>
-                        <a:t>faire de la pub sur les réseaux sociaux</a:t>
-                      </a:r>
-                      <a:endParaRPr lang="fr-FR" sz="900" b="0" i="0" u="none" strike="noStrike" dirty="0">
-                        <a:solidFill>
-                          <a:srgbClr val="000000"/>
-                        </a:solidFill>
-                        <a:effectLst/>
-                        <a:latin typeface="Calibri" panose="020F0502020204030204" pitchFamily="34" charset="0"/>
-                      </a:endParaRPr>
-                    </a:p>
-                  </a:txBody>
-                  <a:tcPr marL="6805" marR="6805" marT="6805" marB="0" anchor="b"/>
-                </a:tc>
-              </a:tr>
-            </a:tbl>
-          </a:graphicData>
-        </a:graphic>
-      </p:graphicFrame>
+            <a:r>
+              <a:rPr lang="fr-FR" sz="4400" dirty="0" smtClean="0">
+                <a:solidFill>
+                  <a:srgbClr val="CF384A"/>
+                </a:solidFill>
+              </a:rPr>
+              <a:t>Keywords mots clés</a:t>
+            </a:r>
+            <a:endParaRPr lang="fr-FR" sz="4400" dirty="0">
+              <a:solidFill>
+                <a:srgbClr val="CF384A"/>
+              </a:solidFill>
+            </a:endParaRPr>
+          </a:p>
+        </p:txBody>
+      </p:sp>
+      <p:pic>
+        <p:nvPicPr>
+          <p:cNvPr id="8" name="Image 7"/>
+          <p:cNvPicPr>
+            <a:picLocks noChangeAspect="1"/>
+          </p:cNvPicPr>
+          <p:nvPr/>
+        </p:nvPicPr>
+        <p:blipFill>
+          <a:blip r:embed="rId3"/>
+          <a:stretch>
+            <a:fillRect/>
+          </a:stretch>
+        </p:blipFill>
+        <p:spPr>
+          <a:xfrm>
+            <a:off x="654628" y="2078818"/>
+            <a:ext cx="8811274" cy="696543"/>
+          </a:xfrm>
+          <a:prstGeom prst="rect">
+            <a:avLst/>
+          </a:prstGeom>
+        </p:spPr>
+      </p:pic>
+      <p:sp>
+        <p:nvSpPr>
+          <p:cNvPr id="9" name="Rectangle à coins arrondis 8"/>
+          <p:cNvSpPr/>
+          <p:nvPr/>
+        </p:nvSpPr>
+        <p:spPr>
+          <a:xfrm>
+            <a:off x="1368136" y="4390043"/>
+            <a:ext cx="9455728" cy="2047010"/>
+          </a:xfrm>
+          <a:prstGeom prst="roundRect">
+            <a:avLst/>
+          </a:prstGeom>
+          <a:solidFill>
+            <a:srgbClr val="CF384A"/>
+          </a:solidFill>
+          <a:ln>
+            <a:solidFill>
+              <a:srgbClr val="FAC74E"/>
+            </a:solidFill>
+          </a:ln>
+        </p:spPr>
+        <p:style>
+          <a:lnRef idx="2">
+            <a:schemeClr val="accent1">
+              <a:shade val="50000"/>
+            </a:schemeClr>
+          </a:lnRef>
+          <a:fillRef idx="1">
+            <a:schemeClr val="accent1"/>
+          </a:fillRef>
+          <a:effectRef idx="0">
+            <a:schemeClr val="accent1"/>
+          </a:effectRef>
+          <a:fontRef idx="minor">
+            <a:schemeClr val="lt1"/>
+          </a:fontRef>
+        </p:style>
+        <p:txBody>
+          <a:bodyPr rtlCol="0" anchor="ctr"/>
+          <a:lstStyle/>
+          <a:p>
+            <a:pPr marL="571500" indent="-571500" algn="ctr">
+              <a:buFont typeface="Arial" panose="020B0604020202020204" pitchFamily="34" charset="0"/>
+              <a:buChar char="•"/>
+            </a:pPr>
+            <a:r>
+              <a:rPr lang="fr-FR" sz="3600" dirty="0" smtClean="0">
+                <a:solidFill>
+                  <a:srgbClr val="FAC74E"/>
+                </a:solidFill>
+              </a:rPr>
+              <a:t>Pratique qui n’est plus utilisée </a:t>
+            </a:r>
+            <a:endParaRPr lang="fr-FR" sz="3600" dirty="0">
+              <a:solidFill>
+                <a:srgbClr val="FAC74E"/>
+              </a:solidFill>
+            </a:endParaRPr>
+          </a:p>
+        </p:txBody>
+      </p:sp>
+      <p:sp>
+        <p:nvSpPr>
+          <p:cNvPr id="2" name="Rectangle à coins arrondis 1"/>
+          <p:cNvSpPr/>
+          <p:nvPr/>
+        </p:nvSpPr>
+        <p:spPr>
+          <a:xfrm>
+            <a:off x="319314" y="6476097"/>
+            <a:ext cx="1291772" cy="268547"/>
+          </a:xfrm>
+          <a:prstGeom prst="roundRect">
+            <a:avLst/>
+          </a:prstGeom>
+        </p:spPr>
+        <p:style>
+          <a:lnRef idx="2">
+            <a:schemeClr val="accent1">
+              <a:shade val="50000"/>
+            </a:schemeClr>
+          </a:lnRef>
+          <a:fillRef idx="1">
+            <a:schemeClr val="accent1"/>
+          </a:fillRef>
+          <a:effectRef idx="0">
+            <a:schemeClr val="accent1"/>
+          </a:effectRef>
+          <a:fontRef idx="minor">
+            <a:schemeClr val="lt1"/>
+          </a:fontRef>
+        </p:style>
+        <p:txBody>
+          <a:bodyPr rtlCol="0" anchor="ctr"/>
+          <a:lstStyle/>
+          <a:p>
+            <a:pPr algn="ctr"/>
+            <a:r>
+              <a:rPr lang="fr-FR" dirty="0" smtClean="0"/>
+              <a:t>Mots clés</a:t>
+            </a:r>
+            <a:endParaRPr lang="fr-FR" dirty="0"/>
+          </a:p>
+        </p:txBody>
+      </p:sp>
     </p:spTree>
     <p:extLst>
       <p:ext uri="{BB962C8B-B14F-4D97-AF65-F5344CB8AC3E}">
-        <p14:creationId xmlns:p14="http://schemas.microsoft.com/office/powerpoint/2010/main" val="1951092109"/>
+        <p14:creationId xmlns:p14="http://schemas.microsoft.com/office/powerpoint/2010/main" val="3839107337"/>
+      </p:ext>
+    </p:extLst>
+  </p:cSld>
+  <p:clrMapOvr>
+    <a:masterClrMapping/>
+  </p:clrMapOvr>
+  <p:timing>
+    <p:tnLst>
+      <p:par>
+        <p:cTn id="1" dur="indefinite" restart="never" nodeType="tmRoot"/>
+      </p:par>
+    </p:tnLst>
+  </p:timing>
+</p:sld>
+</file>
+
+<file path=ppt/slides/slide3.xml><?xml version="1.0" encoding="utf-8"?>
+<p:sld xmlns:a="http://schemas.openxmlformats.org/drawingml/2006/main" xmlns:r="http://schemas.openxmlformats.org/officeDocument/2006/relationships" xmlns:p="http://schemas.openxmlformats.org/presentationml/2006/main">
+  <p:cSld>
+    <p:spTree>
+      <p:nvGrpSpPr>
+        <p:cNvPr id="1" name=""/>
+        <p:cNvGrpSpPr/>
+        <p:nvPr/>
+      </p:nvGrpSpPr>
+      <p:grpSpPr>
+        <a:xfrm>
+          <a:off x="0" y="0"/>
+          <a:ext cx="0" cy="0"/>
+          <a:chOff x="0" y="0"/>
+          <a:chExt cx="0" cy="0"/>
+        </a:xfrm>
+      </p:grpSpPr>
+      <p:sp>
+        <p:nvSpPr>
+          <p:cNvPr id="7" name="Rectangle à coins arrondis 6"/>
+          <p:cNvSpPr/>
+          <p:nvPr/>
+        </p:nvSpPr>
+        <p:spPr>
+          <a:xfrm>
+            <a:off x="571500" y="365125"/>
+            <a:ext cx="9892145" cy="1325563"/>
+          </a:xfrm>
+          <a:prstGeom prst="roundRect">
+            <a:avLst/>
+          </a:prstGeom>
+          <a:solidFill>
+            <a:srgbClr val="CF384A"/>
+          </a:solidFill>
+          <a:ln>
+            <a:solidFill>
+              <a:srgbClr val="FAC74E"/>
+            </a:solidFill>
+          </a:ln>
+        </p:spPr>
+        <p:style>
+          <a:lnRef idx="2">
+            <a:schemeClr val="accent1">
+              <a:shade val="50000"/>
+            </a:schemeClr>
+          </a:lnRef>
+          <a:fillRef idx="1">
+            <a:schemeClr val="accent1"/>
+          </a:fillRef>
+          <a:effectRef idx="0">
+            <a:schemeClr val="accent1"/>
+          </a:effectRef>
+          <a:fontRef idx="minor">
+            <a:schemeClr val="lt1"/>
+          </a:fontRef>
+        </p:style>
+        <p:txBody>
+          <a:bodyPr rtlCol="0" anchor="ctr"/>
+          <a:lstStyle/>
+          <a:p>
+            <a:pPr algn="ctr"/>
+            <a:endParaRPr lang="fr-FR"/>
+          </a:p>
+        </p:txBody>
+      </p:sp>
+      <p:sp>
+        <p:nvSpPr>
+          <p:cNvPr id="2" name="Titre 1"/>
+          <p:cNvSpPr>
+            <a:spLocks noGrp="1"/>
+          </p:cNvSpPr>
+          <p:nvPr>
+            <p:ph type="title"/>
+          </p:nvPr>
+        </p:nvSpPr>
+        <p:spPr/>
+        <p:txBody>
+          <a:bodyPr/>
+          <a:lstStyle/>
+          <a:p>
+            <a:r>
+              <a:rPr lang="fr-FR" dirty="0" smtClean="0">
+                <a:solidFill>
+                  <a:srgbClr val="FAC74E"/>
+                </a:solidFill>
+              </a:rPr>
+              <a:t>Balise </a:t>
+            </a:r>
+            <a:r>
+              <a:rPr lang="fr-FR" dirty="0" err="1" smtClean="0">
+                <a:solidFill>
+                  <a:srgbClr val="FAC74E"/>
+                </a:solidFill>
+              </a:rPr>
+              <a:t>meta</a:t>
+            </a:r>
+            <a:r>
+              <a:rPr lang="fr-FR" dirty="0" smtClean="0">
+                <a:solidFill>
+                  <a:srgbClr val="FAC74E"/>
+                </a:solidFill>
+              </a:rPr>
+              <a:t> pour améliorer le classement </a:t>
+            </a:r>
+            <a:br>
+              <a:rPr lang="fr-FR" dirty="0" smtClean="0">
+                <a:solidFill>
+                  <a:srgbClr val="FAC74E"/>
+                </a:solidFill>
+              </a:rPr>
+            </a:br>
+            <a:r>
+              <a:rPr lang="fr-FR" dirty="0" smtClean="0">
+                <a:solidFill>
+                  <a:srgbClr val="FAC74E"/>
+                </a:solidFill>
+              </a:rPr>
+              <a:t>naturel SEO</a:t>
+            </a:r>
+            <a:endParaRPr lang="fr-FR" dirty="0">
+              <a:solidFill>
+                <a:srgbClr val="FAC74E"/>
+              </a:solidFill>
+            </a:endParaRPr>
+          </a:p>
+        </p:txBody>
+      </p:sp>
+      <p:pic>
+        <p:nvPicPr>
+          <p:cNvPr id="4" name="Espace réservé du contenu 3"/>
+          <p:cNvPicPr>
+            <a:picLocks noGrp="1" noChangeAspect="1"/>
+          </p:cNvPicPr>
+          <p:nvPr>
+            <p:ph idx="1"/>
+          </p:nvPr>
+        </p:nvPicPr>
+        <p:blipFill>
+          <a:blip r:embed="rId2"/>
+          <a:stretch>
+            <a:fillRect/>
+          </a:stretch>
+        </p:blipFill>
+        <p:spPr>
+          <a:xfrm>
+            <a:off x="1365997" y="1825625"/>
+            <a:ext cx="4027978" cy="1852757"/>
+          </a:xfrm>
+          <a:prstGeom prst="rect">
+            <a:avLst/>
+          </a:prstGeom>
+        </p:spPr>
+      </p:pic>
+      <p:pic>
+        <p:nvPicPr>
+          <p:cNvPr id="8" name="Image 7"/>
+          <p:cNvPicPr>
+            <a:picLocks noChangeAspect="1"/>
+          </p:cNvPicPr>
+          <p:nvPr/>
+        </p:nvPicPr>
+        <p:blipFill>
+          <a:blip r:embed="rId3"/>
+          <a:stretch>
+            <a:fillRect/>
+          </a:stretch>
+        </p:blipFill>
+        <p:spPr>
+          <a:xfrm>
+            <a:off x="146808" y="3813320"/>
+            <a:ext cx="7313866" cy="1692320"/>
+          </a:xfrm>
+          <a:prstGeom prst="rect">
+            <a:avLst/>
+          </a:prstGeom>
+        </p:spPr>
+      </p:pic>
+      <p:pic>
+        <p:nvPicPr>
+          <p:cNvPr id="3" name="Image 2"/>
+          <p:cNvPicPr>
+            <a:picLocks noChangeAspect="1"/>
+          </p:cNvPicPr>
+          <p:nvPr/>
+        </p:nvPicPr>
+        <p:blipFill>
+          <a:blip r:embed="rId4"/>
+          <a:stretch>
+            <a:fillRect/>
+          </a:stretch>
+        </p:blipFill>
+        <p:spPr>
+          <a:xfrm>
+            <a:off x="326741" y="5801014"/>
+            <a:ext cx="8192643" cy="571580"/>
+          </a:xfrm>
+          <a:prstGeom prst="rect">
+            <a:avLst/>
+          </a:prstGeom>
+        </p:spPr>
+      </p:pic>
+      <p:sp>
+        <p:nvSpPr>
+          <p:cNvPr id="6" name="Rectangle à coins arrondis 5"/>
+          <p:cNvSpPr/>
+          <p:nvPr/>
+        </p:nvSpPr>
+        <p:spPr>
+          <a:xfrm>
+            <a:off x="8924048" y="2015836"/>
+            <a:ext cx="2899064" cy="4356758"/>
+          </a:xfrm>
+          <a:prstGeom prst="roundRect">
+            <a:avLst/>
+          </a:prstGeom>
+          <a:solidFill>
+            <a:srgbClr val="FAC74E"/>
+          </a:solidFill>
+          <a:ln>
+            <a:solidFill>
+              <a:srgbClr val="CF384A"/>
+            </a:solidFill>
+          </a:ln>
+        </p:spPr>
+        <p:style>
+          <a:lnRef idx="2">
+            <a:schemeClr val="accent1">
+              <a:shade val="50000"/>
+            </a:schemeClr>
+          </a:lnRef>
+          <a:fillRef idx="1">
+            <a:schemeClr val="accent1"/>
+          </a:fillRef>
+          <a:effectRef idx="0">
+            <a:schemeClr val="accent1"/>
+          </a:effectRef>
+          <a:fontRef idx="minor">
+            <a:schemeClr val="lt1"/>
+          </a:fontRef>
+        </p:style>
+        <p:txBody>
+          <a:bodyPr rtlCol="0" anchor="ctr"/>
+          <a:lstStyle/>
+          <a:p>
+            <a:pPr algn="ctr"/>
+            <a:r>
+              <a:rPr lang="fr-FR" sz="4400" b="1" u="sng" dirty="0" smtClean="0">
+                <a:solidFill>
+                  <a:srgbClr val="C00000"/>
+                </a:solidFill>
+              </a:rPr>
+              <a:t>BALISE META</a:t>
+            </a:r>
+          </a:p>
+          <a:p>
+            <a:pPr algn="ctr"/>
+            <a:endParaRPr lang="fr-FR" dirty="0"/>
+          </a:p>
+          <a:p>
+            <a:pPr marL="285750" indent="-285750" algn="ctr">
+              <a:buFont typeface="Arial" panose="020B0604020202020204" pitchFamily="34" charset="0"/>
+              <a:buChar char="•"/>
+            </a:pPr>
+            <a:r>
+              <a:rPr lang="fr-FR" dirty="0" smtClean="0">
+                <a:solidFill>
+                  <a:srgbClr val="C00000"/>
+                </a:solidFill>
+              </a:rPr>
+              <a:t>Description </a:t>
+            </a:r>
+          </a:p>
+          <a:p>
+            <a:pPr algn="ctr"/>
+            <a:r>
+              <a:rPr lang="fr-FR" dirty="0" smtClean="0">
+                <a:solidFill>
+                  <a:srgbClr val="C00000"/>
+                </a:solidFill>
+              </a:rPr>
+              <a:t>Du site internet</a:t>
+            </a:r>
+          </a:p>
+          <a:p>
+            <a:pPr marL="285750" indent="-285750" algn="ctr">
+              <a:buFont typeface="Arial" panose="020B0604020202020204" pitchFamily="34" charset="0"/>
+              <a:buChar char="•"/>
+            </a:pPr>
+            <a:endParaRPr lang="fr-FR" dirty="0" smtClean="0">
+              <a:solidFill>
+                <a:srgbClr val="C00000"/>
+              </a:solidFill>
+            </a:endParaRPr>
+          </a:p>
+          <a:p>
+            <a:pPr algn="ctr"/>
+            <a:r>
+              <a:rPr lang="fr-FR" dirty="0" smtClean="0">
+                <a:solidFill>
+                  <a:srgbClr val="C00000"/>
+                </a:solidFill>
+              </a:rPr>
+              <a:t>Ne sont plus autoriser </a:t>
+            </a:r>
+          </a:p>
+          <a:p>
+            <a:pPr algn="ctr"/>
+            <a:endParaRPr lang="fr-FR" dirty="0" smtClean="0">
+              <a:solidFill>
+                <a:srgbClr val="C00000"/>
+              </a:solidFill>
+            </a:endParaRPr>
+          </a:p>
+          <a:p>
+            <a:pPr marL="285750" indent="-285750" algn="ctr">
+              <a:buFont typeface="Arial" panose="020B0604020202020204" pitchFamily="34" charset="0"/>
+              <a:buChar char="•"/>
+            </a:pPr>
+            <a:r>
+              <a:rPr lang="fr-FR" dirty="0" smtClean="0">
+                <a:solidFill>
+                  <a:srgbClr val="C00000"/>
+                </a:solidFill>
+              </a:rPr>
+              <a:t>Keywords</a:t>
+            </a:r>
+          </a:p>
+          <a:p>
+            <a:pPr algn="ctr"/>
+            <a:r>
+              <a:rPr lang="fr-FR" dirty="0" smtClean="0">
+                <a:solidFill>
+                  <a:srgbClr val="C00000"/>
+                </a:solidFill>
+              </a:rPr>
+              <a:t>Mots clés </a:t>
+            </a:r>
+          </a:p>
+          <a:p>
+            <a:pPr algn="ctr"/>
+            <a:endParaRPr lang="fr-FR" dirty="0">
+              <a:solidFill>
+                <a:srgbClr val="C00000"/>
+              </a:solidFill>
+            </a:endParaRPr>
+          </a:p>
+        </p:txBody>
+      </p:sp>
+      <p:sp>
+        <p:nvSpPr>
+          <p:cNvPr id="9" name="Interdiction 8"/>
+          <p:cNvSpPr/>
+          <p:nvPr/>
+        </p:nvSpPr>
+        <p:spPr>
+          <a:xfrm>
+            <a:off x="3712495" y="5640578"/>
+            <a:ext cx="1098496" cy="947258"/>
+          </a:xfrm>
+          <a:prstGeom prst="noSmoking">
+            <a:avLst/>
+          </a:prstGeom>
+          <a:solidFill>
+            <a:srgbClr val="CF384A"/>
+          </a:solidFill>
+        </p:spPr>
+        <p:style>
+          <a:lnRef idx="2">
+            <a:schemeClr val="accent1">
+              <a:shade val="50000"/>
+            </a:schemeClr>
+          </a:lnRef>
+          <a:fillRef idx="1">
+            <a:schemeClr val="accent1"/>
+          </a:fillRef>
+          <a:effectRef idx="0">
+            <a:schemeClr val="accent1"/>
+          </a:effectRef>
+          <a:fontRef idx="minor">
+            <a:schemeClr val="lt1"/>
+          </a:fontRef>
+        </p:style>
+        <p:txBody>
+          <a:bodyPr rtlCol="0" anchor="ctr"/>
+          <a:lstStyle/>
+          <a:p>
+            <a:pPr algn="ctr"/>
+            <a:endParaRPr lang="fr-FR">
+              <a:solidFill>
+                <a:schemeClr val="tx1"/>
+              </a:solidFill>
+            </a:endParaRPr>
+          </a:p>
+        </p:txBody>
+      </p:sp>
+      <p:sp>
+        <p:nvSpPr>
+          <p:cNvPr id="10" name="Rectangle à coins arrondis 9"/>
+          <p:cNvSpPr/>
+          <p:nvPr/>
+        </p:nvSpPr>
+        <p:spPr>
+          <a:xfrm>
+            <a:off x="228605" y="6452754"/>
+            <a:ext cx="1219189" cy="270164"/>
+          </a:xfrm>
+          <a:prstGeom prst="roundRect">
+            <a:avLst/>
+          </a:prstGeom>
+        </p:spPr>
+        <p:style>
+          <a:lnRef idx="2">
+            <a:schemeClr val="accent1">
+              <a:shade val="50000"/>
+            </a:schemeClr>
+          </a:lnRef>
+          <a:fillRef idx="1">
+            <a:schemeClr val="accent1"/>
+          </a:fillRef>
+          <a:effectRef idx="0">
+            <a:schemeClr val="accent1"/>
+          </a:effectRef>
+          <a:fontRef idx="minor">
+            <a:schemeClr val="lt1"/>
+          </a:fontRef>
+        </p:style>
+        <p:txBody>
+          <a:bodyPr rtlCol="0" anchor="ctr"/>
+          <a:lstStyle/>
+          <a:p>
+            <a:pPr algn="ctr"/>
+            <a:r>
+              <a:rPr lang="fr-FR" dirty="0" smtClean="0"/>
+              <a:t>Mots clés</a:t>
+            </a:r>
+            <a:endParaRPr lang="fr-FR" dirty="0"/>
+          </a:p>
+        </p:txBody>
+      </p:sp>
+      <p:sp>
+        <p:nvSpPr>
+          <p:cNvPr id="11" name="Rectangle à coins arrondis 10"/>
+          <p:cNvSpPr/>
+          <p:nvPr/>
+        </p:nvSpPr>
+        <p:spPr>
+          <a:xfrm>
+            <a:off x="1770743" y="6452754"/>
+            <a:ext cx="1480457" cy="270164"/>
+          </a:xfrm>
+          <a:prstGeom prst="roundRect">
+            <a:avLst/>
+          </a:prstGeom>
+        </p:spPr>
+        <p:style>
+          <a:lnRef idx="2">
+            <a:schemeClr val="accent1">
+              <a:shade val="50000"/>
+            </a:schemeClr>
+          </a:lnRef>
+          <a:fillRef idx="1">
+            <a:schemeClr val="accent1"/>
+          </a:fillRef>
+          <a:effectRef idx="0">
+            <a:schemeClr val="accent1"/>
+          </a:effectRef>
+          <a:fontRef idx="minor">
+            <a:schemeClr val="lt1"/>
+          </a:fontRef>
+        </p:style>
+        <p:txBody>
+          <a:bodyPr rtlCol="0" anchor="ctr"/>
+          <a:lstStyle/>
+          <a:p>
+            <a:pPr algn="ctr"/>
+            <a:r>
+              <a:rPr lang="fr-FR" dirty="0" smtClean="0"/>
+              <a:t>Balise Meta</a:t>
+            </a:r>
+            <a:endParaRPr lang="fr-FR" dirty="0"/>
+          </a:p>
+        </p:txBody>
+      </p:sp>
+      <p:pic>
+        <p:nvPicPr>
+          <p:cNvPr id="12" name="Image 11"/>
+          <p:cNvPicPr>
+            <a:picLocks noChangeAspect="1"/>
+          </p:cNvPicPr>
+          <p:nvPr/>
+        </p:nvPicPr>
+        <p:blipFill>
+          <a:blip r:embed="rId5"/>
+          <a:stretch>
+            <a:fillRect/>
+          </a:stretch>
+        </p:blipFill>
+        <p:spPr>
+          <a:xfrm>
+            <a:off x="830413" y="3973756"/>
+            <a:ext cx="7034925" cy="927899"/>
+          </a:xfrm>
+          <a:prstGeom prst="rect">
+            <a:avLst/>
+          </a:prstGeom>
+          <a:ln w="38100" cap="sq">
+            <a:solidFill>
+              <a:srgbClr val="000000"/>
+            </a:solidFill>
+            <a:prstDash val="solid"/>
+            <a:miter lim="800000"/>
+          </a:ln>
+          <a:effectLst>
+            <a:outerShdw blurRad="50800" dist="38100" dir="2700000" algn="tl" rotWithShape="0">
+              <a:srgbClr val="000000">
+                <a:alpha val="43000"/>
+              </a:srgbClr>
+            </a:outerShdw>
+          </a:effectLst>
+        </p:spPr>
+      </p:pic>
+    </p:spTree>
+    <p:extLst>
+      <p:ext uri="{BB962C8B-B14F-4D97-AF65-F5344CB8AC3E}">
+        <p14:creationId xmlns:p14="http://schemas.microsoft.com/office/powerpoint/2010/main" val="3726480442"/>
       </p:ext>
     </p:extLst>
   </p:cSld>
@@ -8036,15 +6793,97 @@
           <a:chExt cx="0" cy="0"/>
         </a:xfrm>
       </p:grpSpPr>
+      <p:sp>
+        <p:nvSpPr>
+          <p:cNvPr id="5" name="Rectangle à coins arrondis 4"/>
+          <p:cNvSpPr/>
+          <p:nvPr/>
+        </p:nvSpPr>
+        <p:spPr>
+          <a:xfrm>
+            <a:off x="633845" y="443779"/>
+            <a:ext cx="5840743" cy="1246909"/>
+          </a:xfrm>
+          <a:prstGeom prst="roundRect">
+            <a:avLst/>
+          </a:prstGeom>
+          <a:solidFill>
+            <a:srgbClr val="CF384A"/>
+          </a:solidFill>
+          <a:ln>
+            <a:solidFill>
+              <a:srgbClr val="FAC74E"/>
+            </a:solidFill>
+          </a:ln>
+        </p:spPr>
+        <p:style>
+          <a:lnRef idx="2">
+            <a:schemeClr val="accent1">
+              <a:shade val="50000"/>
+            </a:schemeClr>
+          </a:lnRef>
+          <a:fillRef idx="1">
+            <a:schemeClr val="accent1"/>
+          </a:fillRef>
+          <a:effectRef idx="0">
+            <a:schemeClr val="accent1"/>
+          </a:effectRef>
+          <a:fontRef idx="minor">
+            <a:schemeClr val="lt1"/>
+          </a:fontRef>
+        </p:style>
+        <p:txBody>
+          <a:bodyPr rtlCol="0" anchor="ctr"/>
+          <a:lstStyle/>
+          <a:p>
+            <a:pPr algn="ctr"/>
+            <a:endParaRPr lang="fr-FR"/>
+          </a:p>
+        </p:txBody>
+      </p:sp>
+      <p:sp>
+        <p:nvSpPr>
+          <p:cNvPr id="2" name="Titre 1"/>
+          <p:cNvSpPr>
+            <a:spLocks noGrp="1"/>
+          </p:cNvSpPr>
+          <p:nvPr>
+            <p:ph type="title"/>
+          </p:nvPr>
+        </p:nvSpPr>
+        <p:spPr>
+          <a:xfrm>
+            <a:off x="1388918" y="365125"/>
+            <a:ext cx="10515600" cy="1325563"/>
+          </a:xfrm>
+        </p:spPr>
+        <p:txBody>
+          <a:bodyPr/>
+          <a:lstStyle/>
+          <a:p>
+            <a:r>
+              <a:rPr lang="fr-FR" dirty="0" smtClean="0">
+                <a:solidFill>
+                  <a:srgbClr val="FAC74E"/>
+                </a:solidFill>
+              </a:rPr>
+              <a:t>Site Responsive</a:t>
+            </a:r>
+            <a:endParaRPr lang="fr-FR" dirty="0">
+              <a:solidFill>
+                <a:srgbClr val="FAC74E"/>
+              </a:solidFill>
+            </a:endParaRPr>
+          </a:p>
+        </p:txBody>
+      </p:sp>
       <p:pic>
         <p:nvPicPr>
-          <p:cNvPr id="4" name="Espace réservé du contenu 3"/>
+          <p:cNvPr id="4" name="Image 3"/>
           <p:cNvPicPr>
-            <a:picLocks noGrp="1" noChangeAspect="1"/>
+            <a:picLocks noChangeAspect="1"/>
           </p:cNvPicPr>
-          <p:nvPr>
-            <p:ph idx="1"/>
-          </p:nvPr>
+          <p:nvPr/>
         </p:nvPicPr>
         <p:blipFill>
           <a:blip r:embed="rId2"/>
@@ -8054,8 +6893,8 @@
         </p:blipFill>
         <p:spPr>
           <a:xfrm>
-            <a:off x="572325" y="1745673"/>
-            <a:ext cx="3479008" cy="2467408"/>
+            <a:off x="710676" y="2086290"/>
+            <a:ext cx="5763912" cy="2849391"/>
           </a:xfrm>
           <a:prstGeom prst="rect">
             <a:avLst/>
@@ -8064,24 +6903,30 @@
       </p:pic>
       <p:sp>
         <p:nvSpPr>
-          <p:cNvPr id="5" name="Rectangle à coins arrondis 4"/>
+          <p:cNvPr id="6" name="Rectangle à coins arrondis 5"/>
           <p:cNvSpPr/>
           <p:nvPr/>
         </p:nvSpPr>
         <p:spPr>
           <a:xfrm>
-            <a:off x="1368136" y="138121"/>
-            <a:ext cx="9455728" cy="1278081"/>
+            <a:off x="7626926" y="862446"/>
+            <a:ext cx="4094018" cy="4998027"/>
           </a:xfrm>
           <a:prstGeom prst="roundRect">
             <a:avLst/>
           </a:prstGeom>
           <a:solidFill>
-            <a:srgbClr val="FAC74E"/>
+            <a:schemeClr val="tx1">
+              <a:lumMod val="75000"/>
+              <a:lumOff val="25000"/>
+            </a:schemeClr>
           </a:solidFill>
           <a:ln>
             <a:solidFill>
-              <a:srgbClr val="CF384A"/>
+              <a:schemeClr val="tx1">
+                <a:lumMod val="75000"/>
+                <a:lumOff val="25000"/>
+              </a:schemeClr>
             </a:solidFill>
           </a:ln>
         </p:spPr>
@@ -8105,18 +6950,49 @@
           <a:bodyPr rtlCol="0" anchor="ctr"/>
           <a:lstStyle/>
           <a:p>
-            <a:pPr algn="ctr"/>
-            <a:r>
-              <a:rPr lang="fr-FR" sz="4400" dirty="0" smtClean="0">
+            <a:pPr marL="571500" indent="-571500">
+              <a:buFont typeface="Arial" panose="020B0604020202020204" pitchFamily="34" charset="0"/>
+              <a:buChar char="•"/>
+            </a:pPr>
+            <a:r>
+              <a:rPr lang="fr-FR" sz="4000" dirty="0" smtClean="0">
                 <a:solidFill>
-                  <a:srgbClr val="CF384A"/>
+                  <a:srgbClr val="FAC74E"/>
                 </a:solidFill>
               </a:rPr>
-              <a:t>Keywords mots clés</a:t>
-            </a:r>
-            <a:endParaRPr lang="fr-FR" sz="4400" dirty="0">
+              <a:t>Ordinateur</a:t>
+            </a:r>
+          </a:p>
+          <a:p>
+            <a:pPr marL="571500" indent="-571500">
+              <a:buFont typeface="Arial" panose="020B0604020202020204" pitchFamily="34" charset="0"/>
+              <a:buChar char="•"/>
+            </a:pPr>
+            <a:r>
+              <a:rPr lang="fr-FR" sz="4000" dirty="0" smtClean="0">
+                <a:solidFill>
+                  <a:srgbClr val="FAC74E"/>
+                </a:solidFill>
+              </a:rPr>
+              <a:t>Tablette</a:t>
+            </a:r>
+          </a:p>
+          <a:p>
+            <a:pPr marL="571500" indent="-571500">
+              <a:buFont typeface="Arial" panose="020B0604020202020204" pitchFamily="34" charset="0"/>
+              <a:buChar char="•"/>
+            </a:pPr>
+            <a:r>
+              <a:rPr lang="fr-FR" sz="4000" dirty="0" smtClean="0">
+                <a:solidFill>
+                  <a:srgbClr val="FAC74E"/>
+                </a:solidFill>
+              </a:rPr>
+              <a:t>smartphone</a:t>
+            </a:r>
+            <a:endParaRPr lang="fr-FR" sz="4000" dirty="0">
               <a:solidFill>
-                <a:srgbClr val="CF384A"/>
+                <a:srgbClr val="FAC74E"/>
               </a:solidFill>
             </a:endParaRPr>
           </a:p>
@@ -8124,7 +7000,7 @@
       </p:sp>
       <p:pic>
         <p:nvPicPr>
-          <p:cNvPr id="8" name="Image 7"/>
+          <p:cNvPr id="3" name="Image 2"/>
           <p:cNvPicPr>
             <a:picLocks noChangeAspect="1"/>
           </p:cNvPicPr>
@@ -8138,8 +7014,56 @@
         </p:blipFill>
         <p:spPr>
           <a:xfrm>
-            <a:off x="654628" y="2078818"/>
-            <a:ext cx="8811274" cy="696543"/>
+            <a:off x="1388918" y="2862682"/>
+            <a:ext cx="2216727" cy="1201173"/>
+          </a:xfrm>
+          <a:prstGeom prst="rect">
+            <a:avLst/>
+          </a:prstGeom>
+        </p:spPr>
+      </p:pic>
+      <p:pic>
+        <p:nvPicPr>
+          <p:cNvPr id="7" name="Image 6"/>
+          <p:cNvPicPr>
+            <a:picLocks noChangeAspect="1"/>
+          </p:cNvPicPr>
+          <p:nvPr/>
+        </p:nvPicPr>
+        <p:blipFill>
+          <a:blip r:embed="rId4"/>
+          <a:stretch>
+            <a:fillRect/>
+          </a:stretch>
+        </p:blipFill>
+        <p:spPr>
+          <a:xfrm>
+            <a:off x="4194994" y="3009900"/>
+            <a:ext cx="928637" cy="1198418"/>
+          </a:xfrm>
+          <a:prstGeom prst="rect">
+            <a:avLst/>
+          </a:prstGeom>
+        </p:spPr>
+      </p:pic>
+      <p:pic>
+        <p:nvPicPr>
+          <p:cNvPr id="8" name="Image 7"/>
+          <p:cNvPicPr>
+            <a:picLocks noChangeAspect="1"/>
+          </p:cNvPicPr>
+          <p:nvPr/>
+        </p:nvPicPr>
+        <p:blipFill>
+          <a:blip r:embed="rId4"/>
+          <a:stretch>
+            <a:fillRect/>
+          </a:stretch>
+        </p:blipFill>
+        <p:spPr>
+          <a:xfrm>
+            <a:off x="5412160" y="3361459"/>
+            <a:ext cx="467329" cy="745050"/>
           </a:xfrm>
           <a:prstGeom prst="rect">
             <a:avLst/>
@@ -8154,20 +7078,12 @@
         </p:nvSpPr>
         <p:spPr>
           <a:xfrm>
-            <a:off x="1368136" y="4390043"/>
-            <a:ext cx="9455728" cy="2047010"/>
+            <a:off x="633845" y="6270171"/>
+            <a:ext cx="1673926" cy="333829"/>
           </a:xfrm>
           <a:prstGeom prst="roundRect">
             <a:avLst/>
           </a:prstGeom>
-          <a:solidFill>
-            <a:srgbClr val="CF384A"/>
-          </a:solidFill>
-          <a:ln>
-            <a:solidFill>
-              <a:srgbClr val="FAC74E"/>
-            </a:solidFill>
-          </a:ln>
         </p:spPr>
         <p:style>
           <a:lnRef idx="2">
@@ -8189,65 +7105,10 @@
           <a:bodyPr rtlCol="0" anchor="ctr"/>
           <a:lstStyle/>
           <a:p>
-            <a:pPr marL="571500" indent="-571500" algn="ctr">
-              <a:buFont typeface="Arial" panose="020B0604020202020204" pitchFamily="34" charset="0"/>
-              <a:buChar char="•"/>
-            </a:pPr>
-            <a:r>
-              <a:rPr lang="fr-FR" sz="3600" dirty="0" smtClean="0">
-                <a:solidFill>
-                  <a:srgbClr val="FAC74E"/>
-                </a:solidFill>
-              </a:rPr>
-              <a:t>Pratique qui n’est plus utilisée </a:t>
-            </a:r>
-            <a:endParaRPr lang="fr-FR" sz="3600" dirty="0">
-              <a:solidFill>
-                <a:srgbClr val="FAC74E"/>
-              </a:solidFill>
-            </a:endParaRPr>
-          </a:p>
-        </p:txBody>
-      </p:sp>
-      <p:sp>
-        <p:nvSpPr>
-          <p:cNvPr id="2" name="Rectangle à coins arrondis 1"/>
-          <p:cNvSpPr/>
-          <p:nvPr/>
-        </p:nvSpPr>
-        <p:spPr>
-          <a:xfrm>
-            <a:off x="319314" y="6476097"/>
-            <a:ext cx="1291772" cy="268547"/>
-          </a:xfrm>
-          <a:prstGeom prst="roundRect">
-            <a:avLst/>
-          </a:prstGeom>
-        </p:spPr>
-        <p:style>
-          <a:lnRef idx="2">
-            <a:schemeClr val="accent1">
-              <a:shade val="50000"/>
-            </a:schemeClr>
-          </a:lnRef>
-          <a:fillRef idx="1">
-            <a:schemeClr val="accent1"/>
-          </a:fillRef>
-          <a:effectRef idx="0">
-            <a:schemeClr val="accent1"/>
-          </a:effectRef>
-          <a:fontRef idx="minor">
-            <a:schemeClr val="lt1"/>
-          </a:fontRef>
-        </p:style>
-        <p:txBody>
-          <a:bodyPr rtlCol="0" anchor="ctr"/>
-          <a:lstStyle/>
-          <a:p>
             <a:pPr algn="ctr"/>
             <a:r>
               <a:rPr lang="fr-FR" dirty="0" smtClean="0"/>
-              <a:t>Mots clés</a:t>
+              <a:t>Responsive</a:t>
             </a:r>
             <a:endParaRPr lang="fr-FR" dirty="0"/>
           </a:p>
@@ -8256,7 +7117,7 @@
     </p:spTree>
     <p:extLst>
       <p:ext uri="{BB962C8B-B14F-4D97-AF65-F5344CB8AC3E}">
-        <p14:creationId xmlns:p14="http://schemas.microsoft.com/office/powerpoint/2010/main" val="3839107337"/>
+        <p14:creationId xmlns:p14="http://schemas.microsoft.com/office/powerpoint/2010/main" val="3479203292"/>
       </p:ext>
     </p:extLst>
   </p:cSld>
@@ -8292,24 +7153,24 @@
       </p:grpSpPr>
       <p:sp>
         <p:nvSpPr>
-          <p:cNvPr id="7" name="Rectangle à coins arrondis 6"/>
+          <p:cNvPr id="5" name="Rectangle à coins arrondis 4"/>
           <p:cNvSpPr/>
           <p:nvPr/>
         </p:nvSpPr>
         <p:spPr>
           <a:xfrm>
-            <a:off x="571500" y="365125"/>
-            <a:ext cx="9892145" cy="1325563"/>
+            <a:off x="1625347" y="392590"/>
+            <a:ext cx="3771900" cy="1268730"/>
           </a:xfrm>
           <a:prstGeom prst="roundRect">
             <a:avLst/>
           </a:prstGeom>
           <a:solidFill>
-            <a:srgbClr val="CF384A"/>
+            <a:srgbClr val="FAC74E"/>
           </a:solidFill>
           <a:ln>
             <a:solidFill>
-              <a:srgbClr val="FAC74E"/>
+              <a:srgbClr val="CF384A"/>
             </a:solidFill>
           </a:ln>
         </p:spPr>
@@ -8348,53 +7209,32 @@
             <p:ph type="title"/>
           </p:nvPr>
         </p:nvSpPr>
-        <p:spPr/>
-        <p:txBody>
-          <a:bodyPr/>
-          <a:lstStyle/>
-          <a:p>
-            <a:r>
-              <a:rPr lang="fr-FR" dirty="0" smtClean="0">
+        <p:spPr>
+          <a:xfrm>
+            <a:off x="2781682" y="364174"/>
+            <a:ext cx="1733550" cy="1325563"/>
+          </a:xfrm>
+          <a:ln>
+            <a:noFill/>
+          </a:ln>
+        </p:spPr>
+        <p:txBody>
+          <a:bodyPr>
+            <a:normAutofit/>
+          </a:bodyPr>
+          <a:lstStyle/>
+          <a:p>
+            <a:r>
+              <a:rPr lang="fr-FR" sz="5400" b="1" dirty="0" smtClean="0">
                 <a:solidFill>
-                  <a:srgbClr val="FAC74E"/>
+                  <a:srgbClr val="CF384A"/>
                 </a:solidFill>
               </a:rPr>
-              <a:t>Balise </a:t>
-            </a:r>
-            <a:r>
-              <a:rPr lang="fr-FR" dirty="0" err="1" smtClean="0">
-                <a:solidFill>
-                  <a:srgbClr val="FAC74E"/>
-                </a:solidFill>
-              </a:rPr>
-              <a:t>meta</a:t>
-            </a:r>
-            <a:r>
-              <a:rPr lang="fr-FR" dirty="0" smtClean="0">
-                <a:solidFill>
-                  <a:srgbClr val="FAC74E"/>
-                </a:solidFill>
-              </a:rPr>
-              <a:t> pour améliorer le classement </a:t>
-            </a:r>
-            <a:br>
-              <a:rPr lang="fr-FR" dirty="0" smtClean="0">
-                <a:solidFill>
-                  <a:srgbClr val="FAC74E"/>
-                </a:solidFill>
-              </a:rPr>
-            </a:br>
-            <a:r>
-              <a:rPr lang="fr-FR" dirty="0" smtClean="0">
-                <a:solidFill>
-                  <a:srgbClr val="FAC74E"/>
-                </a:solidFill>
-              </a:rPr>
-              <a:t>naturel SEO</a:t>
-            </a:r>
-            <a:endParaRPr lang="fr-FR" dirty="0">
+              <a:t>JS</a:t>
+            </a:r>
+            <a:endParaRPr lang="fr-FR" sz="5400" b="1" dirty="0">
               <a:solidFill>
-                <a:srgbClr val="FAC74E"/>
+                <a:srgbClr val="CF384A"/>
               </a:solidFill>
             </a:endParaRPr>
           </a:p>
@@ -8418,60 +7258,22 @@
         </p:blipFill>
         <p:spPr>
           <a:xfrm>
-            <a:off x="1365997" y="1825625"/>
-            <a:ext cx="4027978" cy="1852757"/>
+            <a:off x="838200" y="1985645"/>
+            <a:ext cx="5346194" cy="4351338"/>
           </a:xfrm>
           <a:prstGeom prst="rect">
             <a:avLst/>
           </a:prstGeom>
-        </p:spPr>
-      </p:pic>
-      <p:pic>
-        <p:nvPicPr>
-          <p:cNvPr id="8" name="Image 7"/>
-          <p:cNvPicPr>
-            <a:picLocks noChangeAspect="1"/>
-          </p:cNvPicPr>
-          <p:nvPr/>
-        </p:nvPicPr>
-        <p:blipFill>
-          <a:blip r:embed="rId3"/>
-          <a:stretch>
-            <a:fillRect/>
-          </a:stretch>
-        </p:blipFill>
-        <p:spPr>
-          <a:xfrm>
-            <a:off x="146808" y="3813320"/>
-            <a:ext cx="7313866" cy="1692320"/>
-          </a:xfrm>
-          <a:prstGeom prst="rect">
-            <a:avLst/>
-          </a:prstGeom>
-        </p:spPr>
-      </p:pic>
-      <p:pic>
-        <p:nvPicPr>
-          <p:cNvPr id="3" name="Image 2"/>
-          <p:cNvPicPr>
-            <a:picLocks noChangeAspect="1"/>
-          </p:cNvPicPr>
-          <p:nvPr/>
-        </p:nvPicPr>
-        <p:blipFill>
-          <a:blip r:embed="rId4"/>
-          <a:stretch>
-            <a:fillRect/>
-          </a:stretch>
-        </p:blipFill>
-        <p:spPr>
-          <a:xfrm>
-            <a:off x="326741" y="5801014"/>
-            <a:ext cx="8192643" cy="571580"/>
-          </a:xfrm>
-          <a:prstGeom prst="rect">
-            <a:avLst/>
-          </a:prstGeom>
+          <a:ln>
+            <a:noFill/>
+          </a:ln>
+          <a:effectLst>
+            <a:outerShdw blurRad="292100" dist="139700" dir="2700000" algn="tl" rotWithShape="0">
+              <a:srgbClr val="333333">
+                <a:alpha val="65000"/>
+              </a:srgbClr>
+            </a:outerShdw>
+          </a:effectLst>
         </p:spPr>
       </p:pic>
       <p:sp>
@@ -8482,20 +7284,15 @@
         </p:nvSpPr>
         <p:spPr>
           <a:xfrm>
-            <a:off x="8924048" y="2015836"/>
-            <a:ext cx="2899064" cy="4356758"/>
+            <a:off x="7749540" y="925830"/>
+            <a:ext cx="3589020" cy="4709160"/>
           </a:xfrm>
           <a:prstGeom prst="roundRect">
             <a:avLst/>
           </a:prstGeom>
           <a:solidFill>
-            <a:srgbClr val="FAC74E"/>
+            <a:srgbClr val="CF384A"/>
           </a:solidFill>
-          <a:ln>
-            <a:solidFill>
-              <a:srgbClr val="CF384A"/>
-            </a:solidFill>
-          </a:ln>
         </p:spPr>
         <p:style>
           <a:lnRef idx="2">
@@ -8519,125 +7316,68 @@
           <a:p>
             <a:pPr algn="ctr"/>
             <a:r>
-              <a:rPr lang="fr-FR" sz="4400" b="1" u="sng" dirty="0" smtClean="0">
+              <a:rPr lang="fr-FR" sz="2800" dirty="0" smtClean="0">
                 <a:solidFill>
-                  <a:srgbClr val="C00000"/>
+                  <a:srgbClr val="FAC74E"/>
                 </a:solidFill>
               </a:rPr>
-              <a:t>BALISE META</a:t>
+              <a:t>Pour un chargement plus rapide </a:t>
             </a:r>
           </a:p>
           <a:p>
             <a:pPr algn="ctr"/>
-            <a:endParaRPr lang="fr-FR" dirty="0"/>
-          </a:p>
-          <a:p>
-            <a:pPr marL="285750" indent="-285750" algn="ctr">
-              <a:buFont typeface="Arial" panose="020B0604020202020204" pitchFamily="34" charset="0"/>
-              <a:buChar char="•"/>
-            </a:pPr>
-            <a:r>
-              <a:rPr lang="fr-FR" dirty="0" smtClean="0">
+            <a:r>
+              <a:rPr lang="fr-FR" sz="2800" dirty="0" smtClean="0">
                 <a:solidFill>
-                  <a:srgbClr val="C00000"/>
+                  <a:srgbClr val="FAC74E"/>
                 </a:solidFill>
               </a:rPr>
-              <a:t>Description </a:t>
+              <a:t>Des pages</a:t>
             </a:r>
           </a:p>
           <a:p>
             <a:pPr algn="ctr"/>
             <a:r>
-              <a:rPr lang="fr-FR" dirty="0" smtClean="0">
+              <a:rPr lang="fr-FR" sz="2800" dirty="0" smtClean="0">
                 <a:solidFill>
-                  <a:srgbClr val="C00000"/>
+                  <a:srgbClr val="FAC74E"/>
                 </a:solidFill>
               </a:rPr>
-              <a:t>Du site internet</a:t>
-            </a:r>
-          </a:p>
-          <a:p>
-            <a:pPr marL="285750" indent="-285750" algn="ctr">
-              <a:buFont typeface="Arial" panose="020B0604020202020204" pitchFamily="34" charset="0"/>
-              <a:buChar char="•"/>
-            </a:pPr>
-            <a:endParaRPr lang="fr-FR" dirty="0" smtClean="0">
+              <a:t>Le JS</a:t>
+            </a:r>
+          </a:p>
+          <a:p>
+            <a:pPr algn="ctr"/>
+            <a:r>
+              <a:rPr lang="fr-FR" sz="2800" dirty="0" smtClean="0">
+                <a:solidFill>
+                  <a:srgbClr val="FAC74E"/>
+                </a:solidFill>
+              </a:rPr>
+              <a:t>A été positionné en bas de page</a:t>
+            </a:r>
+            <a:endParaRPr lang="fr-FR" sz="2800" dirty="0">
               <a:solidFill>
-                <a:srgbClr val="C00000"/>
+                <a:srgbClr val="FAC74E"/>
               </a:solidFill>
             </a:endParaRPr>
           </a:p>
-          <a:p>
-            <a:pPr algn="ctr"/>
-            <a:r>
-              <a:rPr lang="fr-FR" dirty="0" smtClean="0">
-                <a:solidFill>
-                  <a:srgbClr val="C00000"/>
-                </a:solidFill>
-              </a:rPr>
-              <a:t>Ne sont plus autoriser </a:t>
-            </a:r>
-          </a:p>
-          <a:p>
-            <a:pPr algn="ctr"/>
-            <a:endParaRPr lang="fr-FR" dirty="0" smtClean="0">
-              <a:solidFill>
-                <a:srgbClr val="C00000"/>
-              </a:solidFill>
-            </a:endParaRPr>
-          </a:p>
-          <a:p>
-            <a:pPr marL="285750" indent="-285750" algn="ctr">
-              <a:buFont typeface="Arial" panose="020B0604020202020204" pitchFamily="34" charset="0"/>
-              <a:buChar char="•"/>
-            </a:pPr>
-            <a:r>
-              <a:rPr lang="fr-FR" dirty="0" smtClean="0">
-                <a:solidFill>
-                  <a:srgbClr val="C00000"/>
-                </a:solidFill>
-              </a:rPr>
-              <a:t>Keywords</a:t>
-            </a:r>
-          </a:p>
-          <a:p>
-            <a:pPr algn="ctr"/>
-            <a:r>
-              <a:rPr lang="fr-FR" dirty="0" smtClean="0">
-                <a:solidFill>
-                  <a:srgbClr val="C00000"/>
-                </a:solidFill>
-              </a:rPr>
-              <a:t>Mots clés </a:t>
-            </a:r>
-          </a:p>
-          <a:p>
-            <a:pPr algn="ctr"/>
-            <a:endParaRPr lang="fr-FR" dirty="0">
-              <a:solidFill>
-                <a:srgbClr val="C00000"/>
-              </a:solidFill>
-            </a:endParaRPr>
-          </a:p>
-        </p:txBody>
-      </p:sp>
-      <p:sp>
-        <p:nvSpPr>
-          <p:cNvPr id="9" name="Interdiction 8"/>
+        </p:txBody>
+      </p:sp>
+      <p:sp>
+        <p:nvSpPr>
+          <p:cNvPr id="7" name="Rectangle à coins arrondis 6"/>
           <p:cNvSpPr/>
           <p:nvPr/>
         </p:nvSpPr>
         <p:spPr>
           <a:xfrm>
-            <a:off x="3712495" y="5640578"/>
-            <a:ext cx="1098496" cy="947258"/>
-          </a:xfrm>
-          <a:prstGeom prst="noSmoking">
-            <a:avLst/>
-          </a:prstGeom>
-          <a:solidFill>
-            <a:srgbClr val="CF384A"/>
-          </a:solidFill>
+            <a:off x="239232" y="6531665"/>
+            <a:ext cx="2772229" cy="202451"/>
+          </a:xfrm>
+          <a:prstGeom prst="roundRect">
+            <a:avLst/>
+          </a:prstGeom>
         </p:spPr>
         <p:style>
           <a:lnRef idx="2">
@@ -8660,157 +7400,24 @@
           <a:lstStyle/>
           <a:p>
             <a:pPr algn="ctr"/>
-            <a:endParaRPr lang="fr-FR">
-              <a:solidFill>
-                <a:schemeClr val="tx1"/>
-              </a:solidFill>
-            </a:endParaRPr>
-          </a:p>
-        </p:txBody>
-      </p:sp>
-      <p:sp>
-        <p:nvSpPr>
-          <p:cNvPr id="10" name="Rectangle à coins arrondis 9"/>
-          <p:cNvSpPr/>
-          <p:nvPr/>
-        </p:nvSpPr>
-        <p:spPr>
-          <a:xfrm>
-            <a:off x="228605" y="6452754"/>
-            <a:ext cx="1219189" cy="270164"/>
-          </a:xfrm>
-          <a:prstGeom prst="roundRect">
-            <a:avLst/>
-          </a:prstGeom>
-        </p:spPr>
-        <p:style>
-          <a:lnRef idx="2">
-            <a:schemeClr val="accent1">
-              <a:shade val="50000"/>
-            </a:schemeClr>
-          </a:lnRef>
-          <a:fillRef idx="1">
-            <a:schemeClr val="accent1"/>
-          </a:fillRef>
-          <a:effectRef idx="0">
-            <a:schemeClr val="accent1"/>
-          </a:effectRef>
-          <a:fontRef idx="minor">
-            <a:schemeClr val="lt1"/>
-          </a:fontRef>
-        </p:style>
-        <p:txBody>
-          <a:bodyPr rtlCol="0" anchor="ctr"/>
-          <a:lstStyle/>
-          <a:p>
-            <a:pPr algn="ctr"/>
             <a:r>
               <a:rPr lang="fr-FR" dirty="0" smtClean="0"/>
-              <a:t>Mots clés</a:t>
+              <a:t>Page longue à charger</a:t>
             </a:r>
             <a:endParaRPr lang="fr-FR" dirty="0"/>
           </a:p>
         </p:txBody>
       </p:sp>
-      <p:sp>
-        <p:nvSpPr>
-          <p:cNvPr id="11" name="Rectangle à coins arrondis 10"/>
-          <p:cNvSpPr/>
-          <p:nvPr/>
-        </p:nvSpPr>
-        <p:spPr>
-          <a:xfrm>
-            <a:off x="1770743" y="6452754"/>
-            <a:ext cx="1480457" cy="270164"/>
-          </a:xfrm>
-          <a:prstGeom prst="roundRect">
-            <a:avLst/>
-          </a:prstGeom>
-        </p:spPr>
-        <p:style>
-          <a:lnRef idx="2">
-            <a:schemeClr val="accent1">
-              <a:shade val="50000"/>
-            </a:schemeClr>
-          </a:lnRef>
-          <a:fillRef idx="1">
-            <a:schemeClr val="accent1"/>
-          </a:fillRef>
-          <a:effectRef idx="0">
-            <a:schemeClr val="accent1"/>
-          </a:effectRef>
-          <a:fontRef idx="minor">
-            <a:schemeClr val="lt1"/>
-          </a:fontRef>
-        </p:style>
-        <p:txBody>
-          <a:bodyPr rtlCol="0" anchor="ctr"/>
-          <a:lstStyle/>
-          <a:p>
-            <a:pPr algn="ctr"/>
-            <a:r>
-              <a:rPr lang="fr-FR" dirty="0" smtClean="0"/>
-              <a:t>Balise Meta</a:t>
-            </a:r>
-            <a:endParaRPr lang="fr-FR" dirty="0"/>
-          </a:p>
-        </p:txBody>
-      </p:sp>
-      <p:pic>
-        <p:nvPicPr>
-          <p:cNvPr id="12" name="Image 11"/>
-          <p:cNvPicPr>
-            <a:picLocks noChangeAspect="1"/>
-          </p:cNvPicPr>
-          <p:nvPr/>
-        </p:nvPicPr>
-        <p:blipFill>
-          <a:blip r:embed="rId5"/>
-          <a:stretch>
-            <a:fillRect/>
-          </a:stretch>
-        </p:blipFill>
-        <p:spPr>
-          <a:xfrm>
-            <a:off x="830413" y="3973756"/>
-            <a:ext cx="7034925" cy="927899"/>
-          </a:xfrm>
-          <a:prstGeom prst="rect">
-            <a:avLst/>
-          </a:prstGeom>
-          <a:ln w="38100" cap="sq">
-            <a:solidFill>
-              <a:srgbClr val="000000"/>
-            </a:solidFill>
-            <a:prstDash val="solid"/>
-            <a:miter lim="800000"/>
-          </a:ln>
-          <a:effectLst>
-            <a:outerShdw blurRad="50800" dist="38100" dir="2700000" algn="tl" rotWithShape="0">
-              <a:srgbClr val="000000">
-                <a:alpha val="43000"/>
-              </a:srgbClr>
-            </a:outerShdw>
-          </a:effectLst>
-        </p:spPr>
-      </p:pic>
     </p:spTree>
     <p:extLst>
       <p:ext uri="{BB962C8B-B14F-4D97-AF65-F5344CB8AC3E}">
-        <p14:creationId xmlns:p14="http://schemas.microsoft.com/office/powerpoint/2010/main" val="3726480442"/>
+        <p14:creationId xmlns:p14="http://schemas.microsoft.com/office/powerpoint/2010/main" val="986369382"/>
       </p:ext>
     </p:extLst>
   </p:cSld>
   <p:clrMapOvr>
     <a:masterClrMapping/>
   </p:clrMapOvr>
-  <p:timing>
-    <p:tnLst>
-      <p:par>
-        <p:cTn id="1" dur="indefinite" restart="never" nodeType="tmRoot"/>
-      </p:par>
-    </p:tnLst>
-  </p:timing>
 </p:sld>
 </file>
 
@@ -8831,93 +7438,9 @@
           <a:chExt cx="0" cy="0"/>
         </a:xfrm>
       </p:grpSpPr>
-      <p:sp>
-        <p:nvSpPr>
-          <p:cNvPr id="5" name="Rectangle à coins arrondis 4"/>
-          <p:cNvSpPr/>
-          <p:nvPr/>
-        </p:nvSpPr>
-        <p:spPr>
-          <a:xfrm>
-            <a:off x="633845" y="443779"/>
-            <a:ext cx="5840743" cy="1246909"/>
-          </a:xfrm>
-          <a:prstGeom prst="roundRect">
-            <a:avLst/>
-          </a:prstGeom>
-          <a:solidFill>
-            <a:srgbClr val="CF384A"/>
-          </a:solidFill>
-          <a:ln>
-            <a:solidFill>
-              <a:srgbClr val="FAC74E"/>
-            </a:solidFill>
-          </a:ln>
-        </p:spPr>
-        <p:style>
-          <a:lnRef idx="2">
-            <a:schemeClr val="accent1">
-              <a:shade val="50000"/>
-            </a:schemeClr>
-          </a:lnRef>
-          <a:fillRef idx="1">
-            <a:schemeClr val="accent1"/>
-          </a:fillRef>
-          <a:effectRef idx="0">
-            <a:schemeClr val="accent1"/>
-          </a:effectRef>
-          <a:fontRef idx="minor">
-            <a:schemeClr val="lt1"/>
-          </a:fontRef>
-        </p:style>
-        <p:txBody>
-          <a:bodyPr rtlCol="0" anchor="ctr"/>
-          <a:lstStyle/>
-          <a:p>
-            <a:pPr algn="ctr"/>
-            <a:endParaRPr lang="fr-FR"/>
-          </a:p>
-        </p:txBody>
-      </p:sp>
-      <p:sp>
-        <p:nvSpPr>
-          <p:cNvPr id="2" name="Titre 1"/>
-          <p:cNvSpPr>
-            <a:spLocks noGrp="1"/>
-          </p:cNvSpPr>
-          <p:nvPr>
-            <p:ph type="title"/>
-          </p:nvPr>
-        </p:nvSpPr>
-        <p:spPr>
-          <a:xfrm>
-            <a:off x="1388918" y="365125"/>
-            <a:ext cx="10515600" cy="1325563"/>
-          </a:xfrm>
-        </p:spPr>
-        <p:txBody>
-          <a:bodyPr/>
-          <a:lstStyle/>
-          <a:p>
-            <a:r>
-              <a:rPr lang="fr-FR" dirty="0" smtClean="0">
-                <a:solidFill>
-                  <a:srgbClr val="FAC74E"/>
-                </a:solidFill>
-              </a:rPr>
-              <a:t>Site Responsive</a:t>
-            </a:r>
-            <a:endParaRPr lang="fr-FR" dirty="0">
-              <a:solidFill>
-                <a:srgbClr val="FAC74E"/>
-              </a:solidFill>
-            </a:endParaRPr>
-          </a:p>
-        </p:txBody>
-      </p:sp>
       <p:pic>
         <p:nvPicPr>
-          <p:cNvPr id="4" name="Image 3"/>
+          <p:cNvPr id="3" name="Image 2"/>
           <p:cNvPicPr>
             <a:picLocks noChangeAspect="1"/>
           </p:cNvPicPr>
@@ -8931,114 +7454,17 @@
         </p:blipFill>
         <p:spPr>
           <a:xfrm>
-            <a:off x="710676" y="2086290"/>
-            <a:ext cx="5763912" cy="2849391"/>
+            <a:off x="219303" y="2676700"/>
+            <a:ext cx="5944430" cy="3000794"/>
           </a:xfrm>
           <a:prstGeom prst="rect">
             <a:avLst/>
           </a:prstGeom>
         </p:spPr>
       </p:pic>
-      <p:sp>
-        <p:nvSpPr>
-          <p:cNvPr id="6" name="Rectangle à coins arrondis 5"/>
-          <p:cNvSpPr/>
-          <p:nvPr/>
-        </p:nvSpPr>
-        <p:spPr>
-          <a:xfrm>
-            <a:off x="7626926" y="862446"/>
-            <a:ext cx="4094018" cy="4998027"/>
-          </a:xfrm>
-          <a:prstGeom prst="roundRect">
-            <a:avLst/>
-          </a:prstGeom>
-          <a:solidFill>
-            <a:schemeClr val="tx1">
-              <a:lumMod val="75000"/>
-              <a:lumOff val="25000"/>
-            </a:schemeClr>
-          </a:solidFill>
-          <a:ln>
-            <a:solidFill>
-              <a:schemeClr val="tx1">
-                <a:lumMod val="75000"/>
-                <a:lumOff val="25000"/>
-              </a:schemeClr>
-            </a:solidFill>
-          </a:ln>
-        </p:spPr>
-        <p:style>
-          <a:lnRef idx="2">
-            <a:schemeClr val="accent1">
-              <a:shade val="50000"/>
-            </a:schemeClr>
-          </a:lnRef>
-          <a:fillRef idx="1">
-            <a:schemeClr val="accent1"/>
-          </a:fillRef>
-          <a:effectRef idx="0">
-            <a:schemeClr val="accent1"/>
-          </a:effectRef>
-          <a:fontRef idx="minor">
-            <a:schemeClr val="lt1"/>
-          </a:fontRef>
-        </p:style>
-        <p:txBody>
-          <a:bodyPr rtlCol="0" anchor="ctr"/>
-          <a:lstStyle/>
-          <a:p>
-            <a:pPr marL="571500" indent="-571500">
-              <a:buFont typeface="Arial" panose="020B0604020202020204" pitchFamily="34" charset="0"/>
-              <a:buChar char="•"/>
-            </a:pPr>
-            <a:r>
-              <a:rPr lang="fr-FR" sz="4000" dirty="0" smtClean="0">
-                <a:solidFill>
-                  <a:srgbClr val="FAC74E"/>
-                </a:solidFill>
-              </a:rPr>
-              <a:t>Ordinateur</a:t>
-            </a:r>
-          </a:p>
-          <a:p>
-            <a:pPr marL="571500" indent="-571500">
-              <a:buFont typeface="Arial" panose="020B0604020202020204" pitchFamily="34" charset="0"/>
-              <a:buChar char="•"/>
-            </a:pPr>
-            <a:r>
-              <a:rPr lang="fr-FR" sz="4000" dirty="0" smtClean="0">
-                <a:solidFill>
-                  <a:srgbClr val="FAC74E"/>
-                </a:solidFill>
-              </a:rPr>
-              <a:t>Tablette</a:t>
-            </a:r>
-          </a:p>
-          <a:p>
-            <a:pPr marL="571500" indent="-571500">
-              <a:buFont typeface="Arial" panose="020B0604020202020204" pitchFamily="34" charset="0"/>
-              <a:buChar char="•"/>
-            </a:pPr>
-            <a:r>
-              <a:rPr lang="fr-FR" sz="4000" dirty="0" smtClean="0">
-                <a:solidFill>
-                  <a:srgbClr val="FAC74E"/>
-                </a:solidFill>
-              </a:rPr>
-              <a:t>smartphone</a:t>
-            </a:r>
-            <a:endParaRPr lang="fr-FR" sz="4000" dirty="0">
-              <a:solidFill>
-                <a:srgbClr val="FAC74E"/>
-              </a:solidFill>
-            </a:endParaRPr>
-          </a:p>
-        </p:txBody>
-      </p:sp>
       <p:pic>
         <p:nvPicPr>
-          <p:cNvPr id="3" name="Image 2"/>
+          <p:cNvPr id="4" name="Image 3"/>
           <p:cNvPicPr>
             <a:picLocks noChangeAspect="1"/>
           </p:cNvPicPr>
@@ -9052,17 +7478,82 @@
         </p:blipFill>
         <p:spPr>
           <a:xfrm>
-            <a:off x="1388918" y="2862682"/>
-            <a:ext cx="2216727" cy="1201173"/>
+            <a:off x="384464" y="3170659"/>
+            <a:ext cx="5052157" cy="1250697"/>
           </a:xfrm>
           <a:prstGeom prst="rect">
             <a:avLst/>
           </a:prstGeom>
+          <a:effectLst>
+            <a:outerShdw blurRad="50800" dist="127000" dir="7740000" algn="t" rotWithShape="0">
+              <a:prstClr val="black">
+                <a:alpha val="40000"/>
+              </a:prstClr>
+            </a:outerShdw>
+          </a:effectLst>
         </p:spPr>
       </p:pic>
+      <p:sp>
+        <p:nvSpPr>
+          <p:cNvPr id="10" name="Rectangle 9"/>
+          <p:cNvSpPr/>
+          <p:nvPr/>
+        </p:nvSpPr>
+        <p:spPr>
+          <a:xfrm>
+            <a:off x="-135467" y="68161"/>
+            <a:ext cx="12327467" cy="2009422"/>
+          </a:xfrm>
+          <a:prstGeom prst="rect">
+            <a:avLst/>
+          </a:prstGeom>
+          <a:solidFill>
+            <a:schemeClr val="tx1">
+              <a:lumMod val="75000"/>
+              <a:lumOff val="25000"/>
+            </a:schemeClr>
+          </a:solidFill>
+        </p:spPr>
+        <p:style>
+          <a:lnRef idx="2">
+            <a:schemeClr val="accent1">
+              <a:shade val="50000"/>
+            </a:schemeClr>
+          </a:lnRef>
+          <a:fillRef idx="1">
+            <a:schemeClr val="accent1"/>
+          </a:fillRef>
+          <a:effectRef idx="0">
+            <a:schemeClr val="accent1"/>
+          </a:effectRef>
+          <a:fontRef idx="minor">
+            <a:schemeClr val="lt1"/>
+          </a:fontRef>
+        </p:style>
+        <p:txBody>
+          <a:bodyPr rtlCol="0" anchor="ctr"/>
+          <a:lstStyle/>
+          <a:p>
+            <a:pPr algn="ctr"/>
+            <a:r>
+              <a:rPr lang="fr-FR" sz="6000" dirty="0" smtClean="0">
+                <a:solidFill>
+                  <a:srgbClr val="CF384A"/>
+                </a:solidFill>
+              </a:rPr>
+              <a:t>Titre de la page de navigation</a:t>
+            </a:r>
+            <a:endParaRPr lang="fr-FR" sz="6000" dirty="0">
+              <a:solidFill>
+                <a:srgbClr val="CF384A"/>
+              </a:solidFill>
+            </a:endParaRPr>
+          </a:p>
+        </p:txBody>
+      </p:sp>
       <p:pic>
         <p:nvPicPr>
-          <p:cNvPr id="7" name="Image 6"/>
+          <p:cNvPr id="2" name="Image 1"/>
           <p:cNvPicPr>
             <a:picLocks noChangeAspect="1"/>
           </p:cNvPicPr>
@@ -9076,52 +7567,34 @@
         </p:blipFill>
         <p:spPr>
           <a:xfrm>
-            <a:off x="4194994" y="3009900"/>
-            <a:ext cx="928637" cy="1198418"/>
+            <a:off x="1098597" y="5288924"/>
+            <a:ext cx="4509800" cy="1496340"/>
           </a:xfrm>
           <a:prstGeom prst="rect">
             <a:avLst/>
           </a:prstGeom>
         </p:spPr>
       </p:pic>
-      <p:pic>
-        <p:nvPicPr>
-          <p:cNvPr id="8" name="Image 7"/>
-          <p:cNvPicPr>
-            <a:picLocks noChangeAspect="1"/>
-          </p:cNvPicPr>
-          <p:nvPr/>
-        </p:nvPicPr>
-        <p:blipFill>
-          <a:blip r:embed="rId4"/>
-          <a:stretch>
-            <a:fillRect/>
-          </a:stretch>
-        </p:blipFill>
-        <p:spPr>
-          <a:xfrm>
-            <a:off x="5412160" y="3361459"/>
-            <a:ext cx="467329" cy="745050"/>
-          </a:xfrm>
-          <a:prstGeom prst="rect">
-            <a:avLst/>
-          </a:prstGeom>
-        </p:spPr>
-      </p:pic>
-      <p:sp>
-        <p:nvSpPr>
-          <p:cNvPr id="9" name="Rectangle à coins arrondis 8"/>
+      <p:sp>
+        <p:nvSpPr>
+          <p:cNvPr id="5" name="Ellipse 4"/>
           <p:cNvSpPr/>
           <p:nvPr/>
         </p:nvSpPr>
         <p:spPr>
           <a:xfrm>
-            <a:off x="633845" y="6270171"/>
-            <a:ext cx="1673926" cy="333829"/>
-          </a:xfrm>
-          <a:prstGeom prst="roundRect">
-            <a:avLst/>
-          </a:prstGeom>
+            <a:off x="384464" y="4499264"/>
+            <a:ext cx="3647209" cy="633845"/>
+          </a:xfrm>
+          <a:prstGeom prst="ellipse">
+            <a:avLst/>
+          </a:prstGeom>
+          <a:noFill/>
+          <a:ln w="38100">
+            <a:solidFill>
+              <a:srgbClr val="FAC74E"/>
+            </a:solidFill>
+          </a:ln>
         </p:spPr>
         <p:style>
           <a:lnRef idx="2">
@@ -9144,18 +7617,96 @@
           <a:lstStyle/>
           <a:p>
             <a:pPr algn="ctr"/>
-            <a:r>
-              <a:rPr lang="fr-FR" dirty="0" smtClean="0"/>
-              <a:t>Responsive</a:t>
-            </a:r>
-            <a:endParaRPr lang="fr-FR" dirty="0"/>
+            <a:endParaRPr lang="fr-FR"/>
+          </a:p>
+        </p:txBody>
+      </p:sp>
+      <p:sp>
+        <p:nvSpPr>
+          <p:cNvPr id="6" name="Rectangle à coins arrondis 5"/>
+          <p:cNvSpPr/>
+          <p:nvPr/>
+        </p:nvSpPr>
+        <p:spPr>
+          <a:xfrm>
+            <a:off x="8113486" y="2676700"/>
+            <a:ext cx="3410857" cy="3448329"/>
+          </a:xfrm>
+          <a:prstGeom prst="roundRect">
+            <a:avLst/>
+          </a:prstGeom>
+          <a:solidFill>
+            <a:srgbClr val="FAC74E"/>
+          </a:solidFill>
+          <a:ln>
+            <a:solidFill>
+              <a:srgbClr val="FAC74E"/>
+            </a:solidFill>
+          </a:ln>
+        </p:spPr>
+        <p:style>
+          <a:lnRef idx="2">
+            <a:schemeClr val="accent1">
+              <a:shade val="50000"/>
+            </a:schemeClr>
+          </a:lnRef>
+          <a:fillRef idx="1">
+            <a:schemeClr val="accent1"/>
+          </a:fillRef>
+          <a:effectRef idx="0">
+            <a:schemeClr val="accent1"/>
+          </a:effectRef>
+          <a:fontRef idx="minor">
+            <a:schemeClr val="lt1"/>
+          </a:fontRef>
+        </p:style>
+        <p:txBody>
+          <a:bodyPr rtlCol="0" anchor="ctr"/>
+          <a:lstStyle/>
+          <a:p>
+            <a:pPr algn="ctr"/>
+            <a:r>
+              <a:rPr lang="fr-FR" sz="3200" dirty="0" smtClean="0">
+                <a:solidFill>
+                  <a:srgbClr val="CF384A"/>
+                </a:solidFill>
+              </a:rPr>
+              <a:t>Titre de page</a:t>
+            </a:r>
+          </a:p>
+          <a:p>
+            <a:pPr algn="ctr"/>
+            <a:r>
+              <a:rPr lang="fr-FR" sz="3200" dirty="0" smtClean="0">
+                <a:solidFill>
+                  <a:srgbClr val="CF384A"/>
+                </a:solidFill>
+              </a:rPr>
+              <a:t>Expérience utilisateur</a:t>
+            </a:r>
+          </a:p>
+          <a:p>
+            <a:pPr algn="ctr"/>
+            <a:r>
+              <a:rPr lang="fr-FR" sz="3200" dirty="0" smtClean="0">
+                <a:solidFill>
+                  <a:srgbClr val="CF384A"/>
+                </a:solidFill>
+              </a:rPr>
+              <a:t>SEO</a:t>
+            </a:r>
+            <a:endParaRPr lang="fr-FR" sz="3200" dirty="0">
+              <a:solidFill>
+                <a:srgbClr val="CF384A"/>
+              </a:solidFill>
+            </a:endParaRPr>
           </a:p>
         </p:txBody>
       </p:sp>
     </p:spTree>
     <p:extLst>
       <p:ext uri="{BB962C8B-B14F-4D97-AF65-F5344CB8AC3E}">
-        <p14:creationId xmlns:p14="http://schemas.microsoft.com/office/powerpoint/2010/main" val="3479203292"/>
+        <p14:creationId xmlns:p14="http://schemas.microsoft.com/office/powerpoint/2010/main" val="4220533152"/>
       </p:ext>
     </p:extLst>
   </p:cSld>
@@ -9197,14 +7748,14 @@
         </p:nvSpPr>
         <p:spPr>
           <a:xfrm>
-            <a:off x="1625347" y="392590"/>
-            <a:ext cx="3771900" cy="1268730"/>
+            <a:off x="2720622" y="191911"/>
+            <a:ext cx="7258756" cy="1715911"/>
           </a:xfrm>
           <a:prstGeom prst="roundRect">
             <a:avLst/>
           </a:prstGeom>
           <a:solidFill>
-            <a:srgbClr val="FAC74E"/>
+            <a:srgbClr val="CF384A"/>
           </a:solidFill>
           <a:ln>
             <a:solidFill>
@@ -9249,12 +7800,9 @@
         </p:nvSpPr>
         <p:spPr>
           <a:xfrm>
-            <a:off x="2781682" y="364174"/>
-            <a:ext cx="1733550" cy="1325563"/>
-          </a:xfrm>
-          <a:ln>
-            <a:noFill/>
-          </a:ln>
+            <a:off x="3242734" y="387084"/>
+            <a:ext cx="10515600" cy="1325563"/>
+          </a:xfrm>
         </p:spPr>
         <p:txBody>
           <a:bodyPr>
@@ -9263,16 +7811,16 @@
           <a:lstStyle/>
           <a:p>
             <a:r>
-              <a:rPr lang="fr-FR" sz="5400" b="1" dirty="0" smtClean="0">
+              <a:rPr lang="fr-FR" sz="6000" b="1" dirty="0" smtClean="0">
                 <a:solidFill>
-                  <a:srgbClr val="CF384A"/>
+                  <a:srgbClr val="FAC74E"/>
                 </a:solidFill>
               </a:rPr>
-              <a:t>JS</a:t>
-            </a:r>
-            <a:endParaRPr lang="fr-FR" sz="5400" b="1" dirty="0">
+              <a:t>Renommer les IMG</a:t>
+            </a:r>
+            <a:endParaRPr lang="fr-FR" sz="6000" b="1" dirty="0">
               <a:solidFill>
-                <a:srgbClr val="CF384A"/>
+                <a:srgbClr val="FAC74E"/>
               </a:solidFill>
             </a:endParaRPr>
           </a:p>
@@ -9296,8 +7844,32 @@
         </p:blipFill>
         <p:spPr>
           <a:xfrm>
-            <a:off x="838200" y="1985645"/>
-            <a:ext cx="5346194" cy="4351338"/>
+            <a:off x="453316" y="4598579"/>
+            <a:ext cx="5578836" cy="1765128"/>
+          </a:xfrm>
+          <a:prstGeom prst="rect">
+            <a:avLst/>
+          </a:prstGeom>
+        </p:spPr>
+      </p:pic>
+      <p:pic>
+        <p:nvPicPr>
+          <p:cNvPr id="3" name="Image 2"/>
+          <p:cNvPicPr>
+            <a:picLocks noChangeAspect="1"/>
+          </p:cNvPicPr>
+          <p:nvPr/>
+        </p:nvPicPr>
+        <p:blipFill>
+          <a:blip r:embed="rId3"/>
+          <a:stretch>
+            <a:fillRect/>
+          </a:stretch>
+        </p:blipFill>
+        <p:spPr>
+          <a:xfrm>
+            <a:off x="1135863" y="2926035"/>
+            <a:ext cx="6749429" cy="2299108"/>
           </a:xfrm>
           <a:prstGeom prst="rect">
             <a:avLst/>
@@ -9322,15 +7894,20 @@
         </p:nvSpPr>
         <p:spPr>
           <a:xfrm>
-            <a:off x="7749540" y="925830"/>
-            <a:ext cx="3589020" cy="4709160"/>
+            <a:off x="8723086" y="2384674"/>
+            <a:ext cx="3004457" cy="3381829"/>
           </a:xfrm>
           <a:prstGeom prst="roundRect">
             <a:avLst/>
           </a:prstGeom>
           <a:solidFill>
-            <a:srgbClr val="CF384A"/>
+            <a:srgbClr val="FAC74E"/>
           </a:solidFill>
+          <a:ln>
+            <a:solidFill>
+              <a:srgbClr val="FAC74E"/>
+            </a:solidFill>
+          </a:ln>
         </p:spPr>
         <p:style>
           <a:lnRef idx="2">
@@ -9354,49 +7931,49 @@
           <a:p>
             <a:pPr algn="ctr"/>
             <a:r>
-              <a:rPr lang="fr-FR" sz="2800" dirty="0" smtClean="0">
+              <a:rPr lang="fr-FR" sz="2400" dirty="0" smtClean="0">
                 <a:solidFill>
-                  <a:srgbClr val="FAC74E"/>
+                  <a:srgbClr val="CF384A"/>
                 </a:solidFill>
               </a:rPr>
-              <a:t>Pour un chargement plus rapide </a:t>
+              <a:t>Image renommer pour </a:t>
             </a:r>
           </a:p>
           <a:p>
             <a:pPr algn="ctr"/>
             <a:r>
-              <a:rPr lang="fr-FR" sz="2800" dirty="0" smtClean="0">
+              <a:rPr lang="fr-FR" sz="2400" dirty="0" smtClean="0">
                 <a:solidFill>
-                  <a:srgbClr val="FAC74E"/>
+                  <a:srgbClr val="CF384A"/>
                 </a:solidFill>
               </a:rPr>
-              <a:t>Des pages</a:t>
+              <a:t>Un meilleur classement </a:t>
             </a:r>
           </a:p>
           <a:p>
             <a:pPr algn="ctr"/>
             <a:r>
-              <a:rPr lang="fr-FR" sz="2800" dirty="0" smtClean="0">
+              <a:rPr lang="fr-FR" sz="2400" dirty="0" smtClean="0">
                 <a:solidFill>
-                  <a:srgbClr val="FAC74E"/>
+                  <a:srgbClr val="CF384A"/>
                 </a:solidFill>
               </a:rPr>
-              <a:t>Le JS</a:t>
+              <a:t>Google image</a:t>
             </a:r>
           </a:p>
           <a:p>
             <a:pPr algn="ctr"/>
             <a:r>
-              <a:rPr lang="fr-FR" sz="2800" dirty="0" smtClean="0">
+              <a:rPr lang="fr-FR" sz="2400" dirty="0" smtClean="0">
                 <a:solidFill>
-                  <a:srgbClr val="FAC74E"/>
+                  <a:srgbClr val="CF384A"/>
                 </a:solidFill>
               </a:rPr>
-              <a:t>A été positionné en bas de page</a:t>
-            </a:r>
-            <a:endParaRPr lang="fr-FR" sz="2800" dirty="0">
+              <a:t>Et SEO</a:t>
+            </a:r>
+            <a:endParaRPr lang="fr-FR" sz="2400" dirty="0">
               <a:solidFill>
-                <a:srgbClr val="FAC74E"/>
+                <a:srgbClr val="CF384A"/>
               </a:solidFill>
             </a:endParaRPr>
           </a:p>
@@ -9410,8 +7987,8 @@
         </p:nvSpPr>
         <p:spPr>
           <a:xfrm>
-            <a:off x="239232" y="6531665"/>
-            <a:ext cx="2772229" cy="202451"/>
+            <a:off x="453316" y="6502400"/>
+            <a:ext cx="1535141" cy="232229"/>
           </a:xfrm>
           <a:prstGeom prst="roundRect">
             <a:avLst/>
@@ -9439,8 +8016,12 @@
           <a:p>
             <a:pPr algn="ctr"/>
             <a:r>
+              <a:rPr lang="fr-FR" dirty="0"/>
+              <a:t>A</a:t>
+            </a:r>
+            <a:r>
               <a:rPr lang="fr-FR" dirty="0" smtClean="0"/>
-              <a:t>Page longue à charger</a:t>
+              <a:t>ffichage</a:t>
             </a:r>
             <a:endParaRPr lang="fr-FR" dirty="0"/>
           </a:p>
@@ -9449,13 +8030,20 @@
     </p:spTree>
     <p:extLst>
       <p:ext uri="{BB962C8B-B14F-4D97-AF65-F5344CB8AC3E}">
-        <p14:creationId xmlns:p14="http://schemas.microsoft.com/office/powerpoint/2010/main" val="986369382"/>
+        <p14:creationId xmlns:p14="http://schemas.microsoft.com/office/powerpoint/2010/main" val="1050534139"/>
       </p:ext>
     </p:extLst>
   </p:cSld>
   <p:clrMapOvr>
     <a:masterClrMapping/>
   </p:clrMapOvr>
+  <p:timing>
+    <p:tnLst>
+      <p:par>
+        <p:cTn id="1" dur="indefinite" restart="never" nodeType="tmRoot"/>
+      </p:par>
+    </p:tnLst>
+  </p:timing>
 </p:sld>
 </file>
 
@@ -9476,13 +8064,138 @@
           <a:chExt cx="0" cy="0"/>
         </a:xfrm>
       </p:grpSpPr>
+      <p:sp>
+        <p:nvSpPr>
+          <p:cNvPr id="6" name="Rectangle à coins arrondis 5"/>
+          <p:cNvSpPr/>
+          <p:nvPr/>
+        </p:nvSpPr>
+        <p:spPr>
+          <a:xfrm>
+            <a:off x="2520315" y="410686"/>
+            <a:ext cx="7029450" cy="1234440"/>
+          </a:xfrm>
+          <a:prstGeom prst="roundRect">
+            <a:avLst/>
+          </a:prstGeom>
+          <a:solidFill>
+            <a:srgbClr val="CF384A"/>
+          </a:solidFill>
+        </p:spPr>
+        <p:style>
+          <a:lnRef idx="2">
+            <a:schemeClr val="accent1">
+              <a:shade val="50000"/>
+            </a:schemeClr>
+          </a:lnRef>
+          <a:fillRef idx="1">
+            <a:schemeClr val="accent1"/>
+          </a:fillRef>
+          <a:effectRef idx="0">
+            <a:schemeClr val="accent1"/>
+          </a:effectRef>
+          <a:fontRef idx="minor">
+            <a:schemeClr val="lt1"/>
+          </a:fontRef>
+        </p:style>
+        <p:txBody>
+          <a:bodyPr rtlCol="0" anchor="ctr"/>
+          <a:lstStyle/>
+          <a:p>
+            <a:pPr algn="ctr"/>
+            <a:endParaRPr lang="fr-FR"/>
+          </a:p>
+        </p:txBody>
+      </p:sp>
+      <p:sp>
+        <p:nvSpPr>
+          <p:cNvPr id="2" name="Titre 1"/>
+          <p:cNvSpPr>
+            <a:spLocks noGrp="1"/>
+          </p:cNvSpPr>
+          <p:nvPr>
+            <p:ph type="title"/>
+          </p:nvPr>
+        </p:nvSpPr>
+        <p:spPr/>
+        <p:txBody>
+          <a:bodyPr>
+            <a:normAutofit/>
+          </a:bodyPr>
+          <a:lstStyle/>
+          <a:p>
+            <a:pPr algn="ctr"/>
+            <a:r>
+              <a:rPr lang="fr-FR" sz="5400" b="1" dirty="0" smtClean="0">
+                <a:solidFill>
+                  <a:srgbClr val="FAC74E"/>
+                </a:solidFill>
+              </a:rPr>
+              <a:t>Format IMG</a:t>
+            </a:r>
+            <a:endParaRPr lang="fr-FR" sz="5400" b="1" dirty="0">
+              <a:solidFill>
+                <a:srgbClr val="FAC74E"/>
+              </a:solidFill>
+            </a:endParaRPr>
+          </a:p>
+        </p:txBody>
+      </p:sp>
+      <p:sp>
+        <p:nvSpPr>
+          <p:cNvPr id="5" name="Rectangle à coins arrondis 4"/>
+          <p:cNvSpPr/>
+          <p:nvPr/>
+        </p:nvSpPr>
+        <p:spPr>
+          <a:xfrm>
+            <a:off x="1165860" y="2046333"/>
+            <a:ext cx="9738360" cy="4423410"/>
+          </a:xfrm>
+          <a:prstGeom prst="roundRect">
+            <a:avLst/>
+          </a:prstGeom>
+          <a:solidFill>
+            <a:schemeClr val="tx1">
+              <a:lumMod val="85000"/>
+              <a:lumOff val="15000"/>
+            </a:schemeClr>
+          </a:solidFill>
+        </p:spPr>
+        <p:style>
+          <a:lnRef idx="2">
+            <a:schemeClr val="accent1">
+              <a:shade val="50000"/>
+            </a:schemeClr>
+          </a:lnRef>
+          <a:fillRef idx="1">
+            <a:schemeClr val="accent1"/>
+          </a:fillRef>
+          <a:effectRef idx="0">
+            <a:schemeClr val="accent1"/>
+          </a:effectRef>
+          <a:fontRef idx="minor">
+            <a:schemeClr val="lt1"/>
+          </a:fontRef>
+        </p:style>
+        <p:txBody>
+          <a:bodyPr rtlCol="0" anchor="ctr"/>
+          <a:lstStyle/>
+          <a:p>
+            <a:pPr algn="ctr"/>
+            <a:endParaRPr lang="fr-FR"/>
+          </a:p>
+        </p:txBody>
+      </p:sp>
       <p:pic>
         <p:nvPicPr>
-          <p:cNvPr id="3" name="Image 2"/>
+          <p:cNvPr id="4" name="Espace réservé du contenu 3"/>
           <p:cNvPicPr>
-            <a:picLocks noChangeAspect="1"/>
+            <a:picLocks noGrp="1" noChangeAspect="1"/>
           </p:cNvPicPr>
-          <p:nvPr/>
+          <p:nvPr>
+            <p:ph idx="1"/>
+          </p:nvPr>
         </p:nvPicPr>
         <p:blipFill>
           <a:blip r:embed="rId2"/>
@@ -9492,183 +8205,24 @@
         </p:blipFill>
         <p:spPr>
           <a:xfrm>
-            <a:off x="219303" y="2676700"/>
-            <a:ext cx="5944430" cy="3000794"/>
+            <a:off x="1694183" y="2673374"/>
+            <a:ext cx="4505954" cy="1924319"/>
           </a:xfrm>
           <a:prstGeom prst="rect">
             <a:avLst/>
           </a:prstGeom>
         </p:spPr>
       </p:pic>
-      <p:pic>
-        <p:nvPicPr>
-          <p:cNvPr id="4" name="Image 3"/>
-          <p:cNvPicPr>
-            <a:picLocks noChangeAspect="1"/>
-          </p:cNvPicPr>
-          <p:nvPr/>
-        </p:nvPicPr>
-        <p:blipFill>
-          <a:blip r:embed="rId3"/>
-          <a:stretch>
-            <a:fillRect/>
-          </a:stretch>
-        </p:blipFill>
-        <p:spPr>
-          <a:xfrm>
-            <a:off x="384464" y="3170659"/>
-            <a:ext cx="5052157" cy="1250697"/>
-          </a:xfrm>
-          <a:prstGeom prst="rect">
-            <a:avLst/>
-          </a:prstGeom>
-          <a:effectLst>
-            <a:outerShdw blurRad="50800" dist="127000" dir="7740000" algn="t" rotWithShape="0">
-              <a:prstClr val="black">
-                <a:alpha val="40000"/>
-              </a:prstClr>
-            </a:outerShdw>
-          </a:effectLst>
-        </p:spPr>
-      </p:pic>
-      <p:sp>
-        <p:nvSpPr>
-          <p:cNvPr id="10" name="Rectangle 9"/>
+      <p:sp>
+        <p:nvSpPr>
+          <p:cNvPr id="3" name="Rectangle à coins arrondis 2"/>
           <p:cNvSpPr/>
           <p:nvPr/>
         </p:nvSpPr>
         <p:spPr>
           <a:xfrm>
-            <a:off x="-135467" y="68161"/>
-            <a:ext cx="12327467" cy="2009422"/>
-          </a:xfrm>
-          <a:prstGeom prst="rect">
-            <a:avLst/>
-          </a:prstGeom>
-          <a:solidFill>
-            <a:schemeClr val="tx1">
-              <a:lumMod val="75000"/>
-              <a:lumOff val="25000"/>
-            </a:schemeClr>
-          </a:solidFill>
-        </p:spPr>
-        <p:style>
-          <a:lnRef idx="2">
-            <a:schemeClr val="accent1">
-              <a:shade val="50000"/>
-            </a:schemeClr>
-          </a:lnRef>
-          <a:fillRef idx="1">
-            <a:schemeClr val="accent1"/>
-          </a:fillRef>
-          <a:effectRef idx="0">
-            <a:schemeClr val="accent1"/>
-          </a:effectRef>
-          <a:fontRef idx="minor">
-            <a:schemeClr val="lt1"/>
-          </a:fontRef>
-        </p:style>
-        <p:txBody>
-          <a:bodyPr rtlCol="0" anchor="ctr"/>
-          <a:lstStyle/>
-          <a:p>
-            <a:pPr algn="ctr"/>
-            <a:r>
-              <a:rPr lang="fr-FR" sz="6000" dirty="0" smtClean="0">
-                <a:solidFill>
-                  <a:srgbClr val="CF384A"/>
-                </a:solidFill>
-              </a:rPr>
-              <a:t>Titre de la page de navigation</a:t>
-            </a:r>
-            <a:endParaRPr lang="fr-FR" sz="6000" dirty="0">
-              <a:solidFill>
-                <a:srgbClr val="CF384A"/>
-              </a:solidFill>
-            </a:endParaRPr>
-          </a:p>
-        </p:txBody>
-      </p:sp>
-      <p:pic>
-        <p:nvPicPr>
-          <p:cNvPr id="2" name="Image 1"/>
-          <p:cNvPicPr>
-            <a:picLocks noChangeAspect="1"/>
-          </p:cNvPicPr>
-          <p:nvPr/>
-        </p:nvPicPr>
-        <p:blipFill>
-          <a:blip r:embed="rId4"/>
-          <a:stretch>
-            <a:fillRect/>
-          </a:stretch>
-        </p:blipFill>
-        <p:spPr>
-          <a:xfrm>
-            <a:off x="1098597" y="5288924"/>
-            <a:ext cx="4509800" cy="1496340"/>
-          </a:xfrm>
-          <a:prstGeom prst="rect">
-            <a:avLst/>
-          </a:prstGeom>
-        </p:spPr>
-      </p:pic>
-      <p:sp>
-        <p:nvSpPr>
-          <p:cNvPr id="5" name="Ellipse 4"/>
-          <p:cNvSpPr/>
-          <p:nvPr/>
-        </p:nvSpPr>
-        <p:spPr>
-          <a:xfrm>
-            <a:off x="384464" y="4499264"/>
-            <a:ext cx="3647209" cy="633845"/>
-          </a:xfrm>
-          <a:prstGeom prst="ellipse">
-            <a:avLst/>
-          </a:prstGeom>
-          <a:noFill/>
-          <a:ln w="38100">
-            <a:solidFill>
-              <a:srgbClr val="FAC74E"/>
-            </a:solidFill>
-          </a:ln>
-        </p:spPr>
-        <p:style>
-          <a:lnRef idx="2">
-            <a:schemeClr val="accent1">
-              <a:shade val="50000"/>
-            </a:schemeClr>
-          </a:lnRef>
-          <a:fillRef idx="1">
-            <a:schemeClr val="accent1"/>
-          </a:fillRef>
-          <a:effectRef idx="0">
-            <a:schemeClr val="accent1"/>
-          </a:effectRef>
-          <a:fontRef idx="minor">
-            <a:schemeClr val="lt1"/>
-          </a:fontRef>
-        </p:style>
-        <p:txBody>
-          <a:bodyPr rtlCol="0" anchor="ctr"/>
-          <a:lstStyle/>
-          <a:p>
-            <a:pPr algn="ctr"/>
-            <a:endParaRPr lang="fr-FR"/>
-          </a:p>
-        </p:txBody>
-      </p:sp>
-      <p:sp>
-        <p:nvSpPr>
-          <p:cNvPr id="6" name="Rectangle à coins arrondis 5"/>
-          <p:cNvSpPr/>
-          <p:nvPr/>
-        </p:nvSpPr>
-        <p:spPr>
-          <a:xfrm>
-            <a:off x="8113486" y="2676700"/>
-            <a:ext cx="3410857" cy="3448329"/>
+            <a:off x="7300685" y="2673374"/>
+            <a:ext cx="3062515" cy="3033486"/>
           </a:xfrm>
           <a:prstGeom prst="roundRect">
             <a:avLst/>
@@ -9709,7 +8263,7 @@
                   <a:srgbClr val="CF384A"/>
                 </a:solidFill>
               </a:rPr>
-              <a:t>Titre de page</a:t>
+              <a:t>Images au même</a:t>
             </a:r>
           </a:p>
           <a:p>
@@ -9720,18 +8274,7 @@
                   <a:srgbClr val="CF384A"/>
                 </a:solidFill>
               </a:rPr>
-              <a:t>Expérience utilisateur</a:t>
-            </a:r>
-          </a:p>
-          <a:p>
-            <a:pPr algn="ctr"/>
-            <a:r>
-              <a:rPr lang="fr-FR" sz="3200" dirty="0" smtClean="0">
-                <a:solidFill>
-                  <a:srgbClr val="CF384A"/>
-                </a:solidFill>
-              </a:rPr>
-              <a:t>SEO</a:t>
+              <a:t>format</a:t>
             </a:r>
             <a:endParaRPr lang="fr-FR" sz="3200" dirty="0">
               <a:solidFill>
@@ -9741,10 +8284,100 @@
           </a:p>
         </p:txBody>
       </p:sp>
+      <p:sp>
+        <p:nvSpPr>
+          <p:cNvPr id="7" name="Rectangle à coins arrondis 6"/>
+          <p:cNvSpPr/>
+          <p:nvPr/>
+        </p:nvSpPr>
+        <p:spPr>
+          <a:xfrm>
+            <a:off x="304800" y="6469743"/>
+            <a:ext cx="1190171" cy="250371"/>
+          </a:xfrm>
+          <a:prstGeom prst="roundRect">
+            <a:avLst/>
+          </a:prstGeom>
+        </p:spPr>
+        <p:style>
+          <a:lnRef idx="2">
+            <a:schemeClr val="accent1">
+              <a:shade val="50000"/>
+            </a:schemeClr>
+          </a:lnRef>
+          <a:fillRef idx="1">
+            <a:schemeClr val="accent1"/>
+          </a:fillRef>
+          <a:effectRef idx="0">
+            <a:schemeClr val="accent1"/>
+          </a:effectRef>
+          <a:fontRef idx="minor">
+            <a:schemeClr val="lt1"/>
+          </a:fontRef>
+        </p:style>
+        <p:txBody>
+          <a:bodyPr rtlCol="0" anchor="ctr"/>
+          <a:lstStyle/>
+          <a:p>
+            <a:pPr algn="ctr"/>
+            <a:r>
+              <a:rPr lang="fr-FR" dirty="0" smtClean="0"/>
+              <a:t>Affichage</a:t>
+            </a:r>
+            <a:endParaRPr lang="fr-FR" dirty="0"/>
+          </a:p>
+        </p:txBody>
+      </p:sp>
+      <p:sp>
+        <p:nvSpPr>
+          <p:cNvPr id="8" name="Ellipse 7"/>
+          <p:cNvSpPr/>
+          <p:nvPr/>
+        </p:nvSpPr>
+        <p:spPr>
+          <a:xfrm>
+            <a:off x="3492347" y="3547431"/>
+            <a:ext cx="484742" cy="330506"/>
+          </a:xfrm>
+          <a:prstGeom prst="ellipse">
+            <a:avLst/>
+          </a:prstGeom>
+          <a:noFill/>
+          <a:ln>
+            <a:solidFill>
+              <a:srgbClr val="FF0000"/>
+            </a:solidFill>
+          </a:ln>
+        </p:spPr>
+        <p:style>
+          <a:lnRef idx="2">
+            <a:schemeClr val="accent1">
+              <a:shade val="50000"/>
+            </a:schemeClr>
+          </a:lnRef>
+          <a:fillRef idx="1">
+            <a:schemeClr val="accent1"/>
+          </a:fillRef>
+          <a:effectRef idx="0">
+            <a:schemeClr val="accent1"/>
+          </a:effectRef>
+          <a:fontRef idx="minor">
+            <a:schemeClr val="lt1"/>
+          </a:fontRef>
+        </p:style>
+        <p:txBody>
+          <a:bodyPr rtlCol="0" anchor="ctr"/>
+          <a:lstStyle/>
+          <a:p>
+            <a:pPr algn="ctr"/>
+            <a:endParaRPr lang="fr-FR"/>
+          </a:p>
+        </p:txBody>
+      </p:sp>
     </p:spTree>
     <p:extLst>
       <p:ext uri="{BB962C8B-B14F-4D97-AF65-F5344CB8AC3E}">
-        <p14:creationId xmlns:p14="http://schemas.microsoft.com/office/powerpoint/2010/main" val="4220533152"/>
+        <p14:creationId xmlns:p14="http://schemas.microsoft.com/office/powerpoint/2010/main" val="2021049939"/>
       </p:ext>
     </p:extLst>
   </p:cSld>
@@ -9764,6 +8397,17 @@
 <file path=ppt/slides/slide9.xml><?xml version="1.0" encoding="utf-8"?>
 <p:sld xmlns:a="http://schemas.openxmlformats.org/drawingml/2006/main" xmlns:r="http://schemas.openxmlformats.org/officeDocument/2006/relationships" xmlns:p="http://schemas.openxmlformats.org/presentationml/2006/main">
   <p:cSld>
+    <p:bg>
+      <p:bgPr>
+        <a:solidFill>
+          <a:schemeClr val="tx1">
+            <a:lumMod val="65000"/>
+            <a:lumOff val="35000"/>
+          </a:schemeClr>
+        </a:solidFill>
+        <a:effectLst/>
+      </p:bgPr>
+    </p:bg>
     <p:spTree>
       <p:nvGrpSpPr>
         <p:cNvPr id="1" name=""/>
@@ -9780,20 +8424,20 @@
       </p:grpSpPr>
       <p:sp>
         <p:nvSpPr>
-          <p:cNvPr id="5" name="Rectangle à coins arrondis 4"/>
+          <p:cNvPr id="4" name="Rectangle à coins arrondis 3"/>
           <p:cNvSpPr/>
           <p:nvPr/>
         </p:nvSpPr>
         <p:spPr>
           <a:xfrm>
-            <a:off x="2720622" y="191911"/>
-            <a:ext cx="7258756" cy="1715911"/>
+            <a:off x="864423" y="450443"/>
+            <a:ext cx="10284031" cy="1463675"/>
           </a:xfrm>
           <a:prstGeom prst="roundRect">
             <a:avLst/>
           </a:prstGeom>
           <a:solidFill>
-            <a:srgbClr val="CF384A"/>
+            <a:srgbClr val="FAC74E"/>
           </a:solidFill>
           <a:ln>
             <a:solidFill>
@@ -9838,9 +8482,12 @@
         </p:nvSpPr>
         <p:spPr>
           <a:xfrm>
-            <a:off x="3242734" y="387084"/>
-            <a:ext cx="10515600" cy="1325563"/>
-          </a:xfrm>
+            <a:off x="3035134" y="519500"/>
+            <a:ext cx="5942611" cy="1325563"/>
+          </a:xfrm>
+          <a:ln>
+            <a:noFill/>
+          </a:ln>
         </p:spPr>
         <p:txBody>
           <a:bodyPr>
@@ -9849,16 +8496,16 @@
           <a:lstStyle/>
           <a:p>
             <a:r>
-              <a:rPr lang="fr-FR" sz="6000" b="1" dirty="0" smtClean="0">
+              <a:rPr lang="fr-FR" sz="4800" b="1" dirty="0" smtClean="0">
                 <a:solidFill>
-                  <a:srgbClr val="FAC74E"/>
+                  <a:srgbClr val="CF384A"/>
                 </a:solidFill>
               </a:rPr>
-              <a:t>Renommer les IMG</a:t>
-            </a:r>
-            <a:endParaRPr lang="fr-FR" sz="6000" b="1" dirty="0">
+              <a:t>CHARGEMENT DU SITE</a:t>
+            </a:r>
+            <a:endParaRPr lang="fr-FR" sz="4800" b="1" dirty="0">
               <a:solidFill>
-                <a:srgbClr val="FAC74E"/>
+                <a:srgbClr val="CF384A"/>
               </a:solidFill>
             </a:endParaRPr>
           </a:p>
@@ -9866,13 +8513,11 @@
       </p:sp>
       <p:pic>
         <p:nvPicPr>
-          <p:cNvPr id="4" name="Espace réservé du contenu 3"/>
+          <p:cNvPr id="10" name="Image 9"/>
           <p:cNvPicPr>
-            <a:picLocks noGrp="1" noChangeAspect="1"/>
+            <a:picLocks noChangeAspect="1"/>
           </p:cNvPicPr>
-          <p:nvPr>
-            <p:ph idx="1"/>
-          </p:nvPr>
+          <p:nvPr/>
         </p:nvPicPr>
         <p:blipFill>
           <a:blip r:embed="rId2"/>
@@ -9882,8 +8527,8 @@
         </p:blipFill>
         <p:spPr>
           <a:xfrm>
-            <a:off x="453316" y="4598579"/>
-            <a:ext cx="5578836" cy="1765128"/>
+            <a:off x="1259771" y="3832245"/>
+            <a:ext cx="3977247" cy="2726985"/>
           </a:xfrm>
           <a:prstGeom prst="rect">
             <a:avLst/>
@@ -9892,7 +8537,7 @@
       </p:pic>
       <p:pic>
         <p:nvPicPr>
-          <p:cNvPr id="3" name="Image 2"/>
+          <p:cNvPr id="11" name="Image 10"/>
           <p:cNvPicPr>
             <a:picLocks noChangeAspect="1"/>
           </p:cNvPicPr>
@@ -9906,24 +8551,90 @@
         </p:blipFill>
         <p:spPr>
           <a:xfrm>
-            <a:off x="1135863" y="2926035"/>
-            <a:ext cx="6749429" cy="2299108"/>
+            <a:off x="1259771" y="2425683"/>
+            <a:ext cx="3977247" cy="1002529"/>
           </a:xfrm>
           <a:prstGeom prst="rect">
             <a:avLst/>
           </a:prstGeom>
-          <a:ln>
-            <a:noFill/>
+        </p:spPr>
+      </p:pic>
+      <p:pic>
+        <p:nvPicPr>
+          <p:cNvPr id="3" name="Image 2"/>
+          <p:cNvPicPr>
+            <a:picLocks noChangeAspect="1"/>
+          </p:cNvPicPr>
+          <p:nvPr/>
+        </p:nvPicPr>
+        <p:blipFill>
+          <a:blip r:embed="rId4"/>
+          <a:stretch>
+            <a:fillRect/>
+          </a:stretch>
+        </p:blipFill>
+        <p:spPr>
+          <a:xfrm>
+            <a:off x="5982175" y="2425683"/>
+            <a:ext cx="5166279" cy="963384"/>
+          </a:xfrm>
+          <a:prstGeom prst="rect">
+            <a:avLst/>
+          </a:prstGeom>
+          <a:ln w="38100" cap="sq">
+            <a:solidFill>
+              <a:srgbClr val="000000"/>
+            </a:solidFill>
+            <a:prstDash val="solid"/>
+            <a:miter lim="800000"/>
           </a:ln>
           <a:effectLst>
-            <a:outerShdw blurRad="292100" dist="139700" dir="2700000" algn="tl" rotWithShape="0">
-              <a:srgbClr val="333333">
-                <a:alpha val="65000"/>
+            <a:outerShdw blurRad="50800" dist="38100" dir="2700000" algn="tl" rotWithShape="0">
+              <a:srgbClr val="000000">
+                <a:alpha val="43000"/>
               </a:srgbClr>
             </a:outerShdw>
           </a:effectLst>
         </p:spPr>
       </p:pic>
+      <p:pic>
+        <p:nvPicPr>
+          <p:cNvPr id="5" name="Image 4"/>
+          <p:cNvPicPr>
+            <a:picLocks noChangeAspect="1"/>
+          </p:cNvPicPr>
+          <p:nvPr/>
+        </p:nvPicPr>
+        <p:blipFill>
+          <a:blip r:embed="rId5"/>
+          <a:stretch>
+            <a:fillRect/>
+          </a:stretch>
+        </p:blipFill>
+        <p:spPr>
+          <a:xfrm>
+            <a:off x="6468607" y="3782344"/>
+            <a:ext cx="4193413" cy="2905075"/>
+          </a:xfrm>
+          <a:prstGeom prst="rect">
+            <a:avLst/>
+          </a:prstGeom>
+          <a:ln w="38100" cap="sq">
+            <a:solidFill>
+              <a:srgbClr val="000000"/>
+            </a:solidFill>
+            <a:prstDash val="solid"/>
+            <a:miter lim="800000"/>
+          </a:ln>
+          <a:effectLst>
+            <a:outerShdw blurRad="50800" dist="38100" dir="2700000" algn="tl" rotWithShape="0">
+              <a:srgbClr val="000000">
+                <a:alpha val="43000"/>
+              </a:srgbClr>
+            </a:outerShdw>
+          </a:effectLst>
+        </p:spPr>
+      </p:pic>
       <p:sp>
         <p:nvSpPr>
           <p:cNvPr id="6" name="Rectangle à coins arrondis 5"/>
@@ -9932,20 +8643,12 @@
         </p:nvSpPr>
         <p:spPr>
           <a:xfrm>
-            <a:off x="8723086" y="2384674"/>
-            <a:ext cx="3004457" cy="3381829"/>
+            <a:off x="2380753" y="3428212"/>
+            <a:ext cx="1735282" cy="404033"/>
           </a:xfrm>
           <a:prstGeom prst="roundRect">
             <a:avLst/>
           </a:prstGeom>
-          <a:solidFill>
-            <a:srgbClr val="FAC74E"/>
-          </a:solidFill>
-          <a:ln>
-            <a:solidFill>
-              <a:srgbClr val="FAC74E"/>
-            </a:solidFill>
-          </a:ln>
         </p:spPr>
         <p:style>
           <a:lnRef idx="2">
@@ -9969,51 +8672,10 @@
           <a:p>
             <a:pPr algn="ctr"/>
             <a:r>
-              <a:rPr lang="fr-FR" sz="2400" dirty="0" smtClean="0">
-                <a:solidFill>
-                  <a:srgbClr val="CF384A"/>
-                </a:solidFill>
-              </a:rPr>
-              <a:t>Image renommer pour </a:t>
-            </a:r>
-          </a:p>
-          <a:p>
-            <a:pPr algn="ctr"/>
-            <a:r>
-              <a:rPr lang="fr-FR" sz="2400" dirty="0" smtClean="0">
-                <a:solidFill>
-                  <a:srgbClr val="CF384A"/>
-                </a:solidFill>
-              </a:rPr>
-              <a:t>Un meilleur classement </a:t>
-            </a:r>
-          </a:p>
-          <a:p>
-            <a:pPr algn="ctr"/>
-            <a:r>
-              <a:rPr lang="fr-FR" sz="2400" dirty="0" smtClean="0">
-                <a:solidFill>
-                  <a:srgbClr val="CF384A"/>
-                </a:solidFill>
-              </a:rPr>
-              <a:t>Google image</a:t>
-            </a:r>
-          </a:p>
-          <a:p>
-            <a:pPr algn="ctr"/>
-            <a:r>
-              <a:rPr lang="fr-FR" sz="2400" dirty="0" smtClean="0">
-                <a:solidFill>
-                  <a:srgbClr val="CF384A"/>
-                </a:solidFill>
-              </a:rPr>
-              <a:t>Et SEO</a:t>
-            </a:r>
-            <a:endParaRPr lang="fr-FR" sz="2400" dirty="0">
-              <a:solidFill>
-                <a:srgbClr val="CF384A"/>
-              </a:solidFill>
-            </a:endParaRPr>
+              <a:rPr lang="fr-FR" dirty="0" smtClean="0"/>
+              <a:t>avant</a:t>
+            </a:r>
+            <a:endParaRPr lang="fr-FR" dirty="0"/>
           </a:p>
         </p:txBody>
       </p:sp>
@@ -10025,8 +8687,8 @@
         </p:nvSpPr>
         <p:spPr>
           <a:xfrm>
-            <a:off x="453316" y="6502400"/>
-            <a:ext cx="1535141" cy="232229"/>
+            <a:off x="7928264" y="3428212"/>
+            <a:ext cx="1361209" cy="314987"/>
           </a:xfrm>
           <a:prstGeom prst="roundRect">
             <a:avLst/>
@@ -10054,12 +8716,8 @@
           <a:p>
             <a:pPr algn="ctr"/>
             <a:r>
-              <a:rPr lang="fr-FR" dirty="0"/>
-              <a:t>A</a:t>
-            </a:r>
-            <a:r>
               <a:rPr lang="fr-FR" dirty="0" smtClean="0"/>
-              <a:t>ffichage</a:t>
+              <a:t>après</a:t>
             </a:r>
             <a:endParaRPr lang="fr-FR" dirty="0"/>
           </a:p>
@@ -10068,7 +8726,7 @@
     </p:spTree>
     <p:extLst>
       <p:ext uri="{BB962C8B-B14F-4D97-AF65-F5344CB8AC3E}">
-        <p14:creationId xmlns:p14="http://schemas.microsoft.com/office/powerpoint/2010/main" val="1050534139"/>
+        <p14:creationId xmlns:p14="http://schemas.microsoft.com/office/powerpoint/2010/main" val="1499624090"/>
       </p:ext>
     </p:extLst>
   </p:cSld>
